--- a/modules/week01/slides-01.pptx
+++ b/modules/week01/slides-01.pptx
@@ -6,7 +6,7 @@
     <p:sldMasterId id="2147483673" r:id="rId2"/>
   </p:sldMasterIdLst>
   <p:notesMasterIdLst>
-    <p:notesMasterId r:id="rId44"/>
+    <p:notesMasterId r:id="rId45"/>
   </p:notesMasterIdLst>
   <p:sldIdLst>
     <p:sldId id="256" r:id="rId3"/>
@@ -14,86 +14,80 @@
     <p:sldId id="260" r:id="rId5"/>
     <p:sldId id="261" r:id="rId6"/>
     <p:sldId id="262" r:id="rId7"/>
-    <p:sldId id="263" r:id="rId8"/>
-    <p:sldId id="258" r:id="rId9"/>
-    <p:sldId id="264" r:id="rId10"/>
-    <p:sldId id="265" r:id="rId11"/>
-    <p:sldId id="259" r:id="rId12"/>
-    <p:sldId id="266" r:id="rId13"/>
-    <p:sldId id="267" r:id="rId14"/>
-    <p:sldId id="269" r:id="rId15"/>
-    <p:sldId id="274" r:id="rId16"/>
-    <p:sldId id="273" r:id="rId17"/>
-    <p:sldId id="275" r:id="rId18"/>
-    <p:sldId id="293" r:id="rId19"/>
-    <p:sldId id="294" r:id="rId20"/>
-    <p:sldId id="295" r:id="rId21"/>
-    <p:sldId id="298" r:id="rId22"/>
-    <p:sldId id="296" r:id="rId23"/>
-    <p:sldId id="299" r:id="rId24"/>
-    <p:sldId id="277" r:id="rId25"/>
-    <p:sldId id="281" r:id="rId26"/>
-    <p:sldId id="279" r:id="rId27"/>
-    <p:sldId id="282" r:id="rId28"/>
-    <p:sldId id="283" r:id="rId29"/>
-    <p:sldId id="284" r:id="rId30"/>
-    <p:sldId id="278" r:id="rId31"/>
-    <p:sldId id="268" r:id="rId32"/>
-    <p:sldId id="297" r:id="rId33"/>
-    <p:sldId id="270" r:id="rId34"/>
-    <p:sldId id="271" r:id="rId35"/>
-    <p:sldId id="286" r:id="rId36"/>
-    <p:sldId id="285" r:id="rId37"/>
-    <p:sldId id="291" r:id="rId38"/>
-    <p:sldId id="292" r:id="rId39"/>
-    <p:sldId id="287" r:id="rId40"/>
-    <p:sldId id="290" r:id="rId41"/>
-    <p:sldId id="272" r:id="rId42"/>
-    <p:sldId id="288" r:id="rId43"/>
+    <p:sldId id="300" r:id="rId8"/>
+    <p:sldId id="263" r:id="rId9"/>
+    <p:sldId id="258" r:id="rId10"/>
+    <p:sldId id="264" r:id="rId11"/>
+    <p:sldId id="265" r:id="rId12"/>
+    <p:sldId id="259" r:id="rId13"/>
+    <p:sldId id="266" r:id="rId14"/>
+    <p:sldId id="267" r:id="rId15"/>
+    <p:sldId id="269" r:id="rId16"/>
+    <p:sldId id="274" r:id="rId17"/>
+    <p:sldId id="273" r:id="rId18"/>
+    <p:sldId id="275" r:id="rId19"/>
+    <p:sldId id="293" r:id="rId20"/>
+    <p:sldId id="294" r:id="rId21"/>
+    <p:sldId id="295" r:id="rId22"/>
+    <p:sldId id="298" r:id="rId23"/>
+    <p:sldId id="296" r:id="rId24"/>
+    <p:sldId id="299" r:id="rId25"/>
+    <p:sldId id="277" r:id="rId26"/>
+    <p:sldId id="281" r:id="rId27"/>
+    <p:sldId id="279" r:id="rId28"/>
+    <p:sldId id="282" r:id="rId29"/>
+    <p:sldId id="283" r:id="rId30"/>
+    <p:sldId id="284" r:id="rId31"/>
+    <p:sldId id="278" r:id="rId32"/>
+    <p:sldId id="268" r:id="rId33"/>
+    <p:sldId id="297" r:id="rId34"/>
+    <p:sldId id="270" r:id="rId35"/>
+    <p:sldId id="271" r:id="rId36"/>
+    <p:sldId id="286" r:id="rId37"/>
+    <p:sldId id="285" r:id="rId38"/>
+    <p:sldId id="291" r:id="rId39"/>
+    <p:sldId id="292" r:id="rId40"/>
+    <p:sldId id="287" r:id="rId41"/>
+    <p:sldId id="290" r:id="rId42"/>
+    <p:sldId id="272" r:id="rId43"/>
+    <p:sldId id="288" r:id="rId44"/>
   </p:sldIdLst>
   <p:sldSz cx="9144000" cy="5143500" type="screen16x9"/>
   <p:notesSz cx="6858000" cy="9144000"/>
   <p:embeddedFontLst>
     <p:embeddedFont>
       <p:font typeface="Avenir" panose="02000503020000020003" pitchFamily="2" charset="0"/>
-      <p:regular r:id="rId45"/>
-      <p:italic r:id="rId46"/>
+      <p:regular r:id="rId46"/>
+      <p:italic r:id="rId47"/>
     </p:embeddedFont>
     <p:embeddedFont>
       <p:font typeface="Avenir Black" panose="02000503020000020003" pitchFamily="2" charset="0"/>
-      <p:bold r:id="rId47"/>
-      <p:italic r:id="rId48"/>
-      <p:boldItalic r:id="rId49"/>
+      <p:bold r:id="rId48"/>
+      <p:italic r:id="rId49"/>
+      <p:boldItalic r:id="rId50"/>
     </p:embeddedFont>
     <p:embeddedFont>
       <p:font typeface="Avenir Book" panose="02000503020000020003" pitchFamily="2" charset="0"/>
-      <p:regular r:id="rId50"/>
-      <p:italic r:id="rId51"/>
-    </p:embeddedFont>
-    <p:embeddedFont>
-      <p:font typeface="Calibri" panose="020F0502020204030204" pitchFamily="34" charset="0"/>
-      <p:regular r:id="rId52"/>
-      <p:bold r:id="rId53"/>
-      <p:italic r:id="rId54"/>
-      <p:boldItalic r:id="rId55"/>
+      <p:regular r:id="rId51"/>
+      <p:italic r:id="rId52"/>
     </p:embeddedFont>
     <p:embeddedFont>
       <p:font typeface="Century Gothic" panose="020B0502020202020204" pitchFamily="34" charset="0"/>
-      <p:regular r:id="rId56"/>
-      <p:bold r:id="rId57"/>
-      <p:italic r:id="rId58"/>
-      <p:boldItalic r:id="rId59"/>
+      <p:regular r:id="rId53"/>
+      <p:bold r:id="rId54"/>
+      <p:italic r:id="rId55"/>
+      <p:boldItalic r:id="rId56"/>
     </p:embeddedFont>
     <p:embeddedFont>
       <p:font typeface="Lobster" pitchFamily="2" charset="77"/>
-      <p:regular r:id="rId60"/>
+      <p:regular r:id="rId57"/>
     </p:embeddedFont>
     <p:embeddedFont>
       <p:font typeface="Nunito Sans" pitchFamily="2" charset="77"/>
-      <p:regular r:id="rId61"/>
-      <p:bold r:id="rId62"/>
-      <p:italic r:id="rId63"/>
-      <p:boldItalic r:id="rId64"/>
+      <p:regular r:id="rId58"/>
+      <p:bold r:id="rId59"/>
+      <p:italic r:id="rId60"/>
+      <p:boldItalic r:id="rId61"/>
     </p:embeddedFont>
   </p:embeddedFontLst>
   <p:defaultTextStyle>
@@ -17131,6 +17125,249 @@
           <p:cNvPr id="2" name="Title 1">
             <a:extLst>
               <a:ext uri="{FF2B5EF4-FFF2-40B4-BE49-F238E27FC236}">
+                <a16:creationId xmlns:a16="http://schemas.microsoft.com/office/drawing/2014/main" id="{EF9345A7-368F-1AC0-EF92-F543618C39A4}"/>
+              </a:ext>
+            </a:extLst>
+          </p:cNvPr>
+          <p:cNvSpPr>
+            <a:spLocks noGrp="1"/>
+          </p:cNvSpPr>
+          <p:nvPr>
+            <p:ph type="title"/>
+          </p:nvPr>
+        </p:nvSpPr>
+        <p:spPr/>
+        <p:txBody>
+          <a:bodyPr/>
+          <a:lstStyle/>
+          <a:p>
+            <a:r>
+              <a:rPr lang="en-US" dirty="0"/>
+              <a:t>Data modeling case study</a:t>
+            </a:r>
+          </a:p>
+        </p:txBody>
+      </p:sp>
+      <p:sp>
+        <p:nvSpPr>
+          <p:cNvPr id="3" name="Text Placeholder 2">
+            <a:extLst>
+              <a:ext uri="{FF2B5EF4-FFF2-40B4-BE49-F238E27FC236}">
+                <a16:creationId xmlns:a16="http://schemas.microsoft.com/office/drawing/2014/main" id="{8C22E16C-EEAF-F6E1-DDC5-9777F976F678}"/>
+              </a:ext>
+            </a:extLst>
+          </p:cNvPr>
+          <p:cNvSpPr>
+            <a:spLocks noGrp="1"/>
+          </p:cNvSpPr>
+          <p:nvPr>
+            <p:ph type="body" idx="1"/>
+          </p:nvPr>
+        </p:nvSpPr>
+        <p:spPr/>
+        <p:txBody>
+          <a:bodyPr>
+            <a:normAutofit lnSpcReduction="10000"/>
+          </a:bodyPr>
+          <a:lstStyle/>
+          <a:p>
+            <a:r>
+              <a:rPr lang="en-US" dirty="0"/>
+              <a:t>What did they consider? (cont’d)</a:t>
+            </a:r>
+          </a:p>
+          <a:p>
+            <a:pPr lvl="1"/>
+            <a:r>
+              <a:rPr lang="en-US" b="1" dirty="0">
+                <a:latin typeface="Avenir Book" panose="02000503020000020003" pitchFamily="2" charset="0"/>
+              </a:rPr>
+              <a:t>Interoperability with other standards</a:t>
+            </a:r>
+          </a:p>
+          <a:p>
+            <a:pPr lvl="2"/>
+            <a:r>
+              <a:rPr lang="en-US" dirty="0">
+                <a:latin typeface="Avenir Book" panose="02000503020000020003" pitchFamily="2" charset="0"/>
+              </a:rPr>
+              <a:t>“…’site status’ was revised to </a:t>
+            </a:r>
+            <a:r>
+              <a:rPr lang="en-US" dirty="0" err="1">
+                <a:latin typeface="Avenir Book" panose="02000503020000020003" pitchFamily="2" charset="0"/>
+              </a:rPr>
+              <a:t>utilise</a:t>
+            </a:r>
+            <a:r>
+              <a:rPr lang="en-US" dirty="0">
+                <a:latin typeface="Avenir Book" panose="02000503020000020003" pitchFamily="2" charset="0"/>
+              </a:rPr>
+              <a:t> the WIGOS Codes registry.”</a:t>
+            </a:r>
+          </a:p>
+          <a:p>
+            <a:pPr lvl="2"/>
+            <a:endParaRPr lang="en-US" dirty="0">
+              <a:latin typeface="Avenir Book" panose="02000503020000020003" pitchFamily="2" charset="0"/>
+            </a:endParaRPr>
+          </a:p>
+          <a:p>
+            <a:pPr lvl="1"/>
+            <a:r>
+              <a:rPr lang="en-US" b="1" dirty="0">
+                <a:latin typeface="Avenir Book" panose="02000503020000020003" pitchFamily="2" charset="0"/>
+              </a:rPr>
+              <a:t>Data representation</a:t>
+            </a:r>
+          </a:p>
+          <a:p>
+            <a:pPr lvl="2"/>
+            <a:r>
+              <a:rPr lang="en-US" dirty="0">
+                <a:latin typeface="Avenir Book" panose="02000503020000020003" pitchFamily="2" charset="0"/>
+              </a:rPr>
+              <a:t>“The description of geographic information is now </a:t>
+            </a:r>
+            <a:r>
+              <a:rPr lang="en-US" dirty="0" err="1">
+                <a:latin typeface="Avenir Book" panose="02000503020000020003" pitchFamily="2" charset="0"/>
+              </a:rPr>
+              <a:t>realised</a:t>
+            </a:r>
+            <a:r>
+              <a:rPr lang="en-US" dirty="0">
+                <a:latin typeface="Avenir Book" panose="02000503020000020003" pitchFamily="2" charset="0"/>
+              </a:rPr>
+              <a:t> through three separate fields: (1) the centroid/representative coordinates, …”</a:t>
+            </a:r>
+          </a:p>
+          <a:p>
+            <a:pPr lvl="2"/>
+            <a:endParaRPr lang="en-US" dirty="0">
+              <a:latin typeface="Avenir Book" panose="02000503020000020003" pitchFamily="2" charset="0"/>
+            </a:endParaRPr>
+          </a:p>
+          <a:p>
+            <a:pPr lvl="1"/>
+            <a:r>
+              <a:rPr lang="en-US" b="1" dirty="0">
+                <a:latin typeface="Avenir Book" panose="02000503020000020003" pitchFamily="2" charset="0"/>
+              </a:rPr>
+              <a:t>Business rules</a:t>
+            </a:r>
+          </a:p>
+          <a:p>
+            <a:pPr lvl="2"/>
+            <a:r>
+              <a:rPr lang="en-US" dirty="0">
+                <a:latin typeface="Avenir Book" panose="02000503020000020003" pitchFamily="2" charset="0"/>
+              </a:rPr>
+              <a:t>“At least one contact person and metadata creator has to be linked to a site record…”</a:t>
+            </a:r>
+          </a:p>
+          <a:p>
+            <a:pPr lvl="2"/>
+            <a:endParaRPr lang="en-US" dirty="0">
+              <a:latin typeface="Avenir Book" panose="02000503020000020003" pitchFamily="2" charset="0"/>
+            </a:endParaRPr>
+          </a:p>
+          <a:p>
+            <a:pPr lvl="1"/>
+            <a:r>
+              <a:rPr lang="en-US" b="1" dirty="0">
+                <a:latin typeface="Avenir Book" panose="02000503020000020003" pitchFamily="2" charset="0"/>
+              </a:rPr>
+              <a:t>Functionality enabled</a:t>
+            </a:r>
+          </a:p>
+          <a:p>
+            <a:pPr lvl="2"/>
+            <a:r>
+              <a:rPr lang="en-US" dirty="0">
+                <a:latin typeface="Avenir Book" panose="02000503020000020003" pitchFamily="2" charset="0"/>
+              </a:rPr>
+              <a:t>“Using the REST-API … enables potent queries by combining multiple filters.”</a:t>
+            </a:r>
+          </a:p>
+          <a:p>
+            <a:endParaRPr lang="en-US" dirty="0"/>
+          </a:p>
+        </p:txBody>
+      </p:sp>
+      <p:sp>
+        <p:nvSpPr>
+          <p:cNvPr id="4" name="Slide Number Placeholder 3">
+            <a:extLst>
+              <a:ext uri="{FF2B5EF4-FFF2-40B4-BE49-F238E27FC236}">
+                <a16:creationId xmlns:a16="http://schemas.microsoft.com/office/drawing/2014/main" id="{F56213AF-934C-3E96-90F0-009FACB1CE68}"/>
+              </a:ext>
+            </a:extLst>
+          </p:cNvPr>
+          <p:cNvSpPr>
+            <a:spLocks noGrp="1"/>
+          </p:cNvSpPr>
+          <p:nvPr>
+            <p:ph type="sldNum" idx="12"/>
+          </p:nvPr>
+        </p:nvSpPr>
+        <p:spPr/>
+        <p:txBody>
+          <a:bodyPr/>
+          <a:lstStyle/>
+          <a:p>
+            <a:pPr marL="0" lvl="0" indent="0" algn="r" rtl="0">
+              <a:spcBef>
+                <a:spcPts val="0"/>
+              </a:spcBef>
+              <a:spcAft>
+                <a:spcPts val="0"/>
+              </a:spcAft>
+              <a:buNone/>
+            </a:pPr>
+            <a:fld id="{00000000-1234-1234-1234-123412341234}" type="slidenum">
+              <a:rPr lang="en" smtClean="0"/>
+              <a:t>10</a:t>
+            </a:fld>
+            <a:endParaRPr lang="en" dirty="0"/>
+          </a:p>
+        </p:txBody>
+      </p:sp>
+    </p:spTree>
+    <p:extLst>
+      <p:ext uri="{BB962C8B-B14F-4D97-AF65-F5344CB8AC3E}">
+        <p14:creationId xmlns:p14="http://schemas.microsoft.com/office/powerpoint/2010/main" val="1472341008"/>
+      </p:ext>
+    </p:extLst>
+  </p:cSld>
+  <p:clrMapOvr>
+    <a:masterClrMapping/>
+  </p:clrMapOvr>
+</p:sld>
+</file>
+
+<file path=ppt/slides/slide11.xml><?xml version="1.0" encoding="utf-8"?>
+<p:sld xmlns:a="http://schemas.openxmlformats.org/drawingml/2006/main" xmlns:r="http://schemas.openxmlformats.org/officeDocument/2006/relationships" xmlns:p="http://schemas.openxmlformats.org/presentationml/2006/main">
+  <p:cSld>
+    <p:spTree>
+      <p:nvGrpSpPr>
+        <p:cNvPr id="1" name=""/>
+        <p:cNvGrpSpPr/>
+        <p:nvPr/>
+      </p:nvGrpSpPr>
+      <p:grpSpPr>
+        <a:xfrm>
+          <a:off x="0" y="0"/>
+          <a:ext cx="0" cy="0"/>
+          <a:chOff x="0" y="0"/>
+          <a:chExt cx="0" cy="0"/>
+        </a:xfrm>
+      </p:grpSpPr>
+      <p:sp>
+        <p:nvSpPr>
+          <p:cNvPr id="2" name="Title 1">
+            <a:extLst>
+              <a:ext uri="{FF2B5EF4-FFF2-40B4-BE49-F238E27FC236}">
                 <a16:creationId xmlns:a16="http://schemas.microsoft.com/office/drawing/2014/main" id="{F6F925C0-CB42-EBFA-941E-81D0D7E03FA6}"/>
               </a:ext>
             </a:extLst>
@@ -17248,7 +17485,7 @@
             </a:pPr>
             <a:fld id="{00000000-1234-1234-1234-123412341234}" type="slidenum">
               <a:rPr lang="en" smtClean="0"/>
-              <a:t>10</a:t>
+              <a:t>11</a:t>
             </a:fld>
             <a:endParaRPr lang="en" dirty="0"/>
           </a:p>
@@ -17779,7 +18016,7 @@
 </p:sld>
 </file>
 
-<file path=ppt/slides/slide11.xml><?xml version="1.0" encoding="utf-8"?>
+<file path=ppt/slides/slide12.xml><?xml version="1.0" encoding="utf-8"?>
 <p:sld xmlns:a="http://schemas.openxmlformats.org/drawingml/2006/main" xmlns:r="http://schemas.openxmlformats.org/officeDocument/2006/relationships" xmlns:p="http://schemas.openxmlformats.org/presentationml/2006/main">
   <p:cSld>
     <p:spTree>
@@ -17899,7 +18136,7 @@
             </a:pPr>
             <a:fld id="{00000000-1234-1234-1234-123412341234}" type="slidenum">
               <a:rPr lang="en" smtClean="0"/>
-              <a:t>11</a:t>
+              <a:t>12</a:t>
             </a:fld>
             <a:endParaRPr lang="en" dirty="0"/>
           </a:p>
@@ -18492,7 +18729,7 @@
 </p:sld>
 </file>
 
-<file path=ppt/slides/slide12.xml><?xml version="1.0" encoding="utf-8"?>
+<file path=ppt/slides/slide13.xml><?xml version="1.0" encoding="utf-8"?>
 <p:sld xmlns:a="http://schemas.openxmlformats.org/drawingml/2006/main" xmlns:r="http://schemas.openxmlformats.org/officeDocument/2006/relationships" xmlns:p="http://schemas.openxmlformats.org/presentationml/2006/main">
   <p:cSld>
     <p:spTree>
@@ -18707,7 +18944,7 @@
             </a:pPr>
             <a:fld id="{00000000-1234-1234-1234-123412341234}" type="slidenum">
               <a:rPr lang="en" smtClean="0"/>
-              <a:t>12</a:t>
+              <a:t>13</a:t>
             </a:fld>
             <a:endParaRPr lang="en" dirty="0"/>
           </a:p>
@@ -18726,7 +18963,7 @@
 </p:sld>
 </file>
 
-<file path=ppt/slides/slide13.xml><?xml version="1.0" encoding="utf-8"?>
+<file path=ppt/slides/slide14.xml><?xml version="1.0" encoding="utf-8"?>
 <p:sld xmlns:a="http://schemas.openxmlformats.org/drawingml/2006/main" xmlns:r="http://schemas.openxmlformats.org/officeDocument/2006/relationships" xmlns:p="http://schemas.openxmlformats.org/presentationml/2006/main">
   <p:cSld>
     <p:spTree>
@@ -18837,7 +19074,7 @@
             </a:pPr>
             <a:fld id="{00000000-1234-1234-1234-123412341234}" type="slidenum">
               <a:rPr lang="en" smtClean="0"/>
-              <a:t>13</a:t>
+              <a:t>14</a:t>
             </a:fld>
             <a:endParaRPr lang="en" dirty="0"/>
           </a:p>
@@ -19322,7 +19559,7 @@
 </p:sld>
 </file>
 
-<file path=ppt/slides/slide14.xml><?xml version="1.0" encoding="utf-8"?>
+<file path=ppt/slides/slide15.xml><?xml version="1.0" encoding="utf-8"?>
 <p:sld xmlns:a="http://schemas.openxmlformats.org/drawingml/2006/main" xmlns:r="http://schemas.openxmlformats.org/officeDocument/2006/relationships" xmlns:p="http://schemas.openxmlformats.org/presentationml/2006/main">
   <p:cSld>
     <p:spTree>
@@ -19433,7 +19670,7 @@
             </a:pPr>
             <a:fld id="{00000000-1234-1234-1234-123412341234}" type="slidenum">
               <a:rPr lang="en" smtClean="0"/>
-              <a:t>14</a:t>
+              <a:t>15</a:t>
             </a:fld>
             <a:endParaRPr lang="en" dirty="0"/>
           </a:p>
@@ -20025,7 +20262,7 @@
 </p:sld>
 </file>
 
-<file path=ppt/slides/slide15.xml><?xml version="1.0" encoding="utf-8"?>
+<file path=ppt/slides/slide16.xml><?xml version="1.0" encoding="utf-8"?>
 <p:sld xmlns:a="http://schemas.openxmlformats.org/drawingml/2006/main" xmlns:r="http://schemas.openxmlformats.org/officeDocument/2006/relationships" xmlns:p="http://schemas.openxmlformats.org/presentationml/2006/main">
   <p:cSld>
     <p:spTree>
@@ -20181,7 +20418,7 @@
             </a:pPr>
             <a:fld id="{00000000-1234-1234-1234-123412341234}" type="slidenum">
               <a:rPr lang="en" smtClean="0"/>
-              <a:t>15</a:t>
+              <a:t>16</a:t>
             </a:fld>
             <a:endParaRPr lang="en" dirty="0"/>
           </a:p>
@@ -20200,7 +20437,7 @@
 </p:sld>
 </file>
 
-<file path=ppt/slides/slide16.xml><?xml version="1.0" encoding="utf-8"?>
+<file path=ppt/slides/slide17.xml><?xml version="1.0" encoding="utf-8"?>
 <p:sld xmlns:a="http://schemas.openxmlformats.org/drawingml/2006/main" xmlns:r="http://schemas.openxmlformats.org/officeDocument/2006/relationships" xmlns:p="http://schemas.openxmlformats.org/presentationml/2006/main">
   <p:cSld>
     <p:spTree>
@@ -20332,7 +20569,7 @@
             </a:pPr>
             <a:fld id="{00000000-1234-1234-1234-123412341234}" type="slidenum">
               <a:rPr lang="en" smtClean="0"/>
-              <a:t>16</a:t>
+              <a:t>17</a:t>
             </a:fld>
             <a:endParaRPr lang="en" dirty="0"/>
           </a:p>
@@ -21248,7 +21485,7 @@
 </p:sld>
 </file>
 
-<file path=ppt/slides/slide17.xml><?xml version="1.0" encoding="utf-8"?>
+<file path=ppt/slides/slide18.xml><?xml version="1.0" encoding="utf-8"?>
 <p:sld xmlns:a="http://schemas.openxmlformats.org/drawingml/2006/main" xmlns:r="http://schemas.openxmlformats.org/officeDocument/2006/relationships" xmlns:p="http://schemas.openxmlformats.org/presentationml/2006/main">
   <p:cSld>
     <p:spTree>
@@ -21353,7 +21590,7 @@
             </a:pPr>
             <a:fld id="{00000000-1234-1234-1234-123412341234}" type="slidenum">
               <a:rPr lang="en" smtClean="0"/>
-              <a:t>17</a:t>
+              <a:t>18</a:t>
             </a:fld>
             <a:endParaRPr lang="en" dirty="0"/>
           </a:p>
@@ -22959,7 +23196,7 @@
 </p:sld>
 </file>
 
-<file path=ppt/slides/slide18.xml><?xml version="1.0" encoding="utf-8"?>
+<file path=ppt/slides/slide19.xml><?xml version="1.0" encoding="utf-8"?>
 <p:sld xmlns:a="http://schemas.openxmlformats.org/drawingml/2006/main" xmlns:r="http://schemas.openxmlformats.org/officeDocument/2006/relationships" xmlns:p="http://schemas.openxmlformats.org/presentationml/2006/main">
   <p:cSld>
     <p:spTree>
@@ -23061,7 +23298,7 @@
             </a:pPr>
             <a:fld id="{00000000-1234-1234-1234-123412341234}" type="slidenum">
               <a:rPr lang="en" smtClean="0"/>
-              <a:t>18</a:t>
+              <a:t>19</a:t>
             </a:fld>
             <a:endParaRPr lang="en" dirty="0"/>
           </a:p>
@@ -23158,218 +23395,6 @@
 </p:sld>
 </file>
 
-<file path=ppt/slides/slide19.xml><?xml version="1.0" encoding="utf-8"?>
-<p:sld xmlns:a="http://schemas.openxmlformats.org/drawingml/2006/main" xmlns:r="http://schemas.openxmlformats.org/officeDocument/2006/relationships" xmlns:p="http://schemas.openxmlformats.org/presentationml/2006/main">
-  <p:cSld>
-    <p:spTree>
-      <p:nvGrpSpPr>
-        <p:cNvPr id="1" name=""/>
-        <p:cNvGrpSpPr/>
-        <p:nvPr/>
-      </p:nvGrpSpPr>
-      <p:grpSpPr>
-        <a:xfrm>
-          <a:off x="0" y="0"/>
-          <a:ext cx="0" cy="0"/>
-          <a:chOff x="0" y="0"/>
-          <a:chExt cx="0" cy="0"/>
-        </a:xfrm>
-      </p:grpSpPr>
-      <p:sp>
-        <p:nvSpPr>
-          <p:cNvPr id="2" name="Title 1">
-            <a:extLst>
-              <a:ext uri="{FF2B5EF4-FFF2-40B4-BE49-F238E27FC236}">
-                <a16:creationId xmlns:a16="http://schemas.microsoft.com/office/drawing/2014/main" id="{84A1061B-877F-22C2-5FE4-B74B3A832BB6}"/>
-              </a:ext>
-            </a:extLst>
-          </p:cNvPr>
-          <p:cNvSpPr>
-            <a:spLocks noGrp="1"/>
-          </p:cNvSpPr>
-          <p:nvPr>
-            <p:ph type="title"/>
-          </p:nvPr>
-        </p:nvSpPr>
-        <p:spPr/>
-        <p:txBody>
-          <a:bodyPr/>
-          <a:lstStyle/>
-          <a:p>
-            <a:r>
-              <a:rPr lang="en-US" dirty="0"/>
-              <a:t>Day 1 recap</a:t>
-            </a:r>
-          </a:p>
-        </p:txBody>
-      </p:sp>
-      <p:sp>
-        <p:nvSpPr>
-          <p:cNvPr id="3" name="Text Placeholder 2">
-            <a:extLst>
-              <a:ext uri="{FF2B5EF4-FFF2-40B4-BE49-F238E27FC236}">
-                <a16:creationId xmlns:a16="http://schemas.microsoft.com/office/drawing/2014/main" id="{690B5359-472E-0C21-F326-7EC020F60849}"/>
-              </a:ext>
-            </a:extLst>
-          </p:cNvPr>
-          <p:cNvSpPr>
-            <a:spLocks noGrp="1"/>
-          </p:cNvSpPr>
-          <p:nvPr>
-            <p:ph type="body" idx="1"/>
-          </p:nvPr>
-        </p:nvSpPr>
-        <p:spPr/>
-        <p:txBody>
-          <a:bodyPr/>
-          <a:lstStyle/>
-          <a:p>
-            <a:r>
-              <a:rPr lang="en-US" dirty="0"/>
-              <a:t>Relational databases, many advantages</a:t>
-            </a:r>
-          </a:p>
-          <a:p>
-            <a:pPr lvl="1"/>
-            <a:r>
-              <a:rPr lang="en-US" dirty="0">
-                <a:latin typeface="Avenir Book" panose="02000503020000020003" pitchFamily="2" charset="0"/>
-              </a:rPr>
-              <a:t>Structured, expressive, consistency-guaranteeing</a:t>
-            </a:r>
-          </a:p>
-          <a:p>
-            <a:pPr lvl="1"/>
-            <a:r>
-              <a:rPr lang="en-US" dirty="0">
-                <a:latin typeface="Avenir Book" panose="02000503020000020003" pitchFamily="2" charset="0"/>
-              </a:rPr>
-              <a:t>Lots of additional features for free: concurrency, fault tolerance, indexes for performance</a:t>
-            </a:r>
-          </a:p>
-          <a:p>
-            <a:pPr lvl="2"/>
-            <a:endParaRPr lang="en-US" dirty="0">
-              <a:latin typeface="Avenir Book" panose="02000503020000020003" pitchFamily="2" charset="0"/>
-            </a:endParaRPr>
-          </a:p>
-          <a:p>
-            <a:r>
-              <a:rPr lang="en-US" dirty="0"/>
-              <a:t>The downsides</a:t>
-            </a:r>
-          </a:p>
-          <a:p>
-            <a:pPr lvl="1"/>
-            <a:r>
-              <a:rPr lang="en-US" dirty="0">
-                <a:latin typeface="Avenir Book" panose="02000503020000020003" pitchFamily="2" charset="0"/>
-              </a:rPr>
-              <a:t>Less flexible, larger up-front cost</a:t>
-            </a:r>
-          </a:p>
-          <a:p>
-            <a:pPr lvl="1"/>
-            <a:r>
-              <a:rPr lang="en-US" dirty="0">
-                <a:latin typeface="Avenir Book" panose="02000503020000020003" pitchFamily="2" charset="0"/>
-              </a:rPr>
-              <a:t>Data lock-in</a:t>
-            </a:r>
-          </a:p>
-          <a:p>
-            <a:pPr lvl="1"/>
-            <a:endParaRPr lang="en-US" dirty="0">
-              <a:latin typeface="Avenir Book" panose="02000503020000020003" pitchFamily="2" charset="0"/>
-            </a:endParaRPr>
-          </a:p>
-          <a:p>
-            <a:r>
-              <a:rPr lang="en-US" dirty="0"/>
-              <a:t>Data modeling</a:t>
-            </a:r>
-          </a:p>
-          <a:p>
-            <a:pPr lvl="1"/>
-            <a:r>
-              <a:rPr lang="en-US" dirty="0">
-                <a:latin typeface="Avenir Book" panose="02000503020000020003" pitchFamily="2" charset="0"/>
-              </a:rPr>
-              <a:t>Generally: defining the representation, structure, meaning of data</a:t>
-            </a:r>
-          </a:p>
-          <a:p>
-            <a:pPr lvl="1"/>
-            <a:r>
-              <a:rPr lang="en-US" dirty="0">
-                <a:latin typeface="Avenir Book" panose="02000503020000020003" pitchFamily="2" charset="0"/>
-              </a:rPr>
-              <a:t>For RDBMS specifically, doing so using tools provided: entities (tables), attributes (columns), relationships (foreign key </a:t>
-            </a:r>
-            <a:r>
-              <a:rPr lang="en-US" dirty="0"/>
-              <a:t>➜ </a:t>
-            </a:r>
-            <a:r>
-              <a:rPr lang="en-US" dirty="0">
-                <a:latin typeface="Avenir Book" panose="02000503020000020003" pitchFamily="2" charset="0"/>
-              </a:rPr>
-              <a:t>primary key), constraints</a:t>
-            </a:r>
-          </a:p>
-        </p:txBody>
-      </p:sp>
-      <p:sp>
-        <p:nvSpPr>
-          <p:cNvPr id="4" name="Slide Number Placeholder 3">
-            <a:extLst>
-              <a:ext uri="{FF2B5EF4-FFF2-40B4-BE49-F238E27FC236}">
-                <a16:creationId xmlns:a16="http://schemas.microsoft.com/office/drawing/2014/main" id="{5E8A4DD3-B12A-2607-EE12-912F4604AC0C}"/>
-              </a:ext>
-            </a:extLst>
-          </p:cNvPr>
-          <p:cNvSpPr>
-            <a:spLocks noGrp="1"/>
-          </p:cNvSpPr>
-          <p:nvPr>
-            <p:ph type="sldNum" idx="12"/>
-          </p:nvPr>
-        </p:nvSpPr>
-        <p:spPr/>
-        <p:txBody>
-          <a:bodyPr/>
-          <a:lstStyle/>
-          <a:p>
-            <a:pPr marL="0" lvl="0" indent="0" algn="r" rtl="0">
-              <a:spcBef>
-                <a:spcPts val="0"/>
-              </a:spcBef>
-              <a:spcAft>
-                <a:spcPts val="0"/>
-              </a:spcAft>
-              <a:buNone/>
-            </a:pPr>
-            <a:fld id="{00000000-1234-1234-1234-123412341234}" type="slidenum">
-              <a:rPr lang="en" smtClean="0"/>
-              <a:t>19</a:t>
-            </a:fld>
-            <a:endParaRPr lang="en" dirty="0"/>
-          </a:p>
-        </p:txBody>
-      </p:sp>
-    </p:spTree>
-    <p:extLst>
-      <p:ext uri="{BB962C8B-B14F-4D97-AF65-F5344CB8AC3E}">
-        <p14:creationId xmlns:p14="http://schemas.microsoft.com/office/powerpoint/2010/main" val="3528105109"/>
-      </p:ext>
-    </p:extLst>
-  </p:cSld>
-  <p:clrMapOvr>
-    <a:masterClrMapping/>
-  </p:clrMapOvr>
-</p:sld>
-</file>
-
 <file path=ppt/slides/slide2.xml><?xml version="1.0" encoding="utf-8"?>
 <p:sld xmlns:a="http://schemas.openxmlformats.org/drawingml/2006/main" xmlns:r="http://schemas.openxmlformats.org/officeDocument/2006/relationships" xmlns:p="http://schemas.openxmlformats.org/presentationml/2006/main">
   <p:cSld>
@@ -23444,6 +23469,12 @@
           <a:p>
             <a:r>
               <a:rPr lang="en-US" dirty="0"/>
+              <a:t>Uses in Earth and environmental sciences</a:t>
+            </a:r>
+          </a:p>
+          <a:p>
+            <a:r>
+              <a:rPr lang="en-US" dirty="0"/>
               <a:t>Relational data model and SQL data definition</a:t>
             </a:r>
           </a:p>
@@ -23502,6 +23533,218 @@
 </file>
 
 <file path=ppt/slides/slide20.xml><?xml version="1.0" encoding="utf-8"?>
+<p:sld xmlns:a="http://schemas.openxmlformats.org/drawingml/2006/main" xmlns:r="http://schemas.openxmlformats.org/officeDocument/2006/relationships" xmlns:p="http://schemas.openxmlformats.org/presentationml/2006/main">
+  <p:cSld>
+    <p:spTree>
+      <p:nvGrpSpPr>
+        <p:cNvPr id="1" name=""/>
+        <p:cNvGrpSpPr/>
+        <p:nvPr/>
+      </p:nvGrpSpPr>
+      <p:grpSpPr>
+        <a:xfrm>
+          <a:off x="0" y="0"/>
+          <a:ext cx="0" cy="0"/>
+          <a:chOff x="0" y="0"/>
+          <a:chExt cx="0" cy="0"/>
+        </a:xfrm>
+      </p:grpSpPr>
+      <p:sp>
+        <p:nvSpPr>
+          <p:cNvPr id="2" name="Title 1">
+            <a:extLst>
+              <a:ext uri="{FF2B5EF4-FFF2-40B4-BE49-F238E27FC236}">
+                <a16:creationId xmlns:a16="http://schemas.microsoft.com/office/drawing/2014/main" id="{84A1061B-877F-22C2-5FE4-B74B3A832BB6}"/>
+              </a:ext>
+            </a:extLst>
+          </p:cNvPr>
+          <p:cNvSpPr>
+            <a:spLocks noGrp="1"/>
+          </p:cNvSpPr>
+          <p:nvPr>
+            <p:ph type="title"/>
+          </p:nvPr>
+        </p:nvSpPr>
+        <p:spPr/>
+        <p:txBody>
+          <a:bodyPr/>
+          <a:lstStyle/>
+          <a:p>
+            <a:r>
+              <a:rPr lang="en-US" dirty="0"/>
+              <a:t>Day 1 recap</a:t>
+            </a:r>
+          </a:p>
+        </p:txBody>
+      </p:sp>
+      <p:sp>
+        <p:nvSpPr>
+          <p:cNvPr id="3" name="Text Placeholder 2">
+            <a:extLst>
+              <a:ext uri="{FF2B5EF4-FFF2-40B4-BE49-F238E27FC236}">
+                <a16:creationId xmlns:a16="http://schemas.microsoft.com/office/drawing/2014/main" id="{690B5359-472E-0C21-F326-7EC020F60849}"/>
+              </a:ext>
+            </a:extLst>
+          </p:cNvPr>
+          <p:cNvSpPr>
+            <a:spLocks noGrp="1"/>
+          </p:cNvSpPr>
+          <p:nvPr>
+            <p:ph type="body" idx="1"/>
+          </p:nvPr>
+        </p:nvSpPr>
+        <p:spPr/>
+        <p:txBody>
+          <a:bodyPr/>
+          <a:lstStyle/>
+          <a:p>
+            <a:r>
+              <a:rPr lang="en-US" dirty="0"/>
+              <a:t>Relational databases, many advantages</a:t>
+            </a:r>
+          </a:p>
+          <a:p>
+            <a:pPr lvl="1"/>
+            <a:r>
+              <a:rPr lang="en-US" dirty="0">
+                <a:latin typeface="Avenir Book" panose="02000503020000020003" pitchFamily="2" charset="0"/>
+              </a:rPr>
+              <a:t>Structured, expressive, consistency-guaranteeing</a:t>
+            </a:r>
+          </a:p>
+          <a:p>
+            <a:pPr lvl="1"/>
+            <a:r>
+              <a:rPr lang="en-US" dirty="0">
+                <a:latin typeface="Avenir Book" panose="02000503020000020003" pitchFamily="2" charset="0"/>
+              </a:rPr>
+              <a:t>Lots of additional features for free: concurrency, fault tolerance, indexes for performance</a:t>
+            </a:r>
+          </a:p>
+          <a:p>
+            <a:pPr lvl="2"/>
+            <a:endParaRPr lang="en-US" dirty="0">
+              <a:latin typeface="Avenir Book" panose="02000503020000020003" pitchFamily="2" charset="0"/>
+            </a:endParaRPr>
+          </a:p>
+          <a:p>
+            <a:r>
+              <a:rPr lang="en-US" dirty="0"/>
+              <a:t>The downsides</a:t>
+            </a:r>
+          </a:p>
+          <a:p>
+            <a:pPr lvl="1"/>
+            <a:r>
+              <a:rPr lang="en-US" dirty="0">
+                <a:latin typeface="Avenir Book" panose="02000503020000020003" pitchFamily="2" charset="0"/>
+              </a:rPr>
+              <a:t>Less flexible, larger up-front cost</a:t>
+            </a:r>
+          </a:p>
+          <a:p>
+            <a:pPr lvl="1"/>
+            <a:r>
+              <a:rPr lang="en-US" dirty="0">
+                <a:latin typeface="Avenir Book" panose="02000503020000020003" pitchFamily="2" charset="0"/>
+              </a:rPr>
+              <a:t>Data lock-in</a:t>
+            </a:r>
+          </a:p>
+          <a:p>
+            <a:pPr lvl="1"/>
+            <a:endParaRPr lang="en-US" dirty="0">
+              <a:latin typeface="Avenir Book" panose="02000503020000020003" pitchFamily="2" charset="0"/>
+            </a:endParaRPr>
+          </a:p>
+          <a:p>
+            <a:r>
+              <a:rPr lang="en-US" dirty="0"/>
+              <a:t>Data modeling</a:t>
+            </a:r>
+          </a:p>
+          <a:p>
+            <a:pPr lvl="1"/>
+            <a:r>
+              <a:rPr lang="en-US" dirty="0">
+                <a:latin typeface="Avenir Book" panose="02000503020000020003" pitchFamily="2" charset="0"/>
+              </a:rPr>
+              <a:t>Generally: defining the representation, structure, meaning of data</a:t>
+            </a:r>
+          </a:p>
+          <a:p>
+            <a:pPr lvl="1"/>
+            <a:r>
+              <a:rPr lang="en-US" dirty="0">
+                <a:latin typeface="Avenir Book" panose="02000503020000020003" pitchFamily="2" charset="0"/>
+              </a:rPr>
+              <a:t>For RDBMS specifically, doing so using tools provided: entities (tables), attributes (columns), relationships (foreign key </a:t>
+            </a:r>
+            <a:r>
+              <a:rPr lang="en-US" dirty="0"/>
+              <a:t>➜ </a:t>
+            </a:r>
+            <a:r>
+              <a:rPr lang="en-US" dirty="0">
+                <a:latin typeface="Avenir Book" panose="02000503020000020003" pitchFamily="2" charset="0"/>
+              </a:rPr>
+              <a:t>primary key), constraints</a:t>
+            </a:r>
+          </a:p>
+        </p:txBody>
+      </p:sp>
+      <p:sp>
+        <p:nvSpPr>
+          <p:cNvPr id="4" name="Slide Number Placeholder 3">
+            <a:extLst>
+              <a:ext uri="{FF2B5EF4-FFF2-40B4-BE49-F238E27FC236}">
+                <a16:creationId xmlns:a16="http://schemas.microsoft.com/office/drawing/2014/main" id="{5E8A4DD3-B12A-2607-EE12-912F4604AC0C}"/>
+              </a:ext>
+            </a:extLst>
+          </p:cNvPr>
+          <p:cNvSpPr>
+            <a:spLocks noGrp="1"/>
+          </p:cNvSpPr>
+          <p:nvPr>
+            <p:ph type="sldNum" idx="12"/>
+          </p:nvPr>
+        </p:nvSpPr>
+        <p:spPr/>
+        <p:txBody>
+          <a:bodyPr/>
+          <a:lstStyle/>
+          <a:p>
+            <a:pPr marL="0" lvl="0" indent="0" algn="r" rtl="0">
+              <a:spcBef>
+                <a:spcPts val="0"/>
+              </a:spcBef>
+              <a:spcAft>
+                <a:spcPts val="0"/>
+              </a:spcAft>
+              <a:buNone/>
+            </a:pPr>
+            <a:fld id="{00000000-1234-1234-1234-123412341234}" type="slidenum">
+              <a:rPr lang="en" smtClean="0"/>
+              <a:t>20</a:t>
+            </a:fld>
+            <a:endParaRPr lang="en" dirty="0"/>
+          </a:p>
+        </p:txBody>
+      </p:sp>
+    </p:spTree>
+    <p:extLst>
+      <p:ext uri="{BB962C8B-B14F-4D97-AF65-F5344CB8AC3E}">
+        <p14:creationId xmlns:p14="http://schemas.microsoft.com/office/powerpoint/2010/main" val="3528105109"/>
+      </p:ext>
+    </p:extLst>
+  </p:cSld>
+  <p:clrMapOvr>
+    <a:masterClrMapping/>
+  </p:clrMapOvr>
+</p:sld>
+</file>
+
+<file path=ppt/slides/slide21.xml><?xml version="1.0" encoding="utf-8"?>
 <p:sld xmlns:a="http://schemas.openxmlformats.org/drawingml/2006/main" xmlns:r="http://schemas.openxmlformats.org/officeDocument/2006/relationships" xmlns:p="http://schemas.openxmlformats.org/presentationml/2006/main">
   <p:cSld>
     <p:spTree>
@@ -23606,7 +23849,7 @@
             </a:pPr>
             <a:fld id="{00000000-1234-1234-1234-123412341234}" type="slidenum">
               <a:rPr lang="en" smtClean="0"/>
-              <a:t>20</a:t>
+              <a:t>21</a:t>
             </a:fld>
             <a:endParaRPr lang="en" dirty="0"/>
           </a:p>
@@ -25080,196 +25323,6 @@
 </p:sld>
 </file>
 
-<file path=ppt/slides/slide21.xml><?xml version="1.0" encoding="utf-8"?>
-<p:sld xmlns:a="http://schemas.openxmlformats.org/drawingml/2006/main" xmlns:r="http://schemas.openxmlformats.org/officeDocument/2006/relationships" xmlns:p="http://schemas.openxmlformats.org/presentationml/2006/main">
-  <p:cSld>
-    <p:spTree>
-      <p:nvGrpSpPr>
-        <p:cNvPr id="1" name=""/>
-        <p:cNvGrpSpPr/>
-        <p:nvPr/>
-      </p:nvGrpSpPr>
-      <p:grpSpPr>
-        <a:xfrm>
-          <a:off x="0" y="0"/>
-          <a:ext cx="0" cy="0"/>
-          <a:chOff x="0" y="0"/>
-          <a:chExt cx="0" cy="0"/>
-        </a:xfrm>
-      </p:grpSpPr>
-      <p:sp>
-        <p:nvSpPr>
-          <p:cNvPr id="2" name="Title 1">
-            <a:extLst>
-              <a:ext uri="{FF2B5EF4-FFF2-40B4-BE49-F238E27FC236}">
-                <a16:creationId xmlns:a16="http://schemas.microsoft.com/office/drawing/2014/main" id="{3983CC3A-88D2-560B-B5EE-EC61D5A52242}"/>
-              </a:ext>
-            </a:extLst>
-          </p:cNvPr>
-          <p:cNvSpPr>
-            <a:spLocks noGrp="1"/>
-          </p:cNvSpPr>
-          <p:nvPr>
-            <p:ph type="title"/>
-          </p:nvPr>
-        </p:nvSpPr>
-        <p:spPr/>
-        <p:txBody>
-          <a:bodyPr>
-            <a:noAutofit/>
-          </a:bodyPr>
-          <a:lstStyle/>
-          <a:p>
-            <a:r>
-              <a:rPr lang="en-US" sz="3200" dirty="0">
-                <a:solidFill>
-                  <a:srgbClr val="004B83"/>
-                </a:solidFill>
-              </a:rPr>
-              <a:t>Preview of coming attractions (1)</a:t>
-            </a:r>
-          </a:p>
-        </p:txBody>
-      </p:sp>
-      <p:sp>
-        <p:nvSpPr>
-          <p:cNvPr id="3" name="Text Placeholder 2">
-            <a:extLst>
-              <a:ext uri="{FF2B5EF4-FFF2-40B4-BE49-F238E27FC236}">
-                <a16:creationId xmlns:a16="http://schemas.microsoft.com/office/drawing/2014/main" id="{F193F1C7-E077-68D2-7E2A-8BAB71A382D9}"/>
-              </a:ext>
-            </a:extLst>
-          </p:cNvPr>
-          <p:cNvSpPr>
-            <a:spLocks noGrp="1"/>
-          </p:cNvSpPr>
-          <p:nvPr>
-            <p:ph type="body" idx="1"/>
-          </p:nvPr>
-        </p:nvSpPr>
-        <p:spPr/>
-        <p:txBody>
-          <a:bodyPr/>
-          <a:lstStyle/>
-          <a:p>
-            <a:r>
-              <a:rPr lang="en-US" dirty="0">
-                <a:latin typeface="Avenir Book" panose="02000503020000020003" pitchFamily="2" charset="0"/>
-              </a:rPr>
-              <a:t>SELECT name</a:t>
-            </a:r>
-            <a:br>
-              <a:rPr lang="en-US" dirty="0">
-                <a:latin typeface="Avenir Book" panose="02000503020000020003" pitchFamily="2" charset="0"/>
-              </a:rPr>
-            </a:br>
-            <a:r>
-              <a:rPr lang="en-US" dirty="0">
-                <a:latin typeface="Avenir Book" panose="02000503020000020003" pitchFamily="2" charset="0"/>
-              </a:rPr>
-              <a:t>FROM student, enrollment, course</a:t>
-            </a:r>
-            <a:br>
-              <a:rPr lang="en-US" dirty="0">
-                <a:latin typeface="Avenir Book" panose="02000503020000020003" pitchFamily="2" charset="0"/>
-              </a:rPr>
-            </a:br>
-            <a:r>
-              <a:rPr lang="en-US" dirty="0">
-                <a:latin typeface="Avenir Book" panose="02000503020000020003" pitchFamily="2" charset="0"/>
-              </a:rPr>
-              <a:t>ON …</a:t>
-            </a:r>
-            <a:br>
-              <a:rPr lang="en-US" dirty="0">
-                <a:latin typeface="Avenir Book" panose="02000503020000020003" pitchFamily="2" charset="0"/>
-              </a:rPr>
-            </a:br>
-            <a:r>
-              <a:rPr lang="en-US" dirty="0">
-                <a:latin typeface="Avenir Book" panose="02000503020000020003" pitchFamily="2" charset="0"/>
-              </a:rPr>
-              <a:t>WHERE title = ‘Potions’;</a:t>
-            </a:r>
-          </a:p>
-        </p:txBody>
-      </p:sp>
-      <p:sp>
-        <p:nvSpPr>
-          <p:cNvPr id="5" name="Text Placeholder 4">
-            <a:extLst>
-              <a:ext uri="{FF2B5EF4-FFF2-40B4-BE49-F238E27FC236}">
-                <a16:creationId xmlns:a16="http://schemas.microsoft.com/office/drawing/2014/main" id="{2C0BF0BB-D4A5-F8CB-F94E-192EFE9AF1EC}"/>
-              </a:ext>
-            </a:extLst>
-          </p:cNvPr>
-          <p:cNvSpPr>
-            <a:spLocks noGrp="1"/>
-          </p:cNvSpPr>
-          <p:nvPr>
-            <p:ph type="body" idx="2"/>
-          </p:nvPr>
-        </p:nvSpPr>
-        <p:spPr/>
-        <p:txBody>
-          <a:bodyPr/>
-          <a:lstStyle/>
-          <a:p>
-            <a:endParaRPr lang="en-US"/>
-          </a:p>
-        </p:txBody>
-      </p:sp>
-      <p:sp>
-        <p:nvSpPr>
-          <p:cNvPr id="4" name="Slide Number Placeholder 3">
-            <a:extLst>
-              <a:ext uri="{FF2B5EF4-FFF2-40B4-BE49-F238E27FC236}">
-                <a16:creationId xmlns:a16="http://schemas.microsoft.com/office/drawing/2014/main" id="{F75D26E5-4B9C-AE7C-4F67-C282F63E900E}"/>
-              </a:ext>
-            </a:extLst>
-          </p:cNvPr>
-          <p:cNvSpPr>
-            <a:spLocks noGrp="1"/>
-          </p:cNvSpPr>
-          <p:nvPr>
-            <p:ph type="sldNum" idx="12"/>
-          </p:nvPr>
-        </p:nvSpPr>
-        <p:spPr/>
-        <p:txBody>
-          <a:bodyPr/>
-          <a:lstStyle/>
-          <a:p>
-            <a:pPr marL="0" lvl="0" indent="0" algn="r" rtl="0">
-              <a:spcBef>
-                <a:spcPts val="0"/>
-              </a:spcBef>
-              <a:spcAft>
-                <a:spcPts val="0"/>
-              </a:spcAft>
-              <a:buNone/>
-            </a:pPr>
-            <a:fld id="{00000000-1234-1234-1234-123412341234}" type="slidenum">
-              <a:rPr lang="en" smtClean="0"/>
-              <a:t>21</a:t>
-            </a:fld>
-            <a:endParaRPr lang="en" dirty="0"/>
-          </a:p>
-        </p:txBody>
-      </p:sp>
-    </p:spTree>
-    <p:extLst>
-      <p:ext uri="{BB962C8B-B14F-4D97-AF65-F5344CB8AC3E}">
-        <p14:creationId xmlns:p14="http://schemas.microsoft.com/office/powerpoint/2010/main" val="1382346294"/>
-      </p:ext>
-    </p:extLst>
-  </p:cSld>
-  <p:clrMapOvr>
-    <a:masterClrMapping/>
-  </p:clrMapOvr>
-</p:sld>
-</file>
-
 <file path=ppt/slides/slide22.xml><?xml version="1.0" encoding="utf-8"?>
 <p:sld xmlns:a="http://schemas.openxmlformats.org/drawingml/2006/main" xmlns:r="http://schemas.openxmlformats.org/officeDocument/2006/relationships" xmlns:p="http://schemas.openxmlformats.org/presentationml/2006/main">
   <p:cSld>
@@ -25316,6 +25369,196 @@
                   <a:srgbClr val="004B83"/>
                 </a:solidFill>
               </a:rPr>
+              <a:t>Preview of coming attractions (1)</a:t>
+            </a:r>
+          </a:p>
+        </p:txBody>
+      </p:sp>
+      <p:sp>
+        <p:nvSpPr>
+          <p:cNvPr id="3" name="Text Placeholder 2">
+            <a:extLst>
+              <a:ext uri="{FF2B5EF4-FFF2-40B4-BE49-F238E27FC236}">
+                <a16:creationId xmlns:a16="http://schemas.microsoft.com/office/drawing/2014/main" id="{F193F1C7-E077-68D2-7E2A-8BAB71A382D9}"/>
+              </a:ext>
+            </a:extLst>
+          </p:cNvPr>
+          <p:cNvSpPr>
+            <a:spLocks noGrp="1"/>
+          </p:cNvSpPr>
+          <p:nvPr>
+            <p:ph type="body" idx="1"/>
+          </p:nvPr>
+        </p:nvSpPr>
+        <p:spPr/>
+        <p:txBody>
+          <a:bodyPr/>
+          <a:lstStyle/>
+          <a:p>
+            <a:r>
+              <a:rPr lang="en-US" dirty="0">
+                <a:latin typeface="Avenir Book" panose="02000503020000020003" pitchFamily="2" charset="0"/>
+              </a:rPr>
+              <a:t>SELECT name</a:t>
+            </a:r>
+            <a:br>
+              <a:rPr lang="en-US" dirty="0">
+                <a:latin typeface="Avenir Book" panose="02000503020000020003" pitchFamily="2" charset="0"/>
+              </a:rPr>
+            </a:br>
+            <a:r>
+              <a:rPr lang="en-US" dirty="0">
+                <a:latin typeface="Avenir Book" panose="02000503020000020003" pitchFamily="2" charset="0"/>
+              </a:rPr>
+              <a:t>FROM student, enrollment, course</a:t>
+            </a:r>
+            <a:br>
+              <a:rPr lang="en-US" dirty="0">
+                <a:latin typeface="Avenir Book" panose="02000503020000020003" pitchFamily="2" charset="0"/>
+              </a:rPr>
+            </a:br>
+            <a:r>
+              <a:rPr lang="en-US" dirty="0">
+                <a:latin typeface="Avenir Book" panose="02000503020000020003" pitchFamily="2" charset="0"/>
+              </a:rPr>
+              <a:t>ON …</a:t>
+            </a:r>
+            <a:br>
+              <a:rPr lang="en-US" dirty="0">
+                <a:latin typeface="Avenir Book" panose="02000503020000020003" pitchFamily="2" charset="0"/>
+              </a:rPr>
+            </a:br>
+            <a:r>
+              <a:rPr lang="en-US" dirty="0">
+                <a:latin typeface="Avenir Book" panose="02000503020000020003" pitchFamily="2" charset="0"/>
+              </a:rPr>
+              <a:t>WHERE title = ‘Potions’;</a:t>
+            </a:r>
+          </a:p>
+        </p:txBody>
+      </p:sp>
+      <p:sp>
+        <p:nvSpPr>
+          <p:cNvPr id="5" name="Text Placeholder 4">
+            <a:extLst>
+              <a:ext uri="{FF2B5EF4-FFF2-40B4-BE49-F238E27FC236}">
+                <a16:creationId xmlns:a16="http://schemas.microsoft.com/office/drawing/2014/main" id="{2C0BF0BB-D4A5-F8CB-F94E-192EFE9AF1EC}"/>
+              </a:ext>
+            </a:extLst>
+          </p:cNvPr>
+          <p:cNvSpPr>
+            <a:spLocks noGrp="1"/>
+          </p:cNvSpPr>
+          <p:nvPr>
+            <p:ph type="body" idx="2"/>
+          </p:nvPr>
+        </p:nvSpPr>
+        <p:spPr/>
+        <p:txBody>
+          <a:bodyPr/>
+          <a:lstStyle/>
+          <a:p>
+            <a:endParaRPr lang="en-US"/>
+          </a:p>
+        </p:txBody>
+      </p:sp>
+      <p:sp>
+        <p:nvSpPr>
+          <p:cNvPr id="4" name="Slide Number Placeholder 3">
+            <a:extLst>
+              <a:ext uri="{FF2B5EF4-FFF2-40B4-BE49-F238E27FC236}">
+                <a16:creationId xmlns:a16="http://schemas.microsoft.com/office/drawing/2014/main" id="{F75D26E5-4B9C-AE7C-4F67-C282F63E900E}"/>
+              </a:ext>
+            </a:extLst>
+          </p:cNvPr>
+          <p:cNvSpPr>
+            <a:spLocks noGrp="1"/>
+          </p:cNvSpPr>
+          <p:nvPr>
+            <p:ph type="sldNum" idx="12"/>
+          </p:nvPr>
+        </p:nvSpPr>
+        <p:spPr/>
+        <p:txBody>
+          <a:bodyPr/>
+          <a:lstStyle/>
+          <a:p>
+            <a:pPr marL="0" lvl="0" indent="0" algn="r" rtl="0">
+              <a:spcBef>
+                <a:spcPts val="0"/>
+              </a:spcBef>
+              <a:spcAft>
+                <a:spcPts val="0"/>
+              </a:spcAft>
+              <a:buNone/>
+            </a:pPr>
+            <a:fld id="{00000000-1234-1234-1234-123412341234}" type="slidenum">
+              <a:rPr lang="en" smtClean="0"/>
+              <a:t>22</a:t>
+            </a:fld>
+            <a:endParaRPr lang="en" dirty="0"/>
+          </a:p>
+        </p:txBody>
+      </p:sp>
+    </p:spTree>
+    <p:extLst>
+      <p:ext uri="{BB962C8B-B14F-4D97-AF65-F5344CB8AC3E}">
+        <p14:creationId xmlns:p14="http://schemas.microsoft.com/office/powerpoint/2010/main" val="1382346294"/>
+      </p:ext>
+    </p:extLst>
+  </p:cSld>
+  <p:clrMapOvr>
+    <a:masterClrMapping/>
+  </p:clrMapOvr>
+</p:sld>
+</file>
+
+<file path=ppt/slides/slide23.xml><?xml version="1.0" encoding="utf-8"?>
+<p:sld xmlns:a="http://schemas.openxmlformats.org/drawingml/2006/main" xmlns:r="http://schemas.openxmlformats.org/officeDocument/2006/relationships" xmlns:p="http://schemas.openxmlformats.org/presentationml/2006/main">
+  <p:cSld>
+    <p:spTree>
+      <p:nvGrpSpPr>
+        <p:cNvPr id="1" name=""/>
+        <p:cNvGrpSpPr/>
+        <p:nvPr/>
+      </p:nvGrpSpPr>
+      <p:grpSpPr>
+        <a:xfrm>
+          <a:off x="0" y="0"/>
+          <a:ext cx="0" cy="0"/>
+          <a:chOff x="0" y="0"/>
+          <a:chExt cx="0" cy="0"/>
+        </a:xfrm>
+      </p:grpSpPr>
+      <p:sp>
+        <p:nvSpPr>
+          <p:cNvPr id="2" name="Title 1">
+            <a:extLst>
+              <a:ext uri="{FF2B5EF4-FFF2-40B4-BE49-F238E27FC236}">
+                <a16:creationId xmlns:a16="http://schemas.microsoft.com/office/drawing/2014/main" id="{3983CC3A-88D2-560B-B5EE-EC61D5A52242}"/>
+              </a:ext>
+            </a:extLst>
+          </p:cNvPr>
+          <p:cNvSpPr>
+            <a:spLocks noGrp="1"/>
+          </p:cNvSpPr>
+          <p:nvPr>
+            <p:ph type="title"/>
+          </p:nvPr>
+        </p:nvSpPr>
+        <p:spPr/>
+        <p:txBody>
+          <a:bodyPr>
+            <a:noAutofit/>
+          </a:bodyPr>
+          <a:lstStyle/>
+          <a:p>
+            <a:r>
+              <a:rPr lang="en-US" sz="3200" dirty="0">
+                <a:solidFill>
+                  <a:srgbClr val="004B83"/>
+                </a:solidFill>
+              </a:rPr>
               <a:t>Preview of coming attractions (2)</a:t>
             </a:r>
           </a:p>
@@ -25547,7 +25790,7 @@
             </a:pPr>
             <a:fld id="{00000000-1234-1234-1234-123412341234}" type="slidenum">
               <a:rPr lang="en" smtClean="0"/>
-              <a:t>22</a:t>
+              <a:t>23</a:t>
             </a:fld>
             <a:endParaRPr lang="en" dirty="0"/>
           </a:p>
@@ -25817,7 +26060,7 @@
 </p:sld>
 </file>
 
-<file path=ppt/slides/slide23.xml><?xml version="1.0" encoding="utf-8"?>
+<file path=ppt/slides/slide24.xml><?xml version="1.0" encoding="utf-8"?>
 <p:sld xmlns:a="http://schemas.openxmlformats.org/drawingml/2006/main" xmlns:r="http://schemas.openxmlformats.org/officeDocument/2006/relationships" xmlns:p="http://schemas.openxmlformats.org/presentationml/2006/main">
   <p:cSld>
     <p:spTree>
@@ -26017,7 +26260,7 @@
             </a:pPr>
             <a:fld id="{00000000-1234-1234-1234-123412341234}" type="slidenum">
               <a:rPr lang="en" smtClean="0"/>
-              <a:t>23</a:t>
+              <a:t>24</a:t>
             </a:fld>
             <a:endParaRPr lang="en" dirty="0"/>
           </a:p>
@@ -26036,7 +26279,7 @@
 </p:sld>
 </file>
 
-<file path=ppt/slides/slide24.xml><?xml version="1.0" encoding="utf-8"?>
+<file path=ppt/slides/slide25.xml><?xml version="1.0" encoding="utf-8"?>
 <p:sld xmlns:a="http://schemas.openxmlformats.org/drawingml/2006/main" xmlns:r="http://schemas.openxmlformats.org/officeDocument/2006/relationships" xmlns:p="http://schemas.openxmlformats.org/presentationml/2006/main">
   <p:cSld>
     <p:spTree>
@@ -26171,7 +26414,7 @@
             </a:pPr>
             <a:fld id="{00000000-1234-1234-1234-123412341234}" type="slidenum">
               <a:rPr lang="en" smtClean="0"/>
-              <a:t>24</a:t>
+              <a:t>25</a:t>
             </a:fld>
             <a:endParaRPr lang="en" dirty="0"/>
           </a:p>
@@ -26190,7 +26433,7 @@
 </p:sld>
 </file>
 
-<file path=ppt/slides/slide25.xml><?xml version="1.0" encoding="utf-8"?>
+<file path=ppt/slides/slide26.xml><?xml version="1.0" encoding="utf-8"?>
 <p:sld xmlns:a="http://schemas.openxmlformats.org/drawingml/2006/main" xmlns:r="http://schemas.openxmlformats.org/officeDocument/2006/relationships" xmlns:p="http://schemas.openxmlformats.org/presentationml/2006/main">
   <p:cSld>
     <p:spTree>
@@ -26325,7 +26568,7 @@
             </a:pPr>
             <a:fld id="{00000000-1234-1234-1234-123412341234}" type="slidenum">
               <a:rPr lang="en" smtClean="0"/>
-              <a:t>25</a:t>
+              <a:t>26</a:t>
             </a:fld>
             <a:endParaRPr lang="en" dirty="0"/>
           </a:p>
@@ -26904,7 +27147,7 @@
 </p:sld>
 </file>
 
-<file path=ppt/slides/slide26.xml><?xml version="1.0" encoding="utf-8"?>
+<file path=ppt/slides/slide27.xml><?xml version="1.0" encoding="utf-8"?>
 <p:sld xmlns:a="http://schemas.openxmlformats.org/drawingml/2006/main" xmlns:r="http://schemas.openxmlformats.org/officeDocument/2006/relationships" xmlns:p="http://schemas.openxmlformats.org/presentationml/2006/main">
   <p:cSld>
     <p:spTree>
@@ -27009,7 +27252,7 @@
             </a:pPr>
             <a:fld id="{00000000-1234-1234-1234-123412341234}" type="slidenum">
               <a:rPr lang="en" smtClean="0"/>
-              <a:t>26</a:t>
+              <a:t>27</a:t>
             </a:fld>
             <a:endParaRPr lang="en" dirty="0"/>
           </a:p>
@@ -27859,7 +28102,7 @@
 </p:sld>
 </file>
 
-<file path=ppt/slides/slide27.xml><?xml version="1.0" encoding="utf-8"?>
+<file path=ppt/slides/slide28.xml><?xml version="1.0" encoding="utf-8"?>
 <p:sld xmlns:a="http://schemas.openxmlformats.org/drawingml/2006/main" xmlns:r="http://schemas.openxmlformats.org/officeDocument/2006/relationships" xmlns:p="http://schemas.openxmlformats.org/presentationml/2006/main">
   <p:cSld>
     <p:spTree>
@@ -27979,7 +28222,7 @@
             </a:pPr>
             <a:fld id="{00000000-1234-1234-1234-123412341234}" type="slidenum">
               <a:rPr lang="en" smtClean="0"/>
-              <a:t>27</a:t>
+              <a:t>28</a:t>
             </a:fld>
             <a:endParaRPr lang="en" dirty="0"/>
           </a:p>
@@ -28410,7 +28653,7 @@
 </p:sld>
 </file>
 
-<file path=ppt/slides/slide28.xml><?xml version="1.0" encoding="utf-8"?>
+<file path=ppt/slides/slide29.xml><?xml version="1.0" encoding="utf-8"?>
 <p:sld xmlns:a="http://schemas.openxmlformats.org/drawingml/2006/main" xmlns:r="http://schemas.openxmlformats.org/officeDocument/2006/relationships" xmlns:p="http://schemas.openxmlformats.org/presentationml/2006/main">
   <p:cSld>
     <p:spTree>
@@ -28518,7 +28761,7 @@
             </a:pPr>
             <a:fld id="{00000000-1234-1234-1234-123412341234}" type="slidenum">
               <a:rPr lang="en" smtClean="0"/>
-              <a:t>28</a:t>
+              <a:t>29</a:t>
             </a:fld>
             <a:endParaRPr lang="en" dirty="0"/>
           </a:p>
@@ -29025,7 +29268,193 @@
 </p:sld>
 </file>
 
-<file path=ppt/slides/slide29.xml><?xml version="1.0" encoding="utf-8"?>
+<file path=ppt/slides/slide3.xml><?xml version="1.0" encoding="utf-8"?>
+<p:sld xmlns:a="http://schemas.openxmlformats.org/drawingml/2006/main" xmlns:r="http://schemas.openxmlformats.org/officeDocument/2006/relationships" xmlns:p="http://schemas.openxmlformats.org/presentationml/2006/main">
+  <p:cSld>
+    <p:spTree>
+      <p:nvGrpSpPr>
+        <p:cNvPr id="1" name=""/>
+        <p:cNvGrpSpPr/>
+        <p:nvPr/>
+      </p:nvGrpSpPr>
+      <p:grpSpPr>
+        <a:xfrm>
+          <a:off x="0" y="0"/>
+          <a:ext cx="0" cy="0"/>
+          <a:chOff x="0" y="0"/>
+          <a:chExt cx="0" cy="0"/>
+        </a:xfrm>
+      </p:grpSpPr>
+      <p:sp>
+        <p:nvSpPr>
+          <p:cNvPr id="2" name="Title 1">
+            <a:extLst>
+              <a:ext uri="{FF2B5EF4-FFF2-40B4-BE49-F238E27FC236}">
+                <a16:creationId xmlns:a16="http://schemas.microsoft.com/office/drawing/2014/main" id="{8D26504D-2DE4-7F49-FB2C-0D8B4FF0D63B}"/>
+              </a:ext>
+            </a:extLst>
+          </p:cNvPr>
+          <p:cNvSpPr>
+            <a:spLocks noGrp="1"/>
+          </p:cNvSpPr>
+          <p:nvPr>
+            <p:ph type="title"/>
+          </p:nvPr>
+        </p:nvSpPr>
+        <p:spPr/>
+        <p:txBody>
+          <a:bodyPr/>
+          <a:lstStyle/>
+          <a:p>
+            <a:r>
+              <a:rPr lang="en-US" dirty="0"/>
+              <a:t>Relational databases, the good</a:t>
+            </a:r>
+          </a:p>
+        </p:txBody>
+      </p:sp>
+      <p:sp>
+        <p:nvSpPr>
+          <p:cNvPr id="3" name="Text Placeholder 2">
+            <a:extLst>
+              <a:ext uri="{FF2B5EF4-FFF2-40B4-BE49-F238E27FC236}">
+                <a16:creationId xmlns:a16="http://schemas.microsoft.com/office/drawing/2014/main" id="{1ABC6FBA-A79D-97A1-9EA3-D01AA68A1729}"/>
+              </a:ext>
+            </a:extLst>
+          </p:cNvPr>
+          <p:cNvSpPr>
+            <a:spLocks noGrp="1"/>
+          </p:cNvSpPr>
+          <p:nvPr>
+            <p:ph type="body" idx="1"/>
+          </p:nvPr>
+        </p:nvSpPr>
+        <p:spPr/>
+        <p:txBody>
+          <a:bodyPr>
+            <a:normAutofit fontScale="92500" lnSpcReduction="10000"/>
+          </a:bodyPr>
+          <a:lstStyle/>
+          <a:p>
+            <a:r>
+              <a:rPr lang="en-US" dirty="0"/>
+              <a:t>Fundamental form of data organization for 50 years</a:t>
+            </a:r>
+          </a:p>
+          <a:p>
+            <a:r>
+              <a:rPr lang="en-US" dirty="0"/>
+              <a:t>Remarkably stable: SQL basically unchanged for 50 years!</a:t>
+            </a:r>
+          </a:p>
+          <a:p>
+            <a:r>
+              <a:rPr lang="en-US" dirty="0"/>
+              <a:t>Mathematically rigorous basis</a:t>
+            </a:r>
+          </a:p>
+          <a:p>
+            <a:r>
+              <a:rPr lang="en-US" dirty="0"/>
+              <a:t>Open-ended query system</a:t>
+            </a:r>
+          </a:p>
+          <a:p>
+            <a:r>
+              <a:rPr lang="en-US" dirty="0"/>
+              <a:t>Support collaboration</a:t>
+            </a:r>
+          </a:p>
+          <a:p>
+            <a:r>
+              <a:rPr lang="en-US" dirty="0"/>
+              <a:t>Allow (well, require) schema definition</a:t>
+            </a:r>
+          </a:p>
+          <a:p>
+            <a:r>
+              <a:rPr lang="en-US" dirty="0"/>
+              <a:t>Correctness/consistency preserving</a:t>
+            </a:r>
+          </a:p>
+          <a:p>
+            <a:r>
+              <a:rPr lang="en-US" dirty="0"/>
+              <a:t>Fault tolerant, even replicated</a:t>
+            </a:r>
+          </a:p>
+          <a:p>
+            <a:r>
+              <a:rPr lang="en-US" dirty="0"/>
+              <a:t>Support concurrency out of the box</a:t>
+            </a:r>
+          </a:p>
+          <a:p>
+            <a:r>
+              <a:rPr lang="en-US" dirty="0"/>
+              <a:t>Turnkey performance support</a:t>
+            </a:r>
+          </a:p>
+          <a:p>
+            <a:r>
+              <a:rPr lang="en-US" dirty="0"/>
+              <a:t>Extensions for spatial objects, large corpus text, XML, JSON, etc.</a:t>
+            </a:r>
+          </a:p>
+        </p:txBody>
+      </p:sp>
+      <p:sp>
+        <p:nvSpPr>
+          <p:cNvPr id="4" name="Slide Number Placeholder 3">
+            <a:extLst>
+              <a:ext uri="{FF2B5EF4-FFF2-40B4-BE49-F238E27FC236}">
+                <a16:creationId xmlns:a16="http://schemas.microsoft.com/office/drawing/2014/main" id="{CE684AE4-A3A1-ED77-9743-B518205902F0}"/>
+              </a:ext>
+            </a:extLst>
+          </p:cNvPr>
+          <p:cNvSpPr>
+            <a:spLocks noGrp="1"/>
+          </p:cNvSpPr>
+          <p:nvPr>
+            <p:ph type="sldNum" idx="12"/>
+          </p:nvPr>
+        </p:nvSpPr>
+        <p:spPr/>
+        <p:txBody>
+          <a:bodyPr/>
+          <a:lstStyle/>
+          <a:p>
+            <a:pPr marL="0" lvl="0" indent="0" algn="r" rtl="0">
+              <a:spcBef>
+                <a:spcPts val="0"/>
+              </a:spcBef>
+              <a:spcAft>
+                <a:spcPts val="0"/>
+              </a:spcAft>
+              <a:buNone/>
+            </a:pPr>
+            <a:fld id="{00000000-1234-1234-1234-123412341234}" type="slidenum">
+              <a:rPr lang="en" smtClean="0"/>
+              <a:t>3</a:t>
+            </a:fld>
+            <a:endParaRPr lang="en" dirty="0"/>
+          </a:p>
+        </p:txBody>
+      </p:sp>
+    </p:spTree>
+    <p:extLst>
+      <p:ext uri="{BB962C8B-B14F-4D97-AF65-F5344CB8AC3E}">
+        <p14:creationId xmlns:p14="http://schemas.microsoft.com/office/powerpoint/2010/main" val="3923724195"/>
+      </p:ext>
+    </p:extLst>
+  </p:cSld>
+  <p:clrMapOvr>
+    <a:masterClrMapping/>
+  </p:clrMapOvr>
+</p:sld>
+</file>
+
+<file path=ppt/slides/slide30.xml><?xml version="1.0" encoding="utf-8"?>
 <p:sld xmlns:a="http://schemas.openxmlformats.org/drawingml/2006/main" xmlns:r="http://schemas.openxmlformats.org/officeDocument/2006/relationships" xmlns:p="http://schemas.openxmlformats.org/presentationml/2006/main">
   <p:cSld>
     <p:spTree>
@@ -29240,7 +29669,7 @@
             </a:pPr>
             <a:fld id="{00000000-1234-1234-1234-123412341234}" type="slidenum">
               <a:rPr lang="en" smtClean="0"/>
-              <a:t>29</a:t>
+              <a:t>30</a:t>
             </a:fld>
             <a:endParaRPr lang="en" dirty="0"/>
           </a:p>
@@ -29259,193 +29688,7 @@
 </p:sld>
 </file>
 
-<file path=ppt/slides/slide3.xml><?xml version="1.0" encoding="utf-8"?>
-<p:sld xmlns:a="http://schemas.openxmlformats.org/drawingml/2006/main" xmlns:r="http://schemas.openxmlformats.org/officeDocument/2006/relationships" xmlns:p="http://schemas.openxmlformats.org/presentationml/2006/main">
-  <p:cSld>
-    <p:spTree>
-      <p:nvGrpSpPr>
-        <p:cNvPr id="1" name=""/>
-        <p:cNvGrpSpPr/>
-        <p:nvPr/>
-      </p:nvGrpSpPr>
-      <p:grpSpPr>
-        <a:xfrm>
-          <a:off x="0" y="0"/>
-          <a:ext cx="0" cy="0"/>
-          <a:chOff x="0" y="0"/>
-          <a:chExt cx="0" cy="0"/>
-        </a:xfrm>
-      </p:grpSpPr>
-      <p:sp>
-        <p:nvSpPr>
-          <p:cNvPr id="2" name="Title 1">
-            <a:extLst>
-              <a:ext uri="{FF2B5EF4-FFF2-40B4-BE49-F238E27FC236}">
-                <a16:creationId xmlns:a16="http://schemas.microsoft.com/office/drawing/2014/main" id="{8D26504D-2DE4-7F49-FB2C-0D8B4FF0D63B}"/>
-              </a:ext>
-            </a:extLst>
-          </p:cNvPr>
-          <p:cNvSpPr>
-            <a:spLocks noGrp="1"/>
-          </p:cNvSpPr>
-          <p:nvPr>
-            <p:ph type="title"/>
-          </p:nvPr>
-        </p:nvSpPr>
-        <p:spPr/>
-        <p:txBody>
-          <a:bodyPr/>
-          <a:lstStyle/>
-          <a:p>
-            <a:r>
-              <a:rPr lang="en-US" dirty="0"/>
-              <a:t>Relational databases, the good</a:t>
-            </a:r>
-          </a:p>
-        </p:txBody>
-      </p:sp>
-      <p:sp>
-        <p:nvSpPr>
-          <p:cNvPr id="3" name="Text Placeholder 2">
-            <a:extLst>
-              <a:ext uri="{FF2B5EF4-FFF2-40B4-BE49-F238E27FC236}">
-                <a16:creationId xmlns:a16="http://schemas.microsoft.com/office/drawing/2014/main" id="{1ABC6FBA-A79D-97A1-9EA3-D01AA68A1729}"/>
-              </a:ext>
-            </a:extLst>
-          </p:cNvPr>
-          <p:cNvSpPr>
-            <a:spLocks noGrp="1"/>
-          </p:cNvSpPr>
-          <p:nvPr>
-            <p:ph type="body" idx="1"/>
-          </p:nvPr>
-        </p:nvSpPr>
-        <p:spPr/>
-        <p:txBody>
-          <a:bodyPr>
-            <a:normAutofit fontScale="92500" lnSpcReduction="10000"/>
-          </a:bodyPr>
-          <a:lstStyle/>
-          <a:p>
-            <a:r>
-              <a:rPr lang="en-US" dirty="0"/>
-              <a:t>Fundamental form of data organization for 50 years</a:t>
-            </a:r>
-          </a:p>
-          <a:p>
-            <a:r>
-              <a:rPr lang="en-US" dirty="0"/>
-              <a:t>Remarkably stable: SQL basically unchanged for 50 years!</a:t>
-            </a:r>
-          </a:p>
-          <a:p>
-            <a:r>
-              <a:rPr lang="en-US" dirty="0"/>
-              <a:t>Mathematically rigorous basis</a:t>
-            </a:r>
-          </a:p>
-          <a:p>
-            <a:r>
-              <a:rPr lang="en-US" dirty="0"/>
-              <a:t>Open-ended query system</a:t>
-            </a:r>
-          </a:p>
-          <a:p>
-            <a:r>
-              <a:rPr lang="en-US" dirty="0"/>
-              <a:t>Support collaboration</a:t>
-            </a:r>
-          </a:p>
-          <a:p>
-            <a:r>
-              <a:rPr lang="en-US" dirty="0"/>
-              <a:t>Allow (well, require) schema definition</a:t>
-            </a:r>
-          </a:p>
-          <a:p>
-            <a:r>
-              <a:rPr lang="en-US" dirty="0"/>
-              <a:t>Correctness/consistency preserving</a:t>
-            </a:r>
-          </a:p>
-          <a:p>
-            <a:r>
-              <a:rPr lang="en-US" dirty="0"/>
-              <a:t>Fault tolerant, even replicated</a:t>
-            </a:r>
-          </a:p>
-          <a:p>
-            <a:r>
-              <a:rPr lang="en-US" dirty="0"/>
-              <a:t>Support concurrency out of the box</a:t>
-            </a:r>
-          </a:p>
-          <a:p>
-            <a:r>
-              <a:rPr lang="en-US" dirty="0"/>
-              <a:t>Turnkey performance support</a:t>
-            </a:r>
-          </a:p>
-          <a:p>
-            <a:r>
-              <a:rPr lang="en-US" dirty="0"/>
-              <a:t>Extensions for spatial objects, large corpus text, XML, JSON, etc.</a:t>
-            </a:r>
-          </a:p>
-        </p:txBody>
-      </p:sp>
-      <p:sp>
-        <p:nvSpPr>
-          <p:cNvPr id="4" name="Slide Number Placeholder 3">
-            <a:extLst>
-              <a:ext uri="{FF2B5EF4-FFF2-40B4-BE49-F238E27FC236}">
-                <a16:creationId xmlns:a16="http://schemas.microsoft.com/office/drawing/2014/main" id="{CE684AE4-A3A1-ED77-9743-B518205902F0}"/>
-              </a:ext>
-            </a:extLst>
-          </p:cNvPr>
-          <p:cNvSpPr>
-            <a:spLocks noGrp="1"/>
-          </p:cNvSpPr>
-          <p:nvPr>
-            <p:ph type="sldNum" idx="12"/>
-          </p:nvPr>
-        </p:nvSpPr>
-        <p:spPr/>
-        <p:txBody>
-          <a:bodyPr/>
-          <a:lstStyle/>
-          <a:p>
-            <a:pPr marL="0" lvl="0" indent="0" algn="r" rtl="0">
-              <a:spcBef>
-                <a:spcPts val="0"/>
-              </a:spcBef>
-              <a:spcAft>
-                <a:spcPts val="0"/>
-              </a:spcAft>
-              <a:buNone/>
-            </a:pPr>
-            <a:fld id="{00000000-1234-1234-1234-123412341234}" type="slidenum">
-              <a:rPr lang="en" smtClean="0"/>
-              <a:t>3</a:t>
-            </a:fld>
-            <a:endParaRPr lang="en" dirty="0"/>
-          </a:p>
-        </p:txBody>
-      </p:sp>
-    </p:spTree>
-    <p:extLst>
-      <p:ext uri="{BB962C8B-B14F-4D97-AF65-F5344CB8AC3E}">
-        <p14:creationId xmlns:p14="http://schemas.microsoft.com/office/powerpoint/2010/main" val="3923724195"/>
-      </p:ext>
-    </p:extLst>
-  </p:cSld>
-  <p:clrMapOvr>
-    <a:masterClrMapping/>
-  </p:clrMapOvr>
-</p:sld>
-</file>
-
-<file path=ppt/slides/slide30.xml><?xml version="1.0" encoding="utf-8"?>
+<file path=ppt/slides/slide31.xml><?xml version="1.0" encoding="utf-8"?>
 <p:sld xmlns:a="http://schemas.openxmlformats.org/drawingml/2006/main" xmlns:r="http://schemas.openxmlformats.org/officeDocument/2006/relationships" xmlns:p="http://schemas.openxmlformats.org/presentationml/2006/main">
   <p:cSld>
     <p:spTree>
@@ -29673,7 +29916,7 @@
             </a:pPr>
             <a:fld id="{00000000-1234-1234-1234-123412341234}" type="slidenum">
               <a:rPr lang="en" smtClean="0"/>
-              <a:t>30</a:t>
+              <a:t>31</a:t>
             </a:fld>
             <a:endParaRPr lang="en" dirty="0"/>
           </a:p>
@@ -29692,7 +29935,7 @@
 </p:sld>
 </file>
 
-<file path=ppt/slides/slide31.xml><?xml version="1.0" encoding="utf-8"?>
+<file path=ppt/slides/slide32.xml><?xml version="1.0" encoding="utf-8"?>
 <p:sld xmlns:a="http://schemas.openxmlformats.org/drawingml/2006/main" xmlns:r="http://schemas.openxmlformats.org/officeDocument/2006/relationships" xmlns:p="http://schemas.openxmlformats.org/presentationml/2006/main">
   <p:cSld>
     <p:spTree>
@@ -29833,7 +30076,7 @@
             </a:pPr>
             <a:fld id="{00000000-1234-1234-1234-123412341234}" type="slidenum">
               <a:rPr lang="en" smtClean="0"/>
-              <a:t>31</a:t>
+              <a:t>32</a:t>
             </a:fld>
             <a:endParaRPr lang="en" dirty="0"/>
           </a:p>
@@ -29852,7 +30095,7 @@
 </p:sld>
 </file>
 
-<file path=ppt/slides/slide32.xml><?xml version="1.0" encoding="utf-8"?>
+<file path=ppt/slides/slide33.xml><?xml version="1.0" encoding="utf-8"?>
 <p:sld xmlns:a="http://schemas.openxmlformats.org/drawingml/2006/main" xmlns:r="http://schemas.openxmlformats.org/officeDocument/2006/relationships" xmlns:p="http://schemas.openxmlformats.org/presentationml/2006/main">
   <p:cSld>
     <p:spTree>
@@ -29979,7 +30222,7 @@
               <a:rPr lang="en" smtClean="0">
                 <a:latin typeface="Avenir Book" panose="02000503020000020003" pitchFamily="2" charset="0"/>
               </a:rPr>
-              <a:t>32</a:t>
+              <a:t>33</a:t>
             </a:fld>
             <a:endParaRPr lang="en" dirty="0">
               <a:latin typeface="Avenir Book" panose="02000503020000020003" pitchFamily="2" charset="0"/>
@@ -30000,7 +30243,7 @@
 </p:sld>
 </file>
 
-<file path=ppt/slides/slide33.xml><?xml version="1.0" encoding="utf-8"?>
+<file path=ppt/slides/slide34.xml><?xml version="1.0" encoding="utf-8"?>
 <p:sld xmlns:a="http://schemas.openxmlformats.org/drawingml/2006/main" xmlns:r="http://schemas.openxmlformats.org/officeDocument/2006/relationships" xmlns:p="http://schemas.openxmlformats.org/presentationml/2006/main">
   <p:cSld>
     <p:spTree>
@@ -30195,7 +30438,7 @@
             </a:pPr>
             <a:fld id="{00000000-1234-1234-1234-123412341234}" type="slidenum">
               <a:rPr lang="en" smtClean="0"/>
-              <a:t>33</a:t>
+              <a:t>34</a:t>
             </a:fld>
             <a:endParaRPr lang="en" dirty="0"/>
           </a:p>
@@ -30214,7 +30457,7 @@
 </p:sld>
 </file>
 
-<file path=ppt/slides/slide34.xml><?xml version="1.0" encoding="utf-8"?>
+<file path=ppt/slides/slide35.xml><?xml version="1.0" encoding="utf-8"?>
 <p:sld xmlns:a="http://schemas.openxmlformats.org/drawingml/2006/main" xmlns:r="http://schemas.openxmlformats.org/officeDocument/2006/relationships" xmlns:p="http://schemas.openxmlformats.org/presentationml/2006/main">
   <p:cSld>
     <p:spTree>
@@ -30638,7 +30881,7 @@
             </a:pPr>
             <a:fld id="{00000000-1234-1234-1234-123412341234}" type="slidenum">
               <a:rPr lang="en" smtClean="0"/>
-              <a:t>34</a:t>
+              <a:t>35</a:t>
             </a:fld>
             <a:endParaRPr lang="en" dirty="0"/>
           </a:p>
@@ -30657,7 +30900,7 @@
 </p:sld>
 </file>
 
-<file path=ppt/slides/slide35.xml><?xml version="1.0" encoding="utf-8"?>
+<file path=ppt/slides/slide36.xml><?xml version="1.0" encoding="utf-8"?>
 <p:sld xmlns:a="http://schemas.openxmlformats.org/drawingml/2006/main" xmlns:r="http://schemas.openxmlformats.org/officeDocument/2006/relationships" xmlns:p="http://schemas.openxmlformats.org/presentationml/2006/main">
   <p:cSld>
     <p:spTree>
@@ -30870,7 +31113,7 @@
             </a:pPr>
             <a:fld id="{00000000-1234-1234-1234-123412341234}" type="slidenum">
               <a:rPr lang="en" smtClean="0"/>
-              <a:t>35</a:t>
+              <a:t>36</a:t>
             </a:fld>
             <a:endParaRPr lang="en" dirty="0"/>
           </a:p>
@@ -30889,7 +31132,7 @@
 </p:sld>
 </file>
 
-<file path=ppt/slides/slide36.xml><?xml version="1.0" encoding="utf-8"?>
+<file path=ppt/slides/slide37.xml><?xml version="1.0" encoding="utf-8"?>
 <p:sld xmlns:a="http://schemas.openxmlformats.org/drawingml/2006/main" xmlns:r="http://schemas.openxmlformats.org/officeDocument/2006/relationships" xmlns:p="http://schemas.openxmlformats.org/presentationml/2006/main">
   <p:cSld>
     <p:spTree>
@@ -31155,7 +31398,7 @@
             </a:pPr>
             <a:fld id="{00000000-1234-1234-1234-123412341234}" type="slidenum">
               <a:rPr lang="en" smtClean="0"/>
-              <a:t>36</a:t>
+              <a:t>37</a:t>
             </a:fld>
             <a:endParaRPr lang="en" dirty="0"/>
           </a:p>
@@ -31174,7 +31417,7 @@
 </p:sld>
 </file>
 
-<file path=ppt/slides/slide37.xml><?xml version="1.0" encoding="utf-8"?>
+<file path=ppt/slides/slide38.xml><?xml version="1.0" encoding="utf-8"?>
 <p:sld xmlns:a="http://schemas.openxmlformats.org/drawingml/2006/main" xmlns:r="http://schemas.openxmlformats.org/officeDocument/2006/relationships" xmlns:p="http://schemas.openxmlformats.org/presentationml/2006/main">
   <p:cSld>
     <p:spTree>
@@ -31340,7 +31583,7 @@
             </a:pPr>
             <a:fld id="{00000000-1234-1234-1234-123412341234}" type="slidenum">
               <a:rPr lang="en" smtClean="0"/>
-              <a:t>37</a:t>
+              <a:t>38</a:t>
             </a:fld>
             <a:endParaRPr lang="en" dirty="0"/>
           </a:p>
@@ -31350,272 +31593,6 @@
     <p:extLst>
       <p:ext uri="{BB962C8B-B14F-4D97-AF65-F5344CB8AC3E}">
         <p14:creationId xmlns:p14="http://schemas.microsoft.com/office/powerpoint/2010/main" val="681495643"/>
-      </p:ext>
-    </p:extLst>
-  </p:cSld>
-  <p:clrMapOvr>
-    <a:masterClrMapping/>
-  </p:clrMapOvr>
-</p:sld>
-</file>
-
-<file path=ppt/slides/slide38.xml><?xml version="1.0" encoding="utf-8"?>
-<p:sld xmlns:a="http://schemas.openxmlformats.org/drawingml/2006/main" xmlns:r="http://schemas.openxmlformats.org/officeDocument/2006/relationships" xmlns:p="http://schemas.openxmlformats.org/presentationml/2006/main">
-  <p:cSld>
-    <p:spTree>
-      <p:nvGrpSpPr>
-        <p:cNvPr id="1" name=""/>
-        <p:cNvGrpSpPr/>
-        <p:nvPr/>
-      </p:nvGrpSpPr>
-      <p:grpSpPr>
-        <a:xfrm>
-          <a:off x="0" y="0"/>
-          <a:ext cx="0" cy="0"/>
-          <a:chOff x="0" y="0"/>
-          <a:chExt cx="0" cy="0"/>
-        </a:xfrm>
-      </p:grpSpPr>
-      <p:sp>
-        <p:nvSpPr>
-          <p:cNvPr id="2" name="Title 1">
-            <a:extLst>
-              <a:ext uri="{FF2B5EF4-FFF2-40B4-BE49-F238E27FC236}">
-                <a16:creationId xmlns:a16="http://schemas.microsoft.com/office/drawing/2014/main" id="{13C5E11B-ED4E-E092-B5AC-3AD01F3AABE6}"/>
-              </a:ext>
-            </a:extLst>
-          </p:cNvPr>
-          <p:cNvSpPr>
-            <a:spLocks noGrp="1"/>
-          </p:cNvSpPr>
-          <p:nvPr>
-            <p:ph type="title"/>
-          </p:nvPr>
-        </p:nvSpPr>
-        <p:spPr/>
-        <p:txBody>
-          <a:bodyPr/>
-          <a:lstStyle/>
-          <a:p>
-            <a:r>
-              <a:rPr lang="en-US" dirty="0"/>
-              <a:t>Why bother with constraints on data? (1)</a:t>
-            </a:r>
-          </a:p>
-        </p:txBody>
-      </p:sp>
-      <p:sp>
-        <p:nvSpPr>
-          <p:cNvPr id="3" name="Text Placeholder 2">
-            <a:extLst>
-              <a:ext uri="{FF2B5EF4-FFF2-40B4-BE49-F238E27FC236}">
-                <a16:creationId xmlns:a16="http://schemas.microsoft.com/office/drawing/2014/main" id="{BA4B172B-B22E-36BA-BAF8-1220759AF9AE}"/>
-              </a:ext>
-            </a:extLst>
-          </p:cNvPr>
-          <p:cNvSpPr>
-            <a:spLocks noGrp="1"/>
-          </p:cNvSpPr>
-          <p:nvPr>
-            <p:ph type="body" idx="1"/>
-          </p:nvPr>
-        </p:nvSpPr>
-        <p:spPr/>
-        <p:txBody>
-          <a:bodyPr/>
-          <a:lstStyle/>
-          <a:p>
-            <a:r>
-              <a:rPr lang="en-US" dirty="0"/>
-              <a:t>Here’s why</a:t>
-            </a:r>
-          </a:p>
-          <a:p>
-            <a:pPr lvl="1"/>
-            <a:endParaRPr lang="en-US" dirty="0">
-              <a:latin typeface="Avenir Book" panose="02000503020000020003" pitchFamily="2" charset="0"/>
-            </a:endParaRPr>
-          </a:p>
-          <a:p>
-            <a:r>
-              <a:rPr lang="en-US" dirty="0" err="1"/>
-              <a:t>Daily_pred_lemm.Team_count</a:t>
-            </a:r>
-            <a:endParaRPr lang="en-US" dirty="0"/>
-          </a:p>
-          <a:p>
-            <a:pPr lvl="1"/>
-            <a:r>
-              <a:rPr lang="en-US" dirty="0">
-                <a:latin typeface="Avenir Book" panose="02000503020000020003" pitchFamily="2" charset="0"/>
-              </a:rPr>
-              <a:t>Boolean column: “Did more than one person conduct the survey together?”</a:t>
-            </a:r>
-          </a:p>
-          <a:p>
-            <a:pPr lvl="1"/>
-            <a:endParaRPr lang="en-US" dirty="0">
-              <a:latin typeface="Avenir Book" panose="02000503020000020003" pitchFamily="2" charset="0"/>
-            </a:endParaRPr>
-          </a:p>
-          <a:p>
-            <a:pPr lvl="1"/>
-            <a:r>
-              <a:rPr lang="en-US" dirty="0">
-                <a:latin typeface="Courier New" panose="02070309020205020404" pitchFamily="49" charset="0"/>
-                <a:cs typeface="Courier New" panose="02070309020205020404" pitchFamily="49" charset="0"/>
-              </a:rPr>
-              <a:t>import pandas as pd</a:t>
-            </a:r>
-            <a:br>
-              <a:rPr lang="en-US" dirty="0">
-                <a:latin typeface="Courier New" panose="02070309020205020404" pitchFamily="49" charset="0"/>
-                <a:cs typeface="Courier New" panose="02070309020205020404" pitchFamily="49" charset="0"/>
-              </a:rPr>
-            </a:br>
-            <a:r>
-              <a:rPr lang="en-US" dirty="0" err="1">
-                <a:latin typeface="Courier New" panose="02070309020205020404" pitchFamily="49" charset="0"/>
-                <a:cs typeface="Courier New" panose="02070309020205020404" pitchFamily="49" charset="0"/>
-              </a:rPr>
-              <a:t>df</a:t>
-            </a:r>
-            <a:r>
-              <a:rPr lang="en-US" dirty="0">
-                <a:latin typeface="Courier New" panose="02070309020205020404" pitchFamily="49" charset="0"/>
-                <a:cs typeface="Courier New" panose="02070309020205020404" pitchFamily="49" charset="0"/>
-              </a:rPr>
-              <a:t> = </a:t>
-            </a:r>
-            <a:r>
-              <a:rPr lang="en-US" dirty="0" err="1">
-                <a:latin typeface="Courier New" panose="02070309020205020404" pitchFamily="49" charset="0"/>
-                <a:cs typeface="Courier New" panose="02070309020205020404" pitchFamily="49" charset="0"/>
-              </a:rPr>
-              <a:t>pd.read_csv</a:t>
-            </a:r>
-            <a:r>
-              <a:rPr lang="en-US" dirty="0">
-                <a:latin typeface="Courier New" panose="02070309020205020404" pitchFamily="49" charset="0"/>
-                <a:cs typeface="Courier New" panose="02070309020205020404" pitchFamily="49" charset="0"/>
-              </a:rPr>
-              <a:t>("</a:t>
-            </a:r>
-            <a:r>
-              <a:rPr lang="en-US" dirty="0" err="1">
-                <a:latin typeface="Courier New" panose="02070309020205020404" pitchFamily="49" charset="0"/>
-                <a:cs typeface="Courier New" panose="02070309020205020404" pitchFamily="49" charset="0"/>
-              </a:rPr>
-              <a:t>ASDN_Daily_pred_lemm.csv</a:t>
-            </a:r>
-            <a:r>
-              <a:rPr lang="en-US" dirty="0">
-                <a:latin typeface="Courier New" panose="02070309020205020404" pitchFamily="49" charset="0"/>
-                <a:cs typeface="Courier New" panose="02070309020205020404" pitchFamily="49" charset="0"/>
-              </a:rPr>
-              <a:t>")</a:t>
-            </a:r>
-            <a:br>
-              <a:rPr lang="en-US" dirty="0">
-                <a:latin typeface="Courier New" panose="02070309020205020404" pitchFamily="49" charset="0"/>
-                <a:cs typeface="Courier New" panose="02070309020205020404" pitchFamily="49" charset="0"/>
-              </a:rPr>
-            </a:br>
-            <a:r>
-              <a:rPr lang="en-US" dirty="0" err="1">
-                <a:latin typeface="Courier New" panose="02070309020205020404" pitchFamily="49" charset="0"/>
-                <a:cs typeface="Courier New" panose="02070309020205020404" pitchFamily="49" charset="0"/>
-              </a:rPr>
-              <a:t>df.Team_count.unique</a:t>
-            </a:r>
-            <a:r>
-              <a:rPr lang="en-US" dirty="0">
-                <a:latin typeface="Courier New" panose="02070309020205020404" pitchFamily="49" charset="0"/>
-                <a:cs typeface="Courier New" panose="02070309020205020404" pitchFamily="49" charset="0"/>
-              </a:rPr>
-              <a:t>()</a:t>
-            </a:r>
-          </a:p>
-          <a:p>
-            <a:pPr lvl="1"/>
-            <a:endParaRPr lang="en-US" dirty="0">
-              <a:latin typeface="Avenir Book" panose="02000503020000020003" pitchFamily="2" charset="0"/>
-            </a:endParaRPr>
-          </a:p>
-          <a:p>
-            <a:pPr lvl="1"/>
-            <a:r>
-              <a:rPr lang="en-US" dirty="0">
-                <a:latin typeface="Avenir Book" panose="02000503020000020003" pitchFamily="2" charset="0"/>
-              </a:rPr>
-              <a:t>➜ </a:t>
-            </a:r>
-            <a:r>
-              <a:rPr lang="en-US" dirty="0">
-                <a:latin typeface="Courier New" panose="02070309020205020404" pitchFamily="49" charset="0"/>
-                <a:cs typeface="Courier New" panose="02070309020205020404" pitchFamily="49" charset="0"/>
-              </a:rPr>
-              <a:t>array(['n', 'y', nan, 'n ', 'N'], </a:t>
-            </a:r>
-            <a:r>
-              <a:rPr lang="en-US" dirty="0" err="1">
-                <a:latin typeface="Courier New" panose="02070309020205020404" pitchFamily="49" charset="0"/>
-                <a:cs typeface="Courier New" panose="02070309020205020404" pitchFamily="49" charset="0"/>
-              </a:rPr>
-              <a:t>dtype</a:t>
-            </a:r>
-            <a:r>
-              <a:rPr lang="en-US" dirty="0">
-                <a:latin typeface="Courier New" panose="02070309020205020404" pitchFamily="49" charset="0"/>
-                <a:cs typeface="Courier New" panose="02070309020205020404" pitchFamily="49" charset="0"/>
-              </a:rPr>
-              <a:t>=object)</a:t>
-            </a:r>
-          </a:p>
-        </p:txBody>
-      </p:sp>
-      <p:sp>
-        <p:nvSpPr>
-          <p:cNvPr id="4" name="Slide Number Placeholder 3">
-            <a:extLst>
-              <a:ext uri="{FF2B5EF4-FFF2-40B4-BE49-F238E27FC236}">
-                <a16:creationId xmlns:a16="http://schemas.microsoft.com/office/drawing/2014/main" id="{E33612C2-840E-0EFB-6BDD-739D42AC4FB1}"/>
-              </a:ext>
-            </a:extLst>
-          </p:cNvPr>
-          <p:cNvSpPr>
-            <a:spLocks noGrp="1"/>
-          </p:cNvSpPr>
-          <p:nvPr>
-            <p:ph type="sldNum" idx="12"/>
-          </p:nvPr>
-        </p:nvSpPr>
-        <p:spPr/>
-        <p:txBody>
-          <a:bodyPr/>
-          <a:lstStyle/>
-          <a:p>
-            <a:pPr marL="0" lvl="0" indent="0" algn="r" rtl="0">
-              <a:spcBef>
-                <a:spcPts val="0"/>
-              </a:spcBef>
-              <a:spcAft>
-                <a:spcPts val="0"/>
-              </a:spcAft>
-              <a:buNone/>
-            </a:pPr>
-            <a:fld id="{00000000-1234-1234-1234-123412341234}" type="slidenum">
-              <a:rPr lang="en" smtClean="0"/>
-              <a:t>38</a:t>
-            </a:fld>
-            <a:endParaRPr lang="en" dirty="0"/>
-          </a:p>
-        </p:txBody>
-      </p:sp>
-    </p:spTree>
-    <p:extLst>
-      <p:ext uri="{BB962C8B-B14F-4D97-AF65-F5344CB8AC3E}">
-        <p14:creationId xmlns:p14="http://schemas.microsoft.com/office/powerpoint/2010/main" val="1988222347"/>
       </p:ext>
     </p:extLst>
   </p:cSld>
@@ -31665,7 +31642,7 @@
           <a:p>
             <a:r>
               <a:rPr lang="en-US" dirty="0"/>
-              <a:t>Why bother with constraints on data? (2)</a:t>
+              <a:t>Why bother with constraints on data? (1)</a:t>
             </a:r>
           </a:p>
         </p:txBody>
@@ -31688,24 +31665,12 @@
         </p:nvSpPr>
         <p:spPr/>
         <p:txBody>
-          <a:bodyPr>
-            <a:normAutofit fontScale="92500"/>
-          </a:bodyPr>
+          <a:bodyPr/>
           <a:lstStyle/>
           <a:p>
             <a:r>
-              <a:rPr lang="en-US" dirty="0" err="1"/>
-              <a:t>Bird_nests.conceal</a:t>
-            </a:r>
-            <a:endParaRPr lang="en-US" dirty="0"/>
-          </a:p>
-          <a:p>
-            <a:pPr lvl="1"/>
-            <a:r>
-              <a:rPr lang="en-US" dirty="0">
-                <a:latin typeface="Avenir Book" panose="02000503020000020003" pitchFamily="2" charset="0"/>
-              </a:rPr>
-              <a:t>Numeric column: “Percent of the nest concealed by vegetation”</a:t>
+              <a:rPr lang="en-US" dirty="0"/>
+              <a:t>Here’s why</a:t>
             </a:r>
           </a:p>
           <a:p>
@@ -31715,48 +31680,35 @@
             </a:endParaRPr>
           </a:p>
           <a:p>
+            <a:r>
+              <a:rPr lang="en-US" dirty="0" err="1"/>
+              <a:t>Daily_pred_lemm.Team_count</a:t>
+            </a:r>
+            <a:endParaRPr lang="en-US" dirty="0"/>
+          </a:p>
+          <a:p>
             <a:pPr lvl="1"/>
             <a:r>
-              <a:rPr lang="en-US" dirty="0" err="1">
-                <a:latin typeface="Courier New" panose="02070309020205020404" pitchFamily="49" charset="0"/>
-                <a:cs typeface="Courier New" panose="02070309020205020404" pitchFamily="49" charset="0"/>
+              <a:rPr lang="en-US" dirty="0">
+                <a:latin typeface="Avenir Book" panose="02000503020000020003" pitchFamily="2" charset="0"/>
               </a:rPr>
-              <a:t>df</a:t>
-            </a:r>
+              <a:t>Boolean column: “Did more than one person conduct the survey together?”</a:t>
+            </a:r>
+          </a:p>
+          <a:p>
+            <a:pPr lvl="1"/>
+            <a:endParaRPr lang="en-US" dirty="0">
+              <a:latin typeface="Avenir Book" panose="02000503020000020003" pitchFamily="2" charset="0"/>
+            </a:endParaRPr>
+          </a:p>
+          <a:p>
+            <a:pPr lvl="1"/>
             <a:r>
               <a:rPr lang="en-US" dirty="0">
                 <a:latin typeface="Courier New" panose="02070309020205020404" pitchFamily="49" charset="0"/>
                 <a:cs typeface="Courier New" panose="02070309020205020404" pitchFamily="49" charset="0"/>
               </a:rPr>
-              <a:t> = </a:t>
-            </a:r>
-            <a:r>
-              <a:rPr lang="en-US" dirty="0" err="1">
-                <a:latin typeface="Courier New" panose="02070309020205020404" pitchFamily="49" charset="0"/>
-                <a:cs typeface="Courier New" panose="02070309020205020404" pitchFamily="49" charset="0"/>
-              </a:rPr>
-              <a:t>pd.read_csv</a:t>
-            </a:r>
-            <a:r>
-              <a:rPr lang="en-US" dirty="0">
-                <a:latin typeface="Courier New" panose="02070309020205020404" pitchFamily="49" charset="0"/>
-                <a:cs typeface="Courier New" panose="02070309020205020404" pitchFamily="49" charset="0"/>
-              </a:rPr>
-              <a:t>("</a:t>
-            </a:r>
-            <a:r>
-              <a:rPr lang="en-US" dirty="0" err="1">
-                <a:latin typeface="Courier New" panose="02070309020205020404" pitchFamily="49" charset="0"/>
-                <a:cs typeface="Courier New" panose="02070309020205020404" pitchFamily="49" charset="0"/>
-              </a:rPr>
-              <a:t>ASDN_Bird_nests.csv</a:t>
-            </a:r>
-            <a:r>
-              <a:rPr lang="en-US" dirty="0">
-                <a:latin typeface="Courier New" panose="02070309020205020404" pitchFamily="49" charset="0"/>
-                <a:cs typeface="Courier New" panose="02070309020205020404" pitchFamily="49" charset="0"/>
-              </a:rPr>
-              <a:t>")</a:t>
+              <a:t>import pandas as pd</a:t>
             </a:r>
             <a:br>
               <a:rPr lang="en-US" dirty="0">
@@ -31769,36 +31721,42 @@
                 <a:latin typeface="Courier New" panose="02070309020205020404" pitchFamily="49" charset="0"/>
                 <a:cs typeface="Courier New" panose="02070309020205020404" pitchFamily="49" charset="0"/>
               </a:rPr>
-              <a:t>df.conceal.unique</a:t>
+              <a:t>df</a:t>
             </a:r>
             <a:r>
               <a:rPr lang="en-US" dirty="0">
                 <a:latin typeface="Courier New" panose="02070309020205020404" pitchFamily="49" charset="0"/>
                 <a:cs typeface="Courier New" panose="02070309020205020404" pitchFamily="49" charset="0"/>
               </a:rPr>
-              <a:t>()</a:t>
-            </a:r>
-          </a:p>
-          <a:p>
-            <a:pPr lvl="1"/>
-            <a:endParaRPr lang="en-US" dirty="0">
-              <a:latin typeface="Avenir Book" panose="02000503020000020003" pitchFamily="2" charset="0"/>
-            </a:endParaRPr>
-          </a:p>
-          <a:p>
-            <a:pPr lvl="1"/>
-            <a:r>
-              <a:rPr lang="en-US" dirty="0">
-                <a:latin typeface="Avenir Book" panose="02000503020000020003" pitchFamily="2" charset="0"/>
+              <a:t> = </a:t>
+            </a:r>
+            <a:r>
+              <a:rPr lang="en-US" dirty="0" err="1">
+                <a:latin typeface="Courier New" panose="02070309020205020404" pitchFamily="49" charset="0"/>
+                <a:cs typeface="Courier New" panose="02070309020205020404" pitchFamily="49" charset="0"/>
               </a:rPr>
-              <a:t>➜ </a:t>
+              <a:t>pd.read_csv</a:t>
             </a:r>
             <a:r>
               <a:rPr lang="en-US" dirty="0">
                 <a:latin typeface="Courier New" panose="02070309020205020404" pitchFamily="49" charset="0"/>
                 <a:cs typeface="Courier New" panose="02070309020205020404" pitchFamily="49" charset="0"/>
               </a:rPr>
-              <a:t>array(['90', '100', '95', '80', '70', '85', '50', '20', '40', '60', '10',</a:t>
+              <a:t>("</a:t>
+            </a:r>
+            <a:r>
+              <a:rPr lang="en-US" dirty="0" err="1">
+                <a:latin typeface="Courier New" panose="02070309020205020404" pitchFamily="49" charset="0"/>
+                <a:cs typeface="Courier New" panose="02070309020205020404" pitchFamily="49" charset="0"/>
+              </a:rPr>
+              <a:t>ASDN_Daily_pred_lemm.csv</a:t>
+            </a:r>
+            <a:r>
+              <a:rPr lang="en-US" dirty="0">
+                <a:latin typeface="Courier New" panose="02070309020205020404" pitchFamily="49" charset="0"/>
+                <a:cs typeface="Courier New" panose="02070309020205020404" pitchFamily="49" charset="0"/>
+              </a:rPr>
+              <a:t>")</a:t>
             </a:r>
             <a:br>
               <a:rPr lang="en-US" dirty="0">
@@ -31807,90 +31765,40 @@
               </a:rPr>
             </a:br>
             <a:r>
+              <a:rPr lang="en-US" dirty="0" err="1">
+                <a:latin typeface="Courier New" panose="02070309020205020404" pitchFamily="49" charset="0"/>
+                <a:cs typeface="Courier New" panose="02070309020205020404" pitchFamily="49" charset="0"/>
+              </a:rPr>
+              <a:t>df.Team_count.unique</a:t>
+            </a:r>
+            <a:r>
               <a:rPr lang="en-US" dirty="0">
                 <a:latin typeface="Courier New" panose="02070309020205020404" pitchFamily="49" charset="0"/>
                 <a:cs typeface="Courier New" panose="02070309020205020404" pitchFamily="49" charset="0"/>
               </a:rPr>
-              <a:t>        '30', '65', '75', nan, '0', '15', '55', '35', '200', '25', '45',</a:t>
-            </a:r>
-            <a:br>
+              <a:t>()</a:t>
+            </a:r>
+          </a:p>
+          <a:p>
+            <a:pPr lvl="1"/>
+            <a:endParaRPr lang="en-US" dirty="0">
+              <a:latin typeface="Avenir Book" panose="02000503020000020003" pitchFamily="2" charset="0"/>
+            </a:endParaRPr>
+          </a:p>
+          <a:p>
+            <a:pPr lvl="1"/>
+            <a:r>
+              <a:rPr lang="en-US" dirty="0">
+                <a:latin typeface="Avenir Book" panose="02000503020000020003" pitchFamily="2" charset="0"/>
+              </a:rPr>
+              <a:t>➜ </a:t>
+            </a:r>
+            <a:r>
               <a:rPr lang="en-US" dirty="0">
                 <a:latin typeface="Courier New" panose="02070309020205020404" pitchFamily="49" charset="0"/>
                 <a:cs typeface="Courier New" panose="02070309020205020404" pitchFamily="49" charset="0"/>
               </a:rPr>
-            </a:br>
-            <a:r>
-              <a:rPr lang="en-US" dirty="0">
-                <a:latin typeface="Courier New" panose="02070309020205020404" pitchFamily="49" charset="0"/>
-                <a:cs typeface="Courier New" panose="02070309020205020404" pitchFamily="49" charset="0"/>
-              </a:rPr>
-              <a:t>        '5', '-', '.', '1', '2', '3', '</a:t>
-            </a:r>
-            <a:r>
-              <a:rPr lang="en-US" dirty="0" err="1">
-                <a:latin typeface="Courier New" panose="02070309020205020404" pitchFamily="49" charset="0"/>
-                <a:cs typeface="Courier New" panose="02070309020205020404" pitchFamily="49" charset="0"/>
-              </a:rPr>
-              <a:t>unk</a:t>
-            </a:r>
-            <a:r>
-              <a:rPr lang="en-US" dirty="0">
-                <a:latin typeface="Courier New" panose="02070309020205020404" pitchFamily="49" charset="0"/>
-                <a:cs typeface="Courier New" panose="02070309020205020404" pitchFamily="49" charset="0"/>
-              </a:rPr>
-              <a:t>', '4', '98', '99', '93', '58',</a:t>
-            </a:r>
-            <a:br>
-              <a:rPr lang="en-US" dirty="0">
-                <a:latin typeface="Courier New" panose="02070309020205020404" pitchFamily="49" charset="0"/>
-                <a:cs typeface="Courier New" panose="02070309020205020404" pitchFamily="49" charset="0"/>
-              </a:rPr>
-            </a:br>
-            <a:r>
-              <a:rPr lang="en-US" dirty="0">
-                <a:latin typeface="Courier New" panose="02070309020205020404" pitchFamily="49" charset="0"/>
-                <a:cs typeface="Courier New" panose="02070309020205020404" pitchFamily="49" charset="0"/>
-              </a:rPr>
-              <a:t>        '96', '8', '64.7', '57.2', '17.75', '17', '10.45', '4.23', '1.65',</a:t>
-            </a:r>
-            <a:br>
-              <a:rPr lang="en-US" dirty="0">
-                <a:latin typeface="Courier New" panose="02070309020205020404" pitchFamily="49" charset="0"/>
-                <a:cs typeface="Courier New" panose="02070309020205020404" pitchFamily="49" charset="0"/>
-              </a:rPr>
-            </a:br>
-            <a:r>
-              <a:rPr lang="en-US" dirty="0">
-                <a:latin typeface="Courier New" panose="02070309020205020404" pitchFamily="49" charset="0"/>
-                <a:cs typeface="Courier New" panose="02070309020205020404" pitchFamily="49" charset="0"/>
-              </a:rPr>
-              <a:t>        '46', '16.4', '6', '97', '17.5', '77.5', '77', '91.25', '88.5',</a:t>
-            </a:r>
-            <a:br>
-              <a:rPr lang="en-US" dirty="0">
-                <a:latin typeface="Courier New" panose="02070309020205020404" pitchFamily="49" charset="0"/>
-                <a:cs typeface="Courier New" panose="02070309020205020404" pitchFamily="49" charset="0"/>
-              </a:rPr>
-            </a:br>
-            <a:r>
-              <a:rPr lang="en-US" dirty="0">
-                <a:latin typeface="Courier New" panose="02070309020205020404" pitchFamily="49" charset="0"/>
-                <a:cs typeface="Courier New" panose="02070309020205020404" pitchFamily="49" charset="0"/>
-              </a:rPr>
-              <a:t>        '1.25', '3.5', '6.75', '6.5', '&lt;1', '9', '470', '88', '87'],</a:t>
-            </a:r>
-            <a:br>
-              <a:rPr lang="en-US" dirty="0">
-                <a:latin typeface="Courier New" panose="02070309020205020404" pitchFamily="49" charset="0"/>
-                <a:cs typeface="Courier New" panose="02070309020205020404" pitchFamily="49" charset="0"/>
-              </a:rPr>
-            </a:br>
-            <a:r>
-              <a:rPr lang="en-US" dirty="0">
-                <a:latin typeface="Courier New" panose="02070309020205020404" pitchFamily="49" charset="0"/>
-                <a:cs typeface="Courier New" panose="02070309020205020404" pitchFamily="49" charset="0"/>
-              </a:rPr>
-              <a:t>        </a:t>
+              <a:t>array(['n', 'y', nan, 'n ', 'N'], </a:t>
             </a:r>
             <a:r>
               <a:rPr lang="en-US" dirty="0" err="1">
@@ -31950,7 +31858,7 @@
     </p:spTree>
     <p:extLst>
       <p:ext uri="{BB962C8B-B14F-4D97-AF65-F5344CB8AC3E}">
-        <p14:creationId xmlns:p14="http://schemas.microsoft.com/office/powerpoint/2010/main" val="3304863787"/>
+        <p14:creationId xmlns:p14="http://schemas.microsoft.com/office/powerpoint/2010/main" val="1988222347"/>
       </p:ext>
     </p:extLst>
   </p:cSld>
@@ -32166,6 +32074,341 @@
           <p:cNvPr id="2" name="Title 1">
             <a:extLst>
               <a:ext uri="{FF2B5EF4-FFF2-40B4-BE49-F238E27FC236}">
+                <a16:creationId xmlns:a16="http://schemas.microsoft.com/office/drawing/2014/main" id="{13C5E11B-ED4E-E092-B5AC-3AD01F3AABE6}"/>
+              </a:ext>
+            </a:extLst>
+          </p:cNvPr>
+          <p:cNvSpPr>
+            <a:spLocks noGrp="1"/>
+          </p:cNvSpPr>
+          <p:nvPr>
+            <p:ph type="title"/>
+          </p:nvPr>
+        </p:nvSpPr>
+        <p:spPr/>
+        <p:txBody>
+          <a:bodyPr/>
+          <a:lstStyle/>
+          <a:p>
+            <a:r>
+              <a:rPr lang="en-US" dirty="0"/>
+              <a:t>Why bother with constraints on data? (2)</a:t>
+            </a:r>
+          </a:p>
+        </p:txBody>
+      </p:sp>
+      <p:sp>
+        <p:nvSpPr>
+          <p:cNvPr id="3" name="Text Placeholder 2">
+            <a:extLst>
+              <a:ext uri="{FF2B5EF4-FFF2-40B4-BE49-F238E27FC236}">
+                <a16:creationId xmlns:a16="http://schemas.microsoft.com/office/drawing/2014/main" id="{BA4B172B-B22E-36BA-BAF8-1220759AF9AE}"/>
+              </a:ext>
+            </a:extLst>
+          </p:cNvPr>
+          <p:cNvSpPr>
+            <a:spLocks noGrp="1"/>
+          </p:cNvSpPr>
+          <p:nvPr>
+            <p:ph type="body" idx="1"/>
+          </p:nvPr>
+        </p:nvSpPr>
+        <p:spPr/>
+        <p:txBody>
+          <a:bodyPr>
+            <a:normAutofit fontScale="92500"/>
+          </a:bodyPr>
+          <a:lstStyle/>
+          <a:p>
+            <a:r>
+              <a:rPr lang="en-US" dirty="0" err="1"/>
+              <a:t>Bird_nests.conceal</a:t>
+            </a:r>
+            <a:endParaRPr lang="en-US" dirty="0"/>
+          </a:p>
+          <a:p>
+            <a:pPr lvl="1"/>
+            <a:r>
+              <a:rPr lang="en-US" dirty="0">
+                <a:latin typeface="Avenir Book" panose="02000503020000020003" pitchFamily="2" charset="0"/>
+              </a:rPr>
+              <a:t>Numeric column: “Percent of the nest concealed by vegetation”</a:t>
+            </a:r>
+          </a:p>
+          <a:p>
+            <a:pPr lvl="1"/>
+            <a:endParaRPr lang="en-US" dirty="0">
+              <a:latin typeface="Avenir Book" panose="02000503020000020003" pitchFamily="2" charset="0"/>
+            </a:endParaRPr>
+          </a:p>
+          <a:p>
+            <a:pPr lvl="1"/>
+            <a:r>
+              <a:rPr lang="en-US" dirty="0" err="1">
+                <a:latin typeface="Courier New" panose="02070309020205020404" pitchFamily="49" charset="0"/>
+                <a:cs typeface="Courier New" panose="02070309020205020404" pitchFamily="49" charset="0"/>
+              </a:rPr>
+              <a:t>df</a:t>
+            </a:r>
+            <a:r>
+              <a:rPr lang="en-US" dirty="0">
+                <a:latin typeface="Courier New" panose="02070309020205020404" pitchFamily="49" charset="0"/>
+                <a:cs typeface="Courier New" panose="02070309020205020404" pitchFamily="49" charset="0"/>
+              </a:rPr>
+              <a:t> = </a:t>
+            </a:r>
+            <a:r>
+              <a:rPr lang="en-US" dirty="0" err="1">
+                <a:latin typeface="Courier New" panose="02070309020205020404" pitchFamily="49" charset="0"/>
+                <a:cs typeface="Courier New" panose="02070309020205020404" pitchFamily="49" charset="0"/>
+              </a:rPr>
+              <a:t>pd.read_csv</a:t>
+            </a:r>
+            <a:r>
+              <a:rPr lang="en-US" dirty="0">
+                <a:latin typeface="Courier New" panose="02070309020205020404" pitchFamily="49" charset="0"/>
+                <a:cs typeface="Courier New" panose="02070309020205020404" pitchFamily="49" charset="0"/>
+              </a:rPr>
+              <a:t>("</a:t>
+            </a:r>
+            <a:r>
+              <a:rPr lang="en-US" dirty="0" err="1">
+                <a:latin typeface="Courier New" panose="02070309020205020404" pitchFamily="49" charset="0"/>
+                <a:cs typeface="Courier New" panose="02070309020205020404" pitchFamily="49" charset="0"/>
+              </a:rPr>
+              <a:t>ASDN_Bird_nests.csv</a:t>
+            </a:r>
+            <a:r>
+              <a:rPr lang="en-US" dirty="0">
+                <a:latin typeface="Courier New" panose="02070309020205020404" pitchFamily="49" charset="0"/>
+                <a:cs typeface="Courier New" panose="02070309020205020404" pitchFamily="49" charset="0"/>
+              </a:rPr>
+              <a:t>")</a:t>
+            </a:r>
+            <a:br>
+              <a:rPr lang="en-US" dirty="0">
+                <a:latin typeface="Courier New" panose="02070309020205020404" pitchFamily="49" charset="0"/>
+                <a:cs typeface="Courier New" panose="02070309020205020404" pitchFamily="49" charset="0"/>
+              </a:rPr>
+            </a:br>
+            <a:r>
+              <a:rPr lang="en-US" dirty="0" err="1">
+                <a:latin typeface="Courier New" panose="02070309020205020404" pitchFamily="49" charset="0"/>
+                <a:cs typeface="Courier New" panose="02070309020205020404" pitchFamily="49" charset="0"/>
+              </a:rPr>
+              <a:t>df.conceal.unique</a:t>
+            </a:r>
+            <a:r>
+              <a:rPr lang="en-US" dirty="0">
+                <a:latin typeface="Courier New" panose="02070309020205020404" pitchFamily="49" charset="0"/>
+                <a:cs typeface="Courier New" panose="02070309020205020404" pitchFamily="49" charset="0"/>
+              </a:rPr>
+              <a:t>()</a:t>
+            </a:r>
+          </a:p>
+          <a:p>
+            <a:pPr lvl="1"/>
+            <a:endParaRPr lang="en-US" dirty="0">
+              <a:latin typeface="Avenir Book" panose="02000503020000020003" pitchFamily="2" charset="0"/>
+            </a:endParaRPr>
+          </a:p>
+          <a:p>
+            <a:pPr lvl="1"/>
+            <a:r>
+              <a:rPr lang="en-US" dirty="0">
+                <a:latin typeface="Avenir Book" panose="02000503020000020003" pitchFamily="2" charset="0"/>
+              </a:rPr>
+              <a:t>➜ </a:t>
+            </a:r>
+            <a:r>
+              <a:rPr lang="en-US" dirty="0">
+                <a:latin typeface="Courier New" panose="02070309020205020404" pitchFamily="49" charset="0"/>
+                <a:cs typeface="Courier New" panose="02070309020205020404" pitchFamily="49" charset="0"/>
+              </a:rPr>
+              <a:t>array(['90', '100', '95', '80', '70', '85', '50', '20', '40', '60', '10',</a:t>
+            </a:r>
+            <a:br>
+              <a:rPr lang="en-US" dirty="0">
+                <a:latin typeface="Courier New" panose="02070309020205020404" pitchFamily="49" charset="0"/>
+                <a:cs typeface="Courier New" panose="02070309020205020404" pitchFamily="49" charset="0"/>
+              </a:rPr>
+            </a:br>
+            <a:r>
+              <a:rPr lang="en-US" dirty="0">
+                <a:latin typeface="Courier New" panose="02070309020205020404" pitchFamily="49" charset="0"/>
+                <a:cs typeface="Courier New" panose="02070309020205020404" pitchFamily="49" charset="0"/>
+              </a:rPr>
+              <a:t>        '30', '65', '75', nan, '0', '15', '55', '35', '200', '25', '45',</a:t>
+            </a:r>
+            <a:br>
+              <a:rPr lang="en-US" dirty="0">
+                <a:latin typeface="Courier New" panose="02070309020205020404" pitchFamily="49" charset="0"/>
+                <a:cs typeface="Courier New" panose="02070309020205020404" pitchFamily="49" charset="0"/>
+              </a:rPr>
+            </a:br>
+            <a:r>
+              <a:rPr lang="en-US" dirty="0">
+                <a:latin typeface="Courier New" panose="02070309020205020404" pitchFamily="49" charset="0"/>
+                <a:cs typeface="Courier New" panose="02070309020205020404" pitchFamily="49" charset="0"/>
+              </a:rPr>
+              <a:t>        '5', '-', '.', '1', '2', '3', '</a:t>
+            </a:r>
+            <a:r>
+              <a:rPr lang="en-US" dirty="0" err="1">
+                <a:latin typeface="Courier New" panose="02070309020205020404" pitchFamily="49" charset="0"/>
+                <a:cs typeface="Courier New" panose="02070309020205020404" pitchFamily="49" charset="0"/>
+              </a:rPr>
+              <a:t>unk</a:t>
+            </a:r>
+            <a:r>
+              <a:rPr lang="en-US" dirty="0">
+                <a:latin typeface="Courier New" panose="02070309020205020404" pitchFamily="49" charset="0"/>
+                <a:cs typeface="Courier New" panose="02070309020205020404" pitchFamily="49" charset="0"/>
+              </a:rPr>
+              <a:t>', '4', '98', '99', '93', '58',</a:t>
+            </a:r>
+            <a:br>
+              <a:rPr lang="en-US" dirty="0">
+                <a:latin typeface="Courier New" panose="02070309020205020404" pitchFamily="49" charset="0"/>
+                <a:cs typeface="Courier New" panose="02070309020205020404" pitchFamily="49" charset="0"/>
+              </a:rPr>
+            </a:br>
+            <a:r>
+              <a:rPr lang="en-US" dirty="0">
+                <a:latin typeface="Courier New" panose="02070309020205020404" pitchFamily="49" charset="0"/>
+                <a:cs typeface="Courier New" panose="02070309020205020404" pitchFamily="49" charset="0"/>
+              </a:rPr>
+              <a:t>        '96', '8', '64.7', '57.2', '17.75', '17', '10.45', '4.23', '1.65',</a:t>
+            </a:r>
+            <a:br>
+              <a:rPr lang="en-US" dirty="0">
+                <a:latin typeface="Courier New" panose="02070309020205020404" pitchFamily="49" charset="0"/>
+                <a:cs typeface="Courier New" panose="02070309020205020404" pitchFamily="49" charset="0"/>
+              </a:rPr>
+            </a:br>
+            <a:r>
+              <a:rPr lang="en-US" dirty="0">
+                <a:latin typeface="Courier New" panose="02070309020205020404" pitchFamily="49" charset="0"/>
+                <a:cs typeface="Courier New" panose="02070309020205020404" pitchFamily="49" charset="0"/>
+              </a:rPr>
+              <a:t>        '46', '16.4', '6', '97', '17.5', '77.5', '77', '91.25', '88.5',</a:t>
+            </a:r>
+            <a:br>
+              <a:rPr lang="en-US" dirty="0">
+                <a:latin typeface="Courier New" panose="02070309020205020404" pitchFamily="49" charset="0"/>
+                <a:cs typeface="Courier New" panose="02070309020205020404" pitchFamily="49" charset="0"/>
+              </a:rPr>
+            </a:br>
+            <a:r>
+              <a:rPr lang="en-US" dirty="0">
+                <a:latin typeface="Courier New" panose="02070309020205020404" pitchFamily="49" charset="0"/>
+                <a:cs typeface="Courier New" panose="02070309020205020404" pitchFamily="49" charset="0"/>
+              </a:rPr>
+              <a:t>        '1.25', '3.5', '6.75', '6.5', '&lt;1', '9', '470', '88', '87'],</a:t>
+            </a:r>
+            <a:br>
+              <a:rPr lang="en-US" dirty="0">
+                <a:latin typeface="Courier New" panose="02070309020205020404" pitchFamily="49" charset="0"/>
+                <a:cs typeface="Courier New" panose="02070309020205020404" pitchFamily="49" charset="0"/>
+              </a:rPr>
+            </a:br>
+            <a:r>
+              <a:rPr lang="en-US" dirty="0">
+                <a:latin typeface="Courier New" panose="02070309020205020404" pitchFamily="49" charset="0"/>
+                <a:cs typeface="Courier New" panose="02070309020205020404" pitchFamily="49" charset="0"/>
+              </a:rPr>
+              <a:t>        </a:t>
+            </a:r>
+            <a:r>
+              <a:rPr lang="en-US" dirty="0" err="1">
+                <a:latin typeface="Courier New" panose="02070309020205020404" pitchFamily="49" charset="0"/>
+                <a:cs typeface="Courier New" panose="02070309020205020404" pitchFamily="49" charset="0"/>
+              </a:rPr>
+              <a:t>dtype</a:t>
+            </a:r>
+            <a:r>
+              <a:rPr lang="en-US" dirty="0">
+                <a:latin typeface="Courier New" panose="02070309020205020404" pitchFamily="49" charset="0"/>
+                <a:cs typeface="Courier New" panose="02070309020205020404" pitchFamily="49" charset="0"/>
+              </a:rPr>
+              <a:t>=object)</a:t>
+            </a:r>
+          </a:p>
+        </p:txBody>
+      </p:sp>
+      <p:sp>
+        <p:nvSpPr>
+          <p:cNvPr id="4" name="Slide Number Placeholder 3">
+            <a:extLst>
+              <a:ext uri="{FF2B5EF4-FFF2-40B4-BE49-F238E27FC236}">
+                <a16:creationId xmlns:a16="http://schemas.microsoft.com/office/drawing/2014/main" id="{E33612C2-840E-0EFB-6BDD-739D42AC4FB1}"/>
+              </a:ext>
+            </a:extLst>
+          </p:cNvPr>
+          <p:cNvSpPr>
+            <a:spLocks noGrp="1"/>
+          </p:cNvSpPr>
+          <p:nvPr>
+            <p:ph type="sldNum" idx="12"/>
+          </p:nvPr>
+        </p:nvSpPr>
+        <p:spPr/>
+        <p:txBody>
+          <a:bodyPr/>
+          <a:lstStyle/>
+          <a:p>
+            <a:pPr marL="0" lvl="0" indent="0" algn="r" rtl="0">
+              <a:spcBef>
+                <a:spcPts val="0"/>
+              </a:spcBef>
+              <a:spcAft>
+                <a:spcPts val="0"/>
+              </a:spcAft>
+              <a:buNone/>
+            </a:pPr>
+            <a:fld id="{00000000-1234-1234-1234-123412341234}" type="slidenum">
+              <a:rPr lang="en" smtClean="0"/>
+              <a:t>40</a:t>
+            </a:fld>
+            <a:endParaRPr lang="en" dirty="0"/>
+          </a:p>
+        </p:txBody>
+      </p:sp>
+    </p:spTree>
+    <p:extLst>
+      <p:ext uri="{BB962C8B-B14F-4D97-AF65-F5344CB8AC3E}">
+        <p14:creationId xmlns:p14="http://schemas.microsoft.com/office/powerpoint/2010/main" val="3304863787"/>
+      </p:ext>
+    </p:extLst>
+  </p:cSld>
+  <p:clrMapOvr>
+    <a:masterClrMapping/>
+  </p:clrMapOvr>
+</p:sld>
+</file>
+
+<file path=ppt/slides/slide41.xml><?xml version="1.0" encoding="utf-8"?>
+<p:sld xmlns:a="http://schemas.openxmlformats.org/drawingml/2006/main" xmlns:r="http://schemas.openxmlformats.org/officeDocument/2006/relationships" xmlns:p="http://schemas.openxmlformats.org/presentationml/2006/main">
+  <p:cSld>
+    <p:spTree>
+      <p:nvGrpSpPr>
+        <p:cNvPr id="1" name=""/>
+        <p:cNvGrpSpPr/>
+        <p:nvPr/>
+      </p:nvGrpSpPr>
+      <p:grpSpPr>
+        <a:xfrm>
+          <a:off x="0" y="0"/>
+          <a:ext cx="0" cy="0"/>
+          <a:chOff x="0" y="0"/>
+          <a:chExt cx="0" cy="0"/>
+        </a:xfrm>
+      </p:grpSpPr>
+      <p:sp>
+        <p:nvSpPr>
+          <p:cNvPr id="2" name="Title 1">
+            <a:extLst>
+              <a:ext uri="{FF2B5EF4-FFF2-40B4-BE49-F238E27FC236}">
                 <a16:creationId xmlns:a16="http://schemas.microsoft.com/office/drawing/2014/main" id="{AFCE2D8A-4E9B-FE85-1033-08823555E686}"/>
               </a:ext>
             </a:extLst>
@@ -32261,7 +32504,7 @@
             </a:pPr>
             <a:fld id="{00000000-1234-1234-1234-123412341234}" type="slidenum">
               <a:rPr lang="en" smtClean="0"/>
-              <a:t>40</a:t>
+              <a:t>41</a:t>
             </a:fld>
             <a:endParaRPr lang="en" dirty="0"/>
           </a:p>
@@ -32280,7 +32523,7 @@
 </p:sld>
 </file>
 
-<file path=ppt/slides/slide41.xml><?xml version="1.0" encoding="utf-8"?>
+<file path=ppt/slides/slide42.xml><?xml version="1.0" encoding="utf-8"?>
 <p:sld xmlns:a="http://schemas.openxmlformats.org/drawingml/2006/main" xmlns:r="http://schemas.openxmlformats.org/officeDocument/2006/relationships" xmlns:p="http://schemas.openxmlformats.org/presentationml/2006/main">
   <p:cSld>
     <p:spTree>
@@ -32423,7 +32666,7 @@
             </a:pPr>
             <a:fld id="{00000000-1234-1234-1234-123412341234}" type="slidenum">
               <a:rPr lang="en" smtClean="0"/>
-              <a:t>41</a:t>
+              <a:t>42</a:t>
             </a:fld>
             <a:endParaRPr lang="en"/>
           </a:p>
@@ -32648,6 +32891,148 @@
           <p:cNvPr id="2" name="Title 1">
             <a:extLst>
               <a:ext uri="{FF2B5EF4-FFF2-40B4-BE49-F238E27FC236}">
+                <a16:creationId xmlns:a16="http://schemas.microsoft.com/office/drawing/2014/main" id="{4B19215E-92A8-877E-0C84-DF7276373911}"/>
+              </a:ext>
+            </a:extLst>
+          </p:cNvPr>
+          <p:cNvSpPr>
+            <a:spLocks noGrp="1"/>
+          </p:cNvSpPr>
+          <p:nvPr>
+            <p:ph type="title"/>
+          </p:nvPr>
+        </p:nvSpPr>
+        <p:spPr/>
+        <p:txBody>
+          <a:bodyPr/>
+          <a:lstStyle/>
+          <a:p>
+            <a:r>
+              <a:rPr lang="en-US" dirty="0"/>
+              <a:t>RDBMS – When to use?</a:t>
+            </a:r>
+          </a:p>
+        </p:txBody>
+      </p:sp>
+      <p:sp>
+        <p:nvSpPr>
+          <p:cNvPr id="3" name="Text Placeholder 2">
+            <a:extLst>
+              <a:ext uri="{FF2B5EF4-FFF2-40B4-BE49-F238E27FC236}">
+                <a16:creationId xmlns:a16="http://schemas.microsoft.com/office/drawing/2014/main" id="{27693567-CF48-CBB1-31C6-C6662F9D94A1}"/>
+              </a:ext>
+            </a:extLst>
+          </p:cNvPr>
+          <p:cNvSpPr>
+            <a:spLocks noGrp="1"/>
+          </p:cNvSpPr>
+          <p:nvPr>
+            <p:ph type="body" idx="1"/>
+          </p:nvPr>
+        </p:nvSpPr>
+        <p:spPr/>
+        <p:txBody>
+          <a:bodyPr/>
+          <a:lstStyle/>
+          <a:p>
+            <a:r>
+              <a:rPr lang="en-US" dirty="0"/>
+              <a:t>Data is complex, interrelated</a:t>
+            </a:r>
+          </a:p>
+          <a:p>
+            <a:r>
+              <a:rPr lang="en-US" dirty="0"/>
+              <a:t>Working collaboratively</a:t>
+            </a:r>
+          </a:p>
+          <a:p>
+            <a:r>
+              <a:rPr lang="en-US" dirty="0"/>
+              <a:t>Gathering data over time</a:t>
+            </a:r>
+          </a:p>
+          <a:p>
+            <a:r>
+              <a:rPr lang="en-US" dirty="0"/>
+              <a:t>Desire a single, unified view of data</a:t>
+            </a:r>
+          </a:p>
+        </p:txBody>
+      </p:sp>
+      <p:sp>
+        <p:nvSpPr>
+          <p:cNvPr id="4" name="Slide Number Placeholder 3">
+            <a:extLst>
+              <a:ext uri="{FF2B5EF4-FFF2-40B4-BE49-F238E27FC236}">
+                <a16:creationId xmlns:a16="http://schemas.microsoft.com/office/drawing/2014/main" id="{B973AD89-5D30-47F7-D64C-6C35EF9D8397}"/>
+              </a:ext>
+            </a:extLst>
+          </p:cNvPr>
+          <p:cNvSpPr>
+            <a:spLocks noGrp="1"/>
+          </p:cNvSpPr>
+          <p:nvPr>
+            <p:ph type="sldNum" idx="12"/>
+          </p:nvPr>
+        </p:nvSpPr>
+        <p:spPr/>
+        <p:txBody>
+          <a:bodyPr/>
+          <a:lstStyle/>
+          <a:p>
+            <a:pPr marL="0" lvl="0" indent="0" algn="r" rtl="0">
+              <a:spcBef>
+                <a:spcPts val="0"/>
+              </a:spcBef>
+              <a:spcAft>
+                <a:spcPts val="0"/>
+              </a:spcAft>
+              <a:buNone/>
+            </a:pPr>
+            <a:fld id="{00000000-1234-1234-1234-123412341234}" type="slidenum">
+              <a:rPr lang="en" smtClean="0"/>
+              <a:t>6</a:t>
+            </a:fld>
+            <a:endParaRPr lang="en" dirty="0"/>
+          </a:p>
+        </p:txBody>
+      </p:sp>
+    </p:spTree>
+    <p:extLst>
+      <p:ext uri="{BB962C8B-B14F-4D97-AF65-F5344CB8AC3E}">
+        <p14:creationId xmlns:p14="http://schemas.microsoft.com/office/powerpoint/2010/main" val="1655698198"/>
+      </p:ext>
+    </p:extLst>
+  </p:cSld>
+  <p:clrMapOvr>
+    <a:masterClrMapping/>
+  </p:clrMapOvr>
+</p:sld>
+</file>
+
+<file path=ppt/slides/slide7.xml><?xml version="1.0" encoding="utf-8"?>
+<p:sld xmlns:a="http://schemas.openxmlformats.org/drawingml/2006/main" xmlns:r="http://schemas.openxmlformats.org/officeDocument/2006/relationships" xmlns:p="http://schemas.openxmlformats.org/presentationml/2006/main">
+  <p:cSld>
+    <p:spTree>
+      <p:nvGrpSpPr>
+        <p:cNvPr id="1" name=""/>
+        <p:cNvGrpSpPr/>
+        <p:nvPr/>
+      </p:nvGrpSpPr>
+      <p:grpSpPr>
+        <a:xfrm>
+          <a:off x="0" y="0"/>
+          <a:ext cx="0" cy="0"/>
+          <a:chOff x="0" y="0"/>
+          <a:chExt cx="0" cy="0"/>
+        </a:xfrm>
+      </p:grpSpPr>
+      <p:sp>
+        <p:nvSpPr>
+          <p:cNvPr id="2" name="Title 1">
+            <a:extLst>
+              <a:ext uri="{FF2B5EF4-FFF2-40B4-BE49-F238E27FC236}">
                 <a16:creationId xmlns:a16="http://schemas.microsoft.com/office/drawing/2014/main" id="{6ACA89DF-E7F6-6128-D549-EFF350AC2540}"/>
               </a:ext>
             </a:extLst>
@@ -32752,7 +33137,7 @@
             </a:pPr>
             <a:fld id="{00000000-1234-1234-1234-123412341234}" type="slidenum">
               <a:rPr lang="en" smtClean="0"/>
-              <a:t>6</a:t>
+              <a:t>7</a:t>
             </a:fld>
             <a:endParaRPr lang="en" dirty="0"/>
           </a:p>
@@ -32771,7 +33156,7 @@
 </p:sld>
 </file>
 
-<file path=ppt/slides/slide7.xml><?xml version="1.0" encoding="utf-8"?>
+<file path=ppt/slides/slide8.xml><?xml version="1.0" encoding="utf-8"?>
 <p:sld xmlns:a="http://schemas.openxmlformats.org/drawingml/2006/main" xmlns:r="http://schemas.openxmlformats.org/officeDocument/2006/relationships" xmlns:p="http://schemas.openxmlformats.org/presentationml/2006/main">
   <p:cSld>
     <p:spTree>
@@ -32896,7 +33281,7 @@
             </a:pPr>
             <a:fld id="{00000000-1234-1234-1234-123412341234}" type="slidenum">
               <a:rPr lang="en" smtClean="0"/>
-              <a:t>7</a:t>
+              <a:t>8</a:t>
             </a:fld>
             <a:endParaRPr lang="en" dirty="0"/>
           </a:p>
@@ -32915,7 +33300,7 @@
 </p:sld>
 </file>
 
-<file path=ppt/slides/slide8.xml><?xml version="1.0" encoding="utf-8"?>
+<file path=ppt/slides/slide9.xml><?xml version="1.0" encoding="utf-8"?>
 <p:sld xmlns:a="http://schemas.openxmlformats.org/drawingml/2006/main" xmlns:r="http://schemas.openxmlformats.org/officeDocument/2006/relationships" xmlns:p="http://schemas.openxmlformats.org/presentationml/2006/main">
   <p:cSld>
     <p:spTree>
@@ -33106,7 +33491,7 @@
             </a:pPr>
             <a:fld id="{00000000-1234-1234-1234-123412341234}" type="slidenum">
               <a:rPr lang="en" smtClean="0"/>
-              <a:t>8</a:t>
+              <a:t>9</a:t>
             </a:fld>
             <a:endParaRPr lang="en" dirty="0"/>
           </a:p>
@@ -33116,249 +33501,6 @@
     <p:extLst>
       <p:ext uri="{BB962C8B-B14F-4D97-AF65-F5344CB8AC3E}">
         <p14:creationId xmlns:p14="http://schemas.microsoft.com/office/powerpoint/2010/main" val="1611829130"/>
-      </p:ext>
-    </p:extLst>
-  </p:cSld>
-  <p:clrMapOvr>
-    <a:masterClrMapping/>
-  </p:clrMapOvr>
-</p:sld>
-</file>
-
-<file path=ppt/slides/slide9.xml><?xml version="1.0" encoding="utf-8"?>
-<p:sld xmlns:a="http://schemas.openxmlformats.org/drawingml/2006/main" xmlns:r="http://schemas.openxmlformats.org/officeDocument/2006/relationships" xmlns:p="http://schemas.openxmlformats.org/presentationml/2006/main">
-  <p:cSld>
-    <p:spTree>
-      <p:nvGrpSpPr>
-        <p:cNvPr id="1" name=""/>
-        <p:cNvGrpSpPr/>
-        <p:nvPr/>
-      </p:nvGrpSpPr>
-      <p:grpSpPr>
-        <a:xfrm>
-          <a:off x="0" y="0"/>
-          <a:ext cx="0" cy="0"/>
-          <a:chOff x="0" y="0"/>
-          <a:chExt cx="0" cy="0"/>
-        </a:xfrm>
-      </p:grpSpPr>
-      <p:sp>
-        <p:nvSpPr>
-          <p:cNvPr id="2" name="Title 1">
-            <a:extLst>
-              <a:ext uri="{FF2B5EF4-FFF2-40B4-BE49-F238E27FC236}">
-                <a16:creationId xmlns:a16="http://schemas.microsoft.com/office/drawing/2014/main" id="{EF9345A7-368F-1AC0-EF92-F543618C39A4}"/>
-              </a:ext>
-            </a:extLst>
-          </p:cNvPr>
-          <p:cNvSpPr>
-            <a:spLocks noGrp="1"/>
-          </p:cNvSpPr>
-          <p:nvPr>
-            <p:ph type="title"/>
-          </p:nvPr>
-        </p:nvSpPr>
-        <p:spPr/>
-        <p:txBody>
-          <a:bodyPr/>
-          <a:lstStyle/>
-          <a:p>
-            <a:r>
-              <a:rPr lang="en-US" dirty="0"/>
-              <a:t>Data modeling case study</a:t>
-            </a:r>
-          </a:p>
-        </p:txBody>
-      </p:sp>
-      <p:sp>
-        <p:nvSpPr>
-          <p:cNvPr id="3" name="Text Placeholder 2">
-            <a:extLst>
-              <a:ext uri="{FF2B5EF4-FFF2-40B4-BE49-F238E27FC236}">
-                <a16:creationId xmlns:a16="http://schemas.microsoft.com/office/drawing/2014/main" id="{8C22E16C-EEAF-F6E1-DDC5-9777F976F678}"/>
-              </a:ext>
-            </a:extLst>
-          </p:cNvPr>
-          <p:cNvSpPr>
-            <a:spLocks noGrp="1"/>
-          </p:cNvSpPr>
-          <p:nvPr>
-            <p:ph type="body" idx="1"/>
-          </p:nvPr>
-        </p:nvSpPr>
-        <p:spPr/>
-        <p:txBody>
-          <a:bodyPr>
-            <a:normAutofit lnSpcReduction="10000"/>
-          </a:bodyPr>
-          <a:lstStyle/>
-          <a:p>
-            <a:r>
-              <a:rPr lang="en-US" dirty="0"/>
-              <a:t>What did they consider? (cont’d)</a:t>
-            </a:r>
-          </a:p>
-          <a:p>
-            <a:pPr lvl="1"/>
-            <a:r>
-              <a:rPr lang="en-US" b="1" dirty="0">
-                <a:latin typeface="Avenir Book" panose="02000503020000020003" pitchFamily="2" charset="0"/>
-              </a:rPr>
-              <a:t>Interoperability with other standards</a:t>
-            </a:r>
-          </a:p>
-          <a:p>
-            <a:pPr lvl="2"/>
-            <a:r>
-              <a:rPr lang="en-US" dirty="0">
-                <a:latin typeface="Avenir Book" panose="02000503020000020003" pitchFamily="2" charset="0"/>
-              </a:rPr>
-              <a:t>“…’site status’ was revised to </a:t>
-            </a:r>
-            <a:r>
-              <a:rPr lang="en-US" dirty="0" err="1">
-                <a:latin typeface="Avenir Book" panose="02000503020000020003" pitchFamily="2" charset="0"/>
-              </a:rPr>
-              <a:t>utilise</a:t>
-            </a:r>
-            <a:r>
-              <a:rPr lang="en-US" dirty="0">
-                <a:latin typeface="Avenir Book" panose="02000503020000020003" pitchFamily="2" charset="0"/>
-              </a:rPr>
-              <a:t> the WIGOS Codes registry.”</a:t>
-            </a:r>
-          </a:p>
-          <a:p>
-            <a:pPr lvl="2"/>
-            <a:endParaRPr lang="en-US" dirty="0">
-              <a:latin typeface="Avenir Book" panose="02000503020000020003" pitchFamily="2" charset="0"/>
-            </a:endParaRPr>
-          </a:p>
-          <a:p>
-            <a:pPr lvl="1"/>
-            <a:r>
-              <a:rPr lang="en-US" b="1" dirty="0">
-                <a:latin typeface="Avenir Book" panose="02000503020000020003" pitchFamily="2" charset="0"/>
-              </a:rPr>
-              <a:t>Data representation</a:t>
-            </a:r>
-          </a:p>
-          <a:p>
-            <a:pPr lvl="2"/>
-            <a:r>
-              <a:rPr lang="en-US" dirty="0">
-                <a:latin typeface="Avenir Book" panose="02000503020000020003" pitchFamily="2" charset="0"/>
-              </a:rPr>
-              <a:t>“The description of geographic information is now </a:t>
-            </a:r>
-            <a:r>
-              <a:rPr lang="en-US" dirty="0" err="1">
-                <a:latin typeface="Avenir Book" panose="02000503020000020003" pitchFamily="2" charset="0"/>
-              </a:rPr>
-              <a:t>realised</a:t>
-            </a:r>
-            <a:r>
-              <a:rPr lang="en-US" dirty="0">
-                <a:latin typeface="Avenir Book" panose="02000503020000020003" pitchFamily="2" charset="0"/>
-              </a:rPr>
-              <a:t> through three separate fields: (1) the centroid/representative coordinates, …”</a:t>
-            </a:r>
-          </a:p>
-          <a:p>
-            <a:pPr lvl="2"/>
-            <a:endParaRPr lang="en-US" dirty="0">
-              <a:latin typeface="Avenir Book" panose="02000503020000020003" pitchFamily="2" charset="0"/>
-            </a:endParaRPr>
-          </a:p>
-          <a:p>
-            <a:pPr lvl="1"/>
-            <a:r>
-              <a:rPr lang="en-US" b="1" dirty="0">
-                <a:latin typeface="Avenir Book" panose="02000503020000020003" pitchFamily="2" charset="0"/>
-              </a:rPr>
-              <a:t>Business rules</a:t>
-            </a:r>
-          </a:p>
-          <a:p>
-            <a:pPr lvl="2"/>
-            <a:r>
-              <a:rPr lang="en-US" dirty="0">
-                <a:latin typeface="Avenir Book" panose="02000503020000020003" pitchFamily="2" charset="0"/>
-              </a:rPr>
-              <a:t>“At least one contact person and metadata creator has to be linked to a site record…”</a:t>
-            </a:r>
-          </a:p>
-          <a:p>
-            <a:pPr lvl="2"/>
-            <a:endParaRPr lang="en-US" dirty="0">
-              <a:latin typeface="Avenir Book" panose="02000503020000020003" pitchFamily="2" charset="0"/>
-            </a:endParaRPr>
-          </a:p>
-          <a:p>
-            <a:pPr lvl="1"/>
-            <a:r>
-              <a:rPr lang="en-US" b="1" dirty="0">
-                <a:latin typeface="Avenir Book" panose="02000503020000020003" pitchFamily="2" charset="0"/>
-              </a:rPr>
-              <a:t>Functionality enabled</a:t>
-            </a:r>
-          </a:p>
-          <a:p>
-            <a:pPr lvl="2"/>
-            <a:r>
-              <a:rPr lang="en-US" dirty="0">
-                <a:latin typeface="Avenir Book" panose="02000503020000020003" pitchFamily="2" charset="0"/>
-              </a:rPr>
-              <a:t>“Using the REST-API … enables potent queries by combining multiple filters.”</a:t>
-            </a:r>
-          </a:p>
-          <a:p>
-            <a:endParaRPr lang="en-US" dirty="0"/>
-          </a:p>
-        </p:txBody>
-      </p:sp>
-      <p:sp>
-        <p:nvSpPr>
-          <p:cNvPr id="4" name="Slide Number Placeholder 3">
-            <a:extLst>
-              <a:ext uri="{FF2B5EF4-FFF2-40B4-BE49-F238E27FC236}">
-                <a16:creationId xmlns:a16="http://schemas.microsoft.com/office/drawing/2014/main" id="{F56213AF-934C-3E96-90F0-009FACB1CE68}"/>
-              </a:ext>
-            </a:extLst>
-          </p:cNvPr>
-          <p:cNvSpPr>
-            <a:spLocks noGrp="1"/>
-          </p:cNvSpPr>
-          <p:nvPr>
-            <p:ph type="sldNum" idx="12"/>
-          </p:nvPr>
-        </p:nvSpPr>
-        <p:spPr/>
-        <p:txBody>
-          <a:bodyPr/>
-          <a:lstStyle/>
-          <a:p>
-            <a:pPr marL="0" lvl="0" indent="0" algn="r" rtl="0">
-              <a:spcBef>
-                <a:spcPts val="0"/>
-              </a:spcBef>
-              <a:spcAft>
-                <a:spcPts val="0"/>
-              </a:spcAft>
-              <a:buNone/>
-            </a:pPr>
-            <a:fld id="{00000000-1234-1234-1234-123412341234}" type="slidenum">
-              <a:rPr lang="en" smtClean="0"/>
-              <a:t>9</a:t>
-            </a:fld>
-            <a:endParaRPr lang="en" dirty="0"/>
-          </a:p>
-        </p:txBody>
-      </p:sp>
-    </p:spTree>
-    <p:extLst>
-      <p:ext uri="{BB962C8B-B14F-4D97-AF65-F5344CB8AC3E}">
-        <p14:creationId xmlns:p14="http://schemas.microsoft.com/office/powerpoint/2010/main" val="1472341008"/>
       </p:ext>
     </p:extLst>
   </p:cSld>

--- a/modules/week01/slides-01.pptx
+++ b/modules/week01/slides-01.pptx
@@ -6,7 +6,7 @@
     <p:sldMasterId id="2147483673" r:id="rId2"/>
   </p:sldMasterIdLst>
   <p:notesMasterIdLst>
-    <p:notesMasterId r:id="rId45"/>
+    <p:notesMasterId r:id="rId46"/>
   </p:notesMasterIdLst>
   <p:sldIdLst>
     <p:sldId id="256" r:id="rId3"/>
@@ -33,61 +33,62 @@
     <p:sldId id="296" r:id="rId24"/>
     <p:sldId id="299" r:id="rId25"/>
     <p:sldId id="277" r:id="rId26"/>
-    <p:sldId id="281" r:id="rId27"/>
-    <p:sldId id="279" r:id="rId28"/>
-    <p:sldId id="282" r:id="rId29"/>
-    <p:sldId id="283" r:id="rId30"/>
-    <p:sldId id="284" r:id="rId31"/>
-    <p:sldId id="278" r:id="rId32"/>
-    <p:sldId id="268" r:id="rId33"/>
-    <p:sldId id="297" r:id="rId34"/>
-    <p:sldId id="270" r:id="rId35"/>
-    <p:sldId id="271" r:id="rId36"/>
-    <p:sldId id="286" r:id="rId37"/>
-    <p:sldId id="285" r:id="rId38"/>
-    <p:sldId id="291" r:id="rId39"/>
-    <p:sldId id="292" r:id="rId40"/>
-    <p:sldId id="287" r:id="rId41"/>
-    <p:sldId id="290" r:id="rId42"/>
-    <p:sldId id="272" r:id="rId43"/>
-    <p:sldId id="288" r:id="rId44"/>
+    <p:sldId id="301" r:id="rId27"/>
+    <p:sldId id="281" r:id="rId28"/>
+    <p:sldId id="279" r:id="rId29"/>
+    <p:sldId id="282" r:id="rId30"/>
+    <p:sldId id="283" r:id="rId31"/>
+    <p:sldId id="284" r:id="rId32"/>
+    <p:sldId id="278" r:id="rId33"/>
+    <p:sldId id="268" r:id="rId34"/>
+    <p:sldId id="297" r:id="rId35"/>
+    <p:sldId id="270" r:id="rId36"/>
+    <p:sldId id="271" r:id="rId37"/>
+    <p:sldId id="286" r:id="rId38"/>
+    <p:sldId id="285" r:id="rId39"/>
+    <p:sldId id="291" r:id="rId40"/>
+    <p:sldId id="292" r:id="rId41"/>
+    <p:sldId id="287" r:id="rId42"/>
+    <p:sldId id="290" r:id="rId43"/>
+    <p:sldId id="272" r:id="rId44"/>
+    <p:sldId id="288" r:id="rId45"/>
   </p:sldIdLst>
   <p:sldSz cx="9144000" cy="5143500" type="screen16x9"/>
   <p:notesSz cx="6858000" cy="9144000"/>
   <p:embeddedFontLst>
     <p:embeddedFont>
       <p:font typeface="Avenir" panose="02000503020000020003" pitchFamily="2" charset="0"/>
-      <p:regular r:id="rId46"/>
-      <p:italic r:id="rId47"/>
+      <p:regular r:id="rId47"/>
+      <p:italic r:id="rId48"/>
     </p:embeddedFont>
     <p:embeddedFont>
       <p:font typeface="Avenir Black" panose="02000503020000020003" pitchFamily="2" charset="0"/>
-      <p:bold r:id="rId48"/>
-      <p:italic r:id="rId49"/>
-      <p:boldItalic r:id="rId50"/>
+      <p:bold r:id="rId49"/>
+      <p:italic r:id="rId50"/>
+      <p:boldItalic r:id="rId51"/>
     </p:embeddedFont>
     <p:embeddedFont>
       <p:font typeface="Avenir Book" panose="02000503020000020003" pitchFamily="2" charset="0"/>
-      <p:regular r:id="rId51"/>
-      <p:italic r:id="rId52"/>
+      <p:regular r:id="rId52"/>
+      <p:italic r:id="rId53"/>
     </p:embeddedFont>
     <p:embeddedFont>
       <p:font typeface="Century Gothic" panose="020B0502020202020204" pitchFamily="34" charset="0"/>
-      <p:regular r:id="rId53"/>
-      <p:bold r:id="rId54"/>
-      <p:italic r:id="rId55"/>
-      <p:boldItalic r:id="rId56"/>
+      <p:regular r:id="rId54"/>
+      <p:bold r:id="rId55"/>
+      <p:italic r:id="rId56"/>
+      <p:boldItalic r:id="rId57"/>
     </p:embeddedFont>
     <p:embeddedFont>
       <p:font typeface="Lobster" pitchFamily="2" charset="77"/>
-      <p:regular r:id="rId57"/>
+      <p:regular r:id="rId58"/>
     </p:embeddedFont>
     <p:embeddedFont>
       <p:font typeface="Nunito Sans" pitchFamily="2" charset="77"/>
-      <p:regular r:id="rId58"/>
-      <p:bold r:id="rId59"/>
-      <p:italic r:id="rId60"/>
-      <p:boldItalic r:id="rId61"/>
+      <p:regular r:id="rId59"/>
+      <p:bold r:id="rId60"/>
+      <p:italic r:id="rId61"/>
+      <p:boldItalic r:id="rId62"/>
     </p:embeddedFont>
   </p:embeddedFontLst>
   <p:defaultTextStyle>
@@ -1746,17 +1747,14 @@
           <a:bodyPr/>
           <a:lstStyle/>
           <a:p>
-            <a:r>
-              <a:rPr lang="en-US" dirty="0"/>
-              <a:t>This assumes wand has one owner; will discuss this point further in a bit</a:t>
-            </a:r>
+            <a:endParaRPr lang="en-US" dirty="0"/>
           </a:p>
         </p:txBody>
       </p:sp>
     </p:spTree>
     <p:extLst>
       <p:ext uri="{BB962C8B-B14F-4D97-AF65-F5344CB8AC3E}">
-        <p14:creationId xmlns:p14="http://schemas.microsoft.com/office/powerpoint/2010/main" val="2037729239"/>
+        <p14:creationId xmlns:p14="http://schemas.microsoft.com/office/powerpoint/2010/main" val="1835519765"/>
       </p:ext>
     </p:extLst>
   </p:cSld>
@@ -1815,14 +1813,17 @@
           <a:bodyPr/>
           <a:lstStyle/>
           <a:p>
-            <a:endParaRPr lang="en-US" dirty="0"/>
+            <a:r>
+              <a:rPr lang="en-US" dirty="0"/>
+              <a:t>This assumes wand has one owner; will discuss this point further in a bit</a:t>
+            </a:r>
           </a:p>
         </p:txBody>
       </p:sp>
     </p:spTree>
     <p:extLst>
       <p:ext uri="{BB962C8B-B14F-4D97-AF65-F5344CB8AC3E}">
-        <p14:creationId xmlns:p14="http://schemas.microsoft.com/office/powerpoint/2010/main" val="1832473117"/>
+        <p14:creationId xmlns:p14="http://schemas.microsoft.com/office/powerpoint/2010/main" val="2037729239"/>
       </p:ext>
     </p:extLst>
   </p:cSld>
@@ -1881,17 +1882,14 @@
           <a:bodyPr/>
           <a:lstStyle/>
           <a:p>
-            <a:r>
-              <a:rPr lang="en-US" dirty="0"/>
-              <a:t>Normalization is the context of an entity type, so what the entity is determines appropriateness of attributes</a:t>
-            </a:r>
+            <a:endParaRPr lang="en-US" dirty="0"/>
           </a:p>
         </p:txBody>
       </p:sp>
     </p:spTree>
     <p:extLst>
       <p:ext uri="{BB962C8B-B14F-4D97-AF65-F5344CB8AC3E}">
-        <p14:creationId xmlns:p14="http://schemas.microsoft.com/office/powerpoint/2010/main" val="4052277560"/>
+        <p14:creationId xmlns:p14="http://schemas.microsoft.com/office/powerpoint/2010/main" val="1832473117"/>
       </p:ext>
     </p:extLst>
   </p:cSld>
@@ -1952,7 +1950,7 @@
           <a:p>
             <a:r>
               <a:rPr lang="en-US" dirty="0"/>
-              <a:t>We’re not going to do a data modeling exercise, but will instead focus on how express CSV file semantics in SQL</a:t>
+              <a:t>Normalization is the context of an entity type, so what the entity is determines appropriateness of attributes</a:t>
             </a:r>
           </a:p>
         </p:txBody>
@@ -1960,7 +1958,7 @@
     </p:spTree>
     <p:extLst>
       <p:ext uri="{BB962C8B-B14F-4D97-AF65-F5344CB8AC3E}">
-        <p14:creationId xmlns:p14="http://schemas.microsoft.com/office/powerpoint/2010/main" val="3605006695"/>
+        <p14:creationId xmlns:p14="http://schemas.microsoft.com/office/powerpoint/2010/main" val="4052277560"/>
       </p:ext>
     </p:extLst>
   </p:cSld>
@@ -2021,6 +2019,75 @@
           <a:p>
             <a:r>
               <a:rPr lang="en-US" dirty="0"/>
+              <a:t>We’re not going to do a data modeling exercise, but will instead focus on how express CSV file semantics in SQL</a:t>
+            </a:r>
+          </a:p>
+        </p:txBody>
+      </p:sp>
+    </p:spTree>
+    <p:extLst>
+      <p:ext uri="{BB962C8B-B14F-4D97-AF65-F5344CB8AC3E}">
+        <p14:creationId xmlns:p14="http://schemas.microsoft.com/office/powerpoint/2010/main" val="3605006695"/>
+      </p:ext>
+    </p:extLst>
+  </p:cSld>
+  <p:clrMapOvr>
+    <a:masterClrMapping/>
+  </p:clrMapOvr>
+</p:notes>
+</file>
+
+<file path=ppt/notesSlides/notesSlide25.xml><?xml version="1.0" encoding="utf-8"?>
+<p:notes xmlns:a="http://schemas.openxmlformats.org/drawingml/2006/main" xmlns:r="http://schemas.openxmlformats.org/officeDocument/2006/relationships" xmlns:p="http://schemas.openxmlformats.org/presentationml/2006/main">
+  <p:cSld>
+    <p:spTree>
+      <p:nvGrpSpPr>
+        <p:cNvPr id="1" name=""/>
+        <p:cNvGrpSpPr/>
+        <p:nvPr/>
+      </p:nvGrpSpPr>
+      <p:grpSpPr>
+        <a:xfrm>
+          <a:off x="0" y="0"/>
+          <a:ext cx="0" cy="0"/>
+          <a:chOff x="0" y="0"/>
+          <a:chExt cx="0" cy="0"/>
+        </a:xfrm>
+      </p:grpSpPr>
+      <p:sp>
+        <p:nvSpPr>
+          <p:cNvPr id="2" name="Slide Image Placeholder 1"/>
+          <p:cNvSpPr>
+            <a:spLocks noGrp="1" noRot="1" noChangeAspect="1"/>
+          </p:cNvSpPr>
+          <p:nvPr>
+            <p:ph type="sldImg"/>
+          </p:nvPr>
+        </p:nvSpPr>
+        <p:spPr>
+          <a:xfrm>
+            <a:off x="381000" y="685800"/>
+            <a:ext cx="6096000" cy="3429000"/>
+          </a:xfrm>
+        </p:spPr>
+      </p:sp>
+      <p:sp>
+        <p:nvSpPr>
+          <p:cNvPr id="3" name="Notes Placeholder 2"/>
+          <p:cNvSpPr>
+            <a:spLocks noGrp="1"/>
+          </p:cNvSpPr>
+          <p:nvPr>
+            <p:ph type="body" idx="1"/>
+          </p:nvPr>
+        </p:nvSpPr>
+        <p:spPr/>
+        <p:txBody>
+          <a:bodyPr/>
+          <a:lstStyle/>
+          <a:p>
+            <a:r>
+              <a:rPr lang="en-US" dirty="0"/>
               <a:t>View in RStudio or </a:t>
             </a:r>
             <a:r>
@@ -2044,7 +2111,7 @@
 </p:notes>
 </file>
 
-<file path=ppt/notesSlides/notesSlide25.xml><?xml version="1.0" encoding="utf-8"?>
+<file path=ppt/notesSlides/notesSlide26.xml><?xml version="1.0" encoding="utf-8"?>
 <p:notes xmlns:a="http://schemas.openxmlformats.org/drawingml/2006/main" xmlns:r="http://schemas.openxmlformats.org/officeDocument/2006/relationships" xmlns:p="http://schemas.openxmlformats.org/presentationml/2006/main">
   <p:cSld>
     <p:spTree>
@@ -26301,6 +26368,783 @@
           <p:cNvPr id="2" name="Title 1">
             <a:extLst>
               <a:ext uri="{FF2B5EF4-FFF2-40B4-BE49-F238E27FC236}">
+                <a16:creationId xmlns:a16="http://schemas.microsoft.com/office/drawing/2014/main" id="{9462D433-246E-4DE0-A514-6E3FE9C35D64}"/>
+              </a:ext>
+            </a:extLst>
+          </p:cNvPr>
+          <p:cNvSpPr>
+            <a:spLocks noGrp="1"/>
+          </p:cNvSpPr>
+          <p:nvPr>
+            <p:ph type="title"/>
+          </p:nvPr>
+        </p:nvSpPr>
+        <p:spPr/>
+        <p:txBody>
+          <a:bodyPr/>
+          <a:lstStyle/>
+          <a:p>
+            <a:r>
+              <a:rPr lang="en-US" dirty="0"/>
+              <a:t>Example of un-normalization</a:t>
+            </a:r>
+          </a:p>
+        </p:txBody>
+      </p:sp>
+      <p:sp>
+        <p:nvSpPr>
+          <p:cNvPr id="3" name="Text Placeholder 2">
+            <a:extLst>
+              <a:ext uri="{FF2B5EF4-FFF2-40B4-BE49-F238E27FC236}">
+                <a16:creationId xmlns:a16="http://schemas.microsoft.com/office/drawing/2014/main" id="{AB5F93C9-E6A7-5A27-B20D-92DE971E2BB6}"/>
+              </a:ext>
+            </a:extLst>
+          </p:cNvPr>
+          <p:cNvSpPr>
+            <a:spLocks noGrp="1"/>
+          </p:cNvSpPr>
+          <p:nvPr>
+            <p:ph type="body" idx="1"/>
+          </p:nvPr>
+        </p:nvSpPr>
+        <p:spPr/>
+        <p:txBody>
+          <a:bodyPr/>
+          <a:lstStyle/>
+          <a:p>
+            <a:r>
+              <a:rPr lang="en-US" dirty="0"/>
+              <a:t>Going back to earlier incarnation of student table…</a:t>
+            </a:r>
+          </a:p>
+        </p:txBody>
+      </p:sp>
+      <p:sp>
+        <p:nvSpPr>
+          <p:cNvPr id="4" name="Slide Number Placeholder 3">
+            <a:extLst>
+              <a:ext uri="{FF2B5EF4-FFF2-40B4-BE49-F238E27FC236}">
+                <a16:creationId xmlns:a16="http://schemas.microsoft.com/office/drawing/2014/main" id="{5303B2D2-2AB7-890C-D489-CBA81E938CEC}"/>
+              </a:ext>
+            </a:extLst>
+          </p:cNvPr>
+          <p:cNvSpPr>
+            <a:spLocks noGrp="1"/>
+          </p:cNvSpPr>
+          <p:nvPr>
+            <p:ph type="sldNum" idx="12"/>
+          </p:nvPr>
+        </p:nvSpPr>
+        <p:spPr/>
+        <p:txBody>
+          <a:bodyPr/>
+          <a:lstStyle/>
+          <a:p>
+            <a:pPr marL="0" lvl="0" indent="0" algn="r" rtl="0">
+              <a:spcBef>
+                <a:spcPts val="0"/>
+              </a:spcBef>
+              <a:spcAft>
+                <a:spcPts val="0"/>
+              </a:spcAft>
+              <a:buNone/>
+            </a:pPr>
+            <a:fld id="{00000000-1234-1234-1234-123412341234}" type="slidenum">
+              <a:rPr lang="en" smtClean="0"/>
+              <a:t>25</a:t>
+            </a:fld>
+            <a:endParaRPr lang="en" dirty="0"/>
+          </a:p>
+        </p:txBody>
+      </p:sp>
+      <p:graphicFrame>
+        <p:nvGraphicFramePr>
+          <p:cNvPr id="5" name="Table 6">
+            <a:extLst>
+              <a:ext uri="{FF2B5EF4-FFF2-40B4-BE49-F238E27FC236}">
+                <a16:creationId xmlns:a16="http://schemas.microsoft.com/office/drawing/2014/main" id="{1992EF4B-41C4-A656-9316-018DCA9C55A2}"/>
+              </a:ext>
+            </a:extLst>
+          </p:cNvPr>
+          <p:cNvGraphicFramePr>
+            <a:graphicFrameLocks noGrp="1"/>
+          </p:cNvGraphicFramePr>
+          <p:nvPr>
+            <p:extLst>
+              <p:ext uri="{D42A27DB-BD31-4B8C-83A1-F6EECF244321}">
+                <p14:modId xmlns:p14="http://schemas.microsoft.com/office/powerpoint/2010/main" val="3875299293"/>
+              </p:ext>
+            </p:extLst>
+          </p:nvPr>
+        </p:nvGraphicFramePr>
+        <p:xfrm>
+          <a:off x="503698" y="2714908"/>
+          <a:ext cx="7322952" cy="2199640"/>
+        </p:xfrm>
+        <a:graphic>
+          <a:graphicData uri="http://schemas.openxmlformats.org/drawingml/2006/table">
+            <a:tbl>
+              <a:tblPr firstRow="1" bandRow="1">
+                <a:tableStyleId>{5C22544A-7EE6-4342-B048-85BDC9FD1C3A}</a:tableStyleId>
+              </a:tblPr>
+              <a:tblGrid>
+                <a:gridCol w="1220492">
+                  <a:extLst>
+                    <a:ext uri="{9D8B030D-6E8A-4147-A177-3AD203B41FA5}">
+                      <a16:colId xmlns:a16="http://schemas.microsoft.com/office/drawing/2014/main" val="4291815652"/>
+                    </a:ext>
+                  </a:extLst>
+                </a:gridCol>
+                <a:gridCol w="1220492">
+                  <a:extLst>
+                    <a:ext uri="{9D8B030D-6E8A-4147-A177-3AD203B41FA5}">
+                      <a16:colId xmlns:a16="http://schemas.microsoft.com/office/drawing/2014/main" val="2481386493"/>
+                    </a:ext>
+                  </a:extLst>
+                </a:gridCol>
+                <a:gridCol w="1220492">
+                  <a:extLst>
+                    <a:ext uri="{9D8B030D-6E8A-4147-A177-3AD203B41FA5}">
+                      <a16:colId xmlns:a16="http://schemas.microsoft.com/office/drawing/2014/main" val="992614225"/>
+                    </a:ext>
+                  </a:extLst>
+                </a:gridCol>
+                <a:gridCol w="1220492">
+                  <a:extLst>
+                    <a:ext uri="{9D8B030D-6E8A-4147-A177-3AD203B41FA5}">
+                      <a16:colId xmlns:a16="http://schemas.microsoft.com/office/drawing/2014/main" val="4093792969"/>
+                    </a:ext>
+                  </a:extLst>
+                </a:gridCol>
+                <a:gridCol w="1220492">
+                  <a:extLst>
+                    <a:ext uri="{9D8B030D-6E8A-4147-A177-3AD203B41FA5}">
+                      <a16:colId xmlns:a16="http://schemas.microsoft.com/office/drawing/2014/main" val="1678987015"/>
+                    </a:ext>
+                  </a:extLst>
+                </a:gridCol>
+                <a:gridCol w="1220492">
+                  <a:extLst>
+                    <a:ext uri="{9D8B030D-6E8A-4147-A177-3AD203B41FA5}">
+                      <a16:colId xmlns:a16="http://schemas.microsoft.com/office/drawing/2014/main" val="3015614634"/>
+                    </a:ext>
+                  </a:extLst>
+                </a:gridCol>
+              </a:tblGrid>
+              <a:tr h="370840">
+                <a:tc>
+                  <a:txBody>
+                    <a:bodyPr/>
+                    <a:lstStyle/>
+                    <a:p>
+                      <a:r>
+                        <a:rPr lang="en-US" sz="1200" dirty="0"/>
+                        <a:t>ID</a:t>
+                      </a:r>
+                    </a:p>
+                  </a:txBody>
+                  <a:tcPr>
+                    <a:solidFill>
+                      <a:schemeClr val="accent4">
+                        <a:lumMod val="60000"/>
+                        <a:lumOff val="40000"/>
+                      </a:schemeClr>
+                    </a:solidFill>
+                  </a:tcPr>
+                </a:tc>
+                <a:tc>
+                  <a:txBody>
+                    <a:bodyPr/>
+                    <a:lstStyle/>
+                    <a:p>
+                      <a:r>
+                        <a:rPr lang="en-US" sz="1200" dirty="0"/>
+                        <a:t>Name</a:t>
+                      </a:r>
+                    </a:p>
+                  </a:txBody>
+                  <a:tcPr/>
+                </a:tc>
+                <a:tc>
+                  <a:txBody>
+                    <a:bodyPr/>
+                    <a:lstStyle/>
+                    <a:p>
+                      <a:r>
+                        <a:rPr lang="en-US" sz="1200" dirty="0"/>
+                        <a:t>House</a:t>
+                      </a:r>
+                    </a:p>
+                  </a:txBody>
+                  <a:tcPr/>
+                </a:tc>
+                <a:tc>
+                  <a:txBody>
+                    <a:bodyPr/>
+                    <a:lstStyle/>
+                    <a:p>
+                      <a:r>
+                        <a:rPr lang="en-US" sz="1200" dirty="0"/>
+                        <a:t>Headmaster</a:t>
+                      </a:r>
+                    </a:p>
+                  </a:txBody>
+                  <a:tcPr/>
+                </a:tc>
+                <a:tc>
+                  <a:txBody>
+                    <a:bodyPr/>
+                    <a:lstStyle/>
+                    <a:p>
+                      <a:r>
+                        <a:rPr lang="en-US" sz="1200" dirty="0"/>
+                        <a:t>Blood status</a:t>
+                      </a:r>
+                    </a:p>
+                  </a:txBody>
+                  <a:tcPr/>
+                </a:tc>
+                <a:tc>
+                  <a:txBody>
+                    <a:bodyPr/>
+                    <a:lstStyle/>
+                    <a:p>
+                      <a:r>
+                        <a:rPr lang="en-US" sz="1200" dirty="0"/>
+                        <a:t>Birthdate</a:t>
+                      </a:r>
+                    </a:p>
+                  </a:txBody>
+                  <a:tcPr/>
+                </a:tc>
+                <a:extLst>
+                  <a:ext uri="{0D108BD9-81ED-4DB2-BD59-A6C34878D82A}">
+                    <a16:rowId xmlns:a16="http://schemas.microsoft.com/office/drawing/2014/main" val="2779361094"/>
+                  </a:ext>
+                </a:extLst>
+              </a:tr>
+              <a:tr h="370840">
+                <a:tc>
+                  <a:txBody>
+                    <a:bodyPr/>
+                    <a:lstStyle/>
+                    <a:p>
+                      <a:r>
+                        <a:rPr lang="en-US" sz="1200" dirty="0"/>
+                        <a:t>S359</a:t>
+                      </a:r>
+                    </a:p>
+                  </a:txBody>
+                  <a:tcPr>
+                    <a:solidFill>
+                      <a:schemeClr val="accent4">
+                        <a:lumMod val="40000"/>
+                        <a:lumOff val="60000"/>
+                      </a:schemeClr>
+                    </a:solidFill>
+                  </a:tcPr>
+                </a:tc>
+                <a:tc>
+                  <a:txBody>
+                    <a:bodyPr/>
+                    <a:lstStyle/>
+                    <a:p>
+                      <a:r>
+                        <a:rPr lang="en-US" sz="1200" dirty="0"/>
+                        <a:t>Harry Potter</a:t>
+                      </a:r>
+                    </a:p>
+                  </a:txBody>
+                  <a:tcPr/>
+                </a:tc>
+                <a:tc>
+                  <a:txBody>
+                    <a:bodyPr/>
+                    <a:lstStyle/>
+                    <a:p>
+                      <a:r>
+                        <a:rPr lang="en-US" sz="1200" dirty="0"/>
+                        <a:t>Gryffindor</a:t>
+                      </a:r>
+                    </a:p>
+                  </a:txBody>
+                  <a:tcPr/>
+                </a:tc>
+                <a:tc>
+                  <a:txBody>
+                    <a:bodyPr/>
+                    <a:lstStyle/>
+                    <a:p>
+                      <a:r>
+                        <a:rPr lang="en-US" sz="1200" dirty="0"/>
+                        <a:t>Minerva McGonagall</a:t>
+                      </a:r>
+                    </a:p>
+                  </a:txBody>
+                  <a:tcPr/>
+                </a:tc>
+                <a:tc>
+                  <a:txBody>
+                    <a:bodyPr/>
+                    <a:lstStyle/>
+                    <a:p>
+                      <a:r>
+                        <a:rPr lang="en-US" sz="1200" dirty="0"/>
+                        <a:t>Half-blood</a:t>
+                      </a:r>
+                    </a:p>
+                  </a:txBody>
+                  <a:tcPr/>
+                </a:tc>
+                <a:tc>
+                  <a:txBody>
+                    <a:bodyPr/>
+                    <a:lstStyle/>
+                    <a:p>
+                      <a:r>
+                        <a:rPr lang="en-US" sz="1200" dirty="0"/>
+                        <a:t>1980-07-31</a:t>
+                      </a:r>
+                    </a:p>
+                  </a:txBody>
+                  <a:tcPr/>
+                </a:tc>
+                <a:extLst>
+                  <a:ext uri="{0D108BD9-81ED-4DB2-BD59-A6C34878D82A}">
+                    <a16:rowId xmlns:a16="http://schemas.microsoft.com/office/drawing/2014/main" val="2215406621"/>
+                  </a:ext>
+                </a:extLst>
+              </a:tr>
+              <a:tr h="370840">
+                <a:tc>
+                  <a:txBody>
+                    <a:bodyPr/>
+                    <a:lstStyle/>
+                    <a:p>
+                      <a:r>
+                        <a:rPr lang="en-US" sz="1200" dirty="0"/>
+                        <a:t>S460</a:t>
+                      </a:r>
+                    </a:p>
+                  </a:txBody>
+                  <a:tcPr>
+                    <a:solidFill>
+                      <a:schemeClr val="accent4">
+                        <a:lumMod val="40000"/>
+                        <a:lumOff val="60000"/>
+                      </a:schemeClr>
+                    </a:solidFill>
+                  </a:tcPr>
+                </a:tc>
+                <a:tc>
+                  <a:txBody>
+                    <a:bodyPr/>
+                    <a:lstStyle/>
+                    <a:p>
+                      <a:r>
+                        <a:rPr lang="en-US" sz="1200" dirty="0"/>
+                        <a:t>Hermione Granger</a:t>
+                      </a:r>
+                    </a:p>
+                  </a:txBody>
+                  <a:tcPr/>
+                </a:tc>
+                <a:tc>
+                  <a:txBody>
+                    <a:bodyPr/>
+                    <a:lstStyle/>
+                    <a:p>
+                      <a:r>
+                        <a:rPr lang="en-US" sz="1200" dirty="0"/>
+                        <a:t>Gryffindor</a:t>
+                      </a:r>
+                    </a:p>
+                  </a:txBody>
+                  <a:tcPr/>
+                </a:tc>
+                <a:tc>
+                  <a:txBody>
+                    <a:bodyPr/>
+                    <a:lstStyle/>
+                    <a:p>
+                      <a:r>
+                        <a:rPr lang="en-US" sz="1200" dirty="0"/>
+                        <a:t>Minerva McGonagall</a:t>
+                      </a:r>
+                    </a:p>
+                  </a:txBody>
+                  <a:tcPr/>
+                </a:tc>
+                <a:tc>
+                  <a:txBody>
+                    <a:bodyPr/>
+                    <a:lstStyle/>
+                    <a:p>
+                      <a:r>
+                        <a:rPr lang="en-US" sz="1200" dirty="0"/>
+                        <a:t>Muggle-born</a:t>
+                      </a:r>
+                    </a:p>
+                  </a:txBody>
+                  <a:tcPr/>
+                </a:tc>
+                <a:tc>
+                  <a:txBody>
+                    <a:bodyPr/>
+                    <a:lstStyle/>
+                    <a:p>
+                      <a:r>
+                        <a:rPr lang="en-US" sz="1200" dirty="0"/>
+                        <a:t>1979-09-19</a:t>
+                      </a:r>
+                    </a:p>
+                  </a:txBody>
+                  <a:tcPr/>
+                </a:tc>
+                <a:extLst>
+                  <a:ext uri="{0D108BD9-81ED-4DB2-BD59-A6C34878D82A}">
+                    <a16:rowId xmlns:a16="http://schemas.microsoft.com/office/drawing/2014/main" val="973924525"/>
+                  </a:ext>
+                </a:extLst>
+              </a:tr>
+              <a:tr h="370840">
+                <a:tc>
+                  <a:txBody>
+                    <a:bodyPr/>
+                    <a:lstStyle/>
+                    <a:p>
+                      <a:r>
+                        <a:rPr lang="en-US" sz="1200" dirty="0"/>
+                        <a:t>S103</a:t>
+                      </a:r>
+                    </a:p>
+                  </a:txBody>
+                  <a:tcPr>
+                    <a:solidFill>
+                      <a:schemeClr val="accent4">
+                        <a:lumMod val="40000"/>
+                        <a:lumOff val="60000"/>
+                      </a:schemeClr>
+                    </a:solidFill>
+                  </a:tcPr>
+                </a:tc>
+                <a:tc>
+                  <a:txBody>
+                    <a:bodyPr/>
+                    <a:lstStyle/>
+                    <a:p>
+                      <a:r>
+                        <a:rPr lang="en-US" sz="1200" dirty="0"/>
+                        <a:t>Draco Malfoy</a:t>
+                      </a:r>
+                    </a:p>
+                  </a:txBody>
+                  <a:tcPr/>
+                </a:tc>
+                <a:tc>
+                  <a:txBody>
+                    <a:bodyPr/>
+                    <a:lstStyle/>
+                    <a:p>
+                      <a:r>
+                        <a:rPr lang="en-US" sz="1200" dirty="0"/>
+                        <a:t>Slytherin</a:t>
+                      </a:r>
+                    </a:p>
+                  </a:txBody>
+                  <a:tcPr/>
+                </a:tc>
+                <a:tc>
+                  <a:txBody>
+                    <a:bodyPr/>
+                    <a:lstStyle/>
+                    <a:p>
+                      <a:r>
+                        <a:rPr lang="en-US" sz="1200" dirty="0"/>
+                        <a:t>Severus Snape</a:t>
+                      </a:r>
+                    </a:p>
+                  </a:txBody>
+                  <a:tcPr/>
+                </a:tc>
+                <a:tc>
+                  <a:txBody>
+                    <a:bodyPr/>
+                    <a:lstStyle/>
+                    <a:p>
+                      <a:r>
+                        <a:rPr lang="en-US" sz="1200" dirty="0"/>
+                        <a:t>Pure-blood</a:t>
+                      </a:r>
+                    </a:p>
+                  </a:txBody>
+                  <a:tcPr/>
+                </a:tc>
+                <a:tc>
+                  <a:txBody>
+                    <a:bodyPr/>
+                    <a:lstStyle/>
+                    <a:p>
+                      <a:r>
+                        <a:rPr lang="en-US" sz="1200" dirty="0"/>
+                        <a:t>1980-06-05</a:t>
+                      </a:r>
+                    </a:p>
+                  </a:txBody>
+                  <a:tcPr/>
+                </a:tc>
+                <a:extLst>
+                  <a:ext uri="{0D108BD9-81ED-4DB2-BD59-A6C34878D82A}">
+                    <a16:rowId xmlns:a16="http://schemas.microsoft.com/office/drawing/2014/main" val="2235407540"/>
+                  </a:ext>
+                </a:extLst>
+              </a:tr>
+              <a:tr h="370840">
+                <a:tc>
+                  <a:txBody>
+                    <a:bodyPr/>
+                    <a:lstStyle/>
+                    <a:p>
+                      <a:r>
+                        <a:rPr lang="en-US" sz="1200" dirty="0"/>
+                        <a:t>S671</a:t>
+                      </a:r>
+                    </a:p>
+                  </a:txBody>
+                  <a:tcPr>
+                    <a:solidFill>
+                      <a:schemeClr val="accent4">
+                        <a:lumMod val="40000"/>
+                        <a:lumOff val="60000"/>
+                      </a:schemeClr>
+                    </a:solidFill>
+                  </a:tcPr>
+                </a:tc>
+                <a:tc>
+                  <a:txBody>
+                    <a:bodyPr/>
+                    <a:lstStyle/>
+                    <a:p>
+                      <a:r>
+                        <a:rPr lang="en-US" sz="1200" dirty="0"/>
+                        <a:t>Ginny Weasley</a:t>
+                      </a:r>
+                    </a:p>
+                  </a:txBody>
+                  <a:tcPr/>
+                </a:tc>
+                <a:tc>
+                  <a:txBody>
+                    <a:bodyPr/>
+                    <a:lstStyle/>
+                    <a:p>
+                      <a:r>
+                        <a:rPr lang="en-US" sz="1200" dirty="0"/>
+                        <a:t>Gryffindor</a:t>
+                      </a:r>
+                    </a:p>
+                  </a:txBody>
+                  <a:tcPr/>
+                </a:tc>
+                <a:tc>
+                  <a:txBody>
+                    <a:bodyPr/>
+                    <a:lstStyle/>
+                    <a:p>
+                      <a:r>
+                        <a:rPr lang="en-US" sz="1200" dirty="0"/>
+                        <a:t>Minerva McGonagall</a:t>
+                      </a:r>
+                    </a:p>
+                  </a:txBody>
+                  <a:tcPr/>
+                </a:tc>
+                <a:tc>
+                  <a:txBody>
+                    <a:bodyPr/>
+                    <a:lstStyle/>
+                    <a:p>
+                      <a:r>
+                        <a:rPr lang="en-US" sz="1200" dirty="0"/>
+                        <a:t>Pure-blood</a:t>
+                      </a:r>
+                    </a:p>
+                  </a:txBody>
+                  <a:tcPr/>
+                </a:tc>
+                <a:tc>
+                  <a:txBody>
+                    <a:bodyPr/>
+                    <a:lstStyle/>
+                    <a:p>
+                      <a:r>
+                        <a:rPr lang="en-US" sz="1200" dirty="0"/>
+                        <a:t>1981-08-11</a:t>
+                      </a:r>
+                    </a:p>
+                  </a:txBody>
+                  <a:tcPr/>
+                </a:tc>
+                <a:extLst>
+                  <a:ext uri="{0D108BD9-81ED-4DB2-BD59-A6C34878D82A}">
+                    <a16:rowId xmlns:a16="http://schemas.microsoft.com/office/drawing/2014/main" val="1219449798"/>
+                  </a:ext>
+                </a:extLst>
+              </a:tr>
+            </a:tbl>
+          </a:graphicData>
+        </a:graphic>
+      </p:graphicFrame>
+      <p:sp>
+        <p:nvSpPr>
+          <p:cNvPr id="6" name="TextBox 5">
+            <a:extLst>
+              <a:ext uri="{FF2B5EF4-FFF2-40B4-BE49-F238E27FC236}">
+                <a16:creationId xmlns:a16="http://schemas.microsoft.com/office/drawing/2014/main" id="{7A7498E9-714B-62CE-7EC0-0FA660E77607}"/>
+              </a:ext>
+            </a:extLst>
+          </p:cNvPr>
+          <p:cNvSpPr txBox="1"/>
+          <p:nvPr/>
+        </p:nvSpPr>
+        <p:spPr>
+          <a:xfrm>
+            <a:off x="503698" y="2428592"/>
+            <a:ext cx="1108129" cy="307777"/>
+          </a:xfrm>
+          <a:prstGeom prst="rect">
+            <a:avLst/>
+          </a:prstGeom>
+          <a:noFill/>
+        </p:spPr>
+        <p:txBody>
+          <a:bodyPr wrap="square" rtlCol="0">
+            <a:spAutoFit/>
+          </a:bodyPr>
+          <a:lstStyle/>
+          <a:p>
+            <a:r>
+              <a:rPr lang="en-US" b="1" dirty="0"/>
+              <a:t>STUDENT</a:t>
+            </a:r>
+          </a:p>
+        </p:txBody>
+      </p:sp>
+      <p:sp>
+        <p:nvSpPr>
+          <p:cNvPr id="7" name="TextBox 6">
+            <a:extLst>
+              <a:ext uri="{FF2B5EF4-FFF2-40B4-BE49-F238E27FC236}">
+                <a16:creationId xmlns:a16="http://schemas.microsoft.com/office/drawing/2014/main" id="{EBCA8F20-49AB-0FD9-A3FE-027537141184}"/>
+              </a:ext>
+            </a:extLst>
+          </p:cNvPr>
+          <p:cNvSpPr txBox="1"/>
+          <p:nvPr/>
+        </p:nvSpPr>
+        <p:spPr>
+          <a:xfrm>
+            <a:off x="5319423" y="1908312"/>
+            <a:ext cx="2770310" cy="307777"/>
+          </a:xfrm>
+          <a:prstGeom prst="rect">
+            <a:avLst/>
+          </a:prstGeom>
+          <a:noFill/>
+        </p:spPr>
+        <p:txBody>
+          <a:bodyPr wrap="none" rtlCol="0">
+            <a:spAutoFit/>
+          </a:bodyPr>
+          <a:lstStyle/>
+          <a:p>
+            <a:r>
+              <a:rPr lang="en-US" dirty="0"/>
+              <a:t>Not a direct attribute of the entity</a:t>
+            </a:r>
+          </a:p>
+        </p:txBody>
+      </p:sp>
+      <p:cxnSp>
+        <p:nvCxnSpPr>
+          <p:cNvPr id="9" name="Elbow Connector 8">
+            <a:extLst>
+              <a:ext uri="{FF2B5EF4-FFF2-40B4-BE49-F238E27FC236}">
+                <a16:creationId xmlns:a16="http://schemas.microsoft.com/office/drawing/2014/main" id="{EFE368E5-67D2-2FCB-8975-C9FBA99C2010}"/>
+              </a:ext>
+            </a:extLst>
+          </p:cNvPr>
+          <p:cNvCxnSpPr>
+            <a:cxnSpLocks/>
+            <a:stCxn id="7" idx="1"/>
+          </p:cNvCxnSpPr>
+          <p:nvPr/>
+        </p:nvCxnSpPr>
+        <p:spPr>
+          <a:xfrm rot="10800000" flipV="1">
+            <a:off x="4794637" y="2062200"/>
+            <a:ext cx="524786" cy="652707"/>
+          </a:xfrm>
+          <a:prstGeom prst="bentConnector2">
+            <a:avLst/>
+          </a:prstGeom>
+          <a:ln w="44450">
+            <a:solidFill>
+              <a:srgbClr val="C00000"/>
+            </a:solidFill>
+            <a:tailEnd type="triangle"/>
+          </a:ln>
+        </p:spPr>
+        <p:style>
+          <a:lnRef idx="1">
+            <a:schemeClr val="accent1"/>
+          </a:lnRef>
+          <a:fillRef idx="0">
+            <a:schemeClr val="accent1"/>
+          </a:fillRef>
+          <a:effectRef idx="0">
+            <a:schemeClr val="accent1"/>
+          </a:effectRef>
+          <a:fontRef idx="minor">
+            <a:schemeClr val="tx1"/>
+          </a:fontRef>
+        </p:style>
+      </p:cxnSp>
+    </p:spTree>
+    <p:extLst>
+      <p:ext uri="{BB962C8B-B14F-4D97-AF65-F5344CB8AC3E}">
+        <p14:creationId xmlns:p14="http://schemas.microsoft.com/office/powerpoint/2010/main" val="2345570996"/>
+      </p:ext>
+    </p:extLst>
+  </p:cSld>
+  <p:clrMapOvr>
+    <a:masterClrMapping/>
+  </p:clrMapOvr>
+</p:sld>
+</file>
+
+<file path=ppt/slides/slide26.xml><?xml version="1.0" encoding="utf-8"?>
+<p:sld xmlns:a="http://schemas.openxmlformats.org/drawingml/2006/main" xmlns:r="http://schemas.openxmlformats.org/officeDocument/2006/relationships" xmlns:p="http://schemas.openxmlformats.org/presentationml/2006/main">
+  <p:cSld>
+    <p:spTree>
+      <p:nvGrpSpPr>
+        <p:cNvPr id="1" name=""/>
+        <p:cNvGrpSpPr/>
+        <p:nvPr/>
+      </p:nvGrpSpPr>
+      <p:grpSpPr>
+        <a:xfrm>
+          <a:off x="0" y="0"/>
+          <a:ext cx="0" cy="0"/>
+          <a:chOff x="0" y="0"/>
+          <a:chExt cx="0" cy="0"/>
+        </a:xfrm>
+      </p:grpSpPr>
+      <p:sp>
+        <p:nvSpPr>
+          <p:cNvPr id="2" name="Title 1">
+            <a:extLst>
+              <a:ext uri="{FF2B5EF4-FFF2-40B4-BE49-F238E27FC236}">
                 <a16:creationId xmlns:a16="http://schemas.microsoft.com/office/drawing/2014/main" id="{E8D0BAF0-DDC6-1290-8F07-EF0C849DACF1}"/>
               </a:ext>
             </a:extLst>
@@ -26414,7 +27258,7 @@
             </a:pPr>
             <a:fld id="{00000000-1234-1234-1234-123412341234}" type="slidenum">
               <a:rPr lang="en" smtClean="0"/>
-              <a:t>25</a:t>
+              <a:t>26</a:t>
             </a:fld>
             <a:endParaRPr lang="en" dirty="0"/>
           </a:p>
@@ -26433,7 +27277,7 @@
 </p:sld>
 </file>
 
-<file path=ppt/slides/slide26.xml><?xml version="1.0" encoding="utf-8"?>
+<file path=ppt/slides/slide27.xml><?xml version="1.0" encoding="utf-8"?>
 <p:sld xmlns:a="http://schemas.openxmlformats.org/drawingml/2006/main" xmlns:r="http://schemas.openxmlformats.org/officeDocument/2006/relationships" xmlns:p="http://schemas.openxmlformats.org/presentationml/2006/main">
   <p:cSld>
     <p:spTree>
@@ -26568,7 +27412,7 @@
             </a:pPr>
             <a:fld id="{00000000-1234-1234-1234-123412341234}" type="slidenum">
               <a:rPr lang="en" smtClean="0"/>
-              <a:t>26</a:t>
+              <a:t>27</a:t>
             </a:fld>
             <a:endParaRPr lang="en" dirty="0"/>
           </a:p>
@@ -27147,7 +27991,7 @@
 </p:sld>
 </file>
 
-<file path=ppt/slides/slide27.xml><?xml version="1.0" encoding="utf-8"?>
+<file path=ppt/slides/slide28.xml><?xml version="1.0" encoding="utf-8"?>
 <p:sld xmlns:a="http://schemas.openxmlformats.org/drawingml/2006/main" xmlns:r="http://schemas.openxmlformats.org/officeDocument/2006/relationships" xmlns:p="http://schemas.openxmlformats.org/presentationml/2006/main">
   <p:cSld>
     <p:spTree>
@@ -27252,7 +28096,7 @@
             </a:pPr>
             <a:fld id="{00000000-1234-1234-1234-123412341234}" type="slidenum">
               <a:rPr lang="en" smtClean="0"/>
-              <a:t>27</a:t>
+              <a:t>28</a:t>
             </a:fld>
             <a:endParaRPr lang="en" dirty="0"/>
           </a:p>
@@ -27273,14 +28117,14 @@
           <p:nvPr>
             <p:extLst>
               <p:ext uri="{D42A27DB-BD31-4B8C-83A1-F6EECF244321}">
-                <p14:modId xmlns:p14="http://schemas.microsoft.com/office/powerpoint/2010/main" val="1168089251"/>
+                <p14:modId xmlns:p14="http://schemas.microsoft.com/office/powerpoint/2010/main" val="959328692"/>
               </p:ext>
             </p:extLst>
           </p:nvPr>
         </p:nvGraphicFramePr>
         <p:xfrm>
           <a:off x="470116" y="1883828"/>
-          <a:ext cx="6969069" cy="1483360"/>
+          <a:ext cx="5814447" cy="1483360"/>
         </p:xfrm>
         <a:graphic>
           <a:graphicData uri="http://schemas.openxmlformats.org/drawingml/2006/table">
@@ -27331,13 +28175,6 @@
                     </a:ext>
                   </a:extLst>
                 </a:gridCol>
-                <a:gridCol w="1154622">
-                  <a:extLst>
-                    <a:ext uri="{9D8B030D-6E8A-4147-A177-3AD203B41FA5}">
-                      <a16:colId xmlns:a16="http://schemas.microsoft.com/office/drawing/2014/main" val="510668361"/>
-                    </a:ext>
-                  </a:extLst>
-                </a:gridCol>
               </a:tblGrid>
               <a:tr h="370840">
                 <a:tc>
@@ -27412,20 +28249,7 @@
                     <a:p>
                       <a:r>
                         <a:rPr lang="en-US" dirty="0"/>
-                        <a:t>Acquired</a:t>
-                      </a:r>
-                    </a:p>
-                  </a:txBody>
-                  <a:tcPr/>
-                </a:tc>
-                <a:tc>
-                  <a:txBody>
-                    <a:bodyPr/>
-                    <a:lstStyle/>
-                    <a:p>
-                      <a:r>
-                        <a:rPr lang="en-US" dirty="0"/>
-                        <a:t>Destroyed</a:t>
+                        <a:t>…</a:t>
                       </a:r>
                     </a:p>
                   </a:txBody>
@@ -27516,19 +28340,6 @@
                   </a:txBody>
                   <a:tcPr/>
                 </a:tc>
-                <a:tc>
-                  <a:txBody>
-                    <a:bodyPr/>
-                    <a:lstStyle/>
-                    <a:p>
-                      <a:r>
-                        <a:rPr lang="en-US" dirty="0"/>
-                        <a:t>…</a:t>
-                      </a:r>
-                    </a:p>
-                  </a:txBody>
-                  <a:tcPr/>
-                </a:tc>
                 <a:extLst>
                   <a:ext uri="{0D108BD9-81ED-4DB2-BD59-A6C34878D82A}">
                     <a16:rowId xmlns:a16="http://schemas.microsoft.com/office/drawing/2014/main" val="1863761391"/>
@@ -27614,19 +28425,6 @@
                   </a:txBody>
                   <a:tcPr/>
                 </a:tc>
-                <a:tc>
-                  <a:txBody>
-                    <a:bodyPr/>
-                    <a:lstStyle/>
-                    <a:p>
-                      <a:r>
-                        <a:rPr lang="en-US" dirty="0"/>
-                        <a:t>…</a:t>
-                      </a:r>
-                    </a:p>
-                  </a:txBody>
-                  <a:tcPr/>
-                </a:tc>
                 <a:extLst>
                   <a:ext uri="{0D108BD9-81ED-4DB2-BD59-A6C34878D82A}">
                     <a16:rowId xmlns:a16="http://schemas.microsoft.com/office/drawing/2014/main" val="2076819926"/>
@@ -27694,19 +28492,6 @@
                       <a:r>
                         <a:rPr lang="en-US" dirty="0"/>
                         <a:t>S319</a:t>
-                      </a:r>
-                    </a:p>
-                  </a:txBody>
-                  <a:tcPr/>
-                </a:tc>
-                <a:tc>
-                  <a:txBody>
-                    <a:bodyPr/>
-                    <a:lstStyle/>
-                    <a:p>
-                      <a:r>
-                        <a:rPr lang="en-US" dirty="0"/>
-                        <a:t>…</a:t>
                       </a:r>
                     </a:p>
                   </a:txBody>
@@ -28102,7 +28887,7 @@
 </p:sld>
 </file>
 
-<file path=ppt/slides/slide28.xml><?xml version="1.0" encoding="utf-8"?>
+<file path=ppt/slides/slide29.xml><?xml version="1.0" encoding="utf-8"?>
 <p:sld xmlns:a="http://schemas.openxmlformats.org/drawingml/2006/main" xmlns:r="http://schemas.openxmlformats.org/officeDocument/2006/relationships" xmlns:p="http://schemas.openxmlformats.org/presentationml/2006/main">
   <p:cSld>
     <p:spTree>
@@ -28222,7 +29007,7 @@
             </a:pPr>
             <a:fld id="{00000000-1234-1234-1234-123412341234}" type="slidenum">
               <a:rPr lang="en" smtClean="0"/>
-              <a:t>28</a:t>
+              <a:t>29</a:t>
             </a:fld>
             <a:endParaRPr lang="en" dirty="0"/>
           </a:p>
@@ -28653,7 +29438,193 @@
 </p:sld>
 </file>
 
-<file path=ppt/slides/slide29.xml><?xml version="1.0" encoding="utf-8"?>
+<file path=ppt/slides/slide3.xml><?xml version="1.0" encoding="utf-8"?>
+<p:sld xmlns:a="http://schemas.openxmlformats.org/drawingml/2006/main" xmlns:r="http://schemas.openxmlformats.org/officeDocument/2006/relationships" xmlns:p="http://schemas.openxmlformats.org/presentationml/2006/main">
+  <p:cSld>
+    <p:spTree>
+      <p:nvGrpSpPr>
+        <p:cNvPr id="1" name=""/>
+        <p:cNvGrpSpPr/>
+        <p:nvPr/>
+      </p:nvGrpSpPr>
+      <p:grpSpPr>
+        <a:xfrm>
+          <a:off x="0" y="0"/>
+          <a:ext cx="0" cy="0"/>
+          <a:chOff x="0" y="0"/>
+          <a:chExt cx="0" cy="0"/>
+        </a:xfrm>
+      </p:grpSpPr>
+      <p:sp>
+        <p:nvSpPr>
+          <p:cNvPr id="2" name="Title 1">
+            <a:extLst>
+              <a:ext uri="{FF2B5EF4-FFF2-40B4-BE49-F238E27FC236}">
+                <a16:creationId xmlns:a16="http://schemas.microsoft.com/office/drawing/2014/main" id="{8D26504D-2DE4-7F49-FB2C-0D8B4FF0D63B}"/>
+              </a:ext>
+            </a:extLst>
+          </p:cNvPr>
+          <p:cNvSpPr>
+            <a:spLocks noGrp="1"/>
+          </p:cNvSpPr>
+          <p:nvPr>
+            <p:ph type="title"/>
+          </p:nvPr>
+        </p:nvSpPr>
+        <p:spPr/>
+        <p:txBody>
+          <a:bodyPr/>
+          <a:lstStyle/>
+          <a:p>
+            <a:r>
+              <a:rPr lang="en-US" dirty="0"/>
+              <a:t>Relational databases, the good</a:t>
+            </a:r>
+          </a:p>
+        </p:txBody>
+      </p:sp>
+      <p:sp>
+        <p:nvSpPr>
+          <p:cNvPr id="3" name="Text Placeholder 2">
+            <a:extLst>
+              <a:ext uri="{FF2B5EF4-FFF2-40B4-BE49-F238E27FC236}">
+                <a16:creationId xmlns:a16="http://schemas.microsoft.com/office/drawing/2014/main" id="{1ABC6FBA-A79D-97A1-9EA3-D01AA68A1729}"/>
+              </a:ext>
+            </a:extLst>
+          </p:cNvPr>
+          <p:cNvSpPr>
+            <a:spLocks noGrp="1"/>
+          </p:cNvSpPr>
+          <p:nvPr>
+            <p:ph type="body" idx="1"/>
+          </p:nvPr>
+        </p:nvSpPr>
+        <p:spPr/>
+        <p:txBody>
+          <a:bodyPr>
+            <a:normAutofit fontScale="92500" lnSpcReduction="10000"/>
+          </a:bodyPr>
+          <a:lstStyle/>
+          <a:p>
+            <a:r>
+              <a:rPr lang="en-US" dirty="0"/>
+              <a:t>Fundamental form of data organization for 50 years</a:t>
+            </a:r>
+          </a:p>
+          <a:p>
+            <a:r>
+              <a:rPr lang="en-US" dirty="0"/>
+              <a:t>Remarkably stable: SQL basically unchanged for 50 years!</a:t>
+            </a:r>
+          </a:p>
+          <a:p>
+            <a:r>
+              <a:rPr lang="en-US" dirty="0"/>
+              <a:t>Mathematically rigorous basis</a:t>
+            </a:r>
+          </a:p>
+          <a:p>
+            <a:r>
+              <a:rPr lang="en-US" dirty="0"/>
+              <a:t>Open-ended query system</a:t>
+            </a:r>
+          </a:p>
+          <a:p>
+            <a:r>
+              <a:rPr lang="en-US" dirty="0"/>
+              <a:t>Support collaboration</a:t>
+            </a:r>
+          </a:p>
+          <a:p>
+            <a:r>
+              <a:rPr lang="en-US" dirty="0"/>
+              <a:t>Allow (well, require) schema definition</a:t>
+            </a:r>
+          </a:p>
+          <a:p>
+            <a:r>
+              <a:rPr lang="en-US" dirty="0"/>
+              <a:t>Correctness/consistency preserving</a:t>
+            </a:r>
+          </a:p>
+          <a:p>
+            <a:r>
+              <a:rPr lang="en-US" dirty="0"/>
+              <a:t>Fault tolerant, even replicated</a:t>
+            </a:r>
+          </a:p>
+          <a:p>
+            <a:r>
+              <a:rPr lang="en-US" dirty="0"/>
+              <a:t>Support concurrency out of the box</a:t>
+            </a:r>
+          </a:p>
+          <a:p>
+            <a:r>
+              <a:rPr lang="en-US" dirty="0"/>
+              <a:t>Turnkey performance support</a:t>
+            </a:r>
+          </a:p>
+          <a:p>
+            <a:r>
+              <a:rPr lang="en-US" dirty="0"/>
+              <a:t>Extensions for spatial objects, large corpus text, XML, JSON, etc.</a:t>
+            </a:r>
+          </a:p>
+        </p:txBody>
+      </p:sp>
+      <p:sp>
+        <p:nvSpPr>
+          <p:cNvPr id="4" name="Slide Number Placeholder 3">
+            <a:extLst>
+              <a:ext uri="{FF2B5EF4-FFF2-40B4-BE49-F238E27FC236}">
+                <a16:creationId xmlns:a16="http://schemas.microsoft.com/office/drawing/2014/main" id="{CE684AE4-A3A1-ED77-9743-B518205902F0}"/>
+              </a:ext>
+            </a:extLst>
+          </p:cNvPr>
+          <p:cNvSpPr>
+            <a:spLocks noGrp="1"/>
+          </p:cNvSpPr>
+          <p:nvPr>
+            <p:ph type="sldNum" idx="12"/>
+          </p:nvPr>
+        </p:nvSpPr>
+        <p:spPr/>
+        <p:txBody>
+          <a:bodyPr/>
+          <a:lstStyle/>
+          <a:p>
+            <a:pPr marL="0" lvl="0" indent="0" algn="r" rtl="0">
+              <a:spcBef>
+                <a:spcPts val="0"/>
+              </a:spcBef>
+              <a:spcAft>
+                <a:spcPts val="0"/>
+              </a:spcAft>
+              <a:buNone/>
+            </a:pPr>
+            <a:fld id="{00000000-1234-1234-1234-123412341234}" type="slidenum">
+              <a:rPr lang="en" smtClean="0"/>
+              <a:t>3</a:t>
+            </a:fld>
+            <a:endParaRPr lang="en" dirty="0"/>
+          </a:p>
+        </p:txBody>
+      </p:sp>
+    </p:spTree>
+    <p:extLst>
+      <p:ext uri="{BB962C8B-B14F-4D97-AF65-F5344CB8AC3E}">
+        <p14:creationId xmlns:p14="http://schemas.microsoft.com/office/powerpoint/2010/main" val="3923724195"/>
+      </p:ext>
+    </p:extLst>
+  </p:cSld>
+  <p:clrMapOvr>
+    <a:masterClrMapping/>
+  </p:clrMapOvr>
+</p:sld>
+</file>
+
+<file path=ppt/slides/slide30.xml><?xml version="1.0" encoding="utf-8"?>
 <p:sld xmlns:a="http://schemas.openxmlformats.org/drawingml/2006/main" xmlns:r="http://schemas.openxmlformats.org/officeDocument/2006/relationships" xmlns:p="http://schemas.openxmlformats.org/presentationml/2006/main">
   <p:cSld>
     <p:spTree>
@@ -28761,7 +29732,7 @@
             </a:pPr>
             <a:fld id="{00000000-1234-1234-1234-123412341234}" type="slidenum">
               <a:rPr lang="en" smtClean="0"/>
-              <a:t>29</a:t>
+              <a:t>30</a:t>
             </a:fld>
             <a:endParaRPr lang="en" dirty="0"/>
           </a:p>
@@ -29268,193 +30239,7 @@
 </p:sld>
 </file>
 
-<file path=ppt/slides/slide3.xml><?xml version="1.0" encoding="utf-8"?>
-<p:sld xmlns:a="http://schemas.openxmlformats.org/drawingml/2006/main" xmlns:r="http://schemas.openxmlformats.org/officeDocument/2006/relationships" xmlns:p="http://schemas.openxmlformats.org/presentationml/2006/main">
-  <p:cSld>
-    <p:spTree>
-      <p:nvGrpSpPr>
-        <p:cNvPr id="1" name=""/>
-        <p:cNvGrpSpPr/>
-        <p:nvPr/>
-      </p:nvGrpSpPr>
-      <p:grpSpPr>
-        <a:xfrm>
-          <a:off x="0" y="0"/>
-          <a:ext cx="0" cy="0"/>
-          <a:chOff x="0" y="0"/>
-          <a:chExt cx="0" cy="0"/>
-        </a:xfrm>
-      </p:grpSpPr>
-      <p:sp>
-        <p:nvSpPr>
-          <p:cNvPr id="2" name="Title 1">
-            <a:extLst>
-              <a:ext uri="{FF2B5EF4-FFF2-40B4-BE49-F238E27FC236}">
-                <a16:creationId xmlns:a16="http://schemas.microsoft.com/office/drawing/2014/main" id="{8D26504D-2DE4-7F49-FB2C-0D8B4FF0D63B}"/>
-              </a:ext>
-            </a:extLst>
-          </p:cNvPr>
-          <p:cNvSpPr>
-            <a:spLocks noGrp="1"/>
-          </p:cNvSpPr>
-          <p:nvPr>
-            <p:ph type="title"/>
-          </p:nvPr>
-        </p:nvSpPr>
-        <p:spPr/>
-        <p:txBody>
-          <a:bodyPr/>
-          <a:lstStyle/>
-          <a:p>
-            <a:r>
-              <a:rPr lang="en-US" dirty="0"/>
-              <a:t>Relational databases, the good</a:t>
-            </a:r>
-          </a:p>
-        </p:txBody>
-      </p:sp>
-      <p:sp>
-        <p:nvSpPr>
-          <p:cNvPr id="3" name="Text Placeholder 2">
-            <a:extLst>
-              <a:ext uri="{FF2B5EF4-FFF2-40B4-BE49-F238E27FC236}">
-                <a16:creationId xmlns:a16="http://schemas.microsoft.com/office/drawing/2014/main" id="{1ABC6FBA-A79D-97A1-9EA3-D01AA68A1729}"/>
-              </a:ext>
-            </a:extLst>
-          </p:cNvPr>
-          <p:cNvSpPr>
-            <a:spLocks noGrp="1"/>
-          </p:cNvSpPr>
-          <p:nvPr>
-            <p:ph type="body" idx="1"/>
-          </p:nvPr>
-        </p:nvSpPr>
-        <p:spPr/>
-        <p:txBody>
-          <a:bodyPr>
-            <a:normAutofit fontScale="92500" lnSpcReduction="10000"/>
-          </a:bodyPr>
-          <a:lstStyle/>
-          <a:p>
-            <a:r>
-              <a:rPr lang="en-US" dirty="0"/>
-              <a:t>Fundamental form of data organization for 50 years</a:t>
-            </a:r>
-          </a:p>
-          <a:p>
-            <a:r>
-              <a:rPr lang="en-US" dirty="0"/>
-              <a:t>Remarkably stable: SQL basically unchanged for 50 years!</a:t>
-            </a:r>
-          </a:p>
-          <a:p>
-            <a:r>
-              <a:rPr lang="en-US" dirty="0"/>
-              <a:t>Mathematically rigorous basis</a:t>
-            </a:r>
-          </a:p>
-          <a:p>
-            <a:r>
-              <a:rPr lang="en-US" dirty="0"/>
-              <a:t>Open-ended query system</a:t>
-            </a:r>
-          </a:p>
-          <a:p>
-            <a:r>
-              <a:rPr lang="en-US" dirty="0"/>
-              <a:t>Support collaboration</a:t>
-            </a:r>
-          </a:p>
-          <a:p>
-            <a:r>
-              <a:rPr lang="en-US" dirty="0"/>
-              <a:t>Allow (well, require) schema definition</a:t>
-            </a:r>
-          </a:p>
-          <a:p>
-            <a:r>
-              <a:rPr lang="en-US" dirty="0"/>
-              <a:t>Correctness/consistency preserving</a:t>
-            </a:r>
-          </a:p>
-          <a:p>
-            <a:r>
-              <a:rPr lang="en-US" dirty="0"/>
-              <a:t>Fault tolerant, even replicated</a:t>
-            </a:r>
-          </a:p>
-          <a:p>
-            <a:r>
-              <a:rPr lang="en-US" dirty="0"/>
-              <a:t>Support concurrency out of the box</a:t>
-            </a:r>
-          </a:p>
-          <a:p>
-            <a:r>
-              <a:rPr lang="en-US" dirty="0"/>
-              <a:t>Turnkey performance support</a:t>
-            </a:r>
-          </a:p>
-          <a:p>
-            <a:r>
-              <a:rPr lang="en-US" dirty="0"/>
-              <a:t>Extensions for spatial objects, large corpus text, XML, JSON, etc.</a:t>
-            </a:r>
-          </a:p>
-        </p:txBody>
-      </p:sp>
-      <p:sp>
-        <p:nvSpPr>
-          <p:cNvPr id="4" name="Slide Number Placeholder 3">
-            <a:extLst>
-              <a:ext uri="{FF2B5EF4-FFF2-40B4-BE49-F238E27FC236}">
-                <a16:creationId xmlns:a16="http://schemas.microsoft.com/office/drawing/2014/main" id="{CE684AE4-A3A1-ED77-9743-B518205902F0}"/>
-              </a:ext>
-            </a:extLst>
-          </p:cNvPr>
-          <p:cNvSpPr>
-            <a:spLocks noGrp="1"/>
-          </p:cNvSpPr>
-          <p:nvPr>
-            <p:ph type="sldNum" idx="12"/>
-          </p:nvPr>
-        </p:nvSpPr>
-        <p:spPr/>
-        <p:txBody>
-          <a:bodyPr/>
-          <a:lstStyle/>
-          <a:p>
-            <a:pPr marL="0" lvl="0" indent="0" algn="r" rtl="0">
-              <a:spcBef>
-                <a:spcPts val="0"/>
-              </a:spcBef>
-              <a:spcAft>
-                <a:spcPts val="0"/>
-              </a:spcAft>
-              <a:buNone/>
-            </a:pPr>
-            <a:fld id="{00000000-1234-1234-1234-123412341234}" type="slidenum">
-              <a:rPr lang="en" smtClean="0"/>
-              <a:t>3</a:t>
-            </a:fld>
-            <a:endParaRPr lang="en" dirty="0"/>
-          </a:p>
-        </p:txBody>
-      </p:sp>
-    </p:spTree>
-    <p:extLst>
-      <p:ext uri="{BB962C8B-B14F-4D97-AF65-F5344CB8AC3E}">
-        <p14:creationId xmlns:p14="http://schemas.microsoft.com/office/powerpoint/2010/main" val="3923724195"/>
-      </p:ext>
-    </p:extLst>
-  </p:cSld>
-  <p:clrMapOvr>
-    <a:masterClrMapping/>
-  </p:clrMapOvr>
-</p:sld>
-</file>
-
-<file path=ppt/slides/slide30.xml><?xml version="1.0" encoding="utf-8"?>
+<file path=ppt/slides/slide31.xml><?xml version="1.0" encoding="utf-8"?>
 <p:sld xmlns:a="http://schemas.openxmlformats.org/drawingml/2006/main" xmlns:r="http://schemas.openxmlformats.org/officeDocument/2006/relationships" xmlns:p="http://schemas.openxmlformats.org/presentationml/2006/main">
   <p:cSld>
     <p:spTree>
@@ -29669,7 +30454,7 @@
             </a:pPr>
             <a:fld id="{00000000-1234-1234-1234-123412341234}" type="slidenum">
               <a:rPr lang="en" smtClean="0"/>
-              <a:t>30</a:t>
+              <a:t>31</a:t>
             </a:fld>
             <a:endParaRPr lang="en" dirty="0"/>
           </a:p>
@@ -29688,7 +30473,7 @@
 </p:sld>
 </file>
 
-<file path=ppt/slides/slide31.xml><?xml version="1.0" encoding="utf-8"?>
+<file path=ppt/slides/slide32.xml><?xml version="1.0" encoding="utf-8"?>
 <p:sld xmlns:a="http://schemas.openxmlformats.org/drawingml/2006/main" xmlns:r="http://schemas.openxmlformats.org/officeDocument/2006/relationships" xmlns:p="http://schemas.openxmlformats.org/presentationml/2006/main">
   <p:cSld>
     <p:spTree>
@@ -29765,7 +30550,7 @@
               <a:rPr lang="en-US" dirty="0">
                 <a:latin typeface="Avenir Book" panose="02000503020000020003" pitchFamily="2" charset="0"/>
               </a:rPr>
-              <a:t>Student, not Students of </a:t>
+              <a:t>Student, not Students or </a:t>
             </a:r>
             <a:r>
               <a:rPr lang="en-US" dirty="0" err="1">
@@ -29846,7 +30631,7 @@
               <a:rPr lang="en-US" dirty="0">
                 <a:latin typeface="Avenir Book" panose="02000503020000020003" pitchFamily="2" charset="0"/>
               </a:rPr>
-              <a:t>Use primary key name uniformly (probably preferable)</a:t>
+              <a:t>Use primary key name uniformly (preferred for sanity)</a:t>
             </a:r>
           </a:p>
           <a:p>
@@ -29916,7 +30701,7 @@
             </a:pPr>
             <a:fld id="{00000000-1234-1234-1234-123412341234}" type="slidenum">
               <a:rPr lang="en" smtClean="0"/>
-              <a:t>31</a:t>
+              <a:t>32</a:t>
             </a:fld>
             <a:endParaRPr lang="en" dirty="0"/>
           </a:p>
@@ -29935,7 +30720,7 @@
 </p:sld>
 </file>
 
-<file path=ppt/slides/slide32.xml><?xml version="1.0" encoding="utf-8"?>
+<file path=ppt/slides/slide33.xml><?xml version="1.0" encoding="utf-8"?>
 <p:sld xmlns:a="http://schemas.openxmlformats.org/drawingml/2006/main" xmlns:r="http://schemas.openxmlformats.org/officeDocument/2006/relationships" xmlns:p="http://schemas.openxmlformats.org/presentationml/2006/main">
   <p:cSld>
     <p:spTree>
@@ -30076,7 +30861,7 @@
             </a:pPr>
             <a:fld id="{00000000-1234-1234-1234-123412341234}" type="slidenum">
               <a:rPr lang="en" smtClean="0"/>
-              <a:t>32</a:t>
+              <a:t>33</a:t>
             </a:fld>
             <a:endParaRPr lang="en" dirty="0"/>
           </a:p>
@@ -30095,7 +30880,7 @@
 </p:sld>
 </file>
 
-<file path=ppt/slides/slide33.xml><?xml version="1.0" encoding="utf-8"?>
+<file path=ppt/slides/slide34.xml><?xml version="1.0" encoding="utf-8"?>
 <p:sld xmlns:a="http://schemas.openxmlformats.org/drawingml/2006/main" xmlns:r="http://schemas.openxmlformats.org/officeDocument/2006/relationships" xmlns:p="http://schemas.openxmlformats.org/presentationml/2006/main">
   <p:cSld>
     <p:spTree>
@@ -30222,7 +31007,7 @@
               <a:rPr lang="en" smtClean="0">
                 <a:latin typeface="Avenir Book" panose="02000503020000020003" pitchFamily="2" charset="0"/>
               </a:rPr>
-              <a:t>33</a:t>
+              <a:t>34</a:t>
             </a:fld>
             <a:endParaRPr lang="en" dirty="0">
               <a:latin typeface="Avenir Book" panose="02000503020000020003" pitchFamily="2" charset="0"/>
@@ -30243,7 +31028,7 @@
 </p:sld>
 </file>
 
-<file path=ppt/slides/slide34.xml><?xml version="1.0" encoding="utf-8"?>
+<file path=ppt/slides/slide35.xml><?xml version="1.0" encoding="utf-8"?>
 <p:sld xmlns:a="http://schemas.openxmlformats.org/drawingml/2006/main" xmlns:r="http://schemas.openxmlformats.org/officeDocument/2006/relationships" xmlns:p="http://schemas.openxmlformats.org/presentationml/2006/main">
   <p:cSld>
     <p:spTree>
@@ -30307,7 +31092,7 @@
         <p:spPr/>
         <p:txBody>
           <a:bodyPr>
-            <a:normAutofit lnSpcReduction="10000"/>
+            <a:normAutofit fontScale="92500" lnSpcReduction="10000"/>
           </a:bodyPr>
           <a:lstStyle/>
           <a:p>
@@ -30401,7 +31186,13 @@
           <a:p>
             <a:r>
               <a:rPr lang="en-US" dirty="0"/>
-              <a:t>Our task this week: convert CSV files to relational tables</a:t>
+              <a:t>This week: define table structure</a:t>
+            </a:r>
+          </a:p>
+          <a:p>
+            <a:r>
+              <a:rPr lang="en-US" dirty="0"/>
+              <a:t>Next week: look at cleaning data, getting CSV files into tables</a:t>
             </a:r>
           </a:p>
         </p:txBody>
@@ -30438,7 +31229,7 @@
             </a:pPr>
             <a:fld id="{00000000-1234-1234-1234-123412341234}" type="slidenum">
               <a:rPr lang="en" smtClean="0"/>
-              <a:t>34</a:t>
+              <a:t>35</a:t>
             </a:fld>
             <a:endParaRPr lang="en" dirty="0"/>
           </a:p>
@@ -30457,7 +31248,7 @@
 </p:sld>
 </file>
 
-<file path=ppt/slides/slide35.xml><?xml version="1.0" encoding="utf-8"?>
+<file path=ppt/slides/slide36.xml><?xml version="1.0" encoding="utf-8"?>
 <p:sld xmlns:a="http://schemas.openxmlformats.org/drawingml/2006/main" xmlns:r="http://schemas.openxmlformats.org/officeDocument/2006/relationships" xmlns:p="http://schemas.openxmlformats.org/presentationml/2006/main">
   <p:cSld>
     <p:spTree>
@@ -30881,7 +31672,7 @@
             </a:pPr>
             <a:fld id="{00000000-1234-1234-1234-123412341234}" type="slidenum">
               <a:rPr lang="en" smtClean="0"/>
-              <a:t>35</a:t>
+              <a:t>36</a:t>
             </a:fld>
             <a:endParaRPr lang="en" dirty="0"/>
           </a:p>
@@ -30900,7 +31691,7 @@
 </p:sld>
 </file>
 
-<file path=ppt/slides/slide36.xml><?xml version="1.0" encoding="utf-8"?>
+<file path=ppt/slides/slide37.xml><?xml version="1.0" encoding="utf-8"?>
 <p:sld xmlns:a="http://schemas.openxmlformats.org/drawingml/2006/main" xmlns:r="http://schemas.openxmlformats.org/officeDocument/2006/relationships" xmlns:p="http://schemas.openxmlformats.org/presentationml/2006/main">
   <p:cSld>
     <p:spTree>
@@ -31113,7 +31904,7 @@
             </a:pPr>
             <a:fld id="{00000000-1234-1234-1234-123412341234}" type="slidenum">
               <a:rPr lang="en" smtClean="0"/>
-              <a:t>36</a:t>
+              <a:t>37</a:t>
             </a:fld>
             <a:endParaRPr lang="en" dirty="0"/>
           </a:p>
@@ -31132,7 +31923,7 @@
 </p:sld>
 </file>
 
-<file path=ppt/slides/slide37.xml><?xml version="1.0" encoding="utf-8"?>
+<file path=ppt/slides/slide38.xml><?xml version="1.0" encoding="utf-8"?>
 <p:sld xmlns:a="http://schemas.openxmlformats.org/drawingml/2006/main" xmlns:r="http://schemas.openxmlformats.org/officeDocument/2006/relationships" xmlns:p="http://schemas.openxmlformats.org/presentationml/2006/main">
   <p:cSld>
     <p:spTree>
@@ -31398,7 +32189,7 @@
             </a:pPr>
             <a:fld id="{00000000-1234-1234-1234-123412341234}" type="slidenum">
               <a:rPr lang="en" smtClean="0"/>
-              <a:t>37</a:t>
+              <a:t>38</a:t>
             </a:fld>
             <a:endParaRPr lang="en" dirty="0"/>
           </a:p>
@@ -31417,7 +32208,7 @@
 </p:sld>
 </file>
 
-<file path=ppt/slides/slide38.xml><?xml version="1.0" encoding="utf-8"?>
+<file path=ppt/slides/slide39.xml><?xml version="1.0" encoding="utf-8"?>
 <p:sld xmlns:a="http://schemas.openxmlformats.org/drawingml/2006/main" xmlns:r="http://schemas.openxmlformats.org/officeDocument/2006/relationships" xmlns:p="http://schemas.openxmlformats.org/presentationml/2006/main">
   <p:cSld>
     <p:spTree>
@@ -31525,21 +32316,21 @@
               <a:rPr lang="en-US" dirty="0"/>
               <a:t>    Site TEXT NOT NULL,</a:t>
             </a:r>
-          </a:p>
-          <a:p>
-            <a:pPr marL="114300" indent="0">
-              <a:buNone/>
-            </a:pPr>
-            <a:r>
-              <a:rPr lang="en-US" dirty="0"/>
-              <a:t>    …,</a:t>
-            </a:r>
             <a:br>
               <a:rPr lang="en-US" dirty="0"/>
             </a:br>
             <a:r>
               <a:rPr lang="en-US" dirty="0"/>
-              <a:t>    FOREIGN KEY (Site) REFERENCES Site (Code)</a:t>
+              <a:t>    FOREIGN KEY (Site) REFERENCES Site (Code),</a:t>
+            </a:r>
+          </a:p>
+          <a:p>
+            <a:pPr marL="114300" indent="0">
+              <a:buNone/>
+            </a:pPr>
+            <a:r>
+              <a:rPr lang="en-US" dirty="0"/>
+              <a:t>    …,</a:t>
             </a:r>
             <a:br>
               <a:rPr lang="en-US" dirty="0"/>
@@ -31583,7 +32374,7 @@
             </a:pPr>
             <a:fld id="{00000000-1234-1234-1234-123412341234}" type="slidenum">
               <a:rPr lang="en" smtClean="0"/>
-              <a:t>38</a:t>
+              <a:t>39</a:t>
             </a:fld>
             <a:endParaRPr lang="en" dirty="0"/>
           </a:p>
@@ -31593,272 +32384,6 @@
     <p:extLst>
       <p:ext uri="{BB962C8B-B14F-4D97-AF65-F5344CB8AC3E}">
         <p14:creationId xmlns:p14="http://schemas.microsoft.com/office/powerpoint/2010/main" val="681495643"/>
-      </p:ext>
-    </p:extLst>
-  </p:cSld>
-  <p:clrMapOvr>
-    <a:masterClrMapping/>
-  </p:clrMapOvr>
-</p:sld>
-</file>
-
-<file path=ppt/slides/slide39.xml><?xml version="1.0" encoding="utf-8"?>
-<p:sld xmlns:a="http://schemas.openxmlformats.org/drawingml/2006/main" xmlns:r="http://schemas.openxmlformats.org/officeDocument/2006/relationships" xmlns:p="http://schemas.openxmlformats.org/presentationml/2006/main">
-  <p:cSld>
-    <p:spTree>
-      <p:nvGrpSpPr>
-        <p:cNvPr id="1" name=""/>
-        <p:cNvGrpSpPr/>
-        <p:nvPr/>
-      </p:nvGrpSpPr>
-      <p:grpSpPr>
-        <a:xfrm>
-          <a:off x="0" y="0"/>
-          <a:ext cx="0" cy="0"/>
-          <a:chOff x="0" y="0"/>
-          <a:chExt cx="0" cy="0"/>
-        </a:xfrm>
-      </p:grpSpPr>
-      <p:sp>
-        <p:nvSpPr>
-          <p:cNvPr id="2" name="Title 1">
-            <a:extLst>
-              <a:ext uri="{FF2B5EF4-FFF2-40B4-BE49-F238E27FC236}">
-                <a16:creationId xmlns:a16="http://schemas.microsoft.com/office/drawing/2014/main" id="{13C5E11B-ED4E-E092-B5AC-3AD01F3AABE6}"/>
-              </a:ext>
-            </a:extLst>
-          </p:cNvPr>
-          <p:cNvSpPr>
-            <a:spLocks noGrp="1"/>
-          </p:cNvSpPr>
-          <p:nvPr>
-            <p:ph type="title"/>
-          </p:nvPr>
-        </p:nvSpPr>
-        <p:spPr/>
-        <p:txBody>
-          <a:bodyPr/>
-          <a:lstStyle/>
-          <a:p>
-            <a:r>
-              <a:rPr lang="en-US" dirty="0"/>
-              <a:t>Why bother with constraints on data? (1)</a:t>
-            </a:r>
-          </a:p>
-        </p:txBody>
-      </p:sp>
-      <p:sp>
-        <p:nvSpPr>
-          <p:cNvPr id="3" name="Text Placeholder 2">
-            <a:extLst>
-              <a:ext uri="{FF2B5EF4-FFF2-40B4-BE49-F238E27FC236}">
-                <a16:creationId xmlns:a16="http://schemas.microsoft.com/office/drawing/2014/main" id="{BA4B172B-B22E-36BA-BAF8-1220759AF9AE}"/>
-              </a:ext>
-            </a:extLst>
-          </p:cNvPr>
-          <p:cNvSpPr>
-            <a:spLocks noGrp="1"/>
-          </p:cNvSpPr>
-          <p:nvPr>
-            <p:ph type="body" idx="1"/>
-          </p:nvPr>
-        </p:nvSpPr>
-        <p:spPr/>
-        <p:txBody>
-          <a:bodyPr/>
-          <a:lstStyle/>
-          <a:p>
-            <a:r>
-              <a:rPr lang="en-US" dirty="0"/>
-              <a:t>Here’s why</a:t>
-            </a:r>
-          </a:p>
-          <a:p>
-            <a:pPr lvl="1"/>
-            <a:endParaRPr lang="en-US" dirty="0">
-              <a:latin typeface="Avenir Book" panose="02000503020000020003" pitchFamily="2" charset="0"/>
-            </a:endParaRPr>
-          </a:p>
-          <a:p>
-            <a:r>
-              <a:rPr lang="en-US" dirty="0" err="1"/>
-              <a:t>Daily_pred_lemm.Team_count</a:t>
-            </a:r>
-            <a:endParaRPr lang="en-US" dirty="0"/>
-          </a:p>
-          <a:p>
-            <a:pPr lvl="1"/>
-            <a:r>
-              <a:rPr lang="en-US" dirty="0">
-                <a:latin typeface="Avenir Book" panose="02000503020000020003" pitchFamily="2" charset="0"/>
-              </a:rPr>
-              <a:t>Boolean column: “Did more than one person conduct the survey together?”</a:t>
-            </a:r>
-          </a:p>
-          <a:p>
-            <a:pPr lvl="1"/>
-            <a:endParaRPr lang="en-US" dirty="0">
-              <a:latin typeface="Avenir Book" panose="02000503020000020003" pitchFamily="2" charset="0"/>
-            </a:endParaRPr>
-          </a:p>
-          <a:p>
-            <a:pPr lvl="1"/>
-            <a:r>
-              <a:rPr lang="en-US" dirty="0">
-                <a:latin typeface="Courier New" panose="02070309020205020404" pitchFamily="49" charset="0"/>
-                <a:cs typeface="Courier New" panose="02070309020205020404" pitchFamily="49" charset="0"/>
-              </a:rPr>
-              <a:t>import pandas as pd</a:t>
-            </a:r>
-            <a:br>
-              <a:rPr lang="en-US" dirty="0">
-                <a:latin typeface="Courier New" panose="02070309020205020404" pitchFamily="49" charset="0"/>
-                <a:cs typeface="Courier New" panose="02070309020205020404" pitchFamily="49" charset="0"/>
-              </a:rPr>
-            </a:br>
-            <a:r>
-              <a:rPr lang="en-US" dirty="0" err="1">
-                <a:latin typeface="Courier New" panose="02070309020205020404" pitchFamily="49" charset="0"/>
-                <a:cs typeface="Courier New" panose="02070309020205020404" pitchFamily="49" charset="0"/>
-              </a:rPr>
-              <a:t>df</a:t>
-            </a:r>
-            <a:r>
-              <a:rPr lang="en-US" dirty="0">
-                <a:latin typeface="Courier New" panose="02070309020205020404" pitchFamily="49" charset="0"/>
-                <a:cs typeface="Courier New" panose="02070309020205020404" pitchFamily="49" charset="0"/>
-              </a:rPr>
-              <a:t> = </a:t>
-            </a:r>
-            <a:r>
-              <a:rPr lang="en-US" dirty="0" err="1">
-                <a:latin typeface="Courier New" panose="02070309020205020404" pitchFamily="49" charset="0"/>
-                <a:cs typeface="Courier New" panose="02070309020205020404" pitchFamily="49" charset="0"/>
-              </a:rPr>
-              <a:t>pd.read_csv</a:t>
-            </a:r>
-            <a:r>
-              <a:rPr lang="en-US" dirty="0">
-                <a:latin typeface="Courier New" panose="02070309020205020404" pitchFamily="49" charset="0"/>
-                <a:cs typeface="Courier New" panose="02070309020205020404" pitchFamily="49" charset="0"/>
-              </a:rPr>
-              <a:t>("</a:t>
-            </a:r>
-            <a:r>
-              <a:rPr lang="en-US" dirty="0" err="1">
-                <a:latin typeface="Courier New" panose="02070309020205020404" pitchFamily="49" charset="0"/>
-                <a:cs typeface="Courier New" panose="02070309020205020404" pitchFamily="49" charset="0"/>
-              </a:rPr>
-              <a:t>ASDN_Daily_pred_lemm.csv</a:t>
-            </a:r>
-            <a:r>
-              <a:rPr lang="en-US" dirty="0">
-                <a:latin typeface="Courier New" panose="02070309020205020404" pitchFamily="49" charset="0"/>
-                <a:cs typeface="Courier New" panose="02070309020205020404" pitchFamily="49" charset="0"/>
-              </a:rPr>
-              <a:t>")</a:t>
-            </a:r>
-            <a:br>
-              <a:rPr lang="en-US" dirty="0">
-                <a:latin typeface="Courier New" panose="02070309020205020404" pitchFamily="49" charset="0"/>
-                <a:cs typeface="Courier New" panose="02070309020205020404" pitchFamily="49" charset="0"/>
-              </a:rPr>
-            </a:br>
-            <a:r>
-              <a:rPr lang="en-US" dirty="0" err="1">
-                <a:latin typeface="Courier New" panose="02070309020205020404" pitchFamily="49" charset="0"/>
-                <a:cs typeface="Courier New" panose="02070309020205020404" pitchFamily="49" charset="0"/>
-              </a:rPr>
-              <a:t>df.Team_count.unique</a:t>
-            </a:r>
-            <a:r>
-              <a:rPr lang="en-US" dirty="0">
-                <a:latin typeface="Courier New" panose="02070309020205020404" pitchFamily="49" charset="0"/>
-                <a:cs typeface="Courier New" panose="02070309020205020404" pitchFamily="49" charset="0"/>
-              </a:rPr>
-              <a:t>()</a:t>
-            </a:r>
-          </a:p>
-          <a:p>
-            <a:pPr lvl="1"/>
-            <a:endParaRPr lang="en-US" dirty="0">
-              <a:latin typeface="Avenir Book" panose="02000503020000020003" pitchFamily="2" charset="0"/>
-            </a:endParaRPr>
-          </a:p>
-          <a:p>
-            <a:pPr lvl="1"/>
-            <a:r>
-              <a:rPr lang="en-US" dirty="0">
-                <a:latin typeface="Avenir Book" panose="02000503020000020003" pitchFamily="2" charset="0"/>
-              </a:rPr>
-              <a:t>➜ </a:t>
-            </a:r>
-            <a:r>
-              <a:rPr lang="en-US" dirty="0">
-                <a:latin typeface="Courier New" panose="02070309020205020404" pitchFamily="49" charset="0"/>
-                <a:cs typeface="Courier New" panose="02070309020205020404" pitchFamily="49" charset="0"/>
-              </a:rPr>
-              <a:t>array(['n', 'y', nan, 'n ', 'N'], </a:t>
-            </a:r>
-            <a:r>
-              <a:rPr lang="en-US" dirty="0" err="1">
-                <a:latin typeface="Courier New" panose="02070309020205020404" pitchFamily="49" charset="0"/>
-                <a:cs typeface="Courier New" panose="02070309020205020404" pitchFamily="49" charset="0"/>
-              </a:rPr>
-              <a:t>dtype</a:t>
-            </a:r>
-            <a:r>
-              <a:rPr lang="en-US" dirty="0">
-                <a:latin typeface="Courier New" panose="02070309020205020404" pitchFamily="49" charset="0"/>
-                <a:cs typeface="Courier New" panose="02070309020205020404" pitchFamily="49" charset="0"/>
-              </a:rPr>
-              <a:t>=object)</a:t>
-            </a:r>
-          </a:p>
-        </p:txBody>
-      </p:sp>
-      <p:sp>
-        <p:nvSpPr>
-          <p:cNvPr id="4" name="Slide Number Placeholder 3">
-            <a:extLst>
-              <a:ext uri="{FF2B5EF4-FFF2-40B4-BE49-F238E27FC236}">
-                <a16:creationId xmlns:a16="http://schemas.microsoft.com/office/drawing/2014/main" id="{E33612C2-840E-0EFB-6BDD-739D42AC4FB1}"/>
-              </a:ext>
-            </a:extLst>
-          </p:cNvPr>
-          <p:cNvSpPr>
-            <a:spLocks noGrp="1"/>
-          </p:cNvSpPr>
-          <p:nvPr>
-            <p:ph type="sldNum" idx="12"/>
-          </p:nvPr>
-        </p:nvSpPr>
-        <p:spPr/>
-        <p:txBody>
-          <a:bodyPr/>
-          <a:lstStyle/>
-          <a:p>
-            <a:pPr marL="0" lvl="0" indent="0" algn="r" rtl="0">
-              <a:spcBef>
-                <a:spcPts val="0"/>
-              </a:spcBef>
-              <a:spcAft>
-                <a:spcPts val="0"/>
-              </a:spcAft>
-              <a:buNone/>
-            </a:pPr>
-            <a:fld id="{00000000-1234-1234-1234-123412341234}" type="slidenum">
-              <a:rPr lang="en" smtClean="0"/>
-              <a:t>39</a:t>
-            </a:fld>
-            <a:endParaRPr lang="en" dirty="0"/>
-          </a:p>
-        </p:txBody>
-      </p:sp>
-    </p:spTree>
-    <p:extLst>
-      <p:ext uri="{BB962C8B-B14F-4D97-AF65-F5344CB8AC3E}">
-        <p14:creationId xmlns:p14="http://schemas.microsoft.com/office/powerpoint/2010/main" val="1988222347"/>
       </p:ext>
     </p:extLst>
   </p:cSld>
@@ -32092,6 +32617,272 @@
           <a:p>
             <a:r>
               <a:rPr lang="en-US" dirty="0"/>
+              <a:t>Why bother with constraints on data? (1)</a:t>
+            </a:r>
+          </a:p>
+        </p:txBody>
+      </p:sp>
+      <p:sp>
+        <p:nvSpPr>
+          <p:cNvPr id="3" name="Text Placeholder 2">
+            <a:extLst>
+              <a:ext uri="{FF2B5EF4-FFF2-40B4-BE49-F238E27FC236}">
+                <a16:creationId xmlns:a16="http://schemas.microsoft.com/office/drawing/2014/main" id="{BA4B172B-B22E-36BA-BAF8-1220759AF9AE}"/>
+              </a:ext>
+            </a:extLst>
+          </p:cNvPr>
+          <p:cNvSpPr>
+            <a:spLocks noGrp="1"/>
+          </p:cNvSpPr>
+          <p:nvPr>
+            <p:ph type="body" idx="1"/>
+          </p:nvPr>
+        </p:nvSpPr>
+        <p:spPr/>
+        <p:txBody>
+          <a:bodyPr/>
+          <a:lstStyle/>
+          <a:p>
+            <a:r>
+              <a:rPr lang="en-US" dirty="0"/>
+              <a:t>Here’s why</a:t>
+            </a:r>
+          </a:p>
+          <a:p>
+            <a:pPr lvl="1"/>
+            <a:endParaRPr lang="en-US" dirty="0">
+              <a:latin typeface="Avenir Book" panose="02000503020000020003" pitchFamily="2" charset="0"/>
+            </a:endParaRPr>
+          </a:p>
+          <a:p>
+            <a:r>
+              <a:rPr lang="en-US" dirty="0" err="1"/>
+              <a:t>Daily_pred_lemm.Team_count</a:t>
+            </a:r>
+            <a:endParaRPr lang="en-US" dirty="0"/>
+          </a:p>
+          <a:p>
+            <a:pPr lvl="1"/>
+            <a:r>
+              <a:rPr lang="en-US" dirty="0">
+                <a:latin typeface="Avenir Book" panose="02000503020000020003" pitchFamily="2" charset="0"/>
+              </a:rPr>
+              <a:t>Boolean column: “Did more than one person conduct the survey together?”</a:t>
+            </a:r>
+          </a:p>
+          <a:p>
+            <a:pPr lvl="1"/>
+            <a:endParaRPr lang="en-US" dirty="0">
+              <a:latin typeface="Avenir Book" panose="02000503020000020003" pitchFamily="2" charset="0"/>
+            </a:endParaRPr>
+          </a:p>
+          <a:p>
+            <a:pPr lvl="1"/>
+            <a:r>
+              <a:rPr lang="en-US" dirty="0">
+                <a:latin typeface="Courier New" panose="02070309020205020404" pitchFamily="49" charset="0"/>
+                <a:cs typeface="Courier New" panose="02070309020205020404" pitchFamily="49" charset="0"/>
+              </a:rPr>
+              <a:t>import pandas as pd</a:t>
+            </a:r>
+            <a:br>
+              <a:rPr lang="en-US" dirty="0">
+                <a:latin typeface="Courier New" panose="02070309020205020404" pitchFamily="49" charset="0"/>
+                <a:cs typeface="Courier New" panose="02070309020205020404" pitchFamily="49" charset="0"/>
+              </a:rPr>
+            </a:br>
+            <a:r>
+              <a:rPr lang="en-US" dirty="0" err="1">
+                <a:latin typeface="Courier New" panose="02070309020205020404" pitchFamily="49" charset="0"/>
+                <a:cs typeface="Courier New" panose="02070309020205020404" pitchFamily="49" charset="0"/>
+              </a:rPr>
+              <a:t>df</a:t>
+            </a:r>
+            <a:r>
+              <a:rPr lang="en-US" dirty="0">
+                <a:latin typeface="Courier New" panose="02070309020205020404" pitchFamily="49" charset="0"/>
+                <a:cs typeface="Courier New" panose="02070309020205020404" pitchFamily="49" charset="0"/>
+              </a:rPr>
+              <a:t> = </a:t>
+            </a:r>
+            <a:r>
+              <a:rPr lang="en-US" dirty="0" err="1">
+                <a:latin typeface="Courier New" panose="02070309020205020404" pitchFamily="49" charset="0"/>
+                <a:cs typeface="Courier New" panose="02070309020205020404" pitchFamily="49" charset="0"/>
+              </a:rPr>
+              <a:t>pd.read_csv</a:t>
+            </a:r>
+            <a:r>
+              <a:rPr lang="en-US" dirty="0">
+                <a:latin typeface="Courier New" panose="02070309020205020404" pitchFamily="49" charset="0"/>
+                <a:cs typeface="Courier New" panose="02070309020205020404" pitchFamily="49" charset="0"/>
+              </a:rPr>
+              <a:t>("</a:t>
+            </a:r>
+            <a:r>
+              <a:rPr lang="en-US" dirty="0" err="1">
+                <a:latin typeface="Courier New" panose="02070309020205020404" pitchFamily="49" charset="0"/>
+                <a:cs typeface="Courier New" panose="02070309020205020404" pitchFamily="49" charset="0"/>
+              </a:rPr>
+              <a:t>ASDN_Daily_pred_lemm.csv</a:t>
+            </a:r>
+            <a:r>
+              <a:rPr lang="en-US" dirty="0">
+                <a:latin typeface="Courier New" panose="02070309020205020404" pitchFamily="49" charset="0"/>
+                <a:cs typeface="Courier New" panose="02070309020205020404" pitchFamily="49" charset="0"/>
+              </a:rPr>
+              <a:t>")</a:t>
+            </a:r>
+            <a:br>
+              <a:rPr lang="en-US" dirty="0">
+                <a:latin typeface="Courier New" panose="02070309020205020404" pitchFamily="49" charset="0"/>
+                <a:cs typeface="Courier New" panose="02070309020205020404" pitchFamily="49" charset="0"/>
+              </a:rPr>
+            </a:br>
+            <a:r>
+              <a:rPr lang="en-US" dirty="0" err="1">
+                <a:latin typeface="Courier New" panose="02070309020205020404" pitchFamily="49" charset="0"/>
+                <a:cs typeface="Courier New" panose="02070309020205020404" pitchFamily="49" charset="0"/>
+              </a:rPr>
+              <a:t>df.Team_count.unique</a:t>
+            </a:r>
+            <a:r>
+              <a:rPr lang="en-US" dirty="0">
+                <a:latin typeface="Courier New" panose="02070309020205020404" pitchFamily="49" charset="0"/>
+                <a:cs typeface="Courier New" panose="02070309020205020404" pitchFamily="49" charset="0"/>
+              </a:rPr>
+              <a:t>()</a:t>
+            </a:r>
+          </a:p>
+          <a:p>
+            <a:pPr lvl="1"/>
+            <a:endParaRPr lang="en-US" dirty="0">
+              <a:latin typeface="Avenir Book" panose="02000503020000020003" pitchFamily="2" charset="0"/>
+            </a:endParaRPr>
+          </a:p>
+          <a:p>
+            <a:pPr lvl="1"/>
+            <a:r>
+              <a:rPr lang="en-US" dirty="0">
+                <a:latin typeface="Avenir Book" panose="02000503020000020003" pitchFamily="2" charset="0"/>
+              </a:rPr>
+              <a:t>➜ </a:t>
+            </a:r>
+            <a:r>
+              <a:rPr lang="en-US" dirty="0">
+                <a:latin typeface="Courier New" panose="02070309020205020404" pitchFamily="49" charset="0"/>
+                <a:cs typeface="Courier New" panose="02070309020205020404" pitchFamily="49" charset="0"/>
+              </a:rPr>
+              <a:t>array(['n', 'y', nan, 'n ', 'N'], </a:t>
+            </a:r>
+            <a:r>
+              <a:rPr lang="en-US" dirty="0" err="1">
+                <a:latin typeface="Courier New" panose="02070309020205020404" pitchFamily="49" charset="0"/>
+                <a:cs typeface="Courier New" panose="02070309020205020404" pitchFamily="49" charset="0"/>
+              </a:rPr>
+              <a:t>dtype</a:t>
+            </a:r>
+            <a:r>
+              <a:rPr lang="en-US" dirty="0">
+                <a:latin typeface="Courier New" panose="02070309020205020404" pitchFamily="49" charset="0"/>
+                <a:cs typeface="Courier New" panose="02070309020205020404" pitchFamily="49" charset="0"/>
+              </a:rPr>
+              <a:t>=object)</a:t>
+            </a:r>
+          </a:p>
+        </p:txBody>
+      </p:sp>
+      <p:sp>
+        <p:nvSpPr>
+          <p:cNvPr id="4" name="Slide Number Placeholder 3">
+            <a:extLst>
+              <a:ext uri="{FF2B5EF4-FFF2-40B4-BE49-F238E27FC236}">
+                <a16:creationId xmlns:a16="http://schemas.microsoft.com/office/drawing/2014/main" id="{E33612C2-840E-0EFB-6BDD-739D42AC4FB1}"/>
+              </a:ext>
+            </a:extLst>
+          </p:cNvPr>
+          <p:cNvSpPr>
+            <a:spLocks noGrp="1"/>
+          </p:cNvSpPr>
+          <p:nvPr>
+            <p:ph type="sldNum" idx="12"/>
+          </p:nvPr>
+        </p:nvSpPr>
+        <p:spPr/>
+        <p:txBody>
+          <a:bodyPr/>
+          <a:lstStyle/>
+          <a:p>
+            <a:pPr marL="0" lvl="0" indent="0" algn="r" rtl="0">
+              <a:spcBef>
+                <a:spcPts val="0"/>
+              </a:spcBef>
+              <a:spcAft>
+                <a:spcPts val="0"/>
+              </a:spcAft>
+              <a:buNone/>
+            </a:pPr>
+            <a:fld id="{00000000-1234-1234-1234-123412341234}" type="slidenum">
+              <a:rPr lang="en" smtClean="0"/>
+              <a:t>40</a:t>
+            </a:fld>
+            <a:endParaRPr lang="en" dirty="0"/>
+          </a:p>
+        </p:txBody>
+      </p:sp>
+    </p:spTree>
+    <p:extLst>
+      <p:ext uri="{BB962C8B-B14F-4D97-AF65-F5344CB8AC3E}">
+        <p14:creationId xmlns:p14="http://schemas.microsoft.com/office/powerpoint/2010/main" val="1988222347"/>
+      </p:ext>
+    </p:extLst>
+  </p:cSld>
+  <p:clrMapOvr>
+    <a:masterClrMapping/>
+  </p:clrMapOvr>
+</p:sld>
+</file>
+
+<file path=ppt/slides/slide41.xml><?xml version="1.0" encoding="utf-8"?>
+<p:sld xmlns:a="http://schemas.openxmlformats.org/drawingml/2006/main" xmlns:r="http://schemas.openxmlformats.org/officeDocument/2006/relationships" xmlns:p="http://schemas.openxmlformats.org/presentationml/2006/main">
+  <p:cSld>
+    <p:spTree>
+      <p:nvGrpSpPr>
+        <p:cNvPr id="1" name=""/>
+        <p:cNvGrpSpPr/>
+        <p:nvPr/>
+      </p:nvGrpSpPr>
+      <p:grpSpPr>
+        <a:xfrm>
+          <a:off x="0" y="0"/>
+          <a:ext cx="0" cy="0"/>
+          <a:chOff x="0" y="0"/>
+          <a:chExt cx="0" cy="0"/>
+        </a:xfrm>
+      </p:grpSpPr>
+      <p:sp>
+        <p:nvSpPr>
+          <p:cNvPr id="2" name="Title 1">
+            <a:extLst>
+              <a:ext uri="{FF2B5EF4-FFF2-40B4-BE49-F238E27FC236}">
+                <a16:creationId xmlns:a16="http://schemas.microsoft.com/office/drawing/2014/main" id="{13C5E11B-ED4E-E092-B5AC-3AD01F3AABE6}"/>
+              </a:ext>
+            </a:extLst>
+          </p:cNvPr>
+          <p:cNvSpPr>
+            <a:spLocks noGrp="1"/>
+          </p:cNvSpPr>
+          <p:nvPr>
+            <p:ph type="title"/>
+          </p:nvPr>
+        </p:nvSpPr>
+        <p:spPr/>
+        <p:txBody>
+          <a:bodyPr/>
+          <a:lstStyle/>
+          <a:p>
+            <a:r>
+              <a:rPr lang="en-US" dirty="0"/>
               <a:t>Why bother with constraints on data? (2)</a:t>
             </a:r>
           </a:p>
@@ -32368,7 +33159,7 @@
             </a:pPr>
             <a:fld id="{00000000-1234-1234-1234-123412341234}" type="slidenum">
               <a:rPr lang="en" smtClean="0"/>
-              <a:t>40</a:t>
+              <a:t>41</a:t>
             </a:fld>
             <a:endParaRPr lang="en" dirty="0"/>
           </a:p>
@@ -32387,7 +33178,7 @@
 </p:sld>
 </file>
 
-<file path=ppt/slides/slide41.xml><?xml version="1.0" encoding="utf-8"?>
+<file path=ppt/slides/slide42.xml><?xml version="1.0" encoding="utf-8"?>
 <p:sld xmlns:a="http://schemas.openxmlformats.org/drawingml/2006/main" xmlns:r="http://schemas.openxmlformats.org/officeDocument/2006/relationships" xmlns:p="http://schemas.openxmlformats.org/presentationml/2006/main">
   <p:cSld>
     <p:spTree>
@@ -32504,7 +33295,7 @@
             </a:pPr>
             <a:fld id="{00000000-1234-1234-1234-123412341234}" type="slidenum">
               <a:rPr lang="en" smtClean="0"/>
-              <a:t>41</a:t>
+              <a:t>42</a:t>
             </a:fld>
             <a:endParaRPr lang="en" dirty="0"/>
           </a:p>
@@ -32523,7 +33314,7 @@
 </p:sld>
 </file>
 
-<file path=ppt/slides/slide42.xml><?xml version="1.0" encoding="utf-8"?>
+<file path=ppt/slides/slide43.xml><?xml version="1.0" encoding="utf-8"?>
 <p:sld xmlns:a="http://schemas.openxmlformats.org/drawingml/2006/main" xmlns:r="http://schemas.openxmlformats.org/officeDocument/2006/relationships" xmlns:p="http://schemas.openxmlformats.org/presentationml/2006/main">
   <p:cSld>
     <p:spTree>
@@ -32666,7 +33457,7 @@
             </a:pPr>
             <a:fld id="{00000000-1234-1234-1234-123412341234}" type="slidenum">
               <a:rPr lang="en" smtClean="0"/>
-              <a:t>42</a:t>
+              <a:t>43</a:t>
             </a:fld>
             <a:endParaRPr lang="en"/>
           </a:p>

--- a/modules/week01/slides-01.pptx
+++ b/modules/week01/slides-01.pptx
@@ -30631,7 +30631,7 @@
               <a:rPr lang="en-US" dirty="0">
                 <a:latin typeface="Avenir Book" panose="02000503020000020003" pitchFamily="2" charset="0"/>
               </a:rPr>
-              <a:t>Use primary key name uniformly (preferred for sanity)</a:t>
+              <a:t>Use primary key name uniformly (preferred for sanity, makes joins easy)</a:t>
             </a:r>
           </a:p>
           <a:p>

--- a/modules/week01/slides-01.pptx
+++ b/modules/week01/slides-01.pptx
@@ -6,7 +6,7 @@
     <p:sldMasterId id="2147483673" r:id="rId2"/>
   </p:sldMasterIdLst>
   <p:notesMasterIdLst>
-    <p:notesMasterId r:id="rId46"/>
+    <p:notesMasterId r:id="rId49"/>
   </p:notesMasterIdLst>
   <p:sldIdLst>
     <p:sldId id="256" r:id="rId3"/>
@@ -29,66 +29,69 @@
     <p:sldId id="293" r:id="rId20"/>
     <p:sldId id="294" r:id="rId21"/>
     <p:sldId id="295" r:id="rId22"/>
-    <p:sldId id="298" r:id="rId23"/>
-    <p:sldId id="296" r:id="rId24"/>
-    <p:sldId id="299" r:id="rId25"/>
-    <p:sldId id="277" r:id="rId26"/>
-    <p:sldId id="301" r:id="rId27"/>
-    <p:sldId id="281" r:id="rId28"/>
-    <p:sldId id="279" r:id="rId29"/>
-    <p:sldId id="282" r:id="rId30"/>
-    <p:sldId id="283" r:id="rId31"/>
-    <p:sldId id="284" r:id="rId32"/>
-    <p:sldId id="278" r:id="rId33"/>
-    <p:sldId id="268" r:id="rId34"/>
-    <p:sldId id="297" r:id="rId35"/>
-    <p:sldId id="270" r:id="rId36"/>
-    <p:sldId id="271" r:id="rId37"/>
-    <p:sldId id="286" r:id="rId38"/>
-    <p:sldId id="285" r:id="rId39"/>
-    <p:sldId id="291" r:id="rId40"/>
-    <p:sldId id="292" r:id="rId41"/>
-    <p:sldId id="287" r:id="rId42"/>
-    <p:sldId id="290" r:id="rId43"/>
-    <p:sldId id="272" r:id="rId44"/>
-    <p:sldId id="288" r:id="rId45"/>
+    <p:sldId id="302" r:id="rId23"/>
+    <p:sldId id="303" r:id="rId24"/>
+    <p:sldId id="298" r:id="rId25"/>
+    <p:sldId id="296" r:id="rId26"/>
+    <p:sldId id="299" r:id="rId27"/>
+    <p:sldId id="277" r:id="rId28"/>
+    <p:sldId id="301" r:id="rId29"/>
+    <p:sldId id="281" r:id="rId30"/>
+    <p:sldId id="279" r:id="rId31"/>
+    <p:sldId id="282" r:id="rId32"/>
+    <p:sldId id="283" r:id="rId33"/>
+    <p:sldId id="284" r:id="rId34"/>
+    <p:sldId id="278" r:id="rId35"/>
+    <p:sldId id="268" r:id="rId36"/>
+    <p:sldId id="304" r:id="rId37"/>
+    <p:sldId id="297" r:id="rId38"/>
+    <p:sldId id="270" r:id="rId39"/>
+    <p:sldId id="271" r:id="rId40"/>
+    <p:sldId id="286" r:id="rId41"/>
+    <p:sldId id="285" r:id="rId42"/>
+    <p:sldId id="291" r:id="rId43"/>
+    <p:sldId id="292" r:id="rId44"/>
+    <p:sldId id="287" r:id="rId45"/>
+    <p:sldId id="290" r:id="rId46"/>
+    <p:sldId id="272" r:id="rId47"/>
+    <p:sldId id="288" r:id="rId48"/>
   </p:sldIdLst>
   <p:sldSz cx="9144000" cy="5143500" type="screen16x9"/>
   <p:notesSz cx="6858000" cy="9144000"/>
   <p:embeddedFontLst>
     <p:embeddedFont>
       <p:font typeface="Avenir" panose="02000503020000020003" pitchFamily="2" charset="0"/>
-      <p:regular r:id="rId47"/>
-      <p:italic r:id="rId48"/>
+      <p:regular r:id="rId50"/>
+      <p:italic r:id="rId51"/>
     </p:embeddedFont>
     <p:embeddedFont>
       <p:font typeface="Avenir Black" panose="02000503020000020003" pitchFamily="2" charset="0"/>
-      <p:bold r:id="rId49"/>
-      <p:italic r:id="rId50"/>
-      <p:boldItalic r:id="rId51"/>
+      <p:bold r:id="rId52"/>
+      <p:italic r:id="rId53"/>
+      <p:boldItalic r:id="rId54"/>
     </p:embeddedFont>
     <p:embeddedFont>
       <p:font typeface="Avenir Book" panose="02000503020000020003" pitchFamily="2" charset="0"/>
-      <p:regular r:id="rId52"/>
-      <p:italic r:id="rId53"/>
+      <p:regular r:id="rId55"/>
+      <p:italic r:id="rId56"/>
     </p:embeddedFont>
     <p:embeddedFont>
       <p:font typeface="Century Gothic" panose="020B0502020202020204" pitchFamily="34" charset="0"/>
-      <p:regular r:id="rId54"/>
-      <p:bold r:id="rId55"/>
-      <p:italic r:id="rId56"/>
-      <p:boldItalic r:id="rId57"/>
+      <p:regular r:id="rId57"/>
+      <p:bold r:id="rId58"/>
+      <p:italic r:id="rId59"/>
+      <p:boldItalic r:id="rId60"/>
     </p:embeddedFont>
     <p:embeddedFont>
       <p:font typeface="Lobster" pitchFamily="2" charset="77"/>
-      <p:regular r:id="rId58"/>
+      <p:regular r:id="rId61"/>
     </p:embeddedFont>
     <p:embeddedFont>
       <p:font typeface="Nunito Sans" pitchFamily="2" charset="77"/>
-      <p:regular r:id="rId59"/>
-      <p:bold r:id="rId60"/>
-      <p:italic r:id="rId61"/>
-      <p:boldItalic r:id="rId62"/>
+      <p:regular r:id="rId62"/>
+      <p:bold r:id="rId63"/>
+      <p:italic r:id="rId64"/>
+      <p:boldItalic r:id="rId65"/>
     </p:embeddedFont>
   </p:embeddedFontLst>
   <p:defaultTextStyle>
@@ -1415,12 +1418,7 @@
             <p:ph type="sldImg"/>
           </p:nvPr>
         </p:nvSpPr>
-        <p:spPr>
-          <a:xfrm>
-            <a:off x="381000" y="685800"/>
-            <a:ext cx="6096000" cy="3429000"/>
-          </a:xfrm>
-        </p:spPr>
+        <p:spPr/>
       </p:sp>
       <p:sp>
         <p:nvSpPr>
@@ -1437,17 +1435,14 @@
           <a:bodyPr/>
           <a:lstStyle/>
           <a:p>
-            <a:r>
-              <a:rPr lang="en-US" dirty="0"/>
-              <a:t>Student question: Enrollment is not human readable, very technical</a:t>
-            </a:r>
+            <a:endParaRPr lang="en-US" dirty="0"/>
           </a:p>
         </p:txBody>
       </p:sp>
     </p:spTree>
     <p:extLst>
       <p:ext uri="{BB962C8B-B14F-4D97-AF65-F5344CB8AC3E}">
-        <p14:creationId xmlns:p14="http://schemas.microsoft.com/office/powerpoint/2010/main" val="2326430434"/>
+        <p14:creationId xmlns:p14="http://schemas.microsoft.com/office/powerpoint/2010/main" val="770618553"/>
       </p:ext>
     </p:extLst>
   </p:cSld>
@@ -1508,7 +1503,7 @@
           <a:p>
             <a:r>
               <a:rPr lang="en-US" dirty="0"/>
-              <a:t>A view is a table, albeit a virtual one</a:t>
+              <a:t>Correctness/consistency preservation means that the database will not allow the row to be deleted.</a:t>
             </a:r>
           </a:p>
         </p:txBody>
@@ -1516,7 +1511,7 @@
     </p:spTree>
     <p:extLst>
       <p:ext uri="{BB962C8B-B14F-4D97-AF65-F5344CB8AC3E}">
-        <p14:creationId xmlns:p14="http://schemas.microsoft.com/office/powerpoint/2010/main" val="4167947567"/>
+        <p14:creationId xmlns:p14="http://schemas.microsoft.com/office/powerpoint/2010/main" val="2050531551"/>
       </p:ext>
     </p:extLst>
   </p:cSld>
@@ -1577,7 +1572,7 @@
           <a:p>
             <a:r>
               <a:rPr lang="en-US" dirty="0"/>
-              <a:t>More formally, normalization is defined by functional dependencies between columns, and there are 5 normal forms</a:t>
+              <a:t>Student question: Enrollment is not human readable, very technical</a:t>
             </a:r>
           </a:p>
         </p:txBody>
@@ -1585,7 +1580,7 @@
     </p:spTree>
     <p:extLst>
       <p:ext uri="{BB962C8B-B14F-4D97-AF65-F5344CB8AC3E}">
-        <p14:creationId xmlns:p14="http://schemas.microsoft.com/office/powerpoint/2010/main" val="3972323475"/>
+        <p14:creationId xmlns:p14="http://schemas.microsoft.com/office/powerpoint/2010/main" val="2326430434"/>
       </p:ext>
     </p:extLst>
   </p:cSld>
@@ -1747,14 +1742,17 @@
           <a:bodyPr/>
           <a:lstStyle/>
           <a:p>
-            <a:endParaRPr lang="en-US" dirty="0"/>
+            <a:r>
+              <a:rPr lang="en-US" dirty="0"/>
+              <a:t>A view is a table, albeit a virtual one</a:t>
+            </a:r>
           </a:p>
         </p:txBody>
       </p:sp>
     </p:spTree>
     <p:extLst>
       <p:ext uri="{BB962C8B-B14F-4D97-AF65-F5344CB8AC3E}">
-        <p14:creationId xmlns:p14="http://schemas.microsoft.com/office/powerpoint/2010/main" val="1835519765"/>
+        <p14:creationId xmlns:p14="http://schemas.microsoft.com/office/powerpoint/2010/main" val="4167947567"/>
       </p:ext>
     </p:extLst>
   </p:cSld>
@@ -1815,7 +1813,7 @@
           <a:p>
             <a:r>
               <a:rPr lang="en-US" dirty="0"/>
-              <a:t>This assumes wand has one owner; will discuss this point further in a bit</a:t>
+              <a:t>More formally, normalization is defined by functional dependencies between columns, and there are 5 normal forms</a:t>
             </a:r>
           </a:p>
         </p:txBody>
@@ -1823,7 +1821,7 @@
     </p:spTree>
     <p:extLst>
       <p:ext uri="{BB962C8B-B14F-4D97-AF65-F5344CB8AC3E}">
-        <p14:creationId xmlns:p14="http://schemas.microsoft.com/office/powerpoint/2010/main" val="2037729239"/>
+        <p14:creationId xmlns:p14="http://schemas.microsoft.com/office/powerpoint/2010/main" val="3972323475"/>
       </p:ext>
     </p:extLst>
   </p:cSld>
@@ -1882,14 +1880,17 @@
           <a:bodyPr/>
           <a:lstStyle/>
           <a:p>
-            <a:endParaRPr lang="en-US" dirty="0"/>
+            <a:r>
+              <a:rPr lang="en-US" dirty="0"/>
+              <a:t>Is headmaster an attribute of a student?  No</a:t>
+            </a:r>
           </a:p>
         </p:txBody>
       </p:sp>
     </p:spTree>
     <p:extLst>
       <p:ext uri="{BB962C8B-B14F-4D97-AF65-F5344CB8AC3E}">
-        <p14:creationId xmlns:p14="http://schemas.microsoft.com/office/powerpoint/2010/main" val="1832473117"/>
+        <p14:creationId xmlns:p14="http://schemas.microsoft.com/office/powerpoint/2010/main" val="1835519765"/>
       </p:ext>
     </p:extLst>
   </p:cSld>
@@ -1950,7 +1951,7 @@
           <a:p>
             <a:r>
               <a:rPr lang="en-US" dirty="0"/>
-              <a:t>Normalization is the context of an entity type, so what the entity is determines appropriateness of attributes</a:t>
+              <a:t>This assumes wand has one owner; will discuss this point further in a bit</a:t>
             </a:r>
           </a:p>
         </p:txBody>
@@ -1958,7 +1959,7 @@
     </p:spTree>
     <p:extLst>
       <p:ext uri="{BB962C8B-B14F-4D97-AF65-F5344CB8AC3E}">
-        <p14:creationId xmlns:p14="http://schemas.microsoft.com/office/powerpoint/2010/main" val="4052277560"/>
+        <p14:creationId xmlns:p14="http://schemas.microsoft.com/office/powerpoint/2010/main" val="2037729239"/>
       </p:ext>
     </p:extLst>
   </p:cSld>
@@ -2018,16 +2019,25 @@
           <a:lstStyle/>
           <a:p>
             <a:r>
+              <a:rPr lang="en-US" dirty="0" err="1"/>
+              <a:t>Camp_staff</a:t>
+            </a:r>
+            <a:r>
               <a:rPr lang="en-US" dirty="0"/>
-              <a:t>We’re not going to do a data modeling exercise, but will instead focus on how express CSV file semantics in SQL</a:t>
-            </a:r>
+              <a:t> was name originally given; renamed to </a:t>
+            </a:r>
+            <a:r>
+              <a:rPr lang="en-US" dirty="0" err="1"/>
+              <a:t>Camp_assignment</a:t>
+            </a:r>
+            <a:endParaRPr lang="en-US" dirty="0"/>
           </a:p>
         </p:txBody>
       </p:sp>
     </p:spTree>
     <p:extLst>
       <p:ext uri="{BB962C8B-B14F-4D97-AF65-F5344CB8AC3E}">
-        <p14:creationId xmlns:p14="http://schemas.microsoft.com/office/powerpoint/2010/main" val="3605006695"/>
+        <p14:creationId xmlns:p14="http://schemas.microsoft.com/office/powerpoint/2010/main" val="1832473117"/>
       </p:ext>
     </p:extLst>
   </p:cSld>
@@ -2088,6 +2098,150 @@
           <a:p>
             <a:r>
               <a:rPr lang="en-US" dirty="0"/>
+              <a:t>Normalization is the context of an entity type, so what the entity is determines appropriateness of attributes</a:t>
+            </a:r>
+          </a:p>
+          <a:p>
+            <a:r>
+              <a:rPr lang="en-US" dirty="0"/>
+              <a:t>Naming: what is the best name for this table/entity?</a:t>
+            </a:r>
+          </a:p>
+        </p:txBody>
+      </p:sp>
+    </p:spTree>
+    <p:extLst>
+      <p:ext uri="{BB962C8B-B14F-4D97-AF65-F5344CB8AC3E}">
+        <p14:creationId xmlns:p14="http://schemas.microsoft.com/office/powerpoint/2010/main" val="4052277560"/>
+      </p:ext>
+    </p:extLst>
+  </p:cSld>
+  <p:clrMapOvr>
+    <a:masterClrMapping/>
+  </p:clrMapOvr>
+</p:notes>
+</file>
+
+<file path=ppt/notesSlides/notesSlide26.xml><?xml version="1.0" encoding="utf-8"?>
+<p:notes xmlns:a="http://schemas.openxmlformats.org/drawingml/2006/main" xmlns:r="http://schemas.openxmlformats.org/officeDocument/2006/relationships" xmlns:p="http://schemas.openxmlformats.org/presentationml/2006/main">
+  <p:cSld>
+    <p:spTree>
+      <p:nvGrpSpPr>
+        <p:cNvPr id="1" name=""/>
+        <p:cNvGrpSpPr/>
+        <p:nvPr/>
+      </p:nvGrpSpPr>
+      <p:grpSpPr>
+        <a:xfrm>
+          <a:off x="0" y="0"/>
+          <a:ext cx="0" cy="0"/>
+          <a:chOff x="0" y="0"/>
+          <a:chExt cx="0" cy="0"/>
+        </a:xfrm>
+      </p:grpSpPr>
+      <p:sp>
+        <p:nvSpPr>
+          <p:cNvPr id="2" name="Slide Image Placeholder 1"/>
+          <p:cNvSpPr>
+            <a:spLocks noGrp="1" noRot="1" noChangeAspect="1"/>
+          </p:cNvSpPr>
+          <p:nvPr>
+            <p:ph type="sldImg"/>
+          </p:nvPr>
+        </p:nvSpPr>
+        <p:spPr>
+          <a:xfrm>
+            <a:off x="381000" y="685800"/>
+            <a:ext cx="6096000" cy="3429000"/>
+          </a:xfrm>
+        </p:spPr>
+      </p:sp>
+      <p:sp>
+        <p:nvSpPr>
+          <p:cNvPr id="3" name="Notes Placeholder 2"/>
+          <p:cNvSpPr>
+            <a:spLocks noGrp="1"/>
+          </p:cNvSpPr>
+          <p:nvPr>
+            <p:ph type="body" idx="1"/>
+          </p:nvPr>
+        </p:nvSpPr>
+        <p:spPr/>
+        <p:txBody>
+          <a:bodyPr/>
+          <a:lstStyle/>
+          <a:p>
+            <a:r>
+              <a:rPr lang="en-US" dirty="0"/>
+              <a:t>We’re not going to do a data modeling exercise, but will instead focus on how express CSV file semantics in SQL</a:t>
+            </a:r>
+          </a:p>
+        </p:txBody>
+      </p:sp>
+    </p:spTree>
+    <p:extLst>
+      <p:ext uri="{BB962C8B-B14F-4D97-AF65-F5344CB8AC3E}">
+        <p14:creationId xmlns:p14="http://schemas.microsoft.com/office/powerpoint/2010/main" val="3605006695"/>
+      </p:ext>
+    </p:extLst>
+  </p:cSld>
+  <p:clrMapOvr>
+    <a:masterClrMapping/>
+  </p:clrMapOvr>
+</p:notes>
+</file>
+
+<file path=ppt/notesSlides/notesSlide27.xml><?xml version="1.0" encoding="utf-8"?>
+<p:notes xmlns:a="http://schemas.openxmlformats.org/drawingml/2006/main" xmlns:r="http://schemas.openxmlformats.org/officeDocument/2006/relationships" xmlns:p="http://schemas.openxmlformats.org/presentationml/2006/main">
+  <p:cSld>
+    <p:spTree>
+      <p:nvGrpSpPr>
+        <p:cNvPr id="1" name=""/>
+        <p:cNvGrpSpPr/>
+        <p:nvPr/>
+      </p:nvGrpSpPr>
+      <p:grpSpPr>
+        <a:xfrm>
+          <a:off x="0" y="0"/>
+          <a:ext cx="0" cy="0"/>
+          <a:chOff x="0" y="0"/>
+          <a:chExt cx="0" cy="0"/>
+        </a:xfrm>
+      </p:grpSpPr>
+      <p:sp>
+        <p:nvSpPr>
+          <p:cNvPr id="2" name="Slide Image Placeholder 1"/>
+          <p:cNvSpPr>
+            <a:spLocks noGrp="1" noRot="1" noChangeAspect="1"/>
+          </p:cNvSpPr>
+          <p:nvPr>
+            <p:ph type="sldImg"/>
+          </p:nvPr>
+        </p:nvSpPr>
+        <p:spPr>
+          <a:xfrm>
+            <a:off x="381000" y="685800"/>
+            <a:ext cx="6096000" cy="3429000"/>
+          </a:xfrm>
+        </p:spPr>
+      </p:sp>
+      <p:sp>
+        <p:nvSpPr>
+          <p:cNvPr id="3" name="Notes Placeholder 2"/>
+          <p:cNvSpPr>
+            <a:spLocks noGrp="1"/>
+          </p:cNvSpPr>
+          <p:nvPr>
+            <p:ph type="body" idx="1"/>
+          </p:nvPr>
+        </p:nvSpPr>
+        <p:spPr/>
+        <p:txBody>
+          <a:bodyPr/>
+          <a:lstStyle/>
+          <a:p>
+            <a:r>
+              <a:rPr lang="en-US" dirty="0"/>
               <a:t>View in RStudio or </a:t>
             </a:r>
             <a:r>
@@ -2111,7 +2265,7 @@
 </p:notes>
 </file>
 
-<file path=ppt/notesSlides/notesSlide26.xml><?xml version="1.0" encoding="utf-8"?>
+<file path=ppt/notesSlides/notesSlide28.xml><?xml version="1.0" encoding="utf-8"?>
 <p:notes xmlns:a="http://schemas.openxmlformats.org/drawingml/2006/main" xmlns:r="http://schemas.openxmlformats.org/officeDocument/2006/relationships" xmlns:p="http://schemas.openxmlformats.org/presentationml/2006/main">
   <p:cSld>
     <p:spTree>
@@ -23816,6 +23970,2121 @@
   <p:cSld>
     <p:spTree>
       <p:nvGrpSpPr>
+        <p:cNvPr id="1" name="">
+          <a:extLst>
+            <a:ext uri="{FF2B5EF4-FFF2-40B4-BE49-F238E27FC236}">
+              <a16:creationId xmlns:a16="http://schemas.microsoft.com/office/drawing/2014/main" id="{7BF91540-E0B3-02EF-2D16-A3634AB6CA9C}"/>
+            </a:ext>
+          </a:extLst>
+        </p:cNvPr>
+        <p:cNvGrpSpPr/>
+        <p:nvPr/>
+      </p:nvGrpSpPr>
+      <p:grpSpPr>
+        <a:xfrm>
+          <a:off x="0" y="0"/>
+          <a:ext cx="0" cy="0"/>
+          <a:chOff x="0" y="0"/>
+          <a:chExt cx="0" cy="0"/>
+        </a:xfrm>
+      </p:grpSpPr>
+      <p:sp>
+        <p:nvSpPr>
+          <p:cNvPr id="2" name="Title 1">
+            <a:extLst>
+              <a:ext uri="{FF2B5EF4-FFF2-40B4-BE49-F238E27FC236}">
+                <a16:creationId xmlns:a16="http://schemas.microsoft.com/office/drawing/2014/main" id="{4435C0E2-B425-8796-C7AD-E03E9AC842EB}"/>
+              </a:ext>
+            </a:extLst>
+          </p:cNvPr>
+          <p:cNvSpPr>
+            <a:spLocks noGrp="1"/>
+          </p:cNvSpPr>
+          <p:nvPr>
+            <p:ph type="title"/>
+          </p:nvPr>
+        </p:nvSpPr>
+        <p:spPr/>
+        <p:txBody>
+          <a:bodyPr/>
+          <a:lstStyle/>
+          <a:p>
+            <a:r>
+              <a:rPr lang="en-US" dirty="0"/>
+              <a:t>Revisiting foreign keys</a:t>
+            </a:r>
+          </a:p>
+        </p:txBody>
+      </p:sp>
+      <p:sp>
+        <p:nvSpPr>
+          <p:cNvPr id="3" name="Text Placeholder 2">
+            <a:extLst>
+              <a:ext uri="{FF2B5EF4-FFF2-40B4-BE49-F238E27FC236}">
+                <a16:creationId xmlns:a16="http://schemas.microsoft.com/office/drawing/2014/main" id="{0E2E00A6-077F-046C-BA10-A0A42D78C6E6}"/>
+              </a:ext>
+            </a:extLst>
+          </p:cNvPr>
+          <p:cNvSpPr>
+            <a:spLocks noGrp="1"/>
+          </p:cNvSpPr>
+          <p:nvPr>
+            <p:ph type="body" idx="1"/>
+          </p:nvPr>
+        </p:nvSpPr>
+        <p:spPr/>
+        <p:txBody>
+          <a:bodyPr/>
+          <a:lstStyle/>
+          <a:p>
+            <a:r>
+              <a:rPr lang="en-US" dirty="0"/>
+              <a:t>Can express that a column is a foreign key</a:t>
+            </a:r>
+          </a:p>
+        </p:txBody>
+      </p:sp>
+      <p:sp>
+        <p:nvSpPr>
+          <p:cNvPr id="4" name="Slide Number Placeholder 3">
+            <a:extLst>
+              <a:ext uri="{FF2B5EF4-FFF2-40B4-BE49-F238E27FC236}">
+                <a16:creationId xmlns:a16="http://schemas.microsoft.com/office/drawing/2014/main" id="{E28268BD-6345-63A0-D191-84A6FFCF3149}"/>
+              </a:ext>
+            </a:extLst>
+          </p:cNvPr>
+          <p:cNvSpPr>
+            <a:spLocks noGrp="1"/>
+          </p:cNvSpPr>
+          <p:nvPr>
+            <p:ph type="sldNum" idx="12"/>
+          </p:nvPr>
+        </p:nvSpPr>
+        <p:spPr/>
+        <p:txBody>
+          <a:bodyPr/>
+          <a:lstStyle/>
+          <a:p>
+            <a:pPr marL="0" lvl="0" indent="0" algn="r" rtl="0">
+              <a:spcBef>
+                <a:spcPts val="0"/>
+              </a:spcBef>
+              <a:spcAft>
+                <a:spcPts val="0"/>
+              </a:spcAft>
+              <a:buNone/>
+            </a:pPr>
+            <a:fld id="{00000000-1234-1234-1234-123412341234}" type="slidenum">
+              <a:rPr lang="en" smtClean="0"/>
+              <a:t>21</a:t>
+            </a:fld>
+            <a:endParaRPr lang="en" dirty="0"/>
+          </a:p>
+        </p:txBody>
+      </p:sp>
+      <p:graphicFrame>
+        <p:nvGraphicFramePr>
+          <p:cNvPr id="5" name="Table 5">
+            <a:extLst>
+              <a:ext uri="{FF2B5EF4-FFF2-40B4-BE49-F238E27FC236}">
+                <a16:creationId xmlns:a16="http://schemas.microsoft.com/office/drawing/2014/main" id="{13579C3A-8000-AF66-7536-201940C899F9}"/>
+              </a:ext>
+            </a:extLst>
+          </p:cNvPr>
+          <p:cNvGraphicFramePr>
+            <a:graphicFrameLocks noGrp="1"/>
+          </p:cNvGraphicFramePr>
+          <p:nvPr>
+            <p:extLst>
+              <p:ext uri="{D42A27DB-BD31-4B8C-83A1-F6EECF244321}">
+                <p14:modId xmlns:p14="http://schemas.microsoft.com/office/powerpoint/2010/main" val="899183620"/>
+              </p:ext>
+            </p:extLst>
+          </p:nvPr>
+        </p:nvGraphicFramePr>
+        <p:xfrm>
+          <a:off x="4572000" y="2302510"/>
+          <a:ext cx="4019824" cy="2170786"/>
+        </p:xfrm>
+        <a:graphic>
+          <a:graphicData uri="http://schemas.openxmlformats.org/drawingml/2006/table">
+            <a:tbl>
+              <a:tblPr firstRow="1" bandRow="1">
+                <a:tableStyleId>{5C22544A-7EE6-4342-B048-85BDC9FD1C3A}</a:tableStyleId>
+              </a:tblPr>
+              <a:tblGrid>
+                <a:gridCol w="841212">
+                  <a:extLst>
+                    <a:ext uri="{9D8B030D-6E8A-4147-A177-3AD203B41FA5}">
+                      <a16:colId xmlns:a16="http://schemas.microsoft.com/office/drawing/2014/main" val="3499373031"/>
+                    </a:ext>
+                  </a:extLst>
+                </a:gridCol>
+                <a:gridCol w="1168700">
+                  <a:extLst>
+                    <a:ext uri="{9D8B030D-6E8A-4147-A177-3AD203B41FA5}">
+                      <a16:colId xmlns:a16="http://schemas.microsoft.com/office/drawing/2014/main" val="3301548165"/>
+                    </a:ext>
+                  </a:extLst>
+                </a:gridCol>
+                <a:gridCol w="1004956">
+                  <a:extLst>
+                    <a:ext uri="{9D8B030D-6E8A-4147-A177-3AD203B41FA5}">
+                      <a16:colId xmlns:a16="http://schemas.microsoft.com/office/drawing/2014/main" val="2980354565"/>
+                    </a:ext>
+                  </a:extLst>
+                </a:gridCol>
+                <a:gridCol w="1004956">
+                  <a:extLst>
+                    <a:ext uri="{9D8B030D-6E8A-4147-A177-3AD203B41FA5}">
+                      <a16:colId xmlns:a16="http://schemas.microsoft.com/office/drawing/2014/main" val="2303047089"/>
+                    </a:ext>
+                  </a:extLst>
+                </a:gridCol>
+              </a:tblGrid>
+              <a:tr h="224943">
+                <a:tc>
+                  <a:txBody>
+                    <a:bodyPr/>
+                    <a:lstStyle/>
+                    <a:p>
+                      <a:r>
+                        <a:rPr lang="en-US" sz="1200" dirty="0"/>
+                        <a:t>ID</a:t>
+                      </a:r>
+                    </a:p>
+                  </a:txBody>
+                  <a:tcPr/>
+                </a:tc>
+                <a:tc>
+                  <a:txBody>
+                    <a:bodyPr/>
+                    <a:lstStyle/>
+                    <a:p>
+                      <a:r>
+                        <a:rPr lang="en-US" sz="1200" dirty="0"/>
+                        <a:t>Name</a:t>
+                      </a:r>
+                    </a:p>
+                  </a:txBody>
+                  <a:tcPr/>
+                </a:tc>
+                <a:tc>
+                  <a:txBody>
+                    <a:bodyPr/>
+                    <a:lstStyle/>
+                    <a:p>
+                      <a:r>
+                        <a:rPr lang="en-US" sz="1200" dirty="0"/>
+                        <a:t>Head</a:t>
+                      </a:r>
+                    </a:p>
+                  </a:txBody>
+                  <a:tcPr/>
+                </a:tc>
+                <a:tc>
+                  <a:txBody>
+                    <a:bodyPr/>
+                    <a:lstStyle/>
+                    <a:p>
+                      <a:r>
+                        <a:rPr lang="en-US" sz="1200" dirty="0"/>
+                        <a:t>Animal</a:t>
+                      </a:r>
+                    </a:p>
+                  </a:txBody>
+                  <a:tcPr/>
+                </a:tc>
+                <a:extLst>
+                  <a:ext uri="{0D108BD9-81ED-4DB2-BD59-A6C34878D82A}">
+                    <a16:rowId xmlns:a16="http://schemas.microsoft.com/office/drawing/2014/main" val="2923072136"/>
+                  </a:ext>
+                </a:extLst>
+              </a:tr>
+              <a:tr h="524866">
+                <a:tc>
+                  <a:txBody>
+                    <a:bodyPr/>
+                    <a:lstStyle/>
+                    <a:p>
+                      <a:r>
+                        <a:rPr lang="en-US" sz="1200" dirty="0"/>
+                        <a:t>H936</a:t>
+                      </a:r>
+                    </a:p>
+                  </a:txBody>
+                  <a:tcPr/>
+                </a:tc>
+                <a:tc>
+                  <a:txBody>
+                    <a:bodyPr/>
+                    <a:lstStyle/>
+                    <a:p>
+                      <a:r>
+                        <a:rPr lang="en-US" sz="1200" dirty="0"/>
+                        <a:t>Gryffindor</a:t>
+                      </a:r>
+                    </a:p>
+                  </a:txBody>
+                  <a:tcPr/>
+                </a:tc>
+                <a:tc>
+                  <a:txBody>
+                    <a:bodyPr/>
+                    <a:lstStyle/>
+                    <a:p>
+                      <a:r>
+                        <a:rPr lang="en-US" sz="1200" dirty="0"/>
+                        <a:t>Minerva McGonagall</a:t>
+                      </a:r>
+                    </a:p>
+                  </a:txBody>
+                  <a:tcPr/>
+                </a:tc>
+                <a:tc>
+                  <a:txBody>
+                    <a:bodyPr/>
+                    <a:lstStyle/>
+                    <a:p>
+                      <a:r>
+                        <a:rPr lang="en-US" sz="1200" dirty="0"/>
+                        <a:t>Lion</a:t>
+                      </a:r>
+                    </a:p>
+                  </a:txBody>
+                  <a:tcPr/>
+                </a:tc>
+                <a:extLst>
+                  <a:ext uri="{0D108BD9-81ED-4DB2-BD59-A6C34878D82A}">
+                    <a16:rowId xmlns:a16="http://schemas.microsoft.com/office/drawing/2014/main" val="1689187156"/>
+                  </a:ext>
+                </a:extLst>
+              </a:tr>
+              <a:tr h="374904">
+                <a:tc>
+                  <a:txBody>
+                    <a:bodyPr/>
+                    <a:lstStyle/>
+                    <a:p>
+                      <a:r>
+                        <a:rPr lang="en-US" sz="1200" dirty="0"/>
+                        <a:t>H822</a:t>
+                      </a:r>
+                    </a:p>
+                  </a:txBody>
+                  <a:tcPr/>
+                </a:tc>
+                <a:tc>
+                  <a:txBody>
+                    <a:bodyPr/>
+                    <a:lstStyle/>
+                    <a:p>
+                      <a:r>
+                        <a:rPr lang="en-US" sz="1200" dirty="0"/>
+                        <a:t>Hufflepuff</a:t>
+                      </a:r>
+                    </a:p>
+                  </a:txBody>
+                  <a:tcPr/>
+                </a:tc>
+                <a:tc>
+                  <a:txBody>
+                    <a:bodyPr/>
+                    <a:lstStyle/>
+                    <a:p>
+                      <a:r>
+                        <a:rPr lang="en-US" sz="1200" dirty="0"/>
+                        <a:t>Pomona Sprout</a:t>
+                      </a:r>
+                    </a:p>
+                  </a:txBody>
+                  <a:tcPr/>
+                </a:tc>
+                <a:tc>
+                  <a:txBody>
+                    <a:bodyPr/>
+                    <a:lstStyle/>
+                    <a:p>
+                      <a:r>
+                        <a:rPr lang="en-US" sz="1200" dirty="0"/>
+                        <a:t>Badger</a:t>
+                      </a:r>
+                    </a:p>
+                  </a:txBody>
+                  <a:tcPr/>
+                </a:tc>
+                <a:extLst>
+                  <a:ext uri="{0D108BD9-81ED-4DB2-BD59-A6C34878D82A}">
+                    <a16:rowId xmlns:a16="http://schemas.microsoft.com/office/drawing/2014/main" val="753961028"/>
+                  </a:ext>
+                </a:extLst>
+              </a:tr>
+              <a:tr h="374904">
+                <a:tc>
+                  <a:txBody>
+                    <a:bodyPr/>
+                    <a:lstStyle/>
+                    <a:p>
+                      <a:r>
+                        <a:rPr lang="en-US" sz="1200" dirty="0"/>
+                        <a:t>H115</a:t>
+                      </a:r>
+                    </a:p>
+                  </a:txBody>
+                  <a:tcPr/>
+                </a:tc>
+                <a:tc>
+                  <a:txBody>
+                    <a:bodyPr/>
+                    <a:lstStyle/>
+                    <a:p>
+                      <a:r>
+                        <a:rPr lang="en-US" sz="1200" dirty="0"/>
+                        <a:t>Ravenclaw</a:t>
+                      </a:r>
+                    </a:p>
+                  </a:txBody>
+                  <a:tcPr/>
+                </a:tc>
+                <a:tc>
+                  <a:txBody>
+                    <a:bodyPr/>
+                    <a:lstStyle/>
+                    <a:p>
+                      <a:r>
+                        <a:rPr lang="en-US" sz="1200" dirty="0" err="1"/>
+                        <a:t>Filius</a:t>
+                      </a:r>
+                      <a:r>
+                        <a:rPr lang="en-US" sz="1200" dirty="0"/>
+                        <a:t> Flitwick</a:t>
+                      </a:r>
+                    </a:p>
+                  </a:txBody>
+                  <a:tcPr/>
+                </a:tc>
+                <a:tc>
+                  <a:txBody>
+                    <a:bodyPr/>
+                    <a:lstStyle/>
+                    <a:p>
+                      <a:r>
+                        <a:rPr lang="en-US" sz="1200" dirty="0"/>
+                        <a:t>Eagle</a:t>
+                      </a:r>
+                    </a:p>
+                  </a:txBody>
+                  <a:tcPr/>
+                </a:tc>
+                <a:extLst>
+                  <a:ext uri="{0D108BD9-81ED-4DB2-BD59-A6C34878D82A}">
+                    <a16:rowId xmlns:a16="http://schemas.microsoft.com/office/drawing/2014/main" val="1913095617"/>
+                  </a:ext>
+                </a:extLst>
+              </a:tr>
+              <a:tr h="374904">
+                <a:tc>
+                  <a:txBody>
+                    <a:bodyPr/>
+                    <a:lstStyle/>
+                    <a:p>
+                      <a:r>
+                        <a:rPr lang="en-US" sz="1200" dirty="0"/>
+                        <a:t>H790</a:t>
+                      </a:r>
+                    </a:p>
+                  </a:txBody>
+                  <a:tcPr/>
+                </a:tc>
+                <a:tc>
+                  <a:txBody>
+                    <a:bodyPr/>
+                    <a:lstStyle/>
+                    <a:p>
+                      <a:r>
+                        <a:rPr lang="en-US" sz="1200" dirty="0"/>
+                        <a:t>Slytherin</a:t>
+                      </a:r>
+                    </a:p>
+                  </a:txBody>
+                  <a:tcPr/>
+                </a:tc>
+                <a:tc>
+                  <a:txBody>
+                    <a:bodyPr/>
+                    <a:lstStyle/>
+                    <a:p>
+                      <a:r>
+                        <a:rPr lang="en-US" sz="1200" dirty="0"/>
+                        <a:t>Severus Snape</a:t>
+                      </a:r>
+                    </a:p>
+                  </a:txBody>
+                  <a:tcPr/>
+                </a:tc>
+                <a:tc>
+                  <a:txBody>
+                    <a:bodyPr/>
+                    <a:lstStyle/>
+                    <a:p>
+                      <a:r>
+                        <a:rPr lang="en-US" sz="1200" dirty="0"/>
+                        <a:t>Serpent</a:t>
+                      </a:r>
+                    </a:p>
+                  </a:txBody>
+                  <a:tcPr/>
+                </a:tc>
+                <a:extLst>
+                  <a:ext uri="{0D108BD9-81ED-4DB2-BD59-A6C34878D82A}">
+                    <a16:rowId xmlns:a16="http://schemas.microsoft.com/office/drawing/2014/main" val="3813934038"/>
+                  </a:ext>
+                </a:extLst>
+              </a:tr>
+            </a:tbl>
+          </a:graphicData>
+        </a:graphic>
+      </p:graphicFrame>
+      <p:graphicFrame>
+        <p:nvGraphicFramePr>
+          <p:cNvPr id="6" name="Table 6">
+            <a:extLst>
+              <a:ext uri="{FF2B5EF4-FFF2-40B4-BE49-F238E27FC236}">
+                <a16:creationId xmlns:a16="http://schemas.microsoft.com/office/drawing/2014/main" id="{16CB61AC-8839-8398-2817-6E6821AFDF75}"/>
+              </a:ext>
+            </a:extLst>
+          </p:cNvPr>
+          <p:cNvGraphicFramePr>
+            <a:graphicFrameLocks noGrp="1"/>
+          </p:cNvGraphicFramePr>
+          <p:nvPr>
+            <p:extLst>
+              <p:ext uri="{D42A27DB-BD31-4B8C-83A1-F6EECF244321}">
+                <p14:modId xmlns:p14="http://schemas.microsoft.com/office/powerpoint/2010/main" val="1445197779"/>
+              </p:ext>
+            </p:extLst>
+          </p:nvPr>
+        </p:nvGraphicFramePr>
+        <p:xfrm>
+          <a:off x="311700" y="2601853"/>
+          <a:ext cx="2942944" cy="1874520"/>
+        </p:xfrm>
+        <a:graphic>
+          <a:graphicData uri="http://schemas.openxmlformats.org/drawingml/2006/table">
+            <a:tbl>
+              <a:tblPr firstRow="1" bandRow="1">
+                <a:tableStyleId>{5C22544A-7EE6-4342-B048-85BDC9FD1C3A}</a:tableStyleId>
+              </a:tblPr>
+              <a:tblGrid>
+                <a:gridCol w="680192">
+                  <a:extLst>
+                    <a:ext uri="{9D8B030D-6E8A-4147-A177-3AD203B41FA5}">
+                      <a16:colId xmlns:a16="http://schemas.microsoft.com/office/drawing/2014/main" val="613641680"/>
+                    </a:ext>
+                  </a:extLst>
+                </a:gridCol>
+                <a:gridCol w="1208867">
+                  <a:extLst>
+                    <a:ext uri="{9D8B030D-6E8A-4147-A177-3AD203B41FA5}">
+                      <a16:colId xmlns:a16="http://schemas.microsoft.com/office/drawing/2014/main" val="1270670896"/>
+                    </a:ext>
+                  </a:extLst>
+                </a:gridCol>
+                <a:gridCol w="1053885">
+                  <a:extLst>
+                    <a:ext uri="{9D8B030D-6E8A-4147-A177-3AD203B41FA5}">
+                      <a16:colId xmlns:a16="http://schemas.microsoft.com/office/drawing/2014/main" val="2399880175"/>
+                    </a:ext>
+                  </a:extLst>
+                </a:gridCol>
+              </a:tblGrid>
+              <a:tr h="163805">
+                <a:tc>
+                  <a:txBody>
+                    <a:bodyPr/>
+                    <a:lstStyle/>
+                    <a:p>
+                      <a:r>
+                        <a:rPr lang="en-US" dirty="0"/>
+                        <a:t>ID</a:t>
+                      </a:r>
+                    </a:p>
+                  </a:txBody>
+                  <a:tcPr/>
+                </a:tc>
+                <a:tc>
+                  <a:txBody>
+                    <a:bodyPr/>
+                    <a:lstStyle/>
+                    <a:p>
+                      <a:r>
+                        <a:rPr lang="en-US" dirty="0"/>
+                        <a:t>Name</a:t>
+                      </a:r>
+                    </a:p>
+                  </a:txBody>
+                  <a:tcPr/>
+                </a:tc>
+                <a:tc>
+                  <a:txBody>
+                    <a:bodyPr/>
+                    <a:lstStyle/>
+                    <a:p>
+                      <a:r>
+                        <a:rPr lang="en-US" dirty="0" err="1"/>
+                        <a:t>House_ID</a:t>
+                      </a:r>
+                      <a:endParaRPr lang="en-US" dirty="0"/>
+                    </a:p>
+                  </a:txBody>
+                  <a:tcPr/>
+                </a:tc>
+                <a:extLst>
+                  <a:ext uri="{0D108BD9-81ED-4DB2-BD59-A6C34878D82A}">
+                    <a16:rowId xmlns:a16="http://schemas.microsoft.com/office/drawing/2014/main" val="14665062"/>
+                  </a:ext>
+                </a:extLst>
+              </a:tr>
+              <a:tr h="370840">
+                <a:tc>
+                  <a:txBody>
+                    <a:bodyPr/>
+                    <a:lstStyle/>
+                    <a:p>
+                      <a:r>
+                        <a:rPr lang="en-US" sz="1200" dirty="0"/>
+                        <a:t>S359</a:t>
+                      </a:r>
+                    </a:p>
+                  </a:txBody>
+                  <a:tcPr/>
+                </a:tc>
+                <a:tc>
+                  <a:txBody>
+                    <a:bodyPr/>
+                    <a:lstStyle/>
+                    <a:p>
+                      <a:r>
+                        <a:rPr lang="en-US" sz="1200" dirty="0"/>
+                        <a:t>Harry Potter</a:t>
+                      </a:r>
+                    </a:p>
+                  </a:txBody>
+                  <a:tcPr/>
+                </a:tc>
+                <a:tc>
+                  <a:txBody>
+                    <a:bodyPr/>
+                    <a:lstStyle/>
+                    <a:p>
+                      <a:r>
+                        <a:rPr lang="en-US" dirty="0"/>
+                        <a:t>H936</a:t>
+                      </a:r>
+                    </a:p>
+                  </a:txBody>
+                  <a:tcPr/>
+                </a:tc>
+                <a:extLst>
+                  <a:ext uri="{0D108BD9-81ED-4DB2-BD59-A6C34878D82A}">
+                    <a16:rowId xmlns:a16="http://schemas.microsoft.com/office/drawing/2014/main" val="3401890203"/>
+                  </a:ext>
+                </a:extLst>
+              </a:tr>
+              <a:tr h="370840">
+                <a:tc>
+                  <a:txBody>
+                    <a:bodyPr/>
+                    <a:lstStyle/>
+                    <a:p>
+                      <a:r>
+                        <a:rPr lang="en-US" sz="1200" dirty="0"/>
+                        <a:t>S460</a:t>
+                      </a:r>
+                    </a:p>
+                  </a:txBody>
+                  <a:tcPr/>
+                </a:tc>
+                <a:tc>
+                  <a:txBody>
+                    <a:bodyPr/>
+                    <a:lstStyle/>
+                    <a:p>
+                      <a:r>
+                        <a:rPr lang="en-US" sz="1200" dirty="0"/>
+                        <a:t>Hermione Granger</a:t>
+                      </a:r>
+                    </a:p>
+                  </a:txBody>
+                  <a:tcPr/>
+                </a:tc>
+                <a:tc>
+                  <a:txBody>
+                    <a:bodyPr/>
+                    <a:lstStyle/>
+                    <a:p>
+                      <a:r>
+                        <a:rPr lang="en-US" dirty="0"/>
+                        <a:t>H936</a:t>
+                      </a:r>
+                    </a:p>
+                  </a:txBody>
+                  <a:tcPr/>
+                </a:tc>
+                <a:extLst>
+                  <a:ext uri="{0D108BD9-81ED-4DB2-BD59-A6C34878D82A}">
+                    <a16:rowId xmlns:a16="http://schemas.microsoft.com/office/drawing/2014/main" val="1808365316"/>
+                  </a:ext>
+                </a:extLst>
+              </a:tr>
+              <a:tr h="370840">
+                <a:tc>
+                  <a:txBody>
+                    <a:bodyPr/>
+                    <a:lstStyle/>
+                    <a:p>
+                      <a:r>
+                        <a:rPr lang="en-US" sz="1200" dirty="0"/>
+                        <a:t>S103</a:t>
+                      </a:r>
+                    </a:p>
+                  </a:txBody>
+                  <a:tcPr/>
+                </a:tc>
+                <a:tc>
+                  <a:txBody>
+                    <a:bodyPr/>
+                    <a:lstStyle/>
+                    <a:p>
+                      <a:r>
+                        <a:rPr lang="en-US" sz="1200" dirty="0"/>
+                        <a:t>Draco Malfoy</a:t>
+                      </a:r>
+                    </a:p>
+                  </a:txBody>
+                  <a:tcPr/>
+                </a:tc>
+                <a:tc>
+                  <a:txBody>
+                    <a:bodyPr/>
+                    <a:lstStyle/>
+                    <a:p>
+                      <a:r>
+                        <a:rPr lang="en-US" dirty="0"/>
+                        <a:t>H790</a:t>
+                      </a:r>
+                    </a:p>
+                  </a:txBody>
+                  <a:tcPr/>
+                </a:tc>
+                <a:extLst>
+                  <a:ext uri="{0D108BD9-81ED-4DB2-BD59-A6C34878D82A}">
+                    <a16:rowId xmlns:a16="http://schemas.microsoft.com/office/drawing/2014/main" val="1583905470"/>
+                  </a:ext>
+                </a:extLst>
+              </a:tr>
+              <a:tr h="370840">
+                <a:tc>
+                  <a:txBody>
+                    <a:bodyPr/>
+                    <a:lstStyle/>
+                    <a:p>
+                      <a:r>
+                        <a:rPr lang="en-US" sz="1200" dirty="0"/>
+                        <a:t>S671</a:t>
+                      </a:r>
+                    </a:p>
+                  </a:txBody>
+                  <a:tcPr/>
+                </a:tc>
+                <a:tc>
+                  <a:txBody>
+                    <a:bodyPr/>
+                    <a:lstStyle/>
+                    <a:p>
+                      <a:r>
+                        <a:rPr lang="en-US" sz="1200" dirty="0"/>
+                        <a:t>Ginny Weasley</a:t>
+                      </a:r>
+                    </a:p>
+                  </a:txBody>
+                  <a:tcPr/>
+                </a:tc>
+                <a:tc>
+                  <a:txBody>
+                    <a:bodyPr/>
+                    <a:lstStyle/>
+                    <a:p>
+                      <a:r>
+                        <a:rPr lang="en-US" dirty="0"/>
+                        <a:t>H936</a:t>
+                      </a:r>
+                    </a:p>
+                  </a:txBody>
+                  <a:tcPr/>
+                </a:tc>
+                <a:extLst>
+                  <a:ext uri="{0D108BD9-81ED-4DB2-BD59-A6C34878D82A}">
+                    <a16:rowId xmlns:a16="http://schemas.microsoft.com/office/drawing/2014/main" val="589925318"/>
+                  </a:ext>
+                </a:extLst>
+              </a:tr>
+            </a:tbl>
+          </a:graphicData>
+        </a:graphic>
+      </p:graphicFrame>
+      <p:sp>
+        <p:nvSpPr>
+          <p:cNvPr id="7" name="TextBox 6">
+            <a:extLst>
+              <a:ext uri="{FF2B5EF4-FFF2-40B4-BE49-F238E27FC236}">
+                <a16:creationId xmlns:a16="http://schemas.microsoft.com/office/drawing/2014/main" id="{B5DD4C35-27F7-B94C-CCB9-6E5CDE81291B}"/>
+              </a:ext>
+            </a:extLst>
+          </p:cNvPr>
+          <p:cNvSpPr txBox="1"/>
+          <p:nvPr/>
+        </p:nvSpPr>
+        <p:spPr>
+          <a:xfrm>
+            <a:off x="311700" y="2294076"/>
+            <a:ext cx="1108129" cy="307777"/>
+          </a:xfrm>
+          <a:prstGeom prst="rect">
+            <a:avLst/>
+          </a:prstGeom>
+          <a:noFill/>
+        </p:spPr>
+        <p:txBody>
+          <a:bodyPr wrap="square" rtlCol="0">
+            <a:spAutoFit/>
+          </a:bodyPr>
+          <a:lstStyle/>
+          <a:p>
+            <a:r>
+              <a:rPr lang="en-US" b="1" dirty="0"/>
+              <a:t>STUDENT</a:t>
+            </a:r>
+          </a:p>
+        </p:txBody>
+      </p:sp>
+      <p:sp>
+        <p:nvSpPr>
+          <p:cNvPr id="8" name="TextBox 7">
+            <a:extLst>
+              <a:ext uri="{FF2B5EF4-FFF2-40B4-BE49-F238E27FC236}">
+                <a16:creationId xmlns:a16="http://schemas.microsoft.com/office/drawing/2014/main" id="{32F695F9-D69D-326C-883D-6EDE02E1373F}"/>
+              </a:ext>
+            </a:extLst>
+          </p:cNvPr>
+          <p:cNvSpPr txBox="1"/>
+          <p:nvPr/>
+        </p:nvSpPr>
+        <p:spPr>
+          <a:xfrm>
+            <a:off x="4572000" y="1994733"/>
+            <a:ext cx="1108129" cy="307777"/>
+          </a:xfrm>
+          <a:prstGeom prst="rect">
+            <a:avLst/>
+          </a:prstGeom>
+          <a:noFill/>
+        </p:spPr>
+        <p:txBody>
+          <a:bodyPr wrap="square" rtlCol="0">
+            <a:spAutoFit/>
+          </a:bodyPr>
+          <a:lstStyle/>
+          <a:p>
+            <a:r>
+              <a:rPr lang="en-US" b="1" dirty="0"/>
+              <a:t>HOUSE</a:t>
+            </a:r>
+          </a:p>
+        </p:txBody>
+      </p:sp>
+      <p:cxnSp>
+        <p:nvCxnSpPr>
+          <p:cNvPr id="10" name="Straight Arrow Connector 9">
+            <a:extLst>
+              <a:ext uri="{FF2B5EF4-FFF2-40B4-BE49-F238E27FC236}">
+                <a16:creationId xmlns:a16="http://schemas.microsoft.com/office/drawing/2014/main" id="{2A932DD5-4AA2-972E-69ED-414C0B8075AA}"/>
+              </a:ext>
+            </a:extLst>
+          </p:cNvPr>
+          <p:cNvCxnSpPr>
+            <a:cxnSpLocks/>
+          </p:cNvCxnSpPr>
+          <p:nvPr/>
+        </p:nvCxnSpPr>
+        <p:spPr>
+          <a:xfrm flipV="1">
+            <a:off x="2789695" y="2813685"/>
+            <a:ext cx="1782305" cy="286718"/>
+          </a:xfrm>
+          <a:prstGeom prst="straightConnector1">
+            <a:avLst/>
+          </a:prstGeom>
+          <a:ln w="38100">
+            <a:solidFill>
+              <a:srgbClr val="C00000"/>
+            </a:solidFill>
+            <a:tailEnd type="triangle"/>
+          </a:ln>
+        </p:spPr>
+        <p:style>
+          <a:lnRef idx="1">
+            <a:schemeClr val="accent1"/>
+          </a:lnRef>
+          <a:fillRef idx="0">
+            <a:schemeClr val="accent1"/>
+          </a:fillRef>
+          <a:effectRef idx="0">
+            <a:schemeClr val="accent1"/>
+          </a:effectRef>
+          <a:fontRef idx="minor">
+            <a:schemeClr val="tx1"/>
+          </a:fontRef>
+        </p:style>
+      </p:cxnSp>
+      <p:cxnSp>
+        <p:nvCxnSpPr>
+          <p:cNvPr id="11" name="Straight Arrow Connector 10">
+            <a:extLst>
+              <a:ext uri="{FF2B5EF4-FFF2-40B4-BE49-F238E27FC236}">
+                <a16:creationId xmlns:a16="http://schemas.microsoft.com/office/drawing/2014/main" id="{0779AB21-18C6-F61E-ACE6-529BB1C4C24A}"/>
+              </a:ext>
+            </a:extLst>
+          </p:cNvPr>
+          <p:cNvCxnSpPr>
+            <a:cxnSpLocks/>
+          </p:cNvCxnSpPr>
+          <p:nvPr/>
+        </p:nvCxnSpPr>
+        <p:spPr>
+          <a:xfrm flipV="1">
+            <a:off x="2789695" y="2937671"/>
+            <a:ext cx="1782305" cy="525963"/>
+          </a:xfrm>
+          <a:prstGeom prst="straightConnector1">
+            <a:avLst/>
+          </a:prstGeom>
+          <a:ln w="38100">
+            <a:solidFill>
+              <a:srgbClr val="C00000"/>
+            </a:solidFill>
+            <a:tailEnd type="triangle"/>
+          </a:ln>
+        </p:spPr>
+        <p:style>
+          <a:lnRef idx="1">
+            <a:schemeClr val="accent1"/>
+          </a:lnRef>
+          <a:fillRef idx="0">
+            <a:schemeClr val="accent1"/>
+          </a:fillRef>
+          <a:effectRef idx="0">
+            <a:schemeClr val="accent1"/>
+          </a:effectRef>
+          <a:fontRef idx="minor">
+            <a:schemeClr val="tx1"/>
+          </a:fontRef>
+        </p:style>
+      </p:cxnSp>
+      <p:cxnSp>
+        <p:nvCxnSpPr>
+          <p:cNvPr id="13" name="Straight Arrow Connector 12">
+            <a:extLst>
+              <a:ext uri="{FF2B5EF4-FFF2-40B4-BE49-F238E27FC236}">
+                <a16:creationId xmlns:a16="http://schemas.microsoft.com/office/drawing/2014/main" id="{AC94D60B-2150-45C2-0F35-938E4DB7B89F}"/>
+              </a:ext>
+            </a:extLst>
+          </p:cNvPr>
+          <p:cNvCxnSpPr>
+            <a:cxnSpLocks/>
+          </p:cNvCxnSpPr>
+          <p:nvPr/>
+        </p:nvCxnSpPr>
+        <p:spPr>
+          <a:xfrm flipV="1">
+            <a:off x="2843939" y="3003539"/>
+            <a:ext cx="1728061" cy="1276034"/>
+          </a:xfrm>
+          <a:prstGeom prst="straightConnector1">
+            <a:avLst/>
+          </a:prstGeom>
+          <a:ln w="38100">
+            <a:solidFill>
+              <a:srgbClr val="C00000"/>
+            </a:solidFill>
+            <a:tailEnd type="triangle"/>
+          </a:ln>
+        </p:spPr>
+        <p:style>
+          <a:lnRef idx="1">
+            <a:schemeClr val="accent1"/>
+          </a:lnRef>
+          <a:fillRef idx="0">
+            <a:schemeClr val="accent1"/>
+          </a:fillRef>
+          <a:effectRef idx="0">
+            <a:schemeClr val="accent1"/>
+          </a:effectRef>
+          <a:fontRef idx="minor">
+            <a:schemeClr val="tx1"/>
+          </a:fontRef>
+        </p:style>
+      </p:cxnSp>
+      <p:cxnSp>
+        <p:nvCxnSpPr>
+          <p:cNvPr id="15" name="Straight Arrow Connector 14">
+            <a:extLst>
+              <a:ext uri="{FF2B5EF4-FFF2-40B4-BE49-F238E27FC236}">
+                <a16:creationId xmlns:a16="http://schemas.microsoft.com/office/drawing/2014/main" id="{F31E992C-DFA2-7C81-0A75-8465AB33D8CF}"/>
+              </a:ext>
+            </a:extLst>
+          </p:cNvPr>
+          <p:cNvCxnSpPr>
+            <a:cxnSpLocks/>
+          </p:cNvCxnSpPr>
+          <p:nvPr/>
+        </p:nvCxnSpPr>
+        <p:spPr>
+          <a:xfrm>
+            <a:off x="2789695" y="3915133"/>
+            <a:ext cx="1782305" cy="277381"/>
+          </a:xfrm>
+          <a:prstGeom prst="straightConnector1">
+            <a:avLst/>
+          </a:prstGeom>
+          <a:ln w="38100">
+            <a:solidFill>
+              <a:srgbClr val="C00000"/>
+            </a:solidFill>
+            <a:tailEnd type="triangle"/>
+          </a:ln>
+        </p:spPr>
+        <p:style>
+          <a:lnRef idx="1">
+            <a:schemeClr val="accent1"/>
+          </a:lnRef>
+          <a:fillRef idx="0">
+            <a:schemeClr val="accent1"/>
+          </a:fillRef>
+          <a:effectRef idx="0">
+            <a:schemeClr val="accent1"/>
+          </a:effectRef>
+          <a:fontRef idx="minor">
+            <a:schemeClr val="tx1"/>
+          </a:fontRef>
+        </p:style>
+      </p:cxnSp>
+    </p:spTree>
+    <p:extLst>
+      <p:ext uri="{BB962C8B-B14F-4D97-AF65-F5344CB8AC3E}">
+        <p14:creationId xmlns:p14="http://schemas.microsoft.com/office/powerpoint/2010/main" val="2867249358"/>
+      </p:ext>
+    </p:extLst>
+  </p:cSld>
+  <p:clrMapOvr>
+    <a:masterClrMapping/>
+  </p:clrMapOvr>
+</p:sld>
+</file>
+
+<file path=ppt/slides/slide22.xml><?xml version="1.0" encoding="utf-8"?>
+<p:sld xmlns:a="http://schemas.openxmlformats.org/drawingml/2006/main" xmlns:r="http://schemas.openxmlformats.org/officeDocument/2006/relationships" xmlns:p="http://schemas.openxmlformats.org/presentationml/2006/main">
+  <p:cSld>
+    <p:spTree>
+      <p:nvGrpSpPr>
+        <p:cNvPr id="1" name="">
+          <a:extLst>
+            <a:ext uri="{FF2B5EF4-FFF2-40B4-BE49-F238E27FC236}">
+              <a16:creationId xmlns:a16="http://schemas.microsoft.com/office/drawing/2014/main" id="{29847E12-ADE3-3EC5-D298-EBAF8124EA7C}"/>
+            </a:ext>
+          </a:extLst>
+        </p:cNvPr>
+        <p:cNvGrpSpPr/>
+        <p:nvPr/>
+      </p:nvGrpSpPr>
+      <p:grpSpPr>
+        <a:xfrm>
+          <a:off x="0" y="0"/>
+          <a:ext cx="0" cy="0"/>
+          <a:chOff x="0" y="0"/>
+          <a:chExt cx="0" cy="0"/>
+        </a:xfrm>
+      </p:grpSpPr>
+      <p:sp>
+        <p:nvSpPr>
+          <p:cNvPr id="2" name="Title 1">
+            <a:extLst>
+              <a:ext uri="{FF2B5EF4-FFF2-40B4-BE49-F238E27FC236}">
+                <a16:creationId xmlns:a16="http://schemas.microsoft.com/office/drawing/2014/main" id="{FAB88C65-9CD3-A960-121C-E8DD4A71CFE5}"/>
+              </a:ext>
+            </a:extLst>
+          </p:cNvPr>
+          <p:cNvSpPr>
+            <a:spLocks noGrp="1"/>
+          </p:cNvSpPr>
+          <p:nvPr>
+            <p:ph type="title"/>
+          </p:nvPr>
+        </p:nvSpPr>
+        <p:spPr/>
+        <p:txBody>
+          <a:bodyPr/>
+          <a:lstStyle/>
+          <a:p>
+            <a:r>
+              <a:rPr lang="en-US" dirty="0"/>
+              <a:t>Revisiting foreign keys</a:t>
+            </a:r>
+          </a:p>
+        </p:txBody>
+      </p:sp>
+      <p:sp>
+        <p:nvSpPr>
+          <p:cNvPr id="3" name="Text Placeholder 2">
+            <a:extLst>
+              <a:ext uri="{FF2B5EF4-FFF2-40B4-BE49-F238E27FC236}">
+                <a16:creationId xmlns:a16="http://schemas.microsoft.com/office/drawing/2014/main" id="{8979E5F6-4BF3-6799-CDCA-86F8DA95EE5B}"/>
+              </a:ext>
+            </a:extLst>
+          </p:cNvPr>
+          <p:cNvSpPr>
+            <a:spLocks noGrp="1"/>
+          </p:cNvSpPr>
+          <p:nvPr>
+            <p:ph type="body" idx="1"/>
+          </p:nvPr>
+        </p:nvSpPr>
+        <p:spPr/>
+        <p:txBody>
+          <a:bodyPr/>
+          <a:lstStyle/>
+          <a:p>
+            <a:r>
+              <a:rPr lang="en-US" dirty="0"/>
+              <a:t>Can express that a column is a foreign key</a:t>
+            </a:r>
+          </a:p>
+          <a:p>
+            <a:r>
+              <a:rPr lang="en-US" dirty="0"/>
+              <a:t>Q: what happens if we try to delete the Gryffindor row?</a:t>
+            </a:r>
+            <a:endParaRPr lang="en-US" dirty="0">
+              <a:latin typeface="Avenir Book" panose="02000503020000020003" pitchFamily="2" charset="0"/>
+            </a:endParaRPr>
+          </a:p>
+        </p:txBody>
+      </p:sp>
+      <p:sp>
+        <p:nvSpPr>
+          <p:cNvPr id="4" name="Slide Number Placeholder 3">
+            <a:extLst>
+              <a:ext uri="{FF2B5EF4-FFF2-40B4-BE49-F238E27FC236}">
+                <a16:creationId xmlns:a16="http://schemas.microsoft.com/office/drawing/2014/main" id="{0762F131-9AB9-F030-A326-CB2900A38089}"/>
+              </a:ext>
+            </a:extLst>
+          </p:cNvPr>
+          <p:cNvSpPr>
+            <a:spLocks noGrp="1"/>
+          </p:cNvSpPr>
+          <p:nvPr>
+            <p:ph type="sldNum" idx="12"/>
+          </p:nvPr>
+        </p:nvSpPr>
+        <p:spPr/>
+        <p:txBody>
+          <a:bodyPr/>
+          <a:lstStyle/>
+          <a:p>
+            <a:pPr marL="0" lvl="0" indent="0" algn="r" rtl="0">
+              <a:spcBef>
+                <a:spcPts val="0"/>
+              </a:spcBef>
+              <a:spcAft>
+                <a:spcPts val="0"/>
+              </a:spcAft>
+              <a:buNone/>
+            </a:pPr>
+            <a:fld id="{00000000-1234-1234-1234-123412341234}" type="slidenum">
+              <a:rPr lang="en" smtClean="0"/>
+              <a:t>22</a:t>
+            </a:fld>
+            <a:endParaRPr lang="en" dirty="0"/>
+          </a:p>
+        </p:txBody>
+      </p:sp>
+      <p:graphicFrame>
+        <p:nvGraphicFramePr>
+          <p:cNvPr id="5" name="Table 5">
+            <a:extLst>
+              <a:ext uri="{FF2B5EF4-FFF2-40B4-BE49-F238E27FC236}">
+                <a16:creationId xmlns:a16="http://schemas.microsoft.com/office/drawing/2014/main" id="{EC0FE3E2-7840-09FE-F807-FF466352DDD3}"/>
+              </a:ext>
+            </a:extLst>
+          </p:cNvPr>
+          <p:cNvGraphicFramePr>
+            <a:graphicFrameLocks noGrp="1"/>
+          </p:cNvGraphicFramePr>
+          <p:nvPr>
+            <p:extLst>
+              <p:ext uri="{D42A27DB-BD31-4B8C-83A1-F6EECF244321}">
+                <p14:modId xmlns:p14="http://schemas.microsoft.com/office/powerpoint/2010/main" val="3799722373"/>
+              </p:ext>
+            </p:extLst>
+          </p:nvPr>
+        </p:nvGraphicFramePr>
+        <p:xfrm>
+          <a:off x="4572000" y="2302510"/>
+          <a:ext cx="4019824" cy="2170786"/>
+        </p:xfrm>
+        <a:graphic>
+          <a:graphicData uri="http://schemas.openxmlformats.org/drawingml/2006/table">
+            <a:tbl>
+              <a:tblPr firstRow="1" bandRow="1">
+                <a:tableStyleId>{5C22544A-7EE6-4342-B048-85BDC9FD1C3A}</a:tableStyleId>
+              </a:tblPr>
+              <a:tblGrid>
+                <a:gridCol w="841212">
+                  <a:extLst>
+                    <a:ext uri="{9D8B030D-6E8A-4147-A177-3AD203B41FA5}">
+                      <a16:colId xmlns:a16="http://schemas.microsoft.com/office/drawing/2014/main" val="3499373031"/>
+                    </a:ext>
+                  </a:extLst>
+                </a:gridCol>
+                <a:gridCol w="1168700">
+                  <a:extLst>
+                    <a:ext uri="{9D8B030D-6E8A-4147-A177-3AD203B41FA5}">
+                      <a16:colId xmlns:a16="http://schemas.microsoft.com/office/drawing/2014/main" val="3301548165"/>
+                    </a:ext>
+                  </a:extLst>
+                </a:gridCol>
+                <a:gridCol w="1004956">
+                  <a:extLst>
+                    <a:ext uri="{9D8B030D-6E8A-4147-A177-3AD203B41FA5}">
+                      <a16:colId xmlns:a16="http://schemas.microsoft.com/office/drawing/2014/main" val="2980354565"/>
+                    </a:ext>
+                  </a:extLst>
+                </a:gridCol>
+                <a:gridCol w="1004956">
+                  <a:extLst>
+                    <a:ext uri="{9D8B030D-6E8A-4147-A177-3AD203B41FA5}">
+                      <a16:colId xmlns:a16="http://schemas.microsoft.com/office/drawing/2014/main" val="2303047089"/>
+                    </a:ext>
+                  </a:extLst>
+                </a:gridCol>
+              </a:tblGrid>
+              <a:tr h="224943">
+                <a:tc>
+                  <a:txBody>
+                    <a:bodyPr/>
+                    <a:lstStyle/>
+                    <a:p>
+                      <a:r>
+                        <a:rPr lang="en-US" sz="1200" dirty="0"/>
+                        <a:t>ID</a:t>
+                      </a:r>
+                    </a:p>
+                  </a:txBody>
+                  <a:tcPr/>
+                </a:tc>
+                <a:tc>
+                  <a:txBody>
+                    <a:bodyPr/>
+                    <a:lstStyle/>
+                    <a:p>
+                      <a:r>
+                        <a:rPr lang="en-US" sz="1200" dirty="0"/>
+                        <a:t>Name</a:t>
+                      </a:r>
+                    </a:p>
+                  </a:txBody>
+                  <a:tcPr/>
+                </a:tc>
+                <a:tc>
+                  <a:txBody>
+                    <a:bodyPr/>
+                    <a:lstStyle/>
+                    <a:p>
+                      <a:r>
+                        <a:rPr lang="en-US" sz="1200" dirty="0"/>
+                        <a:t>Head</a:t>
+                      </a:r>
+                    </a:p>
+                  </a:txBody>
+                  <a:tcPr/>
+                </a:tc>
+                <a:tc>
+                  <a:txBody>
+                    <a:bodyPr/>
+                    <a:lstStyle/>
+                    <a:p>
+                      <a:r>
+                        <a:rPr lang="en-US" sz="1200" dirty="0"/>
+                        <a:t>Animal</a:t>
+                      </a:r>
+                    </a:p>
+                  </a:txBody>
+                  <a:tcPr/>
+                </a:tc>
+                <a:extLst>
+                  <a:ext uri="{0D108BD9-81ED-4DB2-BD59-A6C34878D82A}">
+                    <a16:rowId xmlns:a16="http://schemas.microsoft.com/office/drawing/2014/main" val="2923072136"/>
+                  </a:ext>
+                </a:extLst>
+              </a:tr>
+              <a:tr h="524866">
+                <a:tc>
+                  <a:txBody>
+                    <a:bodyPr/>
+                    <a:lstStyle/>
+                    <a:p>
+                      <a:endParaRPr lang="en-US" sz="1200" dirty="0"/>
+                    </a:p>
+                  </a:txBody>
+                  <a:tcPr/>
+                </a:tc>
+                <a:tc>
+                  <a:txBody>
+                    <a:bodyPr/>
+                    <a:lstStyle/>
+                    <a:p>
+                      <a:endParaRPr lang="en-US" sz="1200" dirty="0"/>
+                    </a:p>
+                  </a:txBody>
+                  <a:tcPr/>
+                </a:tc>
+                <a:tc>
+                  <a:txBody>
+                    <a:bodyPr/>
+                    <a:lstStyle/>
+                    <a:p>
+                      <a:endParaRPr lang="en-US" sz="1200" dirty="0"/>
+                    </a:p>
+                  </a:txBody>
+                  <a:tcPr/>
+                </a:tc>
+                <a:tc>
+                  <a:txBody>
+                    <a:bodyPr/>
+                    <a:lstStyle/>
+                    <a:p>
+                      <a:endParaRPr lang="en-US" sz="1200" dirty="0"/>
+                    </a:p>
+                  </a:txBody>
+                  <a:tcPr/>
+                </a:tc>
+                <a:extLst>
+                  <a:ext uri="{0D108BD9-81ED-4DB2-BD59-A6C34878D82A}">
+                    <a16:rowId xmlns:a16="http://schemas.microsoft.com/office/drawing/2014/main" val="1689187156"/>
+                  </a:ext>
+                </a:extLst>
+              </a:tr>
+              <a:tr h="374904">
+                <a:tc>
+                  <a:txBody>
+                    <a:bodyPr/>
+                    <a:lstStyle/>
+                    <a:p>
+                      <a:r>
+                        <a:rPr lang="en-US" sz="1200" dirty="0"/>
+                        <a:t>H822</a:t>
+                      </a:r>
+                    </a:p>
+                  </a:txBody>
+                  <a:tcPr/>
+                </a:tc>
+                <a:tc>
+                  <a:txBody>
+                    <a:bodyPr/>
+                    <a:lstStyle/>
+                    <a:p>
+                      <a:r>
+                        <a:rPr lang="en-US" sz="1200" dirty="0"/>
+                        <a:t>Hufflepuff</a:t>
+                      </a:r>
+                    </a:p>
+                  </a:txBody>
+                  <a:tcPr/>
+                </a:tc>
+                <a:tc>
+                  <a:txBody>
+                    <a:bodyPr/>
+                    <a:lstStyle/>
+                    <a:p>
+                      <a:r>
+                        <a:rPr lang="en-US" sz="1200" dirty="0"/>
+                        <a:t>Pomona Sprout</a:t>
+                      </a:r>
+                    </a:p>
+                  </a:txBody>
+                  <a:tcPr/>
+                </a:tc>
+                <a:tc>
+                  <a:txBody>
+                    <a:bodyPr/>
+                    <a:lstStyle/>
+                    <a:p>
+                      <a:r>
+                        <a:rPr lang="en-US" sz="1200" dirty="0"/>
+                        <a:t>Badger</a:t>
+                      </a:r>
+                    </a:p>
+                  </a:txBody>
+                  <a:tcPr/>
+                </a:tc>
+                <a:extLst>
+                  <a:ext uri="{0D108BD9-81ED-4DB2-BD59-A6C34878D82A}">
+                    <a16:rowId xmlns:a16="http://schemas.microsoft.com/office/drawing/2014/main" val="753961028"/>
+                  </a:ext>
+                </a:extLst>
+              </a:tr>
+              <a:tr h="374904">
+                <a:tc>
+                  <a:txBody>
+                    <a:bodyPr/>
+                    <a:lstStyle/>
+                    <a:p>
+                      <a:r>
+                        <a:rPr lang="en-US" sz="1200" dirty="0"/>
+                        <a:t>H115</a:t>
+                      </a:r>
+                    </a:p>
+                  </a:txBody>
+                  <a:tcPr/>
+                </a:tc>
+                <a:tc>
+                  <a:txBody>
+                    <a:bodyPr/>
+                    <a:lstStyle/>
+                    <a:p>
+                      <a:r>
+                        <a:rPr lang="en-US" sz="1200" dirty="0"/>
+                        <a:t>Ravenclaw</a:t>
+                      </a:r>
+                    </a:p>
+                  </a:txBody>
+                  <a:tcPr/>
+                </a:tc>
+                <a:tc>
+                  <a:txBody>
+                    <a:bodyPr/>
+                    <a:lstStyle/>
+                    <a:p>
+                      <a:r>
+                        <a:rPr lang="en-US" sz="1200" dirty="0" err="1"/>
+                        <a:t>Filius</a:t>
+                      </a:r>
+                      <a:r>
+                        <a:rPr lang="en-US" sz="1200" dirty="0"/>
+                        <a:t> Flitwick</a:t>
+                      </a:r>
+                    </a:p>
+                  </a:txBody>
+                  <a:tcPr/>
+                </a:tc>
+                <a:tc>
+                  <a:txBody>
+                    <a:bodyPr/>
+                    <a:lstStyle/>
+                    <a:p>
+                      <a:r>
+                        <a:rPr lang="en-US" sz="1200" dirty="0"/>
+                        <a:t>Eagle</a:t>
+                      </a:r>
+                    </a:p>
+                  </a:txBody>
+                  <a:tcPr/>
+                </a:tc>
+                <a:extLst>
+                  <a:ext uri="{0D108BD9-81ED-4DB2-BD59-A6C34878D82A}">
+                    <a16:rowId xmlns:a16="http://schemas.microsoft.com/office/drawing/2014/main" val="1913095617"/>
+                  </a:ext>
+                </a:extLst>
+              </a:tr>
+              <a:tr h="374904">
+                <a:tc>
+                  <a:txBody>
+                    <a:bodyPr/>
+                    <a:lstStyle/>
+                    <a:p>
+                      <a:r>
+                        <a:rPr lang="en-US" sz="1200" dirty="0"/>
+                        <a:t>H790</a:t>
+                      </a:r>
+                    </a:p>
+                  </a:txBody>
+                  <a:tcPr/>
+                </a:tc>
+                <a:tc>
+                  <a:txBody>
+                    <a:bodyPr/>
+                    <a:lstStyle/>
+                    <a:p>
+                      <a:r>
+                        <a:rPr lang="en-US" sz="1200" dirty="0"/>
+                        <a:t>Slytherin</a:t>
+                      </a:r>
+                    </a:p>
+                  </a:txBody>
+                  <a:tcPr/>
+                </a:tc>
+                <a:tc>
+                  <a:txBody>
+                    <a:bodyPr/>
+                    <a:lstStyle/>
+                    <a:p>
+                      <a:r>
+                        <a:rPr lang="en-US" sz="1200" dirty="0"/>
+                        <a:t>Severus Snape</a:t>
+                      </a:r>
+                    </a:p>
+                  </a:txBody>
+                  <a:tcPr/>
+                </a:tc>
+                <a:tc>
+                  <a:txBody>
+                    <a:bodyPr/>
+                    <a:lstStyle/>
+                    <a:p>
+                      <a:r>
+                        <a:rPr lang="en-US" sz="1200" dirty="0"/>
+                        <a:t>Serpent</a:t>
+                      </a:r>
+                    </a:p>
+                  </a:txBody>
+                  <a:tcPr/>
+                </a:tc>
+                <a:extLst>
+                  <a:ext uri="{0D108BD9-81ED-4DB2-BD59-A6C34878D82A}">
+                    <a16:rowId xmlns:a16="http://schemas.microsoft.com/office/drawing/2014/main" val="3813934038"/>
+                  </a:ext>
+                </a:extLst>
+              </a:tr>
+            </a:tbl>
+          </a:graphicData>
+        </a:graphic>
+      </p:graphicFrame>
+      <p:graphicFrame>
+        <p:nvGraphicFramePr>
+          <p:cNvPr id="6" name="Table 6">
+            <a:extLst>
+              <a:ext uri="{FF2B5EF4-FFF2-40B4-BE49-F238E27FC236}">
+                <a16:creationId xmlns:a16="http://schemas.microsoft.com/office/drawing/2014/main" id="{86C1BF53-4A87-1EB6-E7F5-58452055B47C}"/>
+              </a:ext>
+            </a:extLst>
+          </p:cNvPr>
+          <p:cNvGraphicFramePr>
+            <a:graphicFrameLocks noGrp="1"/>
+          </p:cNvGraphicFramePr>
+          <p:nvPr/>
+        </p:nvGraphicFramePr>
+        <p:xfrm>
+          <a:off x="311700" y="2601853"/>
+          <a:ext cx="2942944" cy="1874520"/>
+        </p:xfrm>
+        <a:graphic>
+          <a:graphicData uri="http://schemas.openxmlformats.org/drawingml/2006/table">
+            <a:tbl>
+              <a:tblPr firstRow="1" bandRow="1">
+                <a:tableStyleId>{5C22544A-7EE6-4342-B048-85BDC9FD1C3A}</a:tableStyleId>
+              </a:tblPr>
+              <a:tblGrid>
+                <a:gridCol w="680192">
+                  <a:extLst>
+                    <a:ext uri="{9D8B030D-6E8A-4147-A177-3AD203B41FA5}">
+                      <a16:colId xmlns:a16="http://schemas.microsoft.com/office/drawing/2014/main" val="613641680"/>
+                    </a:ext>
+                  </a:extLst>
+                </a:gridCol>
+                <a:gridCol w="1208867">
+                  <a:extLst>
+                    <a:ext uri="{9D8B030D-6E8A-4147-A177-3AD203B41FA5}">
+                      <a16:colId xmlns:a16="http://schemas.microsoft.com/office/drawing/2014/main" val="1270670896"/>
+                    </a:ext>
+                  </a:extLst>
+                </a:gridCol>
+                <a:gridCol w="1053885">
+                  <a:extLst>
+                    <a:ext uri="{9D8B030D-6E8A-4147-A177-3AD203B41FA5}">
+                      <a16:colId xmlns:a16="http://schemas.microsoft.com/office/drawing/2014/main" val="2399880175"/>
+                    </a:ext>
+                  </a:extLst>
+                </a:gridCol>
+              </a:tblGrid>
+              <a:tr h="163805">
+                <a:tc>
+                  <a:txBody>
+                    <a:bodyPr/>
+                    <a:lstStyle/>
+                    <a:p>
+                      <a:r>
+                        <a:rPr lang="en-US" dirty="0"/>
+                        <a:t>ID</a:t>
+                      </a:r>
+                    </a:p>
+                  </a:txBody>
+                  <a:tcPr/>
+                </a:tc>
+                <a:tc>
+                  <a:txBody>
+                    <a:bodyPr/>
+                    <a:lstStyle/>
+                    <a:p>
+                      <a:r>
+                        <a:rPr lang="en-US" dirty="0"/>
+                        <a:t>Name</a:t>
+                      </a:r>
+                    </a:p>
+                  </a:txBody>
+                  <a:tcPr/>
+                </a:tc>
+                <a:tc>
+                  <a:txBody>
+                    <a:bodyPr/>
+                    <a:lstStyle/>
+                    <a:p>
+                      <a:r>
+                        <a:rPr lang="en-US" dirty="0" err="1"/>
+                        <a:t>House_ID</a:t>
+                      </a:r>
+                      <a:endParaRPr lang="en-US" dirty="0"/>
+                    </a:p>
+                  </a:txBody>
+                  <a:tcPr/>
+                </a:tc>
+                <a:extLst>
+                  <a:ext uri="{0D108BD9-81ED-4DB2-BD59-A6C34878D82A}">
+                    <a16:rowId xmlns:a16="http://schemas.microsoft.com/office/drawing/2014/main" val="14665062"/>
+                  </a:ext>
+                </a:extLst>
+              </a:tr>
+              <a:tr h="370840">
+                <a:tc>
+                  <a:txBody>
+                    <a:bodyPr/>
+                    <a:lstStyle/>
+                    <a:p>
+                      <a:r>
+                        <a:rPr lang="en-US" sz="1200" dirty="0"/>
+                        <a:t>S359</a:t>
+                      </a:r>
+                    </a:p>
+                  </a:txBody>
+                  <a:tcPr/>
+                </a:tc>
+                <a:tc>
+                  <a:txBody>
+                    <a:bodyPr/>
+                    <a:lstStyle/>
+                    <a:p>
+                      <a:r>
+                        <a:rPr lang="en-US" sz="1200" dirty="0"/>
+                        <a:t>Harry Potter</a:t>
+                      </a:r>
+                    </a:p>
+                  </a:txBody>
+                  <a:tcPr/>
+                </a:tc>
+                <a:tc>
+                  <a:txBody>
+                    <a:bodyPr/>
+                    <a:lstStyle/>
+                    <a:p>
+                      <a:r>
+                        <a:rPr lang="en-US" dirty="0"/>
+                        <a:t>H936</a:t>
+                      </a:r>
+                    </a:p>
+                  </a:txBody>
+                  <a:tcPr/>
+                </a:tc>
+                <a:extLst>
+                  <a:ext uri="{0D108BD9-81ED-4DB2-BD59-A6C34878D82A}">
+                    <a16:rowId xmlns:a16="http://schemas.microsoft.com/office/drawing/2014/main" val="3401890203"/>
+                  </a:ext>
+                </a:extLst>
+              </a:tr>
+              <a:tr h="370840">
+                <a:tc>
+                  <a:txBody>
+                    <a:bodyPr/>
+                    <a:lstStyle/>
+                    <a:p>
+                      <a:r>
+                        <a:rPr lang="en-US" sz="1200" dirty="0"/>
+                        <a:t>S460</a:t>
+                      </a:r>
+                    </a:p>
+                  </a:txBody>
+                  <a:tcPr/>
+                </a:tc>
+                <a:tc>
+                  <a:txBody>
+                    <a:bodyPr/>
+                    <a:lstStyle/>
+                    <a:p>
+                      <a:r>
+                        <a:rPr lang="en-US" sz="1200" dirty="0"/>
+                        <a:t>Hermione Granger</a:t>
+                      </a:r>
+                    </a:p>
+                  </a:txBody>
+                  <a:tcPr/>
+                </a:tc>
+                <a:tc>
+                  <a:txBody>
+                    <a:bodyPr/>
+                    <a:lstStyle/>
+                    <a:p>
+                      <a:r>
+                        <a:rPr lang="en-US" dirty="0"/>
+                        <a:t>H936</a:t>
+                      </a:r>
+                    </a:p>
+                  </a:txBody>
+                  <a:tcPr/>
+                </a:tc>
+                <a:extLst>
+                  <a:ext uri="{0D108BD9-81ED-4DB2-BD59-A6C34878D82A}">
+                    <a16:rowId xmlns:a16="http://schemas.microsoft.com/office/drawing/2014/main" val="1808365316"/>
+                  </a:ext>
+                </a:extLst>
+              </a:tr>
+              <a:tr h="370840">
+                <a:tc>
+                  <a:txBody>
+                    <a:bodyPr/>
+                    <a:lstStyle/>
+                    <a:p>
+                      <a:r>
+                        <a:rPr lang="en-US" sz="1200" dirty="0"/>
+                        <a:t>S103</a:t>
+                      </a:r>
+                    </a:p>
+                  </a:txBody>
+                  <a:tcPr/>
+                </a:tc>
+                <a:tc>
+                  <a:txBody>
+                    <a:bodyPr/>
+                    <a:lstStyle/>
+                    <a:p>
+                      <a:r>
+                        <a:rPr lang="en-US" sz="1200" dirty="0"/>
+                        <a:t>Draco Malfoy</a:t>
+                      </a:r>
+                    </a:p>
+                  </a:txBody>
+                  <a:tcPr/>
+                </a:tc>
+                <a:tc>
+                  <a:txBody>
+                    <a:bodyPr/>
+                    <a:lstStyle/>
+                    <a:p>
+                      <a:r>
+                        <a:rPr lang="en-US" dirty="0"/>
+                        <a:t>H790</a:t>
+                      </a:r>
+                    </a:p>
+                  </a:txBody>
+                  <a:tcPr/>
+                </a:tc>
+                <a:extLst>
+                  <a:ext uri="{0D108BD9-81ED-4DB2-BD59-A6C34878D82A}">
+                    <a16:rowId xmlns:a16="http://schemas.microsoft.com/office/drawing/2014/main" val="1583905470"/>
+                  </a:ext>
+                </a:extLst>
+              </a:tr>
+              <a:tr h="370840">
+                <a:tc>
+                  <a:txBody>
+                    <a:bodyPr/>
+                    <a:lstStyle/>
+                    <a:p>
+                      <a:r>
+                        <a:rPr lang="en-US" sz="1200" dirty="0"/>
+                        <a:t>S671</a:t>
+                      </a:r>
+                    </a:p>
+                  </a:txBody>
+                  <a:tcPr/>
+                </a:tc>
+                <a:tc>
+                  <a:txBody>
+                    <a:bodyPr/>
+                    <a:lstStyle/>
+                    <a:p>
+                      <a:r>
+                        <a:rPr lang="en-US" sz="1200" dirty="0"/>
+                        <a:t>Ginny Weasley</a:t>
+                      </a:r>
+                    </a:p>
+                  </a:txBody>
+                  <a:tcPr/>
+                </a:tc>
+                <a:tc>
+                  <a:txBody>
+                    <a:bodyPr/>
+                    <a:lstStyle/>
+                    <a:p>
+                      <a:r>
+                        <a:rPr lang="en-US" dirty="0"/>
+                        <a:t>H936</a:t>
+                      </a:r>
+                    </a:p>
+                  </a:txBody>
+                  <a:tcPr/>
+                </a:tc>
+                <a:extLst>
+                  <a:ext uri="{0D108BD9-81ED-4DB2-BD59-A6C34878D82A}">
+                    <a16:rowId xmlns:a16="http://schemas.microsoft.com/office/drawing/2014/main" val="589925318"/>
+                  </a:ext>
+                </a:extLst>
+              </a:tr>
+            </a:tbl>
+          </a:graphicData>
+        </a:graphic>
+      </p:graphicFrame>
+      <p:sp>
+        <p:nvSpPr>
+          <p:cNvPr id="7" name="TextBox 6">
+            <a:extLst>
+              <a:ext uri="{FF2B5EF4-FFF2-40B4-BE49-F238E27FC236}">
+                <a16:creationId xmlns:a16="http://schemas.microsoft.com/office/drawing/2014/main" id="{CCAA0124-12DB-65CB-2613-9B4E2C83AB67}"/>
+              </a:ext>
+            </a:extLst>
+          </p:cNvPr>
+          <p:cNvSpPr txBox="1"/>
+          <p:nvPr/>
+        </p:nvSpPr>
+        <p:spPr>
+          <a:xfrm>
+            <a:off x="311700" y="2294076"/>
+            <a:ext cx="1108129" cy="307777"/>
+          </a:xfrm>
+          <a:prstGeom prst="rect">
+            <a:avLst/>
+          </a:prstGeom>
+          <a:noFill/>
+        </p:spPr>
+        <p:txBody>
+          <a:bodyPr wrap="square" rtlCol="0">
+            <a:spAutoFit/>
+          </a:bodyPr>
+          <a:lstStyle/>
+          <a:p>
+            <a:r>
+              <a:rPr lang="en-US" b="1" dirty="0"/>
+              <a:t>STUDENT</a:t>
+            </a:r>
+          </a:p>
+        </p:txBody>
+      </p:sp>
+      <p:sp>
+        <p:nvSpPr>
+          <p:cNvPr id="8" name="TextBox 7">
+            <a:extLst>
+              <a:ext uri="{FF2B5EF4-FFF2-40B4-BE49-F238E27FC236}">
+                <a16:creationId xmlns:a16="http://schemas.microsoft.com/office/drawing/2014/main" id="{3DEFFAEB-3698-7A84-CDB2-772FBF861C2E}"/>
+              </a:ext>
+            </a:extLst>
+          </p:cNvPr>
+          <p:cNvSpPr txBox="1"/>
+          <p:nvPr/>
+        </p:nvSpPr>
+        <p:spPr>
+          <a:xfrm>
+            <a:off x="4572000" y="1994733"/>
+            <a:ext cx="1108129" cy="307777"/>
+          </a:xfrm>
+          <a:prstGeom prst="rect">
+            <a:avLst/>
+          </a:prstGeom>
+          <a:noFill/>
+        </p:spPr>
+        <p:txBody>
+          <a:bodyPr wrap="square" rtlCol="0">
+            <a:spAutoFit/>
+          </a:bodyPr>
+          <a:lstStyle/>
+          <a:p>
+            <a:r>
+              <a:rPr lang="en-US" b="1" dirty="0"/>
+              <a:t>HOUSE</a:t>
+            </a:r>
+          </a:p>
+        </p:txBody>
+      </p:sp>
+      <p:cxnSp>
+        <p:nvCxnSpPr>
+          <p:cNvPr id="10" name="Straight Arrow Connector 9">
+            <a:extLst>
+              <a:ext uri="{FF2B5EF4-FFF2-40B4-BE49-F238E27FC236}">
+                <a16:creationId xmlns:a16="http://schemas.microsoft.com/office/drawing/2014/main" id="{1764A987-30C9-9B6A-6672-427431744ABB}"/>
+              </a:ext>
+            </a:extLst>
+          </p:cNvPr>
+          <p:cNvCxnSpPr>
+            <a:cxnSpLocks/>
+          </p:cNvCxnSpPr>
+          <p:nvPr/>
+        </p:nvCxnSpPr>
+        <p:spPr>
+          <a:xfrm flipV="1">
+            <a:off x="2789695" y="2813685"/>
+            <a:ext cx="1782305" cy="286718"/>
+          </a:xfrm>
+          <a:prstGeom prst="straightConnector1">
+            <a:avLst/>
+          </a:prstGeom>
+          <a:ln w="38100">
+            <a:solidFill>
+              <a:srgbClr val="C00000"/>
+            </a:solidFill>
+            <a:tailEnd type="triangle"/>
+          </a:ln>
+        </p:spPr>
+        <p:style>
+          <a:lnRef idx="1">
+            <a:schemeClr val="accent1"/>
+          </a:lnRef>
+          <a:fillRef idx="0">
+            <a:schemeClr val="accent1"/>
+          </a:fillRef>
+          <a:effectRef idx="0">
+            <a:schemeClr val="accent1"/>
+          </a:effectRef>
+          <a:fontRef idx="minor">
+            <a:schemeClr val="tx1"/>
+          </a:fontRef>
+        </p:style>
+      </p:cxnSp>
+      <p:cxnSp>
+        <p:nvCxnSpPr>
+          <p:cNvPr id="11" name="Straight Arrow Connector 10">
+            <a:extLst>
+              <a:ext uri="{FF2B5EF4-FFF2-40B4-BE49-F238E27FC236}">
+                <a16:creationId xmlns:a16="http://schemas.microsoft.com/office/drawing/2014/main" id="{F99934C0-5D8B-1FC6-9EE4-CCF2F72D9D86}"/>
+              </a:ext>
+            </a:extLst>
+          </p:cNvPr>
+          <p:cNvCxnSpPr>
+            <a:cxnSpLocks/>
+          </p:cNvCxnSpPr>
+          <p:nvPr/>
+        </p:nvCxnSpPr>
+        <p:spPr>
+          <a:xfrm flipV="1">
+            <a:off x="2789695" y="2937671"/>
+            <a:ext cx="1782305" cy="525963"/>
+          </a:xfrm>
+          <a:prstGeom prst="straightConnector1">
+            <a:avLst/>
+          </a:prstGeom>
+          <a:ln w="38100">
+            <a:solidFill>
+              <a:srgbClr val="C00000"/>
+            </a:solidFill>
+            <a:tailEnd type="triangle"/>
+          </a:ln>
+        </p:spPr>
+        <p:style>
+          <a:lnRef idx="1">
+            <a:schemeClr val="accent1"/>
+          </a:lnRef>
+          <a:fillRef idx="0">
+            <a:schemeClr val="accent1"/>
+          </a:fillRef>
+          <a:effectRef idx="0">
+            <a:schemeClr val="accent1"/>
+          </a:effectRef>
+          <a:fontRef idx="minor">
+            <a:schemeClr val="tx1"/>
+          </a:fontRef>
+        </p:style>
+      </p:cxnSp>
+      <p:cxnSp>
+        <p:nvCxnSpPr>
+          <p:cNvPr id="13" name="Straight Arrow Connector 12">
+            <a:extLst>
+              <a:ext uri="{FF2B5EF4-FFF2-40B4-BE49-F238E27FC236}">
+                <a16:creationId xmlns:a16="http://schemas.microsoft.com/office/drawing/2014/main" id="{7CBC4EA6-3E95-487C-1D9E-D0526EE4EE3A}"/>
+              </a:ext>
+            </a:extLst>
+          </p:cNvPr>
+          <p:cNvCxnSpPr>
+            <a:cxnSpLocks/>
+          </p:cNvCxnSpPr>
+          <p:nvPr/>
+        </p:nvCxnSpPr>
+        <p:spPr>
+          <a:xfrm flipV="1">
+            <a:off x="2843939" y="3003539"/>
+            <a:ext cx="1728061" cy="1276034"/>
+          </a:xfrm>
+          <a:prstGeom prst="straightConnector1">
+            <a:avLst/>
+          </a:prstGeom>
+          <a:ln w="38100">
+            <a:solidFill>
+              <a:srgbClr val="C00000"/>
+            </a:solidFill>
+            <a:tailEnd type="triangle"/>
+          </a:ln>
+        </p:spPr>
+        <p:style>
+          <a:lnRef idx="1">
+            <a:schemeClr val="accent1"/>
+          </a:lnRef>
+          <a:fillRef idx="0">
+            <a:schemeClr val="accent1"/>
+          </a:fillRef>
+          <a:effectRef idx="0">
+            <a:schemeClr val="accent1"/>
+          </a:effectRef>
+          <a:fontRef idx="minor">
+            <a:schemeClr val="tx1"/>
+          </a:fontRef>
+        </p:style>
+      </p:cxnSp>
+      <p:cxnSp>
+        <p:nvCxnSpPr>
+          <p:cNvPr id="15" name="Straight Arrow Connector 14">
+            <a:extLst>
+              <a:ext uri="{FF2B5EF4-FFF2-40B4-BE49-F238E27FC236}">
+                <a16:creationId xmlns:a16="http://schemas.microsoft.com/office/drawing/2014/main" id="{66D958DF-3210-EE20-A26E-8F4AAA84115C}"/>
+              </a:ext>
+            </a:extLst>
+          </p:cNvPr>
+          <p:cNvCxnSpPr>
+            <a:cxnSpLocks/>
+          </p:cNvCxnSpPr>
+          <p:nvPr/>
+        </p:nvCxnSpPr>
+        <p:spPr>
+          <a:xfrm>
+            <a:off x="2789695" y="3915133"/>
+            <a:ext cx="1782305" cy="277381"/>
+          </a:xfrm>
+          <a:prstGeom prst="straightConnector1">
+            <a:avLst/>
+          </a:prstGeom>
+          <a:ln w="38100">
+            <a:solidFill>
+              <a:srgbClr val="C00000"/>
+            </a:solidFill>
+            <a:tailEnd type="triangle"/>
+          </a:ln>
+        </p:spPr>
+        <p:style>
+          <a:lnRef idx="1">
+            <a:schemeClr val="accent1"/>
+          </a:lnRef>
+          <a:fillRef idx="0">
+            <a:schemeClr val="accent1"/>
+          </a:fillRef>
+          <a:effectRef idx="0">
+            <a:schemeClr val="accent1"/>
+          </a:effectRef>
+          <a:fontRef idx="minor">
+            <a:schemeClr val="tx1"/>
+          </a:fontRef>
+        </p:style>
+      </p:cxnSp>
+      <p:sp>
+        <p:nvSpPr>
+          <p:cNvPr id="9" name="TextBox 8">
+            <a:extLst>
+              <a:ext uri="{FF2B5EF4-FFF2-40B4-BE49-F238E27FC236}">
+                <a16:creationId xmlns:a16="http://schemas.microsoft.com/office/drawing/2014/main" id="{E8D80AC7-148A-AE54-A40B-D1C8D1C570D2}"/>
+              </a:ext>
+            </a:extLst>
+          </p:cNvPr>
+          <p:cNvSpPr txBox="1"/>
+          <p:nvPr/>
+        </p:nvSpPr>
+        <p:spPr>
+          <a:xfrm>
+            <a:off x="3680847" y="2612932"/>
+            <a:ext cx="284052" cy="307777"/>
+          </a:xfrm>
+          <a:prstGeom prst="rect">
+            <a:avLst/>
+          </a:prstGeom>
+          <a:noFill/>
+        </p:spPr>
+        <p:txBody>
+          <a:bodyPr wrap="none" rtlCol="0">
+            <a:spAutoFit/>
+          </a:bodyPr>
+          <a:lstStyle/>
+          <a:p>
+            <a:r>
+              <a:rPr lang="en-US" dirty="0"/>
+              <a:t>?</a:t>
+            </a:r>
+          </a:p>
+        </p:txBody>
+      </p:sp>
+      <p:sp>
+        <p:nvSpPr>
+          <p:cNvPr id="12" name="TextBox 11">
+            <a:extLst>
+              <a:ext uri="{FF2B5EF4-FFF2-40B4-BE49-F238E27FC236}">
+                <a16:creationId xmlns:a16="http://schemas.microsoft.com/office/drawing/2014/main" id="{4B532994-A080-EB19-CC52-F752D5A3DAD2}"/>
+              </a:ext>
+            </a:extLst>
+          </p:cNvPr>
+          <p:cNvSpPr txBox="1"/>
+          <p:nvPr/>
+        </p:nvSpPr>
+        <p:spPr>
+          <a:xfrm>
+            <a:off x="3565943" y="3222590"/>
+            <a:ext cx="284052" cy="307777"/>
+          </a:xfrm>
+          <a:prstGeom prst="rect">
+            <a:avLst/>
+          </a:prstGeom>
+          <a:noFill/>
+        </p:spPr>
+        <p:txBody>
+          <a:bodyPr wrap="none" rtlCol="0">
+            <a:spAutoFit/>
+          </a:bodyPr>
+          <a:lstStyle/>
+          <a:p>
+            <a:r>
+              <a:rPr lang="en-US" dirty="0"/>
+              <a:t>?</a:t>
+            </a:r>
+          </a:p>
+        </p:txBody>
+      </p:sp>
+    </p:spTree>
+    <p:extLst>
+      <p:ext uri="{BB962C8B-B14F-4D97-AF65-F5344CB8AC3E}">
+        <p14:creationId xmlns:p14="http://schemas.microsoft.com/office/powerpoint/2010/main" val="930214801"/>
+      </p:ext>
+    </p:extLst>
+  </p:cSld>
+  <p:clrMapOvr>
+    <a:masterClrMapping/>
+  </p:clrMapOvr>
+</p:sld>
+</file>
+
+<file path=ppt/slides/slide23.xml><?xml version="1.0" encoding="utf-8"?>
+<p:sld xmlns:a="http://schemas.openxmlformats.org/drawingml/2006/main" xmlns:r="http://schemas.openxmlformats.org/officeDocument/2006/relationships" xmlns:p="http://schemas.openxmlformats.org/presentationml/2006/main">
+  <p:cSld>
+    <p:spTree>
+      <p:nvGrpSpPr>
         <p:cNvPr id="1" name=""/>
         <p:cNvGrpSpPr/>
         <p:nvPr/>
@@ -23916,7 +26185,7 @@
             </a:pPr>
             <a:fld id="{00000000-1234-1234-1234-123412341234}" type="slidenum">
               <a:rPr lang="en" smtClean="0"/>
-              <a:t>21</a:t>
+              <a:t>23</a:t>
             </a:fld>
             <a:endParaRPr lang="en" dirty="0"/>
           </a:p>
@@ -25390,7 +27659,7 @@
 </p:sld>
 </file>
 
-<file path=ppt/slides/slide22.xml><?xml version="1.0" encoding="utf-8"?>
+<file path=ppt/slides/slide24.xml><?xml version="1.0" encoding="utf-8"?>
 <p:sld xmlns:a="http://schemas.openxmlformats.org/drawingml/2006/main" xmlns:r="http://schemas.openxmlformats.org/officeDocument/2006/relationships" xmlns:p="http://schemas.openxmlformats.org/presentationml/2006/main">
   <p:cSld>
     <p:spTree>
@@ -25561,7 +27830,7 @@
             </a:pPr>
             <a:fld id="{00000000-1234-1234-1234-123412341234}" type="slidenum">
               <a:rPr lang="en" smtClean="0"/>
-              <a:t>22</a:t>
+              <a:t>24</a:t>
             </a:fld>
             <a:endParaRPr lang="en" dirty="0"/>
           </a:p>
@@ -25580,7 +27849,7 @@
 </p:sld>
 </file>
 
-<file path=ppt/slides/slide23.xml><?xml version="1.0" encoding="utf-8"?>
+<file path=ppt/slides/slide25.xml><?xml version="1.0" encoding="utf-8"?>
 <p:sld xmlns:a="http://schemas.openxmlformats.org/drawingml/2006/main" xmlns:r="http://schemas.openxmlformats.org/officeDocument/2006/relationships" xmlns:p="http://schemas.openxmlformats.org/presentationml/2006/main">
   <p:cSld>
     <p:spTree>
@@ -25857,7 +28126,7 @@
             </a:pPr>
             <a:fld id="{00000000-1234-1234-1234-123412341234}" type="slidenum">
               <a:rPr lang="en" smtClean="0"/>
-              <a:t>23</a:t>
+              <a:t>25</a:t>
             </a:fld>
             <a:endParaRPr lang="en" dirty="0"/>
           </a:p>
@@ -26127,7 +28396,7 @@
 </p:sld>
 </file>
 
-<file path=ppt/slides/slide24.xml><?xml version="1.0" encoding="utf-8"?>
+<file path=ppt/slides/slide26.xml><?xml version="1.0" encoding="utf-8"?>
 <p:sld xmlns:a="http://schemas.openxmlformats.org/drawingml/2006/main" xmlns:r="http://schemas.openxmlformats.org/officeDocument/2006/relationships" xmlns:p="http://schemas.openxmlformats.org/presentationml/2006/main">
   <p:cSld>
     <p:spTree>
@@ -26327,7 +28596,7 @@
             </a:pPr>
             <a:fld id="{00000000-1234-1234-1234-123412341234}" type="slidenum">
               <a:rPr lang="en" smtClean="0"/>
-              <a:t>24</a:t>
+              <a:t>26</a:t>
             </a:fld>
             <a:endParaRPr lang="en" dirty="0"/>
           </a:p>
@@ -26346,7 +28615,7 @@
 </p:sld>
 </file>
 
-<file path=ppt/slides/slide25.xml><?xml version="1.0" encoding="utf-8"?>
+<file path=ppt/slides/slide27.xml><?xml version="1.0" encoding="utf-8"?>
 <p:sld xmlns:a="http://schemas.openxmlformats.org/drawingml/2006/main" xmlns:r="http://schemas.openxmlformats.org/officeDocument/2006/relationships" xmlns:p="http://schemas.openxmlformats.org/presentationml/2006/main">
   <p:cSld>
     <p:spTree>
@@ -26451,7 +28720,7 @@
             </a:pPr>
             <a:fld id="{00000000-1234-1234-1234-123412341234}" type="slidenum">
               <a:rPr lang="en" smtClean="0"/>
-              <a:t>25</a:t>
+              <a:t>27</a:t>
             </a:fld>
             <a:endParaRPr lang="en" dirty="0"/>
           </a:p>
@@ -27045,7 +29314,7 @@
         <p:spPr>
           <a:xfrm>
             <a:off x="5319423" y="1908312"/>
-            <a:ext cx="2770310" cy="307777"/>
+            <a:ext cx="1170513" cy="307777"/>
           </a:xfrm>
           <a:prstGeom prst="rect">
             <a:avLst/>
@@ -27060,7 +29329,7 @@
           <a:p>
             <a:r>
               <a:rPr lang="en-US" dirty="0"/>
-              <a:t>Not a direct attribute of the entity</a:t>
+              <a:t>New column</a:t>
             </a:r>
           </a:p>
         </p:txBody>
@@ -27083,7 +29352,7 @@
         <p:spPr>
           <a:xfrm rot="10800000" flipV="1">
             <a:off x="4794637" y="2062200"/>
-            <a:ext cx="524786" cy="652707"/>
+            <a:ext cx="524786" cy="652681"/>
           </a:xfrm>
           <a:prstGeom prst="bentConnector2">
             <a:avLst/>
@@ -27123,7 +29392,7 @@
 </p:sld>
 </file>
 
-<file path=ppt/slides/slide26.xml><?xml version="1.0" encoding="utf-8"?>
+<file path=ppt/slides/slide28.xml><?xml version="1.0" encoding="utf-8"?>
 <p:sld xmlns:a="http://schemas.openxmlformats.org/drawingml/2006/main" xmlns:r="http://schemas.openxmlformats.org/officeDocument/2006/relationships" xmlns:p="http://schemas.openxmlformats.org/presentationml/2006/main">
   <p:cSld>
     <p:spTree>
@@ -27258,7 +29527,7 @@
             </a:pPr>
             <a:fld id="{00000000-1234-1234-1234-123412341234}" type="slidenum">
               <a:rPr lang="en" smtClean="0"/>
-              <a:t>26</a:t>
+              <a:t>28</a:t>
             </a:fld>
             <a:endParaRPr lang="en" dirty="0"/>
           </a:p>
@@ -27277,7 +29546,7 @@
 </p:sld>
 </file>
 
-<file path=ppt/slides/slide27.xml><?xml version="1.0" encoding="utf-8"?>
+<file path=ppt/slides/slide29.xml><?xml version="1.0" encoding="utf-8"?>
 <p:sld xmlns:a="http://schemas.openxmlformats.org/drawingml/2006/main" xmlns:r="http://schemas.openxmlformats.org/officeDocument/2006/relationships" xmlns:p="http://schemas.openxmlformats.org/presentationml/2006/main">
   <p:cSld>
     <p:spTree>
@@ -27412,7 +29681,7 @@
             </a:pPr>
             <a:fld id="{00000000-1234-1234-1234-123412341234}" type="slidenum">
               <a:rPr lang="en" smtClean="0"/>
-              <a:t>27</a:t>
+              <a:t>29</a:t>
             </a:fld>
             <a:endParaRPr lang="en" dirty="0"/>
           </a:p>
@@ -27648,7 +29917,7 @@
           <p:nvPr>
             <p:extLst>
               <p:ext uri="{D42A27DB-BD31-4B8C-83A1-F6EECF244321}">
-                <p14:modId xmlns:p14="http://schemas.microsoft.com/office/powerpoint/2010/main" val="3687819363"/>
+                <p14:modId xmlns:p14="http://schemas.microsoft.com/office/powerpoint/2010/main" val="862728709"/>
               </p:ext>
             </p:extLst>
           </p:nvPr>
@@ -27719,9 +29988,10 @@
                     <a:lstStyle/>
                     <a:p>
                       <a:r>
-                        <a:rPr lang="en-US" dirty="0"/>
-                        <a:t>Wand lengths</a:t>
-                      </a:r>
+                        <a:rPr lang="en-US" dirty="0" err="1"/>
+                        <a:t>Wand_lengths</a:t>
+                      </a:r>
+                      <a:endParaRPr lang="en-US" dirty="0"/>
                     </a:p>
                   </a:txBody>
                   <a:tcPr/>
@@ -27991,7 +30261,193 @@
 </p:sld>
 </file>
 
-<file path=ppt/slides/slide28.xml><?xml version="1.0" encoding="utf-8"?>
+<file path=ppt/slides/slide3.xml><?xml version="1.0" encoding="utf-8"?>
+<p:sld xmlns:a="http://schemas.openxmlformats.org/drawingml/2006/main" xmlns:r="http://schemas.openxmlformats.org/officeDocument/2006/relationships" xmlns:p="http://schemas.openxmlformats.org/presentationml/2006/main">
+  <p:cSld>
+    <p:spTree>
+      <p:nvGrpSpPr>
+        <p:cNvPr id="1" name=""/>
+        <p:cNvGrpSpPr/>
+        <p:nvPr/>
+      </p:nvGrpSpPr>
+      <p:grpSpPr>
+        <a:xfrm>
+          <a:off x="0" y="0"/>
+          <a:ext cx="0" cy="0"/>
+          <a:chOff x="0" y="0"/>
+          <a:chExt cx="0" cy="0"/>
+        </a:xfrm>
+      </p:grpSpPr>
+      <p:sp>
+        <p:nvSpPr>
+          <p:cNvPr id="2" name="Title 1">
+            <a:extLst>
+              <a:ext uri="{FF2B5EF4-FFF2-40B4-BE49-F238E27FC236}">
+                <a16:creationId xmlns:a16="http://schemas.microsoft.com/office/drawing/2014/main" id="{8D26504D-2DE4-7F49-FB2C-0D8B4FF0D63B}"/>
+              </a:ext>
+            </a:extLst>
+          </p:cNvPr>
+          <p:cNvSpPr>
+            <a:spLocks noGrp="1"/>
+          </p:cNvSpPr>
+          <p:nvPr>
+            <p:ph type="title"/>
+          </p:nvPr>
+        </p:nvSpPr>
+        <p:spPr/>
+        <p:txBody>
+          <a:bodyPr/>
+          <a:lstStyle/>
+          <a:p>
+            <a:r>
+              <a:rPr lang="en-US" dirty="0"/>
+              <a:t>Relational databases, the good</a:t>
+            </a:r>
+          </a:p>
+        </p:txBody>
+      </p:sp>
+      <p:sp>
+        <p:nvSpPr>
+          <p:cNvPr id="3" name="Text Placeholder 2">
+            <a:extLst>
+              <a:ext uri="{FF2B5EF4-FFF2-40B4-BE49-F238E27FC236}">
+                <a16:creationId xmlns:a16="http://schemas.microsoft.com/office/drawing/2014/main" id="{1ABC6FBA-A79D-97A1-9EA3-D01AA68A1729}"/>
+              </a:ext>
+            </a:extLst>
+          </p:cNvPr>
+          <p:cNvSpPr>
+            <a:spLocks noGrp="1"/>
+          </p:cNvSpPr>
+          <p:nvPr>
+            <p:ph type="body" idx="1"/>
+          </p:nvPr>
+        </p:nvSpPr>
+        <p:spPr/>
+        <p:txBody>
+          <a:bodyPr>
+            <a:normAutofit fontScale="92500" lnSpcReduction="10000"/>
+          </a:bodyPr>
+          <a:lstStyle/>
+          <a:p>
+            <a:r>
+              <a:rPr lang="en-US" dirty="0"/>
+              <a:t>Fundamental form of data organization for 50 years</a:t>
+            </a:r>
+          </a:p>
+          <a:p>
+            <a:r>
+              <a:rPr lang="en-US" dirty="0"/>
+              <a:t>Remarkably stable: SQL basically unchanged for 50 years!</a:t>
+            </a:r>
+          </a:p>
+          <a:p>
+            <a:r>
+              <a:rPr lang="en-US" dirty="0"/>
+              <a:t>Mathematically rigorous basis</a:t>
+            </a:r>
+          </a:p>
+          <a:p>
+            <a:r>
+              <a:rPr lang="en-US" dirty="0"/>
+              <a:t>Open-ended query system</a:t>
+            </a:r>
+          </a:p>
+          <a:p>
+            <a:r>
+              <a:rPr lang="en-US" dirty="0"/>
+              <a:t>Support collaboration</a:t>
+            </a:r>
+          </a:p>
+          <a:p>
+            <a:r>
+              <a:rPr lang="en-US" dirty="0"/>
+              <a:t>Allow (well, require) schema definition</a:t>
+            </a:r>
+          </a:p>
+          <a:p>
+            <a:r>
+              <a:rPr lang="en-US" dirty="0"/>
+              <a:t>Correctness/consistency preserving</a:t>
+            </a:r>
+          </a:p>
+          <a:p>
+            <a:r>
+              <a:rPr lang="en-US" dirty="0"/>
+              <a:t>Fault tolerant, even replicated</a:t>
+            </a:r>
+          </a:p>
+          <a:p>
+            <a:r>
+              <a:rPr lang="en-US" dirty="0"/>
+              <a:t>Support concurrency out of the box</a:t>
+            </a:r>
+          </a:p>
+          <a:p>
+            <a:r>
+              <a:rPr lang="en-US" dirty="0"/>
+              <a:t>Turnkey performance support</a:t>
+            </a:r>
+          </a:p>
+          <a:p>
+            <a:r>
+              <a:rPr lang="en-US" dirty="0"/>
+              <a:t>Extensions for spatial objects, large corpus text, XML, JSON, etc.</a:t>
+            </a:r>
+          </a:p>
+        </p:txBody>
+      </p:sp>
+      <p:sp>
+        <p:nvSpPr>
+          <p:cNvPr id="4" name="Slide Number Placeholder 3">
+            <a:extLst>
+              <a:ext uri="{FF2B5EF4-FFF2-40B4-BE49-F238E27FC236}">
+                <a16:creationId xmlns:a16="http://schemas.microsoft.com/office/drawing/2014/main" id="{CE684AE4-A3A1-ED77-9743-B518205902F0}"/>
+              </a:ext>
+            </a:extLst>
+          </p:cNvPr>
+          <p:cNvSpPr>
+            <a:spLocks noGrp="1"/>
+          </p:cNvSpPr>
+          <p:nvPr>
+            <p:ph type="sldNum" idx="12"/>
+          </p:nvPr>
+        </p:nvSpPr>
+        <p:spPr/>
+        <p:txBody>
+          <a:bodyPr/>
+          <a:lstStyle/>
+          <a:p>
+            <a:pPr marL="0" lvl="0" indent="0" algn="r" rtl="0">
+              <a:spcBef>
+                <a:spcPts val="0"/>
+              </a:spcBef>
+              <a:spcAft>
+                <a:spcPts val="0"/>
+              </a:spcAft>
+              <a:buNone/>
+            </a:pPr>
+            <a:fld id="{00000000-1234-1234-1234-123412341234}" type="slidenum">
+              <a:rPr lang="en" smtClean="0"/>
+              <a:t>3</a:t>
+            </a:fld>
+            <a:endParaRPr lang="en" dirty="0"/>
+          </a:p>
+        </p:txBody>
+      </p:sp>
+    </p:spTree>
+    <p:extLst>
+      <p:ext uri="{BB962C8B-B14F-4D97-AF65-F5344CB8AC3E}">
+        <p14:creationId xmlns:p14="http://schemas.microsoft.com/office/powerpoint/2010/main" val="3923724195"/>
+      </p:ext>
+    </p:extLst>
+  </p:cSld>
+  <p:clrMapOvr>
+    <a:masterClrMapping/>
+  </p:clrMapOvr>
+</p:sld>
+</file>
+
+<file path=ppt/slides/slide30.xml><?xml version="1.0" encoding="utf-8"?>
 <p:sld xmlns:a="http://schemas.openxmlformats.org/drawingml/2006/main" xmlns:r="http://schemas.openxmlformats.org/officeDocument/2006/relationships" xmlns:p="http://schemas.openxmlformats.org/presentationml/2006/main">
   <p:cSld>
     <p:spTree>
@@ -28096,7 +30552,7 @@
             </a:pPr>
             <a:fld id="{00000000-1234-1234-1234-123412341234}" type="slidenum">
               <a:rPr lang="en" smtClean="0"/>
-              <a:t>28</a:t>
+              <a:t>30</a:t>
             </a:fld>
             <a:endParaRPr lang="en" dirty="0"/>
           </a:p>
@@ -28887,7 +31343,7 @@
 </p:sld>
 </file>
 
-<file path=ppt/slides/slide29.xml><?xml version="1.0" encoding="utf-8"?>
+<file path=ppt/slides/slide31.xml><?xml version="1.0" encoding="utf-8"?>
 <p:sld xmlns:a="http://schemas.openxmlformats.org/drawingml/2006/main" xmlns:r="http://schemas.openxmlformats.org/officeDocument/2006/relationships" xmlns:p="http://schemas.openxmlformats.org/presentationml/2006/main">
   <p:cSld>
     <p:spTree>
@@ -29007,7 +31463,7 @@
             </a:pPr>
             <a:fld id="{00000000-1234-1234-1234-123412341234}" type="slidenum">
               <a:rPr lang="en" smtClean="0"/>
-              <a:t>29</a:t>
+              <a:t>31</a:t>
             </a:fld>
             <a:endParaRPr lang="en" dirty="0"/>
           </a:p>
@@ -29403,8 +31859,8 @@
         </p:nvSpPr>
         <p:spPr>
           <a:xfrm>
-            <a:off x="1524000" y="2398723"/>
-            <a:ext cx="1529166" cy="307777"/>
+            <a:off x="1523999" y="2398723"/>
+            <a:ext cx="1934817" cy="307777"/>
           </a:xfrm>
           <a:prstGeom prst="rect">
             <a:avLst/>
@@ -29438,193 +31894,7 @@
 </p:sld>
 </file>
 
-<file path=ppt/slides/slide3.xml><?xml version="1.0" encoding="utf-8"?>
-<p:sld xmlns:a="http://schemas.openxmlformats.org/drawingml/2006/main" xmlns:r="http://schemas.openxmlformats.org/officeDocument/2006/relationships" xmlns:p="http://schemas.openxmlformats.org/presentationml/2006/main">
-  <p:cSld>
-    <p:spTree>
-      <p:nvGrpSpPr>
-        <p:cNvPr id="1" name=""/>
-        <p:cNvGrpSpPr/>
-        <p:nvPr/>
-      </p:nvGrpSpPr>
-      <p:grpSpPr>
-        <a:xfrm>
-          <a:off x="0" y="0"/>
-          <a:ext cx="0" cy="0"/>
-          <a:chOff x="0" y="0"/>
-          <a:chExt cx="0" cy="0"/>
-        </a:xfrm>
-      </p:grpSpPr>
-      <p:sp>
-        <p:nvSpPr>
-          <p:cNvPr id="2" name="Title 1">
-            <a:extLst>
-              <a:ext uri="{FF2B5EF4-FFF2-40B4-BE49-F238E27FC236}">
-                <a16:creationId xmlns:a16="http://schemas.microsoft.com/office/drawing/2014/main" id="{8D26504D-2DE4-7F49-FB2C-0D8B4FF0D63B}"/>
-              </a:ext>
-            </a:extLst>
-          </p:cNvPr>
-          <p:cNvSpPr>
-            <a:spLocks noGrp="1"/>
-          </p:cNvSpPr>
-          <p:nvPr>
-            <p:ph type="title"/>
-          </p:nvPr>
-        </p:nvSpPr>
-        <p:spPr/>
-        <p:txBody>
-          <a:bodyPr/>
-          <a:lstStyle/>
-          <a:p>
-            <a:r>
-              <a:rPr lang="en-US" dirty="0"/>
-              <a:t>Relational databases, the good</a:t>
-            </a:r>
-          </a:p>
-        </p:txBody>
-      </p:sp>
-      <p:sp>
-        <p:nvSpPr>
-          <p:cNvPr id="3" name="Text Placeholder 2">
-            <a:extLst>
-              <a:ext uri="{FF2B5EF4-FFF2-40B4-BE49-F238E27FC236}">
-                <a16:creationId xmlns:a16="http://schemas.microsoft.com/office/drawing/2014/main" id="{1ABC6FBA-A79D-97A1-9EA3-D01AA68A1729}"/>
-              </a:ext>
-            </a:extLst>
-          </p:cNvPr>
-          <p:cNvSpPr>
-            <a:spLocks noGrp="1"/>
-          </p:cNvSpPr>
-          <p:nvPr>
-            <p:ph type="body" idx="1"/>
-          </p:nvPr>
-        </p:nvSpPr>
-        <p:spPr/>
-        <p:txBody>
-          <a:bodyPr>
-            <a:normAutofit fontScale="92500" lnSpcReduction="10000"/>
-          </a:bodyPr>
-          <a:lstStyle/>
-          <a:p>
-            <a:r>
-              <a:rPr lang="en-US" dirty="0"/>
-              <a:t>Fundamental form of data organization for 50 years</a:t>
-            </a:r>
-          </a:p>
-          <a:p>
-            <a:r>
-              <a:rPr lang="en-US" dirty="0"/>
-              <a:t>Remarkably stable: SQL basically unchanged for 50 years!</a:t>
-            </a:r>
-          </a:p>
-          <a:p>
-            <a:r>
-              <a:rPr lang="en-US" dirty="0"/>
-              <a:t>Mathematically rigorous basis</a:t>
-            </a:r>
-          </a:p>
-          <a:p>
-            <a:r>
-              <a:rPr lang="en-US" dirty="0"/>
-              <a:t>Open-ended query system</a:t>
-            </a:r>
-          </a:p>
-          <a:p>
-            <a:r>
-              <a:rPr lang="en-US" dirty="0"/>
-              <a:t>Support collaboration</a:t>
-            </a:r>
-          </a:p>
-          <a:p>
-            <a:r>
-              <a:rPr lang="en-US" dirty="0"/>
-              <a:t>Allow (well, require) schema definition</a:t>
-            </a:r>
-          </a:p>
-          <a:p>
-            <a:r>
-              <a:rPr lang="en-US" dirty="0"/>
-              <a:t>Correctness/consistency preserving</a:t>
-            </a:r>
-          </a:p>
-          <a:p>
-            <a:r>
-              <a:rPr lang="en-US" dirty="0"/>
-              <a:t>Fault tolerant, even replicated</a:t>
-            </a:r>
-          </a:p>
-          <a:p>
-            <a:r>
-              <a:rPr lang="en-US" dirty="0"/>
-              <a:t>Support concurrency out of the box</a:t>
-            </a:r>
-          </a:p>
-          <a:p>
-            <a:r>
-              <a:rPr lang="en-US" dirty="0"/>
-              <a:t>Turnkey performance support</a:t>
-            </a:r>
-          </a:p>
-          <a:p>
-            <a:r>
-              <a:rPr lang="en-US" dirty="0"/>
-              <a:t>Extensions for spatial objects, large corpus text, XML, JSON, etc.</a:t>
-            </a:r>
-          </a:p>
-        </p:txBody>
-      </p:sp>
-      <p:sp>
-        <p:nvSpPr>
-          <p:cNvPr id="4" name="Slide Number Placeholder 3">
-            <a:extLst>
-              <a:ext uri="{FF2B5EF4-FFF2-40B4-BE49-F238E27FC236}">
-                <a16:creationId xmlns:a16="http://schemas.microsoft.com/office/drawing/2014/main" id="{CE684AE4-A3A1-ED77-9743-B518205902F0}"/>
-              </a:ext>
-            </a:extLst>
-          </p:cNvPr>
-          <p:cNvSpPr>
-            <a:spLocks noGrp="1"/>
-          </p:cNvSpPr>
-          <p:nvPr>
-            <p:ph type="sldNum" idx="12"/>
-          </p:nvPr>
-        </p:nvSpPr>
-        <p:spPr/>
-        <p:txBody>
-          <a:bodyPr/>
-          <a:lstStyle/>
-          <a:p>
-            <a:pPr marL="0" lvl="0" indent="0" algn="r" rtl="0">
-              <a:spcBef>
-                <a:spcPts val="0"/>
-              </a:spcBef>
-              <a:spcAft>
-                <a:spcPts val="0"/>
-              </a:spcAft>
-              <a:buNone/>
-            </a:pPr>
-            <a:fld id="{00000000-1234-1234-1234-123412341234}" type="slidenum">
-              <a:rPr lang="en" smtClean="0"/>
-              <a:t>3</a:t>
-            </a:fld>
-            <a:endParaRPr lang="en" dirty="0"/>
-          </a:p>
-        </p:txBody>
-      </p:sp>
-    </p:spTree>
-    <p:extLst>
-      <p:ext uri="{BB962C8B-B14F-4D97-AF65-F5344CB8AC3E}">
-        <p14:creationId xmlns:p14="http://schemas.microsoft.com/office/powerpoint/2010/main" val="3923724195"/>
-      </p:ext>
-    </p:extLst>
-  </p:cSld>
-  <p:clrMapOvr>
-    <a:masterClrMapping/>
-  </p:clrMapOvr>
-</p:sld>
-</file>
-
-<file path=ppt/slides/slide30.xml><?xml version="1.0" encoding="utf-8"?>
+<file path=ppt/slides/slide32.xml><?xml version="1.0" encoding="utf-8"?>
 <p:sld xmlns:a="http://schemas.openxmlformats.org/drawingml/2006/main" xmlns:r="http://schemas.openxmlformats.org/officeDocument/2006/relationships" xmlns:p="http://schemas.openxmlformats.org/presentationml/2006/main">
   <p:cSld>
     <p:spTree>
@@ -29732,7 +32002,7 @@
             </a:pPr>
             <a:fld id="{00000000-1234-1234-1234-123412341234}" type="slidenum">
               <a:rPr lang="en" smtClean="0"/>
-              <a:t>30</a:t>
+              <a:t>32</a:t>
             </a:fld>
             <a:endParaRPr lang="en" dirty="0"/>
           </a:p>
@@ -30205,7 +32475,7 @@
         <p:spPr>
           <a:xfrm>
             <a:off x="1524000" y="2398723"/>
-            <a:ext cx="1529166" cy="307777"/>
+            <a:ext cx="2157454" cy="307777"/>
           </a:xfrm>
           <a:prstGeom prst="rect">
             <a:avLst/>
@@ -30239,7 +32509,7 @@
 </p:sld>
 </file>
 
-<file path=ppt/slides/slide31.xml><?xml version="1.0" encoding="utf-8"?>
+<file path=ppt/slides/slide33.xml><?xml version="1.0" encoding="utf-8"?>
 <p:sld xmlns:a="http://schemas.openxmlformats.org/drawingml/2006/main" xmlns:r="http://schemas.openxmlformats.org/officeDocument/2006/relationships" xmlns:p="http://schemas.openxmlformats.org/presentationml/2006/main">
   <p:cSld>
     <p:spTree>
@@ -30454,7 +32724,7 @@
             </a:pPr>
             <a:fld id="{00000000-1234-1234-1234-123412341234}" type="slidenum">
               <a:rPr lang="en" smtClean="0"/>
-              <a:t>31</a:t>
+              <a:t>33</a:t>
             </a:fld>
             <a:endParaRPr lang="en" dirty="0"/>
           </a:p>
@@ -30473,7 +32743,7 @@
 </p:sld>
 </file>
 
-<file path=ppt/slides/slide32.xml><?xml version="1.0" encoding="utf-8"?>
+<file path=ppt/slides/slide34.xml><?xml version="1.0" encoding="utf-8"?>
 <p:sld xmlns:a="http://schemas.openxmlformats.org/drawingml/2006/main" xmlns:r="http://schemas.openxmlformats.org/officeDocument/2006/relationships" xmlns:p="http://schemas.openxmlformats.org/presentationml/2006/main">
   <p:cSld>
     <p:spTree>
@@ -30513,7 +32783,7 @@
           <a:p>
             <a:r>
               <a:rPr lang="en-US" dirty="0"/>
-              <a:t>Naming best practices</a:t>
+              <a:t>Diagramming Harry Potter</a:t>
             </a:r>
           </a:p>
         </p:txBody>
@@ -30541,131 +32811,26 @@
           <a:p>
             <a:r>
               <a:rPr lang="en-US" dirty="0"/>
-              <a:t>Table names singular</a:t>
-            </a:r>
-          </a:p>
-          <a:p>
-            <a:pPr lvl="1"/>
-            <a:r>
-              <a:rPr lang="en-US" dirty="0">
-                <a:latin typeface="Avenir Book" panose="02000503020000020003" pitchFamily="2" charset="0"/>
-              </a:rPr>
-              <a:t>Student, not Students or </a:t>
-            </a:r>
-            <a:r>
-              <a:rPr lang="en-US" dirty="0" err="1">
-                <a:latin typeface="Avenir Book" panose="02000503020000020003" pitchFamily="2" charset="0"/>
-              </a:rPr>
-              <a:t>Student_body</a:t>
-            </a:r>
-            <a:endParaRPr lang="en-US" dirty="0">
-              <a:latin typeface="Avenir Book" panose="02000503020000020003" pitchFamily="2" charset="0"/>
-            </a:endParaRPr>
+              <a:t>Conceptual</a:t>
+            </a:r>
+          </a:p>
+          <a:p>
+            <a:endParaRPr lang="en-US" dirty="0"/>
+          </a:p>
+          <a:p>
+            <a:endParaRPr lang="en-US" dirty="0"/>
+          </a:p>
+          <a:p>
+            <a:endParaRPr lang="en-US" dirty="0"/>
+          </a:p>
+          <a:p>
+            <a:endParaRPr lang="en-US" dirty="0"/>
           </a:p>
           <a:p>
             <a:r>
               <a:rPr lang="en-US" dirty="0"/>
-              <a:t>Column name unqualified</a:t>
-            </a:r>
-          </a:p>
-          <a:p>
-            <a:pPr lvl="1"/>
-            <a:r>
-              <a:rPr lang="en-US" dirty="0">
-                <a:latin typeface="Avenir Book" panose="02000503020000020003" pitchFamily="2" charset="0"/>
-              </a:rPr>
-              <a:t>Name, not </a:t>
-            </a:r>
-            <a:r>
-              <a:rPr lang="en-US" dirty="0" err="1">
-                <a:latin typeface="Avenir Book" panose="02000503020000020003" pitchFamily="2" charset="0"/>
-              </a:rPr>
-              <a:t>Student_name</a:t>
-            </a:r>
-            <a:endParaRPr lang="en-US" dirty="0">
-              <a:latin typeface="Avenir Book" panose="02000503020000020003" pitchFamily="2" charset="0"/>
-            </a:endParaRPr>
-          </a:p>
-          <a:p>
-            <a:r>
-              <a:rPr lang="en-US" dirty="0"/>
-              <a:t>Ergo, can reference in SQL as </a:t>
-            </a:r>
-            <a:r>
-              <a:rPr lang="en-US" dirty="0" err="1"/>
-              <a:t>Student.Name</a:t>
-            </a:r>
-            <a:endParaRPr lang="en-US" dirty="0"/>
-          </a:p>
-          <a:p>
-            <a:pPr lvl="1"/>
-            <a:endParaRPr lang="en-US" dirty="0"/>
-          </a:p>
-          <a:p>
-            <a:r>
-              <a:rPr lang="en-US" dirty="0"/>
-              <a:t>Two approaches to key naming</a:t>
-            </a:r>
-          </a:p>
-          <a:p>
-            <a:pPr lvl="1"/>
-            <a:r>
-              <a:rPr lang="en-US" dirty="0">
-                <a:latin typeface="Avenir Book" panose="02000503020000020003" pitchFamily="2" charset="0"/>
-              </a:rPr>
-              <a:t>Use attribute name to indicate relationship</a:t>
-            </a:r>
-          </a:p>
-          <a:p>
-            <a:pPr lvl="2"/>
-            <a:r>
-              <a:rPr lang="en-US" dirty="0">
-                <a:latin typeface="Avenir Book" panose="02000503020000020003" pitchFamily="2" charset="0"/>
-              </a:rPr>
-              <a:t>E.g., Wand column referencing Student is named “Owner”</a:t>
-            </a:r>
-          </a:p>
-          <a:p>
-            <a:pPr lvl="1"/>
-            <a:r>
-              <a:rPr lang="en-US" dirty="0">
-                <a:latin typeface="Avenir Book" panose="02000503020000020003" pitchFamily="2" charset="0"/>
-              </a:rPr>
-              <a:t>Use primary key name uniformly (preferred for sanity, makes joins easy)</a:t>
-            </a:r>
-          </a:p>
-          <a:p>
-            <a:pPr lvl="2"/>
-            <a:r>
-              <a:rPr lang="en-US" dirty="0" err="1">
-                <a:latin typeface="Avenir Book" panose="02000503020000020003" pitchFamily="2" charset="0"/>
-              </a:rPr>
-              <a:t>Student_ID</a:t>
-            </a:r>
-            <a:r>
-              <a:rPr lang="en-US" dirty="0">
-                <a:latin typeface="Avenir Book" panose="02000503020000020003" pitchFamily="2" charset="0"/>
-              </a:rPr>
-              <a:t>, </a:t>
-            </a:r>
-            <a:r>
-              <a:rPr lang="en-US" dirty="0" err="1">
-                <a:latin typeface="Avenir Book" panose="02000503020000020003" pitchFamily="2" charset="0"/>
-              </a:rPr>
-              <a:t>House_ID</a:t>
-            </a:r>
-            <a:r>
-              <a:rPr lang="en-US" dirty="0">
-                <a:latin typeface="Avenir Book" panose="02000503020000020003" pitchFamily="2" charset="0"/>
-              </a:rPr>
-              <a:t>, etc.</a:t>
-            </a:r>
-          </a:p>
-          <a:p>
-            <a:pPr lvl="1"/>
-            <a:endParaRPr lang="en-US" dirty="0">
-              <a:latin typeface="Avenir Book" panose="02000503020000020003" pitchFamily="2" charset="0"/>
-            </a:endParaRPr>
+              <a:t>Physical</a:t>
+            </a:r>
           </a:p>
         </p:txBody>
       </p:sp>
@@ -30701,12 +32866,70 @@
             </a:pPr>
             <a:fld id="{00000000-1234-1234-1234-123412341234}" type="slidenum">
               <a:rPr lang="en" smtClean="0"/>
-              <a:t>32</a:t>
+              <a:t>34</a:t>
             </a:fld>
             <a:endParaRPr lang="en" dirty="0"/>
           </a:p>
         </p:txBody>
       </p:sp>
+      <p:pic>
+        <p:nvPicPr>
+          <p:cNvPr id="19" name="Picture 18" descr="A screenshot of a computer&#10;&#10;Description automatically generated">
+            <a:extLst>
+              <a:ext uri="{FF2B5EF4-FFF2-40B4-BE49-F238E27FC236}">
+                <a16:creationId xmlns:a16="http://schemas.microsoft.com/office/drawing/2014/main" id="{A00748BF-CCFB-5198-EB69-77C0BD06C53F}"/>
+              </a:ext>
+            </a:extLst>
+          </p:cNvPr>
+          <p:cNvPicPr>
+            <a:picLocks noChangeAspect="1"/>
+          </p:cNvPicPr>
+          <p:nvPr/>
+        </p:nvPicPr>
+        <p:blipFill>
+          <a:blip r:embed="rId2"/>
+          <a:srcRect b="24016"/>
+          <a:stretch/>
+        </p:blipFill>
+        <p:spPr>
+          <a:xfrm>
+            <a:off x="2132838" y="1375156"/>
+            <a:ext cx="3086100" cy="1196594"/>
+          </a:xfrm>
+          <a:prstGeom prst="rect">
+            <a:avLst/>
+          </a:prstGeom>
+        </p:spPr>
+      </p:pic>
+      <p:pic>
+        <p:nvPicPr>
+          <p:cNvPr id="21" name="Picture 20" descr="A screen shot of a computer&#10;&#10;Description automatically generated">
+            <a:extLst>
+              <a:ext uri="{FF2B5EF4-FFF2-40B4-BE49-F238E27FC236}">
+                <a16:creationId xmlns:a16="http://schemas.microsoft.com/office/drawing/2014/main" id="{1C24115A-84FC-C256-3188-E205D66BE34A}"/>
+              </a:ext>
+            </a:extLst>
+          </p:cNvPr>
+          <p:cNvPicPr>
+            <a:picLocks noChangeAspect="1"/>
+          </p:cNvPicPr>
+          <p:nvPr/>
+        </p:nvPicPr>
+        <p:blipFill>
+          <a:blip r:embed="rId3"/>
+          <a:srcRect b="24016"/>
+          <a:stretch/>
+        </p:blipFill>
+        <p:spPr>
+          <a:xfrm>
+            <a:off x="1288288" y="3090087"/>
+            <a:ext cx="4775200" cy="1196594"/>
+          </a:xfrm>
+          <a:prstGeom prst="rect">
+            <a:avLst/>
+          </a:prstGeom>
+        </p:spPr>
+      </p:pic>
     </p:spTree>
     <p:extLst>
       <p:ext uri="{BB962C8B-B14F-4D97-AF65-F5344CB8AC3E}">
@@ -30720,7 +32943,260 @@
 </p:sld>
 </file>
 
-<file path=ppt/slides/slide33.xml><?xml version="1.0" encoding="utf-8"?>
+<file path=ppt/slides/slide35.xml><?xml version="1.0" encoding="utf-8"?>
+<p:sld xmlns:a="http://schemas.openxmlformats.org/drawingml/2006/main" xmlns:r="http://schemas.openxmlformats.org/officeDocument/2006/relationships" xmlns:p="http://schemas.openxmlformats.org/presentationml/2006/main">
+  <p:cSld>
+    <p:spTree>
+      <p:nvGrpSpPr>
+        <p:cNvPr id="1" name="">
+          <a:extLst>
+            <a:ext uri="{FF2B5EF4-FFF2-40B4-BE49-F238E27FC236}">
+              <a16:creationId xmlns:a16="http://schemas.microsoft.com/office/drawing/2014/main" id="{F0ADA7F5-CC9C-5BFE-66F1-9B0FFEBC9FAA}"/>
+            </a:ext>
+          </a:extLst>
+        </p:cNvPr>
+        <p:cNvGrpSpPr/>
+        <p:nvPr/>
+      </p:nvGrpSpPr>
+      <p:grpSpPr>
+        <a:xfrm>
+          <a:off x="0" y="0"/>
+          <a:ext cx="0" cy="0"/>
+          <a:chOff x="0" y="0"/>
+          <a:chExt cx="0" cy="0"/>
+        </a:xfrm>
+      </p:grpSpPr>
+      <p:sp>
+        <p:nvSpPr>
+          <p:cNvPr id="2" name="Title 1">
+            <a:extLst>
+              <a:ext uri="{FF2B5EF4-FFF2-40B4-BE49-F238E27FC236}">
+                <a16:creationId xmlns:a16="http://schemas.microsoft.com/office/drawing/2014/main" id="{BD4B55BD-8AB4-5A19-E122-1D54766DE3B1}"/>
+              </a:ext>
+            </a:extLst>
+          </p:cNvPr>
+          <p:cNvSpPr>
+            <a:spLocks noGrp="1"/>
+          </p:cNvSpPr>
+          <p:nvPr>
+            <p:ph type="title"/>
+          </p:nvPr>
+        </p:nvSpPr>
+        <p:spPr/>
+        <p:txBody>
+          <a:bodyPr/>
+          <a:lstStyle/>
+          <a:p>
+            <a:r>
+              <a:rPr lang="en-US" dirty="0"/>
+              <a:t>Naming best practices</a:t>
+            </a:r>
+          </a:p>
+        </p:txBody>
+      </p:sp>
+      <p:sp>
+        <p:nvSpPr>
+          <p:cNvPr id="3" name="Text Placeholder 2">
+            <a:extLst>
+              <a:ext uri="{FF2B5EF4-FFF2-40B4-BE49-F238E27FC236}">
+                <a16:creationId xmlns:a16="http://schemas.microsoft.com/office/drawing/2014/main" id="{1D920550-7640-C619-75C4-02E8E01BB21B}"/>
+              </a:ext>
+            </a:extLst>
+          </p:cNvPr>
+          <p:cNvSpPr>
+            <a:spLocks noGrp="1"/>
+          </p:cNvSpPr>
+          <p:nvPr>
+            <p:ph type="body" idx="1"/>
+          </p:nvPr>
+        </p:nvSpPr>
+        <p:spPr/>
+        <p:txBody>
+          <a:bodyPr/>
+          <a:lstStyle/>
+          <a:p>
+            <a:r>
+              <a:rPr lang="en-US" dirty="0"/>
+              <a:t>Table names singular</a:t>
+            </a:r>
+          </a:p>
+          <a:p>
+            <a:pPr lvl="1"/>
+            <a:r>
+              <a:rPr lang="en-US" dirty="0">
+                <a:latin typeface="Avenir Book" panose="02000503020000020003" pitchFamily="2" charset="0"/>
+              </a:rPr>
+              <a:t>Student, not Students or </a:t>
+            </a:r>
+            <a:r>
+              <a:rPr lang="en-US" dirty="0" err="1">
+                <a:latin typeface="Avenir Book" panose="02000503020000020003" pitchFamily="2" charset="0"/>
+              </a:rPr>
+              <a:t>Student_body</a:t>
+            </a:r>
+            <a:endParaRPr lang="en-US" dirty="0">
+              <a:latin typeface="Avenir Book" panose="02000503020000020003" pitchFamily="2" charset="0"/>
+            </a:endParaRPr>
+          </a:p>
+          <a:p>
+            <a:r>
+              <a:rPr lang="en-US" dirty="0"/>
+              <a:t>Column name unqualified</a:t>
+            </a:r>
+          </a:p>
+          <a:p>
+            <a:pPr lvl="1"/>
+            <a:r>
+              <a:rPr lang="en-US" dirty="0">
+                <a:latin typeface="Avenir Book" panose="02000503020000020003" pitchFamily="2" charset="0"/>
+              </a:rPr>
+              <a:t>Name, not </a:t>
+            </a:r>
+            <a:r>
+              <a:rPr lang="en-US" dirty="0" err="1">
+                <a:latin typeface="Avenir Book" panose="02000503020000020003" pitchFamily="2" charset="0"/>
+              </a:rPr>
+              <a:t>Student_name</a:t>
+            </a:r>
+            <a:endParaRPr lang="en-US" dirty="0">
+              <a:latin typeface="Avenir Book" panose="02000503020000020003" pitchFamily="2" charset="0"/>
+            </a:endParaRPr>
+          </a:p>
+          <a:p>
+            <a:r>
+              <a:rPr lang="en-US" dirty="0"/>
+              <a:t>Ergo, can reference in SQL as </a:t>
+            </a:r>
+            <a:r>
+              <a:rPr lang="en-US" dirty="0" err="1"/>
+              <a:t>Student.Name</a:t>
+            </a:r>
+            <a:endParaRPr lang="en-US" dirty="0"/>
+          </a:p>
+          <a:p>
+            <a:pPr lvl="1"/>
+            <a:endParaRPr lang="en-US" dirty="0"/>
+          </a:p>
+          <a:p>
+            <a:r>
+              <a:rPr lang="en-US" dirty="0"/>
+              <a:t>Two approaches to key naming</a:t>
+            </a:r>
+          </a:p>
+          <a:p>
+            <a:pPr lvl="1"/>
+            <a:r>
+              <a:rPr lang="en-US" dirty="0">
+                <a:latin typeface="Avenir Book" panose="02000503020000020003" pitchFamily="2" charset="0"/>
+              </a:rPr>
+              <a:t>Use attribute name to indicate relationship</a:t>
+            </a:r>
+          </a:p>
+          <a:p>
+            <a:pPr lvl="2"/>
+            <a:r>
+              <a:rPr lang="en-US" dirty="0">
+                <a:latin typeface="Avenir Book" panose="02000503020000020003" pitchFamily="2" charset="0"/>
+              </a:rPr>
+              <a:t>E.g., Wand column referencing Student is named “Owner”</a:t>
+            </a:r>
+          </a:p>
+          <a:p>
+            <a:pPr lvl="1"/>
+            <a:r>
+              <a:rPr lang="en-US" dirty="0">
+                <a:latin typeface="Avenir Book" panose="02000503020000020003" pitchFamily="2" charset="0"/>
+              </a:rPr>
+              <a:t>Use primary key name uniformly (preferred for sanity, makes joins easy)</a:t>
+            </a:r>
+          </a:p>
+          <a:p>
+            <a:pPr lvl="2"/>
+            <a:r>
+              <a:rPr lang="en-US" dirty="0" err="1">
+                <a:latin typeface="Avenir Book" panose="02000503020000020003" pitchFamily="2" charset="0"/>
+              </a:rPr>
+              <a:t>Student_ID</a:t>
+            </a:r>
+            <a:r>
+              <a:rPr lang="en-US" dirty="0">
+                <a:latin typeface="Avenir Book" panose="02000503020000020003" pitchFamily="2" charset="0"/>
+              </a:rPr>
+              <a:t>, </a:t>
+            </a:r>
+            <a:r>
+              <a:rPr lang="en-US" dirty="0" err="1">
+                <a:latin typeface="Avenir Book" panose="02000503020000020003" pitchFamily="2" charset="0"/>
+              </a:rPr>
+              <a:t>House_ID</a:t>
+            </a:r>
+            <a:r>
+              <a:rPr lang="en-US" dirty="0">
+                <a:latin typeface="Avenir Book" panose="02000503020000020003" pitchFamily="2" charset="0"/>
+              </a:rPr>
+              <a:t>, etc.</a:t>
+            </a:r>
+          </a:p>
+          <a:p>
+            <a:pPr lvl="1"/>
+            <a:endParaRPr lang="en-US" dirty="0">
+              <a:latin typeface="Avenir Book" panose="02000503020000020003" pitchFamily="2" charset="0"/>
+            </a:endParaRPr>
+          </a:p>
+        </p:txBody>
+      </p:sp>
+      <p:sp>
+        <p:nvSpPr>
+          <p:cNvPr id="4" name="Slide Number Placeholder 3">
+            <a:extLst>
+              <a:ext uri="{FF2B5EF4-FFF2-40B4-BE49-F238E27FC236}">
+                <a16:creationId xmlns:a16="http://schemas.microsoft.com/office/drawing/2014/main" id="{F6C628FA-71F7-C846-8D3C-E8E7077FCD26}"/>
+              </a:ext>
+            </a:extLst>
+          </p:cNvPr>
+          <p:cNvSpPr>
+            <a:spLocks noGrp="1"/>
+          </p:cNvSpPr>
+          <p:nvPr>
+            <p:ph type="sldNum" idx="12"/>
+          </p:nvPr>
+        </p:nvSpPr>
+        <p:spPr/>
+        <p:txBody>
+          <a:bodyPr/>
+          <a:lstStyle/>
+          <a:p>
+            <a:pPr marL="0" lvl="0" indent="0" algn="r" rtl="0">
+              <a:spcBef>
+                <a:spcPts val="0"/>
+              </a:spcBef>
+              <a:spcAft>
+                <a:spcPts val="0"/>
+              </a:spcAft>
+              <a:buNone/>
+            </a:pPr>
+            <a:fld id="{00000000-1234-1234-1234-123412341234}" type="slidenum">
+              <a:rPr lang="en" smtClean="0"/>
+              <a:t>35</a:t>
+            </a:fld>
+            <a:endParaRPr lang="en" dirty="0"/>
+          </a:p>
+        </p:txBody>
+      </p:sp>
+    </p:spTree>
+    <p:extLst>
+      <p:ext uri="{BB962C8B-B14F-4D97-AF65-F5344CB8AC3E}">
+        <p14:creationId xmlns:p14="http://schemas.microsoft.com/office/powerpoint/2010/main" val="4277951381"/>
+      </p:ext>
+    </p:extLst>
+  </p:cSld>
+  <p:clrMapOvr>
+    <a:masterClrMapping/>
+  </p:clrMapOvr>
+</p:sld>
+</file>
+
+<file path=ppt/slides/slide36.xml><?xml version="1.0" encoding="utf-8"?>
 <p:sld xmlns:a="http://schemas.openxmlformats.org/drawingml/2006/main" xmlns:r="http://schemas.openxmlformats.org/officeDocument/2006/relationships" xmlns:p="http://schemas.openxmlformats.org/presentationml/2006/main">
   <p:cSld>
     <p:spTree>
@@ -30861,7 +33337,7 @@
             </a:pPr>
             <a:fld id="{00000000-1234-1234-1234-123412341234}" type="slidenum">
               <a:rPr lang="en" smtClean="0"/>
-              <a:t>33</a:t>
+              <a:t>36</a:t>
             </a:fld>
             <a:endParaRPr lang="en" dirty="0"/>
           </a:p>
@@ -30880,7 +33356,7 @@
 </p:sld>
 </file>
 
-<file path=ppt/slides/slide34.xml><?xml version="1.0" encoding="utf-8"?>
+<file path=ppt/slides/slide37.xml><?xml version="1.0" encoding="utf-8"?>
 <p:sld xmlns:a="http://schemas.openxmlformats.org/drawingml/2006/main" xmlns:r="http://schemas.openxmlformats.org/officeDocument/2006/relationships" xmlns:p="http://schemas.openxmlformats.org/presentationml/2006/main">
   <p:cSld>
     <p:spTree>
@@ -31007,7 +33483,7 @@
               <a:rPr lang="en" smtClean="0">
                 <a:latin typeface="Avenir Book" panose="02000503020000020003" pitchFamily="2" charset="0"/>
               </a:rPr>
-              <a:t>34</a:t>
+              <a:t>37</a:t>
             </a:fld>
             <a:endParaRPr lang="en" dirty="0">
               <a:latin typeface="Avenir Book" panose="02000503020000020003" pitchFamily="2" charset="0"/>
@@ -31028,7 +33504,7 @@
 </p:sld>
 </file>
 
-<file path=ppt/slides/slide35.xml><?xml version="1.0" encoding="utf-8"?>
+<file path=ppt/slides/slide38.xml><?xml version="1.0" encoding="utf-8"?>
 <p:sld xmlns:a="http://schemas.openxmlformats.org/drawingml/2006/main" xmlns:r="http://schemas.openxmlformats.org/officeDocument/2006/relationships" xmlns:p="http://schemas.openxmlformats.org/presentationml/2006/main">
   <p:cSld>
     <p:spTree>
@@ -31229,7 +33705,7 @@
             </a:pPr>
             <a:fld id="{00000000-1234-1234-1234-123412341234}" type="slidenum">
               <a:rPr lang="en" smtClean="0"/>
-              <a:t>35</a:t>
+              <a:t>38</a:t>
             </a:fld>
             <a:endParaRPr lang="en" dirty="0"/>
           </a:p>
@@ -31248,7 +33724,7 @@
 </p:sld>
 </file>
 
-<file path=ppt/slides/slide36.xml><?xml version="1.0" encoding="utf-8"?>
+<file path=ppt/slides/slide39.xml><?xml version="1.0" encoding="utf-8"?>
 <p:sld xmlns:a="http://schemas.openxmlformats.org/drawingml/2006/main" xmlns:r="http://schemas.openxmlformats.org/officeDocument/2006/relationships" xmlns:p="http://schemas.openxmlformats.org/presentationml/2006/main">
   <p:cSld>
     <p:spTree>
@@ -31672,7 +34148,7 @@
             </a:pPr>
             <a:fld id="{00000000-1234-1234-1234-123412341234}" type="slidenum">
               <a:rPr lang="en" smtClean="0"/>
-              <a:t>36</a:t>
+              <a:t>39</a:t>
             </a:fld>
             <a:endParaRPr lang="en" dirty="0"/>
           </a:p>
@@ -31682,708 +34158,6 @@
     <p:extLst>
       <p:ext uri="{BB962C8B-B14F-4D97-AF65-F5344CB8AC3E}">
         <p14:creationId xmlns:p14="http://schemas.microsoft.com/office/powerpoint/2010/main" val="184488178"/>
-      </p:ext>
-    </p:extLst>
-  </p:cSld>
-  <p:clrMapOvr>
-    <a:masterClrMapping/>
-  </p:clrMapOvr>
-</p:sld>
-</file>
-
-<file path=ppt/slides/slide37.xml><?xml version="1.0" encoding="utf-8"?>
-<p:sld xmlns:a="http://schemas.openxmlformats.org/drawingml/2006/main" xmlns:r="http://schemas.openxmlformats.org/officeDocument/2006/relationships" xmlns:p="http://schemas.openxmlformats.org/presentationml/2006/main">
-  <p:cSld>
-    <p:spTree>
-      <p:nvGrpSpPr>
-        <p:cNvPr id="1" name=""/>
-        <p:cNvGrpSpPr/>
-        <p:nvPr/>
-      </p:nvGrpSpPr>
-      <p:grpSpPr>
-        <a:xfrm>
-          <a:off x="0" y="0"/>
-          <a:ext cx="0" cy="0"/>
-          <a:chOff x="0" y="0"/>
-          <a:chExt cx="0" cy="0"/>
-        </a:xfrm>
-      </p:grpSpPr>
-      <p:sp>
-        <p:nvSpPr>
-          <p:cNvPr id="2" name="Title 1">
-            <a:extLst>
-              <a:ext uri="{FF2B5EF4-FFF2-40B4-BE49-F238E27FC236}">
-                <a16:creationId xmlns:a16="http://schemas.microsoft.com/office/drawing/2014/main" id="{CFB186B3-ED6C-D467-C283-CDF3AB1AA694}"/>
-              </a:ext>
-            </a:extLst>
-          </p:cNvPr>
-          <p:cNvSpPr>
-            <a:spLocks noGrp="1"/>
-          </p:cNvSpPr>
-          <p:nvPr>
-            <p:ph type="title"/>
-          </p:nvPr>
-        </p:nvSpPr>
-        <p:spPr/>
-        <p:txBody>
-          <a:bodyPr/>
-          <a:lstStyle/>
-          <a:p>
-            <a:r>
-              <a:rPr lang="en-US" dirty="0"/>
-              <a:t>Site table definition</a:t>
-            </a:r>
-          </a:p>
-        </p:txBody>
-      </p:sp>
-      <p:sp>
-        <p:nvSpPr>
-          <p:cNvPr id="3" name="Text Placeholder 2">
-            <a:extLst>
-              <a:ext uri="{FF2B5EF4-FFF2-40B4-BE49-F238E27FC236}">
-                <a16:creationId xmlns:a16="http://schemas.microsoft.com/office/drawing/2014/main" id="{379D940C-D09C-2D1D-89F4-6DB14AD5D4A0}"/>
-              </a:ext>
-            </a:extLst>
-          </p:cNvPr>
-          <p:cNvSpPr>
-            <a:spLocks noGrp="1"/>
-          </p:cNvSpPr>
-          <p:nvPr>
-            <p:ph type="body" idx="1"/>
-          </p:nvPr>
-        </p:nvSpPr>
-        <p:spPr/>
-        <p:txBody>
-          <a:bodyPr/>
-          <a:lstStyle/>
-          <a:p>
-            <a:pPr marL="114300" indent="0">
-              <a:buNone/>
-            </a:pPr>
-            <a:r>
-              <a:rPr lang="en-US" dirty="0"/>
-              <a:t>CREATE TABLE Site (</a:t>
-            </a:r>
-          </a:p>
-          <a:p>
-            <a:pPr marL="114300" indent="0">
-              <a:buNone/>
-            </a:pPr>
-            <a:r>
-              <a:rPr lang="en-US" dirty="0"/>
-              <a:t>    Code TEXT PRIMARY KEY,</a:t>
-            </a:r>
-          </a:p>
-          <a:p>
-            <a:pPr marL="114300" indent="0">
-              <a:buNone/>
-            </a:pPr>
-            <a:r>
-              <a:rPr lang="en-US" dirty="0"/>
-              <a:t>    </a:t>
-            </a:r>
-            <a:r>
-              <a:rPr lang="en-US" dirty="0" err="1"/>
-              <a:t>Site_name</a:t>
-            </a:r>
-            <a:r>
-              <a:rPr lang="en-US" dirty="0"/>
-              <a:t> TEXT UNIQUE NOT NULL,</a:t>
-            </a:r>
-          </a:p>
-          <a:p>
-            <a:pPr marL="114300" indent="0">
-              <a:buNone/>
-            </a:pPr>
-            <a:r>
-              <a:rPr lang="en-US" dirty="0"/>
-              <a:t>    Location TEXT NOT NULL,</a:t>
-            </a:r>
-          </a:p>
-          <a:p>
-            <a:pPr marL="114300" indent="0">
-              <a:buNone/>
-            </a:pPr>
-            <a:r>
-              <a:rPr lang="en-US" dirty="0"/>
-              <a:t>    Latitude REAL NOT NULL CHECK (Latitude BETWEEN -90 AND 90),</a:t>
-            </a:r>
-          </a:p>
-          <a:p>
-            <a:pPr marL="114300" indent="0">
-              <a:buNone/>
-            </a:pPr>
-            <a:r>
-              <a:rPr lang="en-US" dirty="0"/>
-              <a:t>    Longitude REAL NOT NULL CHECK (Longitude BETWEEN -180 AND 180),</a:t>
-            </a:r>
-          </a:p>
-          <a:p>
-            <a:pPr marL="114300" indent="0">
-              <a:buNone/>
-            </a:pPr>
-            <a:r>
-              <a:rPr lang="en-US" dirty="0"/>
-              <a:t>    "</a:t>
-            </a:r>
-            <a:r>
-              <a:rPr lang="en-US" dirty="0" err="1"/>
-              <a:t>Total_Study_Plot_Area</a:t>
-            </a:r>
-            <a:r>
-              <a:rPr lang="en-US" dirty="0"/>
-              <a:t>_(ha)" REAL NOT NULL</a:t>
-            </a:r>
-          </a:p>
-          <a:p>
-            <a:pPr marL="114300" indent="0">
-              <a:buNone/>
-            </a:pPr>
-            <a:r>
-              <a:rPr lang="en-US" dirty="0"/>
-              <a:t>	CHECK ("</a:t>
-            </a:r>
-            <a:r>
-              <a:rPr lang="en-US" dirty="0" err="1"/>
-              <a:t>Total_Study_Plot_Area</a:t>
-            </a:r>
-            <a:r>
-              <a:rPr lang="en-US" dirty="0"/>
-              <a:t>_(ha)" &gt; 0),</a:t>
-            </a:r>
-          </a:p>
-          <a:p>
-            <a:pPr marL="114300" indent="0">
-              <a:buNone/>
-            </a:pPr>
-            <a:r>
-              <a:rPr lang="en-US" dirty="0"/>
-              <a:t>    UNIQUE (Latitude, Longitude)</a:t>
-            </a:r>
-          </a:p>
-          <a:p>
-            <a:pPr marL="114300" indent="0">
-              <a:buNone/>
-            </a:pPr>
-            <a:r>
-              <a:rPr lang="en-US" dirty="0"/>
-              <a:t>);</a:t>
-            </a:r>
-          </a:p>
-        </p:txBody>
-      </p:sp>
-      <p:sp>
-        <p:nvSpPr>
-          <p:cNvPr id="4" name="Slide Number Placeholder 3">
-            <a:extLst>
-              <a:ext uri="{FF2B5EF4-FFF2-40B4-BE49-F238E27FC236}">
-                <a16:creationId xmlns:a16="http://schemas.microsoft.com/office/drawing/2014/main" id="{E2E7A624-91C4-9DC6-99DD-41D896C820F9}"/>
-              </a:ext>
-            </a:extLst>
-          </p:cNvPr>
-          <p:cNvSpPr>
-            <a:spLocks noGrp="1"/>
-          </p:cNvSpPr>
-          <p:nvPr>
-            <p:ph type="sldNum" idx="12"/>
-          </p:nvPr>
-        </p:nvSpPr>
-        <p:spPr/>
-        <p:txBody>
-          <a:bodyPr/>
-          <a:lstStyle/>
-          <a:p>
-            <a:pPr marL="0" lvl="0" indent="0" algn="r" rtl="0">
-              <a:spcBef>
-                <a:spcPts val="0"/>
-              </a:spcBef>
-              <a:spcAft>
-                <a:spcPts val="0"/>
-              </a:spcAft>
-              <a:buNone/>
-            </a:pPr>
-            <a:fld id="{00000000-1234-1234-1234-123412341234}" type="slidenum">
-              <a:rPr lang="en" smtClean="0"/>
-              <a:t>37</a:t>
-            </a:fld>
-            <a:endParaRPr lang="en" dirty="0"/>
-          </a:p>
-        </p:txBody>
-      </p:sp>
-    </p:spTree>
-    <p:extLst>
-      <p:ext uri="{BB962C8B-B14F-4D97-AF65-F5344CB8AC3E}">
-        <p14:creationId xmlns:p14="http://schemas.microsoft.com/office/powerpoint/2010/main" val="2070182639"/>
-      </p:ext>
-    </p:extLst>
-  </p:cSld>
-  <p:clrMapOvr>
-    <a:masterClrMapping/>
-  </p:clrMapOvr>
-</p:sld>
-</file>
-
-<file path=ppt/slides/slide38.xml><?xml version="1.0" encoding="utf-8"?>
-<p:sld xmlns:a="http://schemas.openxmlformats.org/drawingml/2006/main" xmlns:r="http://schemas.openxmlformats.org/officeDocument/2006/relationships" xmlns:p="http://schemas.openxmlformats.org/presentationml/2006/main">
-  <p:cSld>
-    <p:spTree>
-      <p:nvGrpSpPr>
-        <p:cNvPr id="1" name=""/>
-        <p:cNvGrpSpPr/>
-        <p:nvPr/>
-      </p:nvGrpSpPr>
-      <p:grpSpPr>
-        <a:xfrm>
-          <a:off x="0" y="0"/>
-          <a:ext cx="0" cy="0"/>
-          <a:chOff x="0" y="0"/>
-          <a:chExt cx="0" cy="0"/>
-        </a:xfrm>
-      </p:grpSpPr>
-      <p:sp>
-        <p:nvSpPr>
-          <p:cNvPr id="2" name="Title 1">
-            <a:extLst>
-              <a:ext uri="{FF2B5EF4-FFF2-40B4-BE49-F238E27FC236}">
-                <a16:creationId xmlns:a16="http://schemas.microsoft.com/office/drawing/2014/main" id="{BB383658-D464-815C-D2C2-7A6C7C1DAD10}"/>
-              </a:ext>
-            </a:extLst>
-          </p:cNvPr>
-          <p:cNvSpPr>
-            <a:spLocks noGrp="1"/>
-          </p:cNvSpPr>
-          <p:nvPr>
-            <p:ph type="title"/>
-          </p:nvPr>
-        </p:nvSpPr>
-        <p:spPr/>
-        <p:txBody>
-          <a:bodyPr/>
-          <a:lstStyle/>
-          <a:p>
-            <a:r>
-              <a:rPr lang="en-US" dirty="0"/>
-              <a:t>Sample table: </a:t>
-            </a:r>
-            <a:r>
-              <a:rPr lang="en-US" dirty="0" err="1"/>
-              <a:t>Camp_assignment</a:t>
-            </a:r>
-            <a:endParaRPr lang="en-US" dirty="0"/>
-          </a:p>
-        </p:txBody>
-      </p:sp>
-      <p:sp>
-        <p:nvSpPr>
-          <p:cNvPr id="3" name="Text Placeholder 2">
-            <a:extLst>
-              <a:ext uri="{FF2B5EF4-FFF2-40B4-BE49-F238E27FC236}">
-                <a16:creationId xmlns:a16="http://schemas.microsoft.com/office/drawing/2014/main" id="{0A1258CD-CEC2-568F-07F9-97054CB89E5E}"/>
-              </a:ext>
-            </a:extLst>
-          </p:cNvPr>
-          <p:cNvSpPr>
-            <a:spLocks noGrp="1"/>
-          </p:cNvSpPr>
-          <p:nvPr>
-            <p:ph type="body" idx="1"/>
-          </p:nvPr>
-        </p:nvSpPr>
-        <p:spPr/>
-        <p:txBody>
-          <a:bodyPr/>
-          <a:lstStyle/>
-          <a:p>
-            <a:r>
-              <a:rPr lang="en-US" dirty="0"/>
-              <a:t>Site column: “Four-letter code of site at which data were collected”</a:t>
-            </a:r>
-          </a:p>
-          <a:p>
-            <a:r>
-              <a:rPr lang="en-US" dirty="0"/>
-              <a:t>Smells like a foreign key!</a:t>
-            </a:r>
-          </a:p>
-          <a:p>
-            <a:pPr lvl="1"/>
-            <a:endParaRPr lang="en-US" dirty="0"/>
-          </a:p>
-          <a:p>
-            <a:r>
-              <a:rPr lang="en-US" dirty="0">
-                <a:latin typeface="Courier New" panose="02070309020205020404" pitchFamily="49" charset="0"/>
-                <a:cs typeface="Courier New" panose="02070309020205020404" pitchFamily="49" charset="0"/>
-              </a:rPr>
-              <a:t>site = </a:t>
-            </a:r>
-            <a:r>
-              <a:rPr lang="en-US" dirty="0" err="1">
-                <a:latin typeface="Courier New" panose="02070309020205020404" pitchFamily="49" charset="0"/>
-                <a:cs typeface="Courier New" panose="02070309020205020404" pitchFamily="49" charset="0"/>
-              </a:rPr>
-              <a:t>pd.read_csv</a:t>
-            </a:r>
-            <a:r>
-              <a:rPr lang="en-US" dirty="0">
-                <a:latin typeface="Courier New" panose="02070309020205020404" pitchFamily="49" charset="0"/>
-                <a:cs typeface="Courier New" panose="02070309020205020404" pitchFamily="49" charset="0"/>
-              </a:rPr>
-              <a:t>(“</a:t>
-            </a:r>
-            <a:r>
-              <a:rPr lang="en-US" dirty="0" err="1">
-                <a:latin typeface="Courier New" panose="02070309020205020404" pitchFamily="49" charset="0"/>
-                <a:cs typeface="Courier New" panose="02070309020205020404" pitchFamily="49" charset="0"/>
-              </a:rPr>
-              <a:t>site.csv</a:t>
-            </a:r>
-            <a:r>
-              <a:rPr lang="en-US" dirty="0">
-                <a:latin typeface="Courier New" panose="02070309020205020404" pitchFamily="49" charset="0"/>
-                <a:cs typeface="Courier New" panose="02070309020205020404" pitchFamily="49" charset="0"/>
-              </a:rPr>
-              <a:t>”)</a:t>
-            </a:r>
-            <a:br>
-              <a:rPr lang="en-US" dirty="0">
-                <a:latin typeface="Courier New" panose="02070309020205020404" pitchFamily="49" charset="0"/>
-                <a:cs typeface="Courier New" panose="02070309020205020404" pitchFamily="49" charset="0"/>
-              </a:rPr>
-            </a:br>
-            <a:r>
-              <a:rPr lang="en-US" dirty="0" err="1">
-                <a:latin typeface="Courier New" panose="02070309020205020404" pitchFamily="49" charset="0"/>
-                <a:cs typeface="Courier New" panose="02070309020205020404" pitchFamily="49" charset="0"/>
-              </a:rPr>
-              <a:t>df</a:t>
-            </a:r>
-            <a:r>
-              <a:rPr lang="en-US" dirty="0">
-                <a:latin typeface="Courier New" panose="02070309020205020404" pitchFamily="49" charset="0"/>
-                <a:cs typeface="Courier New" panose="02070309020205020404" pitchFamily="49" charset="0"/>
-              </a:rPr>
-              <a:t> = </a:t>
-            </a:r>
-            <a:r>
-              <a:rPr lang="en-US" dirty="0" err="1">
-                <a:latin typeface="Courier New" panose="02070309020205020404" pitchFamily="49" charset="0"/>
-                <a:cs typeface="Courier New" panose="02070309020205020404" pitchFamily="49" charset="0"/>
-              </a:rPr>
-              <a:t>pd.read_csv</a:t>
-            </a:r>
-            <a:r>
-              <a:rPr lang="en-US" dirty="0">
-                <a:latin typeface="Courier New" panose="02070309020205020404" pitchFamily="49" charset="0"/>
-                <a:cs typeface="Courier New" panose="02070309020205020404" pitchFamily="49" charset="0"/>
-              </a:rPr>
-              <a:t>(“</a:t>
-            </a:r>
-            <a:r>
-              <a:rPr lang="en-US" dirty="0" err="1">
-                <a:latin typeface="Courier New" panose="02070309020205020404" pitchFamily="49" charset="0"/>
-                <a:cs typeface="Courier New" panose="02070309020205020404" pitchFamily="49" charset="0"/>
-              </a:rPr>
-              <a:t>ASDN_Camp_assignment.csv</a:t>
-            </a:r>
-            <a:r>
-              <a:rPr lang="en-US" dirty="0">
-                <a:latin typeface="Courier New" panose="02070309020205020404" pitchFamily="49" charset="0"/>
-                <a:cs typeface="Courier New" panose="02070309020205020404" pitchFamily="49" charset="0"/>
-              </a:rPr>
-              <a:t>”)</a:t>
-            </a:r>
-            <a:br>
-              <a:rPr lang="en-US" dirty="0">
-                <a:latin typeface="Courier New" panose="02070309020205020404" pitchFamily="49" charset="0"/>
-                <a:cs typeface="Courier New" panose="02070309020205020404" pitchFamily="49" charset="0"/>
-              </a:rPr>
-            </a:br>
-            <a:r>
-              <a:rPr lang="en-US" dirty="0">
-                <a:latin typeface="Courier New" panose="02070309020205020404" pitchFamily="49" charset="0"/>
-                <a:cs typeface="Courier New" panose="02070309020205020404" pitchFamily="49" charset="0"/>
-              </a:rPr>
-              <a:t>sum(~</a:t>
-            </a:r>
-            <a:r>
-              <a:rPr lang="en-US" dirty="0" err="1">
-                <a:latin typeface="Courier New" panose="02070309020205020404" pitchFamily="49" charset="0"/>
-                <a:cs typeface="Courier New" panose="02070309020205020404" pitchFamily="49" charset="0"/>
-              </a:rPr>
-              <a:t>df.Site.isin</a:t>
-            </a:r>
-            <a:r>
-              <a:rPr lang="en-US" dirty="0">
-                <a:latin typeface="Courier New" panose="02070309020205020404" pitchFamily="49" charset="0"/>
-                <a:cs typeface="Courier New" panose="02070309020205020404" pitchFamily="49" charset="0"/>
-              </a:rPr>
-              <a:t>(</a:t>
-            </a:r>
-            <a:r>
-              <a:rPr lang="en-US" dirty="0" err="1">
-                <a:latin typeface="Courier New" panose="02070309020205020404" pitchFamily="49" charset="0"/>
-                <a:cs typeface="Courier New" panose="02070309020205020404" pitchFamily="49" charset="0"/>
-              </a:rPr>
-              <a:t>site.Code</a:t>
-            </a:r>
-            <a:r>
-              <a:rPr lang="en-US" dirty="0">
-                <a:latin typeface="Courier New" panose="02070309020205020404" pitchFamily="49" charset="0"/>
-                <a:cs typeface="Courier New" panose="02070309020205020404" pitchFamily="49" charset="0"/>
-              </a:rPr>
-              <a:t>))</a:t>
-            </a:r>
-          </a:p>
-          <a:p>
-            <a:pPr lvl="1"/>
-            <a:endParaRPr lang="en-US" dirty="0">
-              <a:latin typeface="Courier New" panose="02070309020205020404" pitchFamily="49" charset="0"/>
-              <a:cs typeface="Courier New" panose="02070309020205020404" pitchFamily="49" charset="0"/>
-            </a:endParaRPr>
-          </a:p>
-          <a:p>
-            <a:r>
-              <a:rPr lang="en-US" dirty="0"/>
-              <a:t>➜ </a:t>
-            </a:r>
-            <a:r>
-              <a:rPr lang="en-US" dirty="0">
-                <a:latin typeface="Courier New" panose="02070309020205020404" pitchFamily="49" charset="0"/>
-                <a:cs typeface="Courier New" panose="02070309020205020404" pitchFamily="49" charset="0"/>
-              </a:rPr>
-              <a:t>0</a:t>
-            </a:r>
-          </a:p>
-        </p:txBody>
-      </p:sp>
-      <p:sp>
-        <p:nvSpPr>
-          <p:cNvPr id="4" name="Slide Number Placeholder 3">
-            <a:extLst>
-              <a:ext uri="{FF2B5EF4-FFF2-40B4-BE49-F238E27FC236}">
-                <a16:creationId xmlns:a16="http://schemas.microsoft.com/office/drawing/2014/main" id="{32E0EB1E-8566-BABA-1787-04E250BF62AE}"/>
-              </a:ext>
-            </a:extLst>
-          </p:cNvPr>
-          <p:cNvSpPr>
-            <a:spLocks noGrp="1"/>
-          </p:cNvSpPr>
-          <p:nvPr>
-            <p:ph type="sldNum" idx="12"/>
-          </p:nvPr>
-        </p:nvSpPr>
-        <p:spPr/>
-        <p:txBody>
-          <a:bodyPr/>
-          <a:lstStyle/>
-          <a:p>
-            <a:pPr marL="0" lvl="0" indent="0" algn="r" rtl="0">
-              <a:spcBef>
-                <a:spcPts val="0"/>
-              </a:spcBef>
-              <a:spcAft>
-                <a:spcPts val="0"/>
-              </a:spcAft>
-              <a:buNone/>
-            </a:pPr>
-            <a:fld id="{00000000-1234-1234-1234-123412341234}" type="slidenum">
-              <a:rPr lang="en" smtClean="0"/>
-              <a:t>38</a:t>
-            </a:fld>
-            <a:endParaRPr lang="en" dirty="0"/>
-          </a:p>
-        </p:txBody>
-      </p:sp>
-    </p:spTree>
-    <p:extLst>
-      <p:ext uri="{BB962C8B-B14F-4D97-AF65-F5344CB8AC3E}">
-        <p14:creationId xmlns:p14="http://schemas.microsoft.com/office/powerpoint/2010/main" val="2121535642"/>
-      </p:ext>
-    </p:extLst>
-  </p:cSld>
-  <p:clrMapOvr>
-    <a:masterClrMapping/>
-  </p:clrMapOvr>
-</p:sld>
-</file>
-
-<file path=ppt/slides/slide39.xml><?xml version="1.0" encoding="utf-8"?>
-<p:sld xmlns:a="http://schemas.openxmlformats.org/drawingml/2006/main" xmlns:r="http://schemas.openxmlformats.org/officeDocument/2006/relationships" xmlns:p="http://schemas.openxmlformats.org/presentationml/2006/main">
-  <p:cSld>
-    <p:spTree>
-      <p:nvGrpSpPr>
-        <p:cNvPr id="1" name=""/>
-        <p:cNvGrpSpPr/>
-        <p:nvPr/>
-      </p:nvGrpSpPr>
-      <p:grpSpPr>
-        <a:xfrm>
-          <a:off x="0" y="0"/>
-          <a:ext cx="0" cy="0"/>
-          <a:chOff x="0" y="0"/>
-          <a:chExt cx="0" cy="0"/>
-        </a:xfrm>
-      </p:grpSpPr>
-      <p:sp>
-        <p:nvSpPr>
-          <p:cNvPr id="2" name="Title 1">
-            <a:extLst>
-              <a:ext uri="{FF2B5EF4-FFF2-40B4-BE49-F238E27FC236}">
-                <a16:creationId xmlns:a16="http://schemas.microsoft.com/office/drawing/2014/main" id="{F9C93561-4345-FEB0-8B67-CCE030C67B81}"/>
-              </a:ext>
-            </a:extLst>
-          </p:cNvPr>
-          <p:cNvSpPr>
-            <a:spLocks noGrp="1"/>
-          </p:cNvSpPr>
-          <p:nvPr>
-            <p:ph type="title"/>
-          </p:nvPr>
-        </p:nvSpPr>
-        <p:spPr>
-          <a:xfrm>
-            <a:off x="311700" y="429527"/>
-            <a:ext cx="8520600" cy="572700"/>
-          </a:xfrm>
-        </p:spPr>
-        <p:txBody>
-          <a:bodyPr/>
-          <a:lstStyle/>
-          <a:p>
-            <a:r>
-              <a:rPr lang="en-US" dirty="0" err="1"/>
-              <a:t>Camp_assignment</a:t>
-            </a:r>
-            <a:r>
-              <a:rPr lang="en-US" dirty="0"/>
-              <a:t> table definition</a:t>
-            </a:r>
-          </a:p>
-        </p:txBody>
-      </p:sp>
-      <p:sp>
-        <p:nvSpPr>
-          <p:cNvPr id="3" name="Text Placeholder 2">
-            <a:extLst>
-              <a:ext uri="{FF2B5EF4-FFF2-40B4-BE49-F238E27FC236}">
-                <a16:creationId xmlns:a16="http://schemas.microsoft.com/office/drawing/2014/main" id="{08DB5040-C1BB-0416-9746-51D7794E8F4C}"/>
-              </a:ext>
-            </a:extLst>
-          </p:cNvPr>
-          <p:cNvSpPr>
-            <a:spLocks noGrp="1"/>
-          </p:cNvSpPr>
-          <p:nvPr>
-            <p:ph type="body" idx="1"/>
-          </p:nvPr>
-        </p:nvSpPr>
-        <p:spPr/>
-        <p:txBody>
-          <a:bodyPr/>
-          <a:lstStyle/>
-          <a:p>
-            <a:pPr marL="114300" indent="0">
-              <a:buNone/>
-            </a:pPr>
-            <a:r>
-              <a:rPr lang="en-US" dirty="0"/>
-              <a:t>CREATE TABLE </a:t>
-            </a:r>
-            <a:r>
-              <a:rPr lang="en-US" dirty="0" err="1"/>
-              <a:t>Camp_assignment</a:t>
-            </a:r>
-            <a:r>
-              <a:rPr lang="en-US" dirty="0"/>
-              <a:t> (</a:t>
-            </a:r>
-          </a:p>
-          <a:p>
-            <a:pPr marL="114300" indent="0">
-              <a:buNone/>
-            </a:pPr>
-            <a:r>
-              <a:rPr lang="en-US" dirty="0"/>
-              <a:t>    …,</a:t>
-            </a:r>
-          </a:p>
-          <a:p>
-            <a:pPr marL="114300" indent="0">
-              <a:buNone/>
-            </a:pPr>
-            <a:r>
-              <a:rPr lang="en-US" dirty="0"/>
-              <a:t>    Site TEXT NOT NULL,</a:t>
-            </a:r>
-            <a:br>
-              <a:rPr lang="en-US" dirty="0"/>
-            </a:br>
-            <a:r>
-              <a:rPr lang="en-US" dirty="0"/>
-              <a:t>    FOREIGN KEY (Site) REFERENCES Site (Code),</a:t>
-            </a:r>
-          </a:p>
-          <a:p>
-            <a:pPr marL="114300" indent="0">
-              <a:buNone/>
-            </a:pPr>
-            <a:r>
-              <a:rPr lang="en-US" dirty="0"/>
-              <a:t>    …,</a:t>
-            </a:r>
-            <a:br>
-              <a:rPr lang="en-US" dirty="0"/>
-            </a:br>
-            <a:r>
-              <a:rPr lang="en-US" dirty="0"/>
-              <a:t>);</a:t>
-            </a:r>
-          </a:p>
-        </p:txBody>
-      </p:sp>
-      <p:sp>
-        <p:nvSpPr>
-          <p:cNvPr id="4" name="Slide Number Placeholder 3">
-            <a:extLst>
-              <a:ext uri="{FF2B5EF4-FFF2-40B4-BE49-F238E27FC236}">
-                <a16:creationId xmlns:a16="http://schemas.microsoft.com/office/drawing/2014/main" id="{836AE499-BE0D-D212-4632-73B732F7FA9A}"/>
-              </a:ext>
-            </a:extLst>
-          </p:cNvPr>
-          <p:cNvSpPr>
-            <a:spLocks noGrp="1"/>
-          </p:cNvSpPr>
-          <p:nvPr>
-            <p:ph type="sldNum" idx="12"/>
-          </p:nvPr>
-        </p:nvSpPr>
-        <p:spPr/>
-        <p:txBody>
-          <a:bodyPr/>
-          <a:lstStyle/>
-          <a:p>
-            <a:pPr marL="0" lvl="0" indent="0" algn="r" rtl="0">
-              <a:spcBef>
-                <a:spcPts val="0"/>
-              </a:spcBef>
-              <a:spcAft>
-                <a:spcPts val="0"/>
-              </a:spcAft>
-              <a:buNone/>
-            </a:pPr>
-            <a:fld id="{00000000-1234-1234-1234-123412341234}" type="slidenum">
-              <a:rPr lang="en" smtClean="0"/>
-              <a:t>39</a:t>
-            </a:fld>
-            <a:endParaRPr lang="en" dirty="0"/>
-          </a:p>
-        </p:txBody>
-      </p:sp>
-    </p:spTree>
-    <p:extLst>
-      <p:ext uri="{BB962C8B-B14F-4D97-AF65-F5344CB8AC3E}">
-        <p14:creationId xmlns:p14="http://schemas.microsoft.com/office/powerpoint/2010/main" val="681495643"/>
       </p:ext>
     </p:extLst>
   </p:cSld>
@@ -32521,7 +34295,7 @@
           <a:p>
             <a:r>
               <a:rPr lang="en-US" dirty="0"/>
-              <a:t>If database corrupted (very rare), you’re hosed</a:t>
+              <a:t>If database is corrupted (very rare), you’re out of luck</a:t>
             </a:r>
           </a:p>
         </p:txBody>
@@ -32599,7 +34373,7 @@
           <p:cNvPr id="2" name="Title 1">
             <a:extLst>
               <a:ext uri="{FF2B5EF4-FFF2-40B4-BE49-F238E27FC236}">
-                <a16:creationId xmlns:a16="http://schemas.microsoft.com/office/drawing/2014/main" id="{13C5E11B-ED4E-E092-B5AC-3AD01F3AABE6}"/>
+                <a16:creationId xmlns:a16="http://schemas.microsoft.com/office/drawing/2014/main" id="{CFB186B3-ED6C-D467-C283-CDF3AB1AA694}"/>
               </a:ext>
             </a:extLst>
           </p:cNvPr>
@@ -32617,7 +34391,7 @@
           <a:p>
             <a:r>
               <a:rPr lang="en-US" dirty="0"/>
-              <a:t>Why bother with constraints on data? (1)</a:t>
+              <a:t>Site table definition</a:t>
             </a:r>
           </a:p>
         </p:txBody>
@@ -32627,7 +34401,7 @@
           <p:cNvPr id="3" name="Text Placeholder 2">
             <a:extLst>
               <a:ext uri="{FF2B5EF4-FFF2-40B4-BE49-F238E27FC236}">
-                <a16:creationId xmlns:a16="http://schemas.microsoft.com/office/drawing/2014/main" id="{BA4B172B-B22E-36BA-BAF8-1220759AF9AE}"/>
+                <a16:creationId xmlns:a16="http://schemas.microsoft.com/office/drawing/2014/main" id="{379D940C-D09C-2D1D-89F4-6DB14AD5D4A0}"/>
               </a:ext>
             </a:extLst>
           </p:cNvPr>
@@ -32643,151 +34417,117 @@
           <a:bodyPr/>
           <a:lstStyle/>
           <a:p>
+            <a:pPr marL="114300" indent="0">
+              <a:buNone/>
+            </a:pPr>
             <a:r>
               <a:rPr lang="en-US" dirty="0"/>
-              <a:t>Here’s why</a:t>
-            </a:r>
-          </a:p>
-          <a:p>
-            <a:pPr lvl="1"/>
-            <a:endParaRPr lang="en-US" dirty="0">
-              <a:latin typeface="Avenir Book" panose="02000503020000020003" pitchFamily="2" charset="0"/>
-            </a:endParaRPr>
-          </a:p>
-          <a:p>
+              <a:t>CREATE TABLE Site (</a:t>
+            </a:r>
+          </a:p>
+          <a:p>
+            <a:pPr marL="114300" indent="0">
+              <a:buNone/>
+            </a:pPr>
+            <a:r>
+              <a:rPr lang="en-US" dirty="0"/>
+              <a:t>    Code TEXT PRIMARY KEY,</a:t>
+            </a:r>
+          </a:p>
+          <a:p>
+            <a:pPr marL="114300" indent="0">
+              <a:buNone/>
+            </a:pPr>
+            <a:r>
+              <a:rPr lang="en-US" dirty="0"/>
+              <a:t>    </a:t>
+            </a:r>
             <a:r>
               <a:rPr lang="en-US" dirty="0" err="1"/>
-              <a:t>Daily_pred_lemm.Team_count</a:t>
-            </a:r>
-            <a:endParaRPr lang="en-US" dirty="0"/>
-          </a:p>
-          <a:p>
-            <a:pPr lvl="1"/>
-            <a:r>
-              <a:rPr lang="en-US" dirty="0">
-                <a:latin typeface="Avenir Book" panose="02000503020000020003" pitchFamily="2" charset="0"/>
-              </a:rPr>
-              <a:t>Boolean column: “Did more than one person conduct the survey together?”</a:t>
-            </a:r>
-          </a:p>
-          <a:p>
-            <a:pPr lvl="1"/>
-            <a:endParaRPr lang="en-US" dirty="0">
-              <a:latin typeface="Avenir Book" panose="02000503020000020003" pitchFamily="2" charset="0"/>
-            </a:endParaRPr>
-          </a:p>
-          <a:p>
-            <a:pPr lvl="1"/>
-            <a:r>
-              <a:rPr lang="en-US" dirty="0">
-                <a:latin typeface="Courier New" panose="02070309020205020404" pitchFamily="49" charset="0"/>
-                <a:cs typeface="Courier New" panose="02070309020205020404" pitchFamily="49" charset="0"/>
-              </a:rPr>
-              <a:t>import pandas as pd</a:t>
-            </a:r>
-            <a:br>
-              <a:rPr lang="en-US" dirty="0">
-                <a:latin typeface="Courier New" panose="02070309020205020404" pitchFamily="49" charset="0"/>
-                <a:cs typeface="Courier New" panose="02070309020205020404" pitchFamily="49" charset="0"/>
-              </a:rPr>
-            </a:br>
-            <a:r>
-              <a:rPr lang="en-US" dirty="0" err="1">
-                <a:latin typeface="Courier New" panose="02070309020205020404" pitchFamily="49" charset="0"/>
-                <a:cs typeface="Courier New" panose="02070309020205020404" pitchFamily="49" charset="0"/>
-              </a:rPr>
-              <a:t>df</a:t>
-            </a:r>
-            <a:r>
-              <a:rPr lang="en-US" dirty="0">
-                <a:latin typeface="Courier New" panose="02070309020205020404" pitchFamily="49" charset="0"/>
-                <a:cs typeface="Courier New" panose="02070309020205020404" pitchFamily="49" charset="0"/>
-              </a:rPr>
-              <a:t> = </a:t>
-            </a:r>
-            <a:r>
-              <a:rPr lang="en-US" dirty="0" err="1">
-                <a:latin typeface="Courier New" panose="02070309020205020404" pitchFamily="49" charset="0"/>
-                <a:cs typeface="Courier New" panose="02070309020205020404" pitchFamily="49" charset="0"/>
-              </a:rPr>
-              <a:t>pd.read_csv</a:t>
-            </a:r>
-            <a:r>
-              <a:rPr lang="en-US" dirty="0">
-                <a:latin typeface="Courier New" panose="02070309020205020404" pitchFamily="49" charset="0"/>
-                <a:cs typeface="Courier New" panose="02070309020205020404" pitchFamily="49" charset="0"/>
-              </a:rPr>
-              <a:t>("</a:t>
-            </a:r>
-            <a:r>
-              <a:rPr lang="en-US" dirty="0" err="1">
-                <a:latin typeface="Courier New" panose="02070309020205020404" pitchFamily="49" charset="0"/>
-                <a:cs typeface="Courier New" panose="02070309020205020404" pitchFamily="49" charset="0"/>
-              </a:rPr>
-              <a:t>ASDN_Daily_pred_lemm.csv</a:t>
-            </a:r>
-            <a:r>
-              <a:rPr lang="en-US" dirty="0">
-                <a:latin typeface="Courier New" panose="02070309020205020404" pitchFamily="49" charset="0"/>
-                <a:cs typeface="Courier New" panose="02070309020205020404" pitchFamily="49" charset="0"/>
-              </a:rPr>
-              <a:t>")</a:t>
-            </a:r>
-            <a:br>
-              <a:rPr lang="en-US" dirty="0">
-                <a:latin typeface="Courier New" panose="02070309020205020404" pitchFamily="49" charset="0"/>
-                <a:cs typeface="Courier New" panose="02070309020205020404" pitchFamily="49" charset="0"/>
-              </a:rPr>
-            </a:br>
-            <a:r>
-              <a:rPr lang="en-US" dirty="0" err="1">
-                <a:latin typeface="Courier New" panose="02070309020205020404" pitchFamily="49" charset="0"/>
-                <a:cs typeface="Courier New" panose="02070309020205020404" pitchFamily="49" charset="0"/>
-              </a:rPr>
-              <a:t>df.Team_count.unique</a:t>
-            </a:r>
-            <a:r>
-              <a:rPr lang="en-US" dirty="0">
-                <a:latin typeface="Courier New" panose="02070309020205020404" pitchFamily="49" charset="0"/>
-                <a:cs typeface="Courier New" panose="02070309020205020404" pitchFamily="49" charset="0"/>
-              </a:rPr>
-              <a:t>()</a:t>
-            </a:r>
-          </a:p>
-          <a:p>
-            <a:pPr lvl="1"/>
-            <a:endParaRPr lang="en-US" dirty="0">
-              <a:latin typeface="Avenir Book" panose="02000503020000020003" pitchFamily="2" charset="0"/>
-            </a:endParaRPr>
-          </a:p>
-          <a:p>
-            <a:pPr lvl="1"/>
-            <a:r>
-              <a:rPr lang="en-US" dirty="0">
-                <a:latin typeface="Avenir Book" panose="02000503020000020003" pitchFamily="2" charset="0"/>
-              </a:rPr>
-              <a:t>➜ </a:t>
-            </a:r>
-            <a:r>
-              <a:rPr lang="en-US" dirty="0">
-                <a:latin typeface="Courier New" panose="02070309020205020404" pitchFamily="49" charset="0"/>
-                <a:cs typeface="Courier New" panose="02070309020205020404" pitchFamily="49" charset="0"/>
-              </a:rPr>
-              <a:t>array(['n', 'y', nan, 'n ', 'N'], </a:t>
-            </a:r>
-            <a:r>
-              <a:rPr lang="en-US" dirty="0" err="1">
-                <a:latin typeface="Courier New" panose="02070309020205020404" pitchFamily="49" charset="0"/>
-                <a:cs typeface="Courier New" panose="02070309020205020404" pitchFamily="49" charset="0"/>
-              </a:rPr>
-              <a:t>dtype</a:t>
-            </a:r>
-            <a:r>
-              <a:rPr lang="en-US" dirty="0">
-                <a:latin typeface="Courier New" panose="02070309020205020404" pitchFamily="49" charset="0"/>
-                <a:cs typeface="Courier New" panose="02070309020205020404" pitchFamily="49" charset="0"/>
-              </a:rPr>
-              <a:t>=object)</a:t>
+              <a:t>Site_name</a:t>
+            </a:r>
+            <a:r>
+              <a:rPr lang="en-US" dirty="0"/>
+              <a:t> TEXT UNIQUE NOT NULL,</a:t>
+            </a:r>
+          </a:p>
+          <a:p>
+            <a:pPr marL="114300" indent="0">
+              <a:buNone/>
+            </a:pPr>
+            <a:r>
+              <a:rPr lang="en-US" dirty="0"/>
+              <a:t>    Location TEXT NOT NULL,</a:t>
+            </a:r>
+          </a:p>
+          <a:p>
+            <a:pPr marL="114300" indent="0">
+              <a:buNone/>
+            </a:pPr>
+            <a:r>
+              <a:rPr lang="en-US" dirty="0"/>
+              <a:t>    Latitude REAL NOT NULL CHECK (Latitude BETWEEN -90 AND 90),</a:t>
+            </a:r>
+          </a:p>
+          <a:p>
+            <a:pPr marL="114300" indent="0">
+              <a:buNone/>
+            </a:pPr>
+            <a:r>
+              <a:rPr lang="en-US" dirty="0"/>
+              <a:t>    Longitude REAL NOT NULL CHECK (Longitude BETWEEN -180 AND 180),</a:t>
+            </a:r>
+          </a:p>
+          <a:p>
+            <a:pPr marL="114300" indent="0">
+              <a:buNone/>
+            </a:pPr>
+            <a:r>
+              <a:rPr lang="en-US" dirty="0"/>
+              <a:t>    "</a:t>
+            </a:r>
+            <a:r>
+              <a:rPr lang="en-US" dirty="0" err="1"/>
+              <a:t>Total_Study_Plot_Area</a:t>
+            </a:r>
+            <a:r>
+              <a:rPr lang="en-US" dirty="0"/>
+              <a:t>_(ha)" REAL NOT NULL</a:t>
+            </a:r>
+          </a:p>
+          <a:p>
+            <a:pPr marL="114300" indent="0">
+              <a:buNone/>
+            </a:pPr>
+            <a:r>
+              <a:rPr lang="en-US" dirty="0"/>
+              <a:t>	CHECK ("</a:t>
+            </a:r>
+            <a:r>
+              <a:rPr lang="en-US" dirty="0" err="1"/>
+              <a:t>Total_Study_Plot_Area</a:t>
+            </a:r>
+            <a:r>
+              <a:rPr lang="en-US" dirty="0"/>
+              <a:t>_(ha)" &gt; 0),</a:t>
+            </a:r>
+          </a:p>
+          <a:p>
+            <a:pPr marL="114300" indent="0">
+              <a:buNone/>
+            </a:pPr>
+            <a:r>
+              <a:rPr lang="en-US" dirty="0"/>
+              <a:t>    UNIQUE (Latitude, Longitude)</a:t>
+            </a:r>
+          </a:p>
+          <a:p>
+            <a:pPr marL="114300" indent="0">
+              <a:buNone/>
+            </a:pPr>
+            <a:r>
+              <a:rPr lang="en-US" dirty="0"/>
+              <a:t>);</a:t>
             </a:r>
           </a:p>
         </p:txBody>
@@ -32797,7 +34537,7 @@
           <p:cNvPr id="4" name="Slide Number Placeholder 3">
             <a:extLst>
               <a:ext uri="{FF2B5EF4-FFF2-40B4-BE49-F238E27FC236}">
-                <a16:creationId xmlns:a16="http://schemas.microsoft.com/office/drawing/2014/main" id="{E33612C2-840E-0EFB-6BDD-739D42AC4FB1}"/>
+                <a16:creationId xmlns:a16="http://schemas.microsoft.com/office/drawing/2014/main" id="{E2E7A624-91C4-9DC6-99DD-41D896C820F9}"/>
               </a:ext>
             </a:extLst>
           </p:cNvPr>
@@ -32833,7 +34573,7 @@
     </p:spTree>
     <p:extLst>
       <p:ext uri="{BB962C8B-B14F-4D97-AF65-F5344CB8AC3E}">
-        <p14:creationId xmlns:p14="http://schemas.microsoft.com/office/powerpoint/2010/main" val="1988222347"/>
+        <p14:creationId xmlns:p14="http://schemas.microsoft.com/office/powerpoint/2010/main" val="2070182639"/>
       </p:ext>
     </p:extLst>
   </p:cSld>
@@ -32844,6 +34584,476 @@
 </file>
 
 <file path=ppt/slides/slide41.xml><?xml version="1.0" encoding="utf-8"?>
+<p:sld xmlns:a="http://schemas.openxmlformats.org/drawingml/2006/main" xmlns:r="http://schemas.openxmlformats.org/officeDocument/2006/relationships" xmlns:p="http://schemas.openxmlformats.org/presentationml/2006/main">
+  <p:cSld>
+    <p:spTree>
+      <p:nvGrpSpPr>
+        <p:cNvPr id="1" name=""/>
+        <p:cNvGrpSpPr/>
+        <p:nvPr/>
+      </p:nvGrpSpPr>
+      <p:grpSpPr>
+        <a:xfrm>
+          <a:off x="0" y="0"/>
+          <a:ext cx="0" cy="0"/>
+          <a:chOff x="0" y="0"/>
+          <a:chExt cx="0" cy="0"/>
+        </a:xfrm>
+      </p:grpSpPr>
+      <p:sp>
+        <p:nvSpPr>
+          <p:cNvPr id="2" name="Title 1">
+            <a:extLst>
+              <a:ext uri="{FF2B5EF4-FFF2-40B4-BE49-F238E27FC236}">
+                <a16:creationId xmlns:a16="http://schemas.microsoft.com/office/drawing/2014/main" id="{BB383658-D464-815C-D2C2-7A6C7C1DAD10}"/>
+              </a:ext>
+            </a:extLst>
+          </p:cNvPr>
+          <p:cNvSpPr>
+            <a:spLocks noGrp="1"/>
+          </p:cNvSpPr>
+          <p:nvPr>
+            <p:ph type="title"/>
+          </p:nvPr>
+        </p:nvSpPr>
+        <p:spPr/>
+        <p:txBody>
+          <a:bodyPr/>
+          <a:lstStyle/>
+          <a:p>
+            <a:r>
+              <a:rPr lang="en-US" dirty="0"/>
+              <a:t>Sample table: </a:t>
+            </a:r>
+            <a:r>
+              <a:rPr lang="en-US" dirty="0" err="1"/>
+              <a:t>Camp_assignment</a:t>
+            </a:r>
+            <a:endParaRPr lang="en-US" dirty="0"/>
+          </a:p>
+        </p:txBody>
+      </p:sp>
+      <p:sp>
+        <p:nvSpPr>
+          <p:cNvPr id="3" name="Text Placeholder 2">
+            <a:extLst>
+              <a:ext uri="{FF2B5EF4-FFF2-40B4-BE49-F238E27FC236}">
+                <a16:creationId xmlns:a16="http://schemas.microsoft.com/office/drawing/2014/main" id="{0A1258CD-CEC2-568F-07F9-97054CB89E5E}"/>
+              </a:ext>
+            </a:extLst>
+          </p:cNvPr>
+          <p:cNvSpPr>
+            <a:spLocks noGrp="1"/>
+          </p:cNvSpPr>
+          <p:nvPr>
+            <p:ph type="body" idx="1"/>
+          </p:nvPr>
+        </p:nvSpPr>
+        <p:spPr/>
+        <p:txBody>
+          <a:bodyPr/>
+          <a:lstStyle/>
+          <a:p>
+            <a:r>
+              <a:rPr lang="en-US" dirty="0"/>
+              <a:t>Site column: “Four-letter code of site at which data were collected”</a:t>
+            </a:r>
+          </a:p>
+          <a:p>
+            <a:r>
+              <a:rPr lang="en-US" dirty="0"/>
+              <a:t>Smells like a foreign key!</a:t>
+            </a:r>
+          </a:p>
+          <a:p>
+            <a:pPr lvl="1"/>
+            <a:endParaRPr lang="en-US" dirty="0"/>
+          </a:p>
+          <a:p>
+            <a:r>
+              <a:rPr lang="en-US" dirty="0">
+                <a:latin typeface="Courier New" panose="02070309020205020404" pitchFamily="49" charset="0"/>
+                <a:cs typeface="Courier New" panose="02070309020205020404" pitchFamily="49" charset="0"/>
+              </a:rPr>
+              <a:t>site = </a:t>
+            </a:r>
+            <a:r>
+              <a:rPr lang="en-US" dirty="0" err="1">
+                <a:latin typeface="Courier New" panose="02070309020205020404" pitchFamily="49" charset="0"/>
+                <a:cs typeface="Courier New" panose="02070309020205020404" pitchFamily="49" charset="0"/>
+              </a:rPr>
+              <a:t>pd.read_csv</a:t>
+            </a:r>
+            <a:r>
+              <a:rPr lang="en-US" dirty="0">
+                <a:latin typeface="Courier New" panose="02070309020205020404" pitchFamily="49" charset="0"/>
+                <a:cs typeface="Courier New" panose="02070309020205020404" pitchFamily="49" charset="0"/>
+              </a:rPr>
+              <a:t>(“</a:t>
+            </a:r>
+            <a:r>
+              <a:rPr lang="en-US" dirty="0" err="1">
+                <a:latin typeface="Courier New" panose="02070309020205020404" pitchFamily="49" charset="0"/>
+                <a:cs typeface="Courier New" panose="02070309020205020404" pitchFamily="49" charset="0"/>
+              </a:rPr>
+              <a:t>site.csv</a:t>
+            </a:r>
+            <a:r>
+              <a:rPr lang="en-US" dirty="0">
+                <a:latin typeface="Courier New" panose="02070309020205020404" pitchFamily="49" charset="0"/>
+                <a:cs typeface="Courier New" panose="02070309020205020404" pitchFamily="49" charset="0"/>
+              </a:rPr>
+              <a:t>”)</a:t>
+            </a:r>
+            <a:br>
+              <a:rPr lang="en-US" dirty="0">
+                <a:latin typeface="Courier New" panose="02070309020205020404" pitchFamily="49" charset="0"/>
+                <a:cs typeface="Courier New" panose="02070309020205020404" pitchFamily="49" charset="0"/>
+              </a:rPr>
+            </a:br>
+            <a:r>
+              <a:rPr lang="en-US" dirty="0" err="1">
+                <a:latin typeface="Courier New" panose="02070309020205020404" pitchFamily="49" charset="0"/>
+                <a:cs typeface="Courier New" panose="02070309020205020404" pitchFamily="49" charset="0"/>
+              </a:rPr>
+              <a:t>df</a:t>
+            </a:r>
+            <a:r>
+              <a:rPr lang="en-US" dirty="0">
+                <a:latin typeface="Courier New" panose="02070309020205020404" pitchFamily="49" charset="0"/>
+                <a:cs typeface="Courier New" panose="02070309020205020404" pitchFamily="49" charset="0"/>
+              </a:rPr>
+              <a:t> = </a:t>
+            </a:r>
+            <a:r>
+              <a:rPr lang="en-US" dirty="0" err="1">
+                <a:latin typeface="Courier New" panose="02070309020205020404" pitchFamily="49" charset="0"/>
+                <a:cs typeface="Courier New" panose="02070309020205020404" pitchFamily="49" charset="0"/>
+              </a:rPr>
+              <a:t>pd.read_csv</a:t>
+            </a:r>
+            <a:r>
+              <a:rPr lang="en-US" dirty="0">
+                <a:latin typeface="Courier New" panose="02070309020205020404" pitchFamily="49" charset="0"/>
+                <a:cs typeface="Courier New" panose="02070309020205020404" pitchFamily="49" charset="0"/>
+              </a:rPr>
+              <a:t>(“</a:t>
+            </a:r>
+            <a:r>
+              <a:rPr lang="en-US" dirty="0" err="1">
+                <a:latin typeface="Courier New" panose="02070309020205020404" pitchFamily="49" charset="0"/>
+                <a:cs typeface="Courier New" panose="02070309020205020404" pitchFamily="49" charset="0"/>
+              </a:rPr>
+              <a:t>ASDN_Camp_assignment.csv</a:t>
+            </a:r>
+            <a:r>
+              <a:rPr lang="en-US" dirty="0">
+                <a:latin typeface="Courier New" panose="02070309020205020404" pitchFamily="49" charset="0"/>
+                <a:cs typeface="Courier New" panose="02070309020205020404" pitchFamily="49" charset="0"/>
+              </a:rPr>
+              <a:t>”)</a:t>
+            </a:r>
+            <a:br>
+              <a:rPr lang="en-US" dirty="0">
+                <a:latin typeface="Courier New" panose="02070309020205020404" pitchFamily="49" charset="0"/>
+                <a:cs typeface="Courier New" panose="02070309020205020404" pitchFamily="49" charset="0"/>
+              </a:rPr>
+            </a:br>
+            <a:r>
+              <a:rPr lang="en-US" dirty="0">
+                <a:latin typeface="Courier New" panose="02070309020205020404" pitchFamily="49" charset="0"/>
+                <a:cs typeface="Courier New" panose="02070309020205020404" pitchFamily="49" charset="0"/>
+              </a:rPr>
+              <a:t>sum(~</a:t>
+            </a:r>
+            <a:r>
+              <a:rPr lang="en-US" dirty="0" err="1">
+                <a:latin typeface="Courier New" panose="02070309020205020404" pitchFamily="49" charset="0"/>
+                <a:cs typeface="Courier New" panose="02070309020205020404" pitchFamily="49" charset="0"/>
+              </a:rPr>
+              <a:t>df.Site.isin</a:t>
+            </a:r>
+            <a:r>
+              <a:rPr lang="en-US" dirty="0">
+                <a:latin typeface="Courier New" panose="02070309020205020404" pitchFamily="49" charset="0"/>
+                <a:cs typeface="Courier New" panose="02070309020205020404" pitchFamily="49" charset="0"/>
+              </a:rPr>
+              <a:t>(</a:t>
+            </a:r>
+            <a:r>
+              <a:rPr lang="en-US" dirty="0" err="1">
+                <a:latin typeface="Courier New" panose="02070309020205020404" pitchFamily="49" charset="0"/>
+                <a:cs typeface="Courier New" panose="02070309020205020404" pitchFamily="49" charset="0"/>
+              </a:rPr>
+              <a:t>site.Code</a:t>
+            </a:r>
+            <a:r>
+              <a:rPr lang="en-US" dirty="0">
+                <a:latin typeface="Courier New" panose="02070309020205020404" pitchFamily="49" charset="0"/>
+                <a:cs typeface="Courier New" panose="02070309020205020404" pitchFamily="49" charset="0"/>
+              </a:rPr>
+              <a:t>))</a:t>
+            </a:r>
+          </a:p>
+          <a:p>
+            <a:pPr lvl="1"/>
+            <a:endParaRPr lang="en-US" dirty="0">
+              <a:latin typeface="Courier New" panose="02070309020205020404" pitchFamily="49" charset="0"/>
+              <a:cs typeface="Courier New" panose="02070309020205020404" pitchFamily="49" charset="0"/>
+            </a:endParaRPr>
+          </a:p>
+          <a:p>
+            <a:r>
+              <a:rPr lang="en-US" dirty="0"/>
+              <a:t>➜ </a:t>
+            </a:r>
+            <a:r>
+              <a:rPr lang="en-US" dirty="0">
+                <a:latin typeface="Courier New" panose="02070309020205020404" pitchFamily="49" charset="0"/>
+                <a:cs typeface="Courier New" panose="02070309020205020404" pitchFamily="49" charset="0"/>
+              </a:rPr>
+              <a:t>0</a:t>
+            </a:r>
+          </a:p>
+        </p:txBody>
+      </p:sp>
+      <p:sp>
+        <p:nvSpPr>
+          <p:cNvPr id="4" name="Slide Number Placeholder 3">
+            <a:extLst>
+              <a:ext uri="{FF2B5EF4-FFF2-40B4-BE49-F238E27FC236}">
+                <a16:creationId xmlns:a16="http://schemas.microsoft.com/office/drawing/2014/main" id="{32E0EB1E-8566-BABA-1787-04E250BF62AE}"/>
+              </a:ext>
+            </a:extLst>
+          </p:cNvPr>
+          <p:cNvSpPr>
+            <a:spLocks noGrp="1"/>
+          </p:cNvSpPr>
+          <p:nvPr>
+            <p:ph type="sldNum" idx="12"/>
+          </p:nvPr>
+        </p:nvSpPr>
+        <p:spPr/>
+        <p:txBody>
+          <a:bodyPr/>
+          <a:lstStyle/>
+          <a:p>
+            <a:pPr marL="0" lvl="0" indent="0" algn="r" rtl="0">
+              <a:spcBef>
+                <a:spcPts val="0"/>
+              </a:spcBef>
+              <a:spcAft>
+                <a:spcPts val="0"/>
+              </a:spcAft>
+              <a:buNone/>
+            </a:pPr>
+            <a:fld id="{00000000-1234-1234-1234-123412341234}" type="slidenum">
+              <a:rPr lang="en" smtClean="0"/>
+              <a:t>41</a:t>
+            </a:fld>
+            <a:endParaRPr lang="en" dirty="0"/>
+          </a:p>
+        </p:txBody>
+      </p:sp>
+    </p:spTree>
+    <p:extLst>
+      <p:ext uri="{BB962C8B-B14F-4D97-AF65-F5344CB8AC3E}">
+        <p14:creationId xmlns:p14="http://schemas.microsoft.com/office/powerpoint/2010/main" val="2121535642"/>
+      </p:ext>
+    </p:extLst>
+  </p:cSld>
+  <p:clrMapOvr>
+    <a:masterClrMapping/>
+  </p:clrMapOvr>
+</p:sld>
+</file>
+
+<file path=ppt/slides/slide42.xml><?xml version="1.0" encoding="utf-8"?>
+<p:sld xmlns:a="http://schemas.openxmlformats.org/drawingml/2006/main" xmlns:r="http://schemas.openxmlformats.org/officeDocument/2006/relationships" xmlns:p="http://schemas.openxmlformats.org/presentationml/2006/main">
+  <p:cSld>
+    <p:spTree>
+      <p:nvGrpSpPr>
+        <p:cNvPr id="1" name=""/>
+        <p:cNvGrpSpPr/>
+        <p:nvPr/>
+      </p:nvGrpSpPr>
+      <p:grpSpPr>
+        <a:xfrm>
+          <a:off x="0" y="0"/>
+          <a:ext cx="0" cy="0"/>
+          <a:chOff x="0" y="0"/>
+          <a:chExt cx="0" cy="0"/>
+        </a:xfrm>
+      </p:grpSpPr>
+      <p:sp>
+        <p:nvSpPr>
+          <p:cNvPr id="2" name="Title 1">
+            <a:extLst>
+              <a:ext uri="{FF2B5EF4-FFF2-40B4-BE49-F238E27FC236}">
+                <a16:creationId xmlns:a16="http://schemas.microsoft.com/office/drawing/2014/main" id="{F9C93561-4345-FEB0-8B67-CCE030C67B81}"/>
+              </a:ext>
+            </a:extLst>
+          </p:cNvPr>
+          <p:cNvSpPr>
+            <a:spLocks noGrp="1"/>
+          </p:cNvSpPr>
+          <p:nvPr>
+            <p:ph type="title"/>
+          </p:nvPr>
+        </p:nvSpPr>
+        <p:spPr>
+          <a:xfrm>
+            <a:off x="311700" y="429527"/>
+            <a:ext cx="8520600" cy="572700"/>
+          </a:xfrm>
+        </p:spPr>
+        <p:txBody>
+          <a:bodyPr/>
+          <a:lstStyle/>
+          <a:p>
+            <a:r>
+              <a:rPr lang="en-US" dirty="0" err="1"/>
+              <a:t>Camp_assignment</a:t>
+            </a:r>
+            <a:r>
+              <a:rPr lang="en-US" dirty="0"/>
+              <a:t> table definition</a:t>
+            </a:r>
+          </a:p>
+        </p:txBody>
+      </p:sp>
+      <p:sp>
+        <p:nvSpPr>
+          <p:cNvPr id="3" name="Text Placeholder 2">
+            <a:extLst>
+              <a:ext uri="{FF2B5EF4-FFF2-40B4-BE49-F238E27FC236}">
+                <a16:creationId xmlns:a16="http://schemas.microsoft.com/office/drawing/2014/main" id="{08DB5040-C1BB-0416-9746-51D7794E8F4C}"/>
+              </a:ext>
+            </a:extLst>
+          </p:cNvPr>
+          <p:cNvSpPr>
+            <a:spLocks noGrp="1"/>
+          </p:cNvSpPr>
+          <p:nvPr>
+            <p:ph type="body" idx="1"/>
+          </p:nvPr>
+        </p:nvSpPr>
+        <p:spPr/>
+        <p:txBody>
+          <a:bodyPr/>
+          <a:lstStyle/>
+          <a:p>
+            <a:pPr marL="114300" indent="0">
+              <a:buNone/>
+            </a:pPr>
+            <a:r>
+              <a:rPr lang="en-US" dirty="0"/>
+              <a:t>CREATE TABLE </a:t>
+            </a:r>
+            <a:r>
+              <a:rPr lang="en-US" dirty="0" err="1"/>
+              <a:t>Camp_assignment</a:t>
+            </a:r>
+            <a:r>
+              <a:rPr lang="en-US" dirty="0"/>
+              <a:t> (</a:t>
+            </a:r>
+          </a:p>
+          <a:p>
+            <a:pPr marL="114300" indent="0">
+              <a:buNone/>
+            </a:pPr>
+            <a:r>
+              <a:rPr lang="en-US" dirty="0"/>
+              <a:t>    …,</a:t>
+            </a:r>
+          </a:p>
+          <a:p>
+            <a:pPr marL="114300" indent="0">
+              <a:buNone/>
+            </a:pPr>
+            <a:r>
+              <a:rPr lang="en-US" dirty="0"/>
+              <a:t>    Site TEXT NOT NULL,</a:t>
+            </a:r>
+            <a:br>
+              <a:rPr lang="en-US" dirty="0"/>
+            </a:br>
+            <a:r>
+              <a:rPr lang="en-US" dirty="0"/>
+              <a:t>    FOREIGN KEY (Site) REFERENCES Site (Code),</a:t>
+            </a:r>
+          </a:p>
+          <a:p>
+            <a:pPr marL="114300" indent="0">
+              <a:buNone/>
+            </a:pPr>
+            <a:r>
+              <a:rPr lang="en-US" dirty="0"/>
+              <a:t>    …,</a:t>
+            </a:r>
+            <a:br>
+              <a:rPr lang="en-US" dirty="0"/>
+            </a:br>
+            <a:r>
+              <a:rPr lang="en-US" dirty="0"/>
+              <a:t>);</a:t>
+            </a:r>
+          </a:p>
+        </p:txBody>
+      </p:sp>
+      <p:sp>
+        <p:nvSpPr>
+          <p:cNvPr id="4" name="Slide Number Placeholder 3">
+            <a:extLst>
+              <a:ext uri="{FF2B5EF4-FFF2-40B4-BE49-F238E27FC236}">
+                <a16:creationId xmlns:a16="http://schemas.microsoft.com/office/drawing/2014/main" id="{836AE499-BE0D-D212-4632-73B732F7FA9A}"/>
+              </a:ext>
+            </a:extLst>
+          </p:cNvPr>
+          <p:cNvSpPr>
+            <a:spLocks noGrp="1"/>
+          </p:cNvSpPr>
+          <p:nvPr>
+            <p:ph type="sldNum" idx="12"/>
+          </p:nvPr>
+        </p:nvSpPr>
+        <p:spPr/>
+        <p:txBody>
+          <a:bodyPr/>
+          <a:lstStyle/>
+          <a:p>
+            <a:pPr marL="0" lvl="0" indent="0" algn="r" rtl="0">
+              <a:spcBef>
+                <a:spcPts val="0"/>
+              </a:spcBef>
+              <a:spcAft>
+                <a:spcPts val="0"/>
+              </a:spcAft>
+              <a:buNone/>
+            </a:pPr>
+            <a:fld id="{00000000-1234-1234-1234-123412341234}" type="slidenum">
+              <a:rPr lang="en" smtClean="0"/>
+              <a:t>42</a:t>
+            </a:fld>
+            <a:endParaRPr lang="en" dirty="0"/>
+          </a:p>
+        </p:txBody>
+      </p:sp>
+    </p:spTree>
+    <p:extLst>
+      <p:ext uri="{BB962C8B-B14F-4D97-AF65-F5344CB8AC3E}">
+        <p14:creationId xmlns:p14="http://schemas.microsoft.com/office/powerpoint/2010/main" val="681495643"/>
+      </p:ext>
+    </p:extLst>
+  </p:cSld>
+  <p:clrMapOvr>
+    <a:masterClrMapping/>
+  </p:clrMapOvr>
+</p:sld>
+</file>
+
+<file path=ppt/slides/slide43.xml><?xml version="1.0" encoding="utf-8"?>
 <p:sld xmlns:a="http://schemas.openxmlformats.org/drawingml/2006/main" xmlns:r="http://schemas.openxmlformats.org/officeDocument/2006/relationships" xmlns:p="http://schemas.openxmlformats.org/presentationml/2006/main">
   <p:cSld>
     <p:spTree>
@@ -32883,6 +35093,272 @@
           <a:p>
             <a:r>
               <a:rPr lang="en-US" dirty="0"/>
+              <a:t>Why bother with constraints on data? (1)</a:t>
+            </a:r>
+          </a:p>
+        </p:txBody>
+      </p:sp>
+      <p:sp>
+        <p:nvSpPr>
+          <p:cNvPr id="3" name="Text Placeholder 2">
+            <a:extLst>
+              <a:ext uri="{FF2B5EF4-FFF2-40B4-BE49-F238E27FC236}">
+                <a16:creationId xmlns:a16="http://schemas.microsoft.com/office/drawing/2014/main" id="{BA4B172B-B22E-36BA-BAF8-1220759AF9AE}"/>
+              </a:ext>
+            </a:extLst>
+          </p:cNvPr>
+          <p:cNvSpPr>
+            <a:spLocks noGrp="1"/>
+          </p:cNvSpPr>
+          <p:nvPr>
+            <p:ph type="body" idx="1"/>
+          </p:nvPr>
+        </p:nvSpPr>
+        <p:spPr/>
+        <p:txBody>
+          <a:bodyPr/>
+          <a:lstStyle/>
+          <a:p>
+            <a:r>
+              <a:rPr lang="en-US" dirty="0"/>
+              <a:t>Here’s why</a:t>
+            </a:r>
+          </a:p>
+          <a:p>
+            <a:pPr lvl="1"/>
+            <a:endParaRPr lang="en-US" dirty="0">
+              <a:latin typeface="Avenir Book" panose="02000503020000020003" pitchFamily="2" charset="0"/>
+            </a:endParaRPr>
+          </a:p>
+          <a:p>
+            <a:r>
+              <a:rPr lang="en-US" dirty="0" err="1"/>
+              <a:t>Daily_pred_lemm.Team_count</a:t>
+            </a:r>
+            <a:endParaRPr lang="en-US" dirty="0"/>
+          </a:p>
+          <a:p>
+            <a:pPr lvl="1"/>
+            <a:r>
+              <a:rPr lang="en-US" dirty="0">
+                <a:latin typeface="Avenir Book" panose="02000503020000020003" pitchFamily="2" charset="0"/>
+              </a:rPr>
+              <a:t>Boolean column: “Did more than one person conduct the survey together?”</a:t>
+            </a:r>
+          </a:p>
+          <a:p>
+            <a:pPr lvl="1"/>
+            <a:endParaRPr lang="en-US" dirty="0">
+              <a:latin typeface="Avenir Book" panose="02000503020000020003" pitchFamily="2" charset="0"/>
+            </a:endParaRPr>
+          </a:p>
+          <a:p>
+            <a:pPr lvl="1"/>
+            <a:r>
+              <a:rPr lang="en-US" dirty="0">
+                <a:latin typeface="Courier New" panose="02070309020205020404" pitchFamily="49" charset="0"/>
+                <a:cs typeface="Courier New" panose="02070309020205020404" pitchFamily="49" charset="0"/>
+              </a:rPr>
+              <a:t>import pandas as pd</a:t>
+            </a:r>
+            <a:br>
+              <a:rPr lang="en-US" dirty="0">
+                <a:latin typeface="Courier New" panose="02070309020205020404" pitchFamily="49" charset="0"/>
+                <a:cs typeface="Courier New" panose="02070309020205020404" pitchFamily="49" charset="0"/>
+              </a:rPr>
+            </a:br>
+            <a:r>
+              <a:rPr lang="en-US" dirty="0" err="1">
+                <a:latin typeface="Courier New" panose="02070309020205020404" pitchFamily="49" charset="0"/>
+                <a:cs typeface="Courier New" panose="02070309020205020404" pitchFamily="49" charset="0"/>
+              </a:rPr>
+              <a:t>df</a:t>
+            </a:r>
+            <a:r>
+              <a:rPr lang="en-US" dirty="0">
+                <a:latin typeface="Courier New" panose="02070309020205020404" pitchFamily="49" charset="0"/>
+                <a:cs typeface="Courier New" panose="02070309020205020404" pitchFamily="49" charset="0"/>
+              </a:rPr>
+              <a:t> = </a:t>
+            </a:r>
+            <a:r>
+              <a:rPr lang="en-US" dirty="0" err="1">
+                <a:latin typeface="Courier New" panose="02070309020205020404" pitchFamily="49" charset="0"/>
+                <a:cs typeface="Courier New" panose="02070309020205020404" pitchFamily="49" charset="0"/>
+              </a:rPr>
+              <a:t>pd.read_csv</a:t>
+            </a:r>
+            <a:r>
+              <a:rPr lang="en-US" dirty="0">
+                <a:latin typeface="Courier New" panose="02070309020205020404" pitchFamily="49" charset="0"/>
+                <a:cs typeface="Courier New" panose="02070309020205020404" pitchFamily="49" charset="0"/>
+              </a:rPr>
+              <a:t>("</a:t>
+            </a:r>
+            <a:r>
+              <a:rPr lang="en-US" dirty="0" err="1">
+                <a:latin typeface="Courier New" panose="02070309020205020404" pitchFamily="49" charset="0"/>
+                <a:cs typeface="Courier New" panose="02070309020205020404" pitchFamily="49" charset="0"/>
+              </a:rPr>
+              <a:t>ASDN_Daily_pred_lemm.csv</a:t>
+            </a:r>
+            <a:r>
+              <a:rPr lang="en-US" dirty="0">
+                <a:latin typeface="Courier New" panose="02070309020205020404" pitchFamily="49" charset="0"/>
+                <a:cs typeface="Courier New" panose="02070309020205020404" pitchFamily="49" charset="0"/>
+              </a:rPr>
+              <a:t>")</a:t>
+            </a:r>
+            <a:br>
+              <a:rPr lang="en-US" dirty="0">
+                <a:latin typeface="Courier New" panose="02070309020205020404" pitchFamily="49" charset="0"/>
+                <a:cs typeface="Courier New" panose="02070309020205020404" pitchFamily="49" charset="0"/>
+              </a:rPr>
+            </a:br>
+            <a:r>
+              <a:rPr lang="en-US" dirty="0" err="1">
+                <a:latin typeface="Courier New" panose="02070309020205020404" pitchFamily="49" charset="0"/>
+                <a:cs typeface="Courier New" panose="02070309020205020404" pitchFamily="49" charset="0"/>
+              </a:rPr>
+              <a:t>df.Team_count.unique</a:t>
+            </a:r>
+            <a:r>
+              <a:rPr lang="en-US" dirty="0">
+                <a:latin typeface="Courier New" panose="02070309020205020404" pitchFamily="49" charset="0"/>
+                <a:cs typeface="Courier New" panose="02070309020205020404" pitchFamily="49" charset="0"/>
+              </a:rPr>
+              <a:t>()</a:t>
+            </a:r>
+          </a:p>
+          <a:p>
+            <a:pPr lvl="1"/>
+            <a:endParaRPr lang="en-US" dirty="0">
+              <a:latin typeface="Avenir Book" panose="02000503020000020003" pitchFamily="2" charset="0"/>
+            </a:endParaRPr>
+          </a:p>
+          <a:p>
+            <a:pPr lvl="1"/>
+            <a:r>
+              <a:rPr lang="en-US" dirty="0">
+                <a:latin typeface="Avenir Book" panose="02000503020000020003" pitchFamily="2" charset="0"/>
+              </a:rPr>
+              <a:t>➜ </a:t>
+            </a:r>
+            <a:r>
+              <a:rPr lang="en-US" dirty="0">
+                <a:latin typeface="Courier New" panose="02070309020205020404" pitchFamily="49" charset="0"/>
+                <a:cs typeface="Courier New" panose="02070309020205020404" pitchFamily="49" charset="0"/>
+              </a:rPr>
+              <a:t>array(['n', 'y', nan, 'n ', 'N'], </a:t>
+            </a:r>
+            <a:r>
+              <a:rPr lang="en-US" dirty="0" err="1">
+                <a:latin typeface="Courier New" panose="02070309020205020404" pitchFamily="49" charset="0"/>
+                <a:cs typeface="Courier New" panose="02070309020205020404" pitchFamily="49" charset="0"/>
+              </a:rPr>
+              <a:t>dtype</a:t>
+            </a:r>
+            <a:r>
+              <a:rPr lang="en-US" dirty="0">
+                <a:latin typeface="Courier New" panose="02070309020205020404" pitchFamily="49" charset="0"/>
+                <a:cs typeface="Courier New" panose="02070309020205020404" pitchFamily="49" charset="0"/>
+              </a:rPr>
+              <a:t>=object)</a:t>
+            </a:r>
+          </a:p>
+        </p:txBody>
+      </p:sp>
+      <p:sp>
+        <p:nvSpPr>
+          <p:cNvPr id="4" name="Slide Number Placeholder 3">
+            <a:extLst>
+              <a:ext uri="{FF2B5EF4-FFF2-40B4-BE49-F238E27FC236}">
+                <a16:creationId xmlns:a16="http://schemas.microsoft.com/office/drawing/2014/main" id="{E33612C2-840E-0EFB-6BDD-739D42AC4FB1}"/>
+              </a:ext>
+            </a:extLst>
+          </p:cNvPr>
+          <p:cNvSpPr>
+            <a:spLocks noGrp="1"/>
+          </p:cNvSpPr>
+          <p:nvPr>
+            <p:ph type="sldNum" idx="12"/>
+          </p:nvPr>
+        </p:nvSpPr>
+        <p:spPr/>
+        <p:txBody>
+          <a:bodyPr/>
+          <a:lstStyle/>
+          <a:p>
+            <a:pPr marL="0" lvl="0" indent="0" algn="r" rtl="0">
+              <a:spcBef>
+                <a:spcPts val="0"/>
+              </a:spcBef>
+              <a:spcAft>
+                <a:spcPts val="0"/>
+              </a:spcAft>
+              <a:buNone/>
+            </a:pPr>
+            <a:fld id="{00000000-1234-1234-1234-123412341234}" type="slidenum">
+              <a:rPr lang="en" smtClean="0"/>
+              <a:t>43</a:t>
+            </a:fld>
+            <a:endParaRPr lang="en" dirty="0"/>
+          </a:p>
+        </p:txBody>
+      </p:sp>
+    </p:spTree>
+    <p:extLst>
+      <p:ext uri="{BB962C8B-B14F-4D97-AF65-F5344CB8AC3E}">
+        <p14:creationId xmlns:p14="http://schemas.microsoft.com/office/powerpoint/2010/main" val="1988222347"/>
+      </p:ext>
+    </p:extLst>
+  </p:cSld>
+  <p:clrMapOvr>
+    <a:masterClrMapping/>
+  </p:clrMapOvr>
+</p:sld>
+</file>
+
+<file path=ppt/slides/slide44.xml><?xml version="1.0" encoding="utf-8"?>
+<p:sld xmlns:a="http://schemas.openxmlformats.org/drawingml/2006/main" xmlns:r="http://schemas.openxmlformats.org/officeDocument/2006/relationships" xmlns:p="http://schemas.openxmlformats.org/presentationml/2006/main">
+  <p:cSld>
+    <p:spTree>
+      <p:nvGrpSpPr>
+        <p:cNvPr id="1" name=""/>
+        <p:cNvGrpSpPr/>
+        <p:nvPr/>
+      </p:nvGrpSpPr>
+      <p:grpSpPr>
+        <a:xfrm>
+          <a:off x="0" y="0"/>
+          <a:ext cx="0" cy="0"/>
+          <a:chOff x="0" y="0"/>
+          <a:chExt cx="0" cy="0"/>
+        </a:xfrm>
+      </p:grpSpPr>
+      <p:sp>
+        <p:nvSpPr>
+          <p:cNvPr id="2" name="Title 1">
+            <a:extLst>
+              <a:ext uri="{FF2B5EF4-FFF2-40B4-BE49-F238E27FC236}">
+                <a16:creationId xmlns:a16="http://schemas.microsoft.com/office/drawing/2014/main" id="{13C5E11B-ED4E-E092-B5AC-3AD01F3AABE6}"/>
+              </a:ext>
+            </a:extLst>
+          </p:cNvPr>
+          <p:cNvSpPr>
+            <a:spLocks noGrp="1"/>
+          </p:cNvSpPr>
+          <p:nvPr>
+            <p:ph type="title"/>
+          </p:nvPr>
+        </p:nvSpPr>
+        <p:spPr/>
+        <p:txBody>
+          <a:bodyPr/>
+          <a:lstStyle/>
+          <a:p>
+            <a:r>
+              <a:rPr lang="en-US" dirty="0"/>
               <a:t>Why bother with constraints on data? (2)</a:t>
             </a:r>
           </a:p>
@@ -33159,7 +35635,7 @@
             </a:pPr>
             <a:fld id="{00000000-1234-1234-1234-123412341234}" type="slidenum">
               <a:rPr lang="en" smtClean="0"/>
-              <a:t>41</a:t>
+              <a:t>44</a:t>
             </a:fld>
             <a:endParaRPr lang="en" dirty="0"/>
           </a:p>
@@ -33178,8 +35654,8 @@
 </p:sld>
 </file>
 
-<file path=ppt/slides/slide42.xml><?xml version="1.0" encoding="utf-8"?>
-<p:sld xmlns:a="http://schemas.openxmlformats.org/drawingml/2006/main" xmlns:r="http://schemas.openxmlformats.org/officeDocument/2006/relationships" xmlns:p="http://schemas.openxmlformats.org/presentationml/2006/main">
+<file path=ppt/slides/slide45.xml><?xml version="1.0" encoding="utf-8"?>
+<p:sld xmlns:a="http://schemas.openxmlformats.org/drawingml/2006/main" xmlns:r="http://schemas.openxmlformats.org/officeDocument/2006/relationships" xmlns:p="http://schemas.openxmlformats.org/presentationml/2006/main" show="0">
   <p:cSld>
     <p:spTree>
       <p:nvGrpSpPr>
@@ -33295,7 +35771,7 @@
             </a:pPr>
             <a:fld id="{00000000-1234-1234-1234-123412341234}" type="slidenum">
               <a:rPr lang="en" smtClean="0"/>
-              <a:t>42</a:t>
+              <a:t>45</a:t>
             </a:fld>
             <a:endParaRPr lang="en" dirty="0"/>
           </a:p>
@@ -33314,7 +35790,7 @@
 </p:sld>
 </file>
 
-<file path=ppt/slides/slide43.xml><?xml version="1.0" encoding="utf-8"?>
+<file path=ppt/slides/slide46.xml><?xml version="1.0" encoding="utf-8"?>
 <p:sld xmlns:a="http://schemas.openxmlformats.org/drawingml/2006/main" xmlns:r="http://schemas.openxmlformats.org/officeDocument/2006/relationships" xmlns:p="http://schemas.openxmlformats.org/presentationml/2006/main">
   <p:cSld>
     <p:spTree>
@@ -33457,7 +35933,7 @@
             </a:pPr>
             <a:fld id="{00000000-1234-1234-1234-123412341234}" type="slidenum">
               <a:rPr lang="en" smtClean="0"/>
-              <a:t>43</a:t>
+              <a:t>46</a:t>
             </a:fld>
             <a:endParaRPr lang="en"/>
           </a:p>
